--- a/payments/payment-decentralization-scheme-1a.pptx
+++ b/payments/payment-decentralization-scheme-1a.pptx
@@ -288,7 +288,7 @@
           <a:p>
             <a:fld id="{E3744D7E-A5BB-4306-A750-C25515017678}" type="datetimeFigureOut">
               <a:rPr lang="en-US" smtClean="0"/>
-              <a:t>2016-12-16</a:t>
+              <a:t>2017-07-15</a:t>
             </a:fld>
             <a:endParaRPr lang="en-US"/>
           </a:p>
@@ -458,7 +458,7 @@
           <a:p>
             <a:fld id="{E3744D7E-A5BB-4306-A750-C25515017678}" type="datetimeFigureOut">
               <a:rPr lang="en-US" smtClean="0"/>
-              <a:t>2016-12-16</a:t>
+              <a:t>2017-07-15</a:t>
             </a:fld>
             <a:endParaRPr lang="en-US"/>
           </a:p>
@@ -638,7 +638,7 @@
           <a:p>
             <a:fld id="{E3744D7E-A5BB-4306-A750-C25515017678}" type="datetimeFigureOut">
               <a:rPr lang="en-US" smtClean="0"/>
-              <a:t>2016-12-16</a:t>
+              <a:t>2017-07-15</a:t>
             </a:fld>
             <a:endParaRPr lang="en-US"/>
           </a:p>
@@ -808,7 +808,7 @@
           <a:p>
             <a:fld id="{E3744D7E-A5BB-4306-A750-C25515017678}" type="datetimeFigureOut">
               <a:rPr lang="en-US" smtClean="0"/>
-              <a:t>2016-12-16</a:t>
+              <a:t>2017-07-15</a:t>
             </a:fld>
             <a:endParaRPr lang="en-US"/>
           </a:p>
@@ -1054,7 +1054,7 @@
           <a:p>
             <a:fld id="{E3744D7E-A5BB-4306-A750-C25515017678}" type="datetimeFigureOut">
               <a:rPr lang="en-US" smtClean="0"/>
-              <a:t>2016-12-16</a:t>
+              <a:t>2017-07-15</a:t>
             </a:fld>
             <a:endParaRPr lang="en-US"/>
           </a:p>
@@ -1342,7 +1342,7 @@
           <a:p>
             <a:fld id="{E3744D7E-A5BB-4306-A750-C25515017678}" type="datetimeFigureOut">
               <a:rPr lang="en-US" smtClean="0"/>
-              <a:t>2016-12-16</a:t>
+              <a:t>2017-07-15</a:t>
             </a:fld>
             <a:endParaRPr lang="en-US"/>
           </a:p>
@@ -1764,7 +1764,7 @@
           <a:p>
             <a:fld id="{E3744D7E-A5BB-4306-A750-C25515017678}" type="datetimeFigureOut">
               <a:rPr lang="en-US" smtClean="0"/>
-              <a:t>2016-12-16</a:t>
+              <a:t>2017-07-15</a:t>
             </a:fld>
             <a:endParaRPr lang="en-US"/>
           </a:p>
@@ -1882,7 +1882,7 @@
           <a:p>
             <a:fld id="{E3744D7E-A5BB-4306-A750-C25515017678}" type="datetimeFigureOut">
               <a:rPr lang="en-US" smtClean="0"/>
-              <a:t>2016-12-16</a:t>
+              <a:t>2017-07-15</a:t>
             </a:fld>
             <a:endParaRPr lang="en-US"/>
           </a:p>
@@ -1977,7 +1977,7 @@
           <a:p>
             <a:fld id="{E3744D7E-A5BB-4306-A750-C25515017678}" type="datetimeFigureOut">
               <a:rPr lang="en-US" smtClean="0"/>
-              <a:t>2016-12-16</a:t>
+              <a:t>2017-07-15</a:t>
             </a:fld>
             <a:endParaRPr lang="en-US"/>
           </a:p>
@@ -2254,7 +2254,7 @@
           <a:p>
             <a:fld id="{E3744D7E-A5BB-4306-A750-C25515017678}" type="datetimeFigureOut">
               <a:rPr lang="en-US" smtClean="0"/>
-              <a:t>2016-12-16</a:t>
+              <a:t>2017-07-15</a:t>
             </a:fld>
             <a:endParaRPr lang="en-US"/>
           </a:p>
@@ -2507,7 +2507,7 @@
           <a:p>
             <a:fld id="{E3744D7E-A5BB-4306-A750-C25515017678}" type="datetimeFigureOut">
               <a:rPr lang="en-US" smtClean="0"/>
-              <a:t>2016-12-16</a:t>
+              <a:t>2017-07-15</a:t>
             </a:fld>
             <a:endParaRPr lang="en-US"/>
           </a:p>
@@ -2720,7 +2720,7 @@
           <a:p>
             <a:fld id="{E3744D7E-A5BB-4306-A750-C25515017678}" type="datetimeFigureOut">
               <a:rPr lang="en-US" smtClean="0"/>
-              <a:t>2016-12-16</a:t>
+              <a:t>2017-07-15</a:t>
             </a:fld>
             <a:endParaRPr lang="en-US"/>
           </a:p>
@@ -3103,7 +3103,7 @@
         </p:nvSpPr>
         <p:spPr>
           <a:xfrm rot="16845960">
-            <a:off x="1634498" y="1458745"/>
+            <a:off x="1634498" y="1314729"/>
             <a:ext cx="198210" cy="998112"/>
           </a:xfrm>
           <a:prstGeom prst="upArrow">
@@ -3155,7 +3155,7 @@
         </p:nvCxnSpPr>
         <p:spPr>
           <a:xfrm>
-            <a:off x="-2760" y="4520153"/>
+            <a:off x="-2760" y="4376137"/>
             <a:ext cx="9104238" cy="0"/>
           </a:xfrm>
           <a:prstGeom prst="line">
@@ -3483,7 +3483,7 @@
         </p:nvGrpSpPr>
         <p:grpSpPr>
           <a:xfrm>
-            <a:off x="899592" y="4941168"/>
+            <a:off x="899592" y="4869160"/>
             <a:ext cx="2808312" cy="864096"/>
             <a:chOff x="1599996" y="5157192"/>
             <a:chExt cx="2808312" cy="864096"/>
@@ -3609,10 +3609,10 @@
         </p:nvGrpSpPr>
         <p:grpSpPr>
           <a:xfrm>
-            <a:off x="5070118" y="4949652"/>
-            <a:ext cx="3642192" cy="864096"/>
-            <a:chOff x="5394304" y="5165676"/>
-            <a:chExt cx="3642192" cy="864096"/>
+            <a:off x="4499992" y="4797152"/>
+            <a:ext cx="4595894" cy="1016596"/>
+            <a:chOff x="5240427" y="5165676"/>
+            <a:chExt cx="4243458" cy="864096"/>
           </a:xfrm>
         </p:grpSpPr>
         <p:sp>
@@ -3623,8 +3623,8 @@
           </p:nvSpPr>
           <p:spPr>
             <a:xfrm flipH="1" flipV="1">
-              <a:off x="5394304" y="5165676"/>
-              <a:ext cx="3642192" cy="864096"/>
+              <a:off x="5240427" y="5165676"/>
+              <a:ext cx="4010069" cy="864096"/>
             </a:xfrm>
             <a:prstGeom prst="foldedCorner">
               <a:avLst>
@@ -3676,8 +3676,8 @@
           </p:nvSpPr>
           <p:spPr>
             <a:xfrm>
-              <a:off x="5568236" y="5373215"/>
-              <a:ext cx="3345788" cy="538609"/>
+              <a:off x="5394304" y="5346578"/>
+              <a:ext cx="4089581" cy="614776"/>
             </a:xfrm>
             <a:prstGeom prst="rect">
               <a:avLst/>
@@ -3705,8 +3705,56 @@
                   <a:latin typeface="Courier New" panose="02070309020205020404" pitchFamily="49" charset="0"/>
                   <a:cs typeface="Courier New" panose="02070309020205020404" pitchFamily="49" charset="0"/>
                 </a:rPr>
-                <a:t>: https://mybank.com/payment</a:t>
+                <a:t>: https://</a:t>
               </a:r>
+              <a:r>
+                <a:rPr lang="en-US" sz="1200" b="1" dirty="0" smtClean="0">
+                  <a:latin typeface="Courier New" panose="02070309020205020404" pitchFamily="49" charset="0"/>
+                  <a:cs typeface="Courier New" panose="02070309020205020404" pitchFamily="49" charset="0"/>
+                </a:rPr>
+                <a:t>mybank.com/payment</a:t>
+              </a:r>
+              <a:br>
+                <a:rPr lang="en-US" sz="1200" b="1" dirty="0" smtClean="0">
+                  <a:latin typeface="Courier New" panose="02070309020205020404" pitchFamily="49" charset="0"/>
+                  <a:cs typeface="Courier New" panose="02070309020205020404" pitchFamily="49" charset="0"/>
+                </a:rPr>
+              </a:br>
+              <a:r>
+                <a:rPr lang="en-US" sz="1200" b="1" dirty="0" smtClean="0">
+                  <a:solidFill>
+                    <a:srgbClr val="FF0000"/>
+                  </a:solidFill>
+                  <a:latin typeface="Courier New" panose="02070309020205020404" pitchFamily="49" charset="0"/>
+                  <a:cs typeface="Courier New" panose="02070309020205020404" pitchFamily="49" charset="0"/>
+                </a:rPr>
+                <a:t>Account</a:t>
+              </a:r>
+              <a:r>
+                <a:rPr lang="en-US" sz="1200" b="1" dirty="0">
+                  <a:latin typeface="Courier New" panose="02070309020205020404" pitchFamily="49" charset="0"/>
+                  <a:cs typeface="Courier New" panose="02070309020205020404" pitchFamily="49" charset="0"/>
+                </a:rPr>
+                <a:t>: </a:t>
+              </a:r>
+              <a:r>
+                <a:rPr lang="en-US" sz="1200" b="1" dirty="0" smtClean="0">
+                  <a:latin typeface="Courier New" panose="02070309020205020404" pitchFamily="49" charset="0"/>
+                  <a:cs typeface="Courier New" panose="02070309020205020404" pitchFamily="49" charset="0"/>
+                </a:rPr>
+                <a:t>FR14 2004 </a:t>
+              </a:r>
+              <a:r>
+                <a:rPr lang="en-US" sz="1200" b="1" dirty="0">
+                  <a:latin typeface="Courier New" panose="02070309020205020404" pitchFamily="49" charset="0"/>
+                  <a:cs typeface="Courier New" panose="02070309020205020404" pitchFamily="49" charset="0"/>
+                </a:rPr>
+                <a:t>1010 0505 0001 3M02 606</a:t>
+              </a:r>
+              <a:endParaRPr lang="en-US" sz="1200" b="1" dirty="0" smtClean="0">
+                <a:latin typeface="Courier New" panose="02070309020205020404" pitchFamily="49" charset="0"/>
+                <a:cs typeface="Courier New" panose="02070309020205020404" pitchFamily="49" charset="0"/>
+              </a:endParaRPr>
             </a:p>
             <a:p>
               <a:pPr>
@@ -3735,7 +3783,7 @@
         </p:nvSpPr>
         <p:spPr>
           <a:xfrm>
-            <a:off x="-2760" y="4520153"/>
+            <a:off x="-2760" y="4376137"/>
             <a:ext cx="899605" cy="276999"/>
           </a:xfrm>
           <a:prstGeom prst="rect">
@@ -3771,7 +3819,7 @@
         </p:nvSpPr>
         <p:spPr>
           <a:xfrm>
-            <a:off x="-13" y="4221088"/>
+            <a:off x="-13" y="4077072"/>
             <a:ext cx="1148071" cy="276999"/>
           </a:xfrm>
           <a:prstGeom prst="rect">
@@ -3807,7 +3855,7 @@
         </p:nvGrpSpPr>
         <p:grpSpPr>
           <a:xfrm>
-            <a:off x="251520" y="692696"/>
+            <a:off x="251520" y="548680"/>
             <a:ext cx="1126177" cy="2270624"/>
             <a:chOff x="519059" y="1734440"/>
             <a:chExt cx="1126177" cy="2270624"/>
@@ -5935,7 +5983,7 @@
         </p:nvGrpSpPr>
         <p:grpSpPr>
           <a:xfrm>
-            <a:off x="4788024" y="1518416"/>
+            <a:off x="4788024" y="1374400"/>
             <a:ext cx="1126177" cy="2270624"/>
             <a:chOff x="519059" y="1734440"/>
             <a:chExt cx="1126177" cy="2270624"/>
@@ -8063,7 +8111,7 @@
         </p:nvSpPr>
         <p:spPr>
           <a:xfrm rot="18414791">
-            <a:off x="6132776" y="2611863"/>
+            <a:off x="6132776" y="2467847"/>
             <a:ext cx="198210" cy="1183934"/>
           </a:xfrm>
           <a:prstGeom prst="upArrow">
@@ -8115,7 +8163,7 @@
         </p:nvSpPr>
         <p:spPr>
           <a:xfrm>
-            <a:off x="3347864" y="4385264"/>
+            <a:off x="3347864" y="4241248"/>
             <a:ext cx="2068554" cy="276999"/>
           </a:xfrm>
           <a:prstGeom prst="rect">
@@ -8177,7 +8225,7 @@
         </p:nvSpPr>
         <p:spPr>
           <a:xfrm>
-            <a:off x="2263612" y="1684123"/>
+            <a:off x="2263612" y="1540107"/>
             <a:ext cx="1387828" cy="925398"/>
           </a:xfrm>
           <a:prstGeom prst="ellipse">
@@ -8251,7 +8299,7 @@
         </p:nvSpPr>
         <p:spPr>
           <a:xfrm>
-            <a:off x="2676040" y="2116293"/>
+            <a:off x="2676040" y="1972277"/>
             <a:ext cx="576064" cy="376603"/>
           </a:xfrm>
           <a:prstGeom prst="flowChartMagneticDisk">
@@ -8305,7 +8353,7 @@
         </p:nvSpPr>
         <p:spPr>
           <a:xfrm>
-            <a:off x="2483769" y="1677724"/>
+            <a:off x="2483769" y="1533708"/>
             <a:ext cx="942887" cy="507832"/>
           </a:xfrm>
           <a:prstGeom prst="rect">
@@ -8355,7 +8403,7 @@
         </p:nvSpPr>
         <p:spPr>
           <a:xfrm rot="1244165">
-            <a:off x="2464784" y="2602614"/>
+            <a:off x="2464784" y="2458598"/>
             <a:ext cx="198210" cy="898288"/>
           </a:xfrm>
           <a:prstGeom prst="upArrow">
@@ -8407,7 +8455,7 @@
         </p:nvSpPr>
         <p:spPr>
           <a:xfrm>
-            <a:off x="2022908" y="1340768"/>
+            <a:off x="2022908" y="1196752"/>
             <a:ext cx="1864613" cy="276999"/>
           </a:xfrm>
           <a:prstGeom prst="rect">
@@ -8587,7 +8635,7 @@
         </p:nvSpPr>
         <p:spPr>
           <a:xfrm>
-            <a:off x="5325732" y="5960313"/>
+            <a:off x="5037700" y="5960313"/>
             <a:ext cx="3422732" cy="276999"/>
           </a:xfrm>
           <a:prstGeom prst="rect">
@@ -8670,7 +8718,14 @@
                 <a:latin typeface="Arial" panose="020B0604020202020204" pitchFamily="34" charset="0"/>
                 <a:cs typeface="Arial" panose="020B0604020202020204" pitchFamily="34" charset="0"/>
               </a:rPr>
-              <a:t>WebPKI.org/A.R. 2016-12-15</a:t>
+              <a:t>WebPKI.org/A.R. </a:t>
+            </a:r>
+            <a:r>
+              <a:rPr lang="en-US" sz="800" dirty="0" smtClean="0">
+                <a:latin typeface="Arial" panose="020B0604020202020204" pitchFamily="34" charset="0"/>
+                <a:cs typeface="Arial" panose="020B0604020202020204" pitchFamily="34" charset="0"/>
+              </a:rPr>
+              <a:t>2016-12-15</a:t>
             </a:r>
             <a:endParaRPr lang="en-US" sz="800" dirty="0">
               <a:latin typeface="Arial" panose="020B0604020202020204" pitchFamily="34" charset="0"/>
@@ -8687,7 +8742,7 @@
         </p:nvGrpSpPr>
         <p:grpSpPr>
           <a:xfrm>
-            <a:off x="6847624" y="1672923"/>
+            <a:off x="6847624" y="1528907"/>
             <a:ext cx="1260000" cy="1224000"/>
             <a:chOff x="6847624" y="1672923"/>
             <a:chExt cx="1260000" cy="1224000"/>

--- a/payments/payment-decentralization-scheme-1a.pptx
+++ b/payments/payment-decentralization-scheme-1a.pptx
@@ -6033,8 +6033,8 @@
         </p:nvSpPr>
         <p:spPr>
           <a:xfrm>
-            <a:off x="704190" y="6237310"/>
-            <a:ext cx="2760692" cy="276999"/>
+            <a:off x="467544" y="6237310"/>
+            <a:ext cx="3188693" cy="307777"/>
           </a:xfrm>
           <a:prstGeom prst="rect">
             <a:avLst/>
@@ -6048,20 +6048,20 @@
           <a:lstStyle/>
           <a:p>
             <a:r>
-              <a:rPr lang="en-US" sz="1200" i="1" dirty="0" smtClean="0">
+              <a:rPr lang="en-US" sz="1400" i="1" dirty="0" smtClean="0">
                 <a:latin typeface="Arial" panose="020B0604020202020204" pitchFamily="34" charset="0"/>
                 <a:cs typeface="Arial" panose="020B0604020202020204" pitchFamily="34" charset="0"/>
               </a:rPr>
               <a:t>Pre-Internet</a:t>
             </a:r>
             <a:r>
-              <a:rPr lang="en-US" sz="1200" dirty="0" smtClean="0">
+              <a:rPr lang="en-US" sz="1400" dirty="0" smtClean="0">
                 <a:latin typeface="Arial" panose="020B0604020202020204" pitchFamily="34" charset="0"/>
                 <a:cs typeface="Arial" panose="020B0604020202020204" pitchFamily="34" charset="0"/>
               </a:rPr>
               <a:t> Payment Card Credential</a:t>
             </a:r>
-            <a:endParaRPr lang="en-US" sz="1200" dirty="0">
+            <a:endParaRPr lang="en-US" sz="1400" dirty="0">
               <a:latin typeface="Arial" panose="020B0604020202020204" pitchFamily="34" charset="0"/>
               <a:cs typeface="Arial" panose="020B0604020202020204" pitchFamily="34" charset="0"/>
             </a:endParaRPr>
@@ -7659,9 +7659,9 @@
         <p:grpSpPr>
           <a:xfrm>
             <a:off x="4283968" y="847747"/>
-            <a:ext cx="4608512" cy="5821613"/>
+            <a:ext cx="4608512" cy="5893621"/>
             <a:chOff x="4283968" y="847747"/>
-            <a:chExt cx="4608512" cy="5821613"/>
+            <a:chExt cx="4608512" cy="5893621"/>
           </a:xfrm>
         </p:grpSpPr>
         <p:grpSp>
@@ -7673,9 +7673,9 @@
           <p:grpSpPr>
             <a:xfrm>
               <a:off x="4283968" y="847747"/>
-              <a:ext cx="4608512" cy="5821613"/>
+              <a:ext cx="4608512" cy="5893621"/>
               <a:chOff x="4211960" y="908720"/>
-              <a:chExt cx="4608512" cy="5821613"/>
+              <a:chExt cx="4608512" cy="5893621"/>
             </a:xfrm>
           </p:grpSpPr>
           <p:grpSp>
@@ -7687,9 +7687,9 @@
             <p:grpSpPr>
               <a:xfrm>
                 <a:off x="4211960" y="908720"/>
-                <a:ext cx="4608512" cy="5821613"/>
+                <a:ext cx="4608512" cy="5893621"/>
                 <a:chOff x="4211960" y="908720"/>
-                <a:chExt cx="4608512" cy="5821613"/>
+                <a:chExt cx="4608512" cy="5893621"/>
               </a:xfrm>
             </p:grpSpPr>
             <p:grpSp>
@@ -10195,8 +10195,8 @@
               </p:nvSpPr>
               <p:spPr>
                 <a:xfrm>
-                  <a:off x="4770292" y="6453334"/>
-                  <a:ext cx="3422732" cy="276999"/>
+                  <a:off x="4644008" y="6494564"/>
+                  <a:ext cx="3724033" cy="307777"/>
                 </a:xfrm>
                 <a:prstGeom prst="rect">
                   <a:avLst/>
@@ -10210,41 +10210,41 @@
                 <a:lstStyle/>
                 <a:p>
                   <a:r>
-                    <a:rPr lang="en-US" sz="1200" dirty="0" smtClean="0">
+                    <a:rPr lang="en-US" sz="1400" dirty="0" smtClean="0">
                       <a:latin typeface="Arial" panose="020B0604020202020204" pitchFamily="34" charset="0"/>
                       <a:cs typeface="Arial" panose="020B0604020202020204" pitchFamily="34" charset="0"/>
                     </a:rPr>
                     <a:t>Enhanced </a:t>
                   </a:r>
                   <a:r>
-                    <a:rPr lang="en-US" sz="1200" i="1" dirty="0" smtClean="0">
+                    <a:rPr lang="en-US" sz="1400" i="1" dirty="0" smtClean="0">
                       <a:latin typeface="Arial" panose="020B0604020202020204" pitchFamily="34" charset="0"/>
                       <a:cs typeface="Arial" panose="020B0604020202020204" pitchFamily="34" charset="0"/>
                     </a:rPr>
-                    <a:t>Internet-</a:t>
+                    <a:t>Web</a:t>
                   </a:r>
                   <a:r>
-                    <a:rPr lang="en-US" sz="1200" i="1" dirty="0">
+                    <a:rPr lang="en-US" sz="1400" i="1" dirty="0" smtClean="0">
                       <a:latin typeface="Arial" panose="020B0604020202020204" pitchFamily="34" charset="0"/>
                       <a:cs typeface="Arial" panose="020B0604020202020204" pitchFamily="34" charset="0"/>
                     </a:rPr>
-                    <a:t>e</a:t>
+                    <a:t>-enabled</a:t>
                   </a:r>
                   <a:r>
-                    <a:rPr lang="en-US" sz="1200" i="1" dirty="0" smtClean="0">
+                    <a:rPr lang="en-US" sz="1400" dirty="0" smtClean="0">
                       <a:latin typeface="Arial" panose="020B0604020202020204" pitchFamily="34" charset="0"/>
                       <a:cs typeface="Arial" panose="020B0604020202020204" pitchFamily="34" charset="0"/>
                     </a:rPr>
-                    <a:t>nabled</a:t>
+                    <a:t> </a:t>
                   </a:r>
                   <a:r>
-                    <a:rPr lang="en-US" sz="1200" dirty="0" smtClean="0">
+                    <a:rPr lang="en-US" sz="1400" dirty="0" smtClean="0">
                       <a:latin typeface="Arial" panose="020B0604020202020204" pitchFamily="34" charset="0"/>
                       <a:cs typeface="Arial" panose="020B0604020202020204" pitchFamily="34" charset="0"/>
                     </a:rPr>
-                    <a:t> Payment Credential</a:t>
+                    <a:t>Payment Credential</a:t>
                   </a:r>
-                  <a:endParaRPr lang="en-US" sz="1200" dirty="0">
+                  <a:endParaRPr lang="en-US" sz="1400" dirty="0">
                     <a:latin typeface="Arial" panose="020B0604020202020204" pitchFamily="34" charset="0"/>
                     <a:cs typeface="Arial" panose="020B0604020202020204" pitchFamily="34" charset="0"/>
                   </a:endParaRPr>
@@ -12306,6 +12306,63 @@
           </p:txBody>
         </p:sp>
       </p:grpSp>
+      <p:sp>
+        <p:nvSpPr>
+          <p:cNvPr id="248" name="TextBox 247"/>
+          <p:cNvSpPr txBox="1"/>
+          <p:nvPr/>
+        </p:nvSpPr>
+        <p:spPr>
+          <a:xfrm>
+            <a:off x="3649310" y="2542990"/>
+            <a:ext cx="780509" cy="510778"/>
+          </a:xfrm>
+          <a:prstGeom prst="roundRect">
+            <a:avLst/>
+          </a:prstGeom>
+          <a:solidFill>
+            <a:schemeClr val="bg1"/>
+          </a:solidFill>
+          <a:ln w="3175">
+            <a:solidFill>
+              <a:schemeClr val="tx1"/>
+            </a:solidFill>
+          </a:ln>
+        </p:spPr>
+        <p:txBody>
+          <a:bodyPr wrap="none" rtlCol="0">
+            <a:spAutoFit/>
+          </a:bodyPr>
+          <a:lstStyle/>
+          <a:p>
+            <a:pPr algn="ctr"/>
+            <a:r>
+              <a:rPr lang="en-US" sz="1200" dirty="0" smtClean="0">
+                <a:latin typeface="Arial" panose="020B0604020202020204" pitchFamily="34" charset="0"/>
+                <a:cs typeface="Arial" panose="020B0604020202020204" pitchFamily="34" charset="0"/>
+              </a:rPr>
+              <a:t>Recent</a:t>
+            </a:r>
+            <a:br>
+              <a:rPr lang="en-US" sz="1200" dirty="0" smtClean="0">
+                <a:latin typeface="Arial" panose="020B0604020202020204" pitchFamily="34" charset="0"/>
+                <a:cs typeface="Arial" panose="020B0604020202020204" pitchFamily="34" charset="0"/>
+              </a:rPr>
+            </a:br>
+            <a:r>
+              <a:rPr lang="en-US" sz="1200" dirty="0" smtClean="0">
+                <a:latin typeface="Arial" panose="020B0604020202020204" pitchFamily="34" charset="0"/>
+                <a:cs typeface="Arial" panose="020B0604020202020204" pitchFamily="34" charset="0"/>
+              </a:rPr>
+              <a:t>Addition</a:t>
+            </a:r>
+            <a:endParaRPr lang="en-US" sz="1200" dirty="0">
+              <a:latin typeface="Arial" panose="020B0604020202020204" pitchFamily="34" charset="0"/>
+              <a:cs typeface="Arial" panose="020B0604020202020204" pitchFamily="34" charset="0"/>
+            </a:endParaRPr>
+          </a:p>
+        </p:txBody>
+      </p:sp>
     </p:spTree>
     <p:extLst>
       <p:ext uri="{BB962C8B-B14F-4D97-AF65-F5344CB8AC3E}">

--- a/payments/payment-decentralization-scheme-1a.pptx
+++ b/payments/payment-decentralization-scheme-1a.pptx
@@ -288,7 +288,7 @@
           <a:p>
             <a:fld id="{FC080E38-6FF2-48B3-BDAB-4FA23B840E92}" type="datetimeFigureOut">
               <a:rPr lang="en-US" smtClean="0"/>
-              <a:t>2018-11-19</a:t>
+              <a:t>2020-07-04</a:t>
             </a:fld>
             <a:endParaRPr lang="en-US"/>
           </a:p>
@@ -458,7 +458,7 @@
           <a:p>
             <a:fld id="{FC080E38-6FF2-48B3-BDAB-4FA23B840E92}" type="datetimeFigureOut">
               <a:rPr lang="en-US" smtClean="0"/>
-              <a:t>2018-11-19</a:t>
+              <a:t>2020-07-04</a:t>
             </a:fld>
             <a:endParaRPr lang="en-US"/>
           </a:p>
@@ -638,7 +638,7 @@
           <a:p>
             <a:fld id="{FC080E38-6FF2-48B3-BDAB-4FA23B840E92}" type="datetimeFigureOut">
               <a:rPr lang="en-US" smtClean="0"/>
-              <a:t>2018-11-19</a:t>
+              <a:t>2020-07-04</a:t>
             </a:fld>
             <a:endParaRPr lang="en-US"/>
           </a:p>
@@ -808,7 +808,7 @@
           <a:p>
             <a:fld id="{FC080E38-6FF2-48B3-BDAB-4FA23B840E92}" type="datetimeFigureOut">
               <a:rPr lang="en-US" smtClean="0"/>
-              <a:t>2018-11-19</a:t>
+              <a:t>2020-07-04</a:t>
             </a:fld>
             <a:endParaRPr lang="en-US"/>
           </a:p>
@@ -1054,7 +1054,7 @@
           <a:p>
             <a:fld id="{FC080E38-6FF2-48B3-BDAB-4FA23B840E92}" type="datetimeFigureOut">
               <a:rPr lang="en-US" smtClean="0"/>
-              <a:t>2018-11-19</a:t>
+              <a:t>2020-07-04</a:t>
             </a:fld>
             <a:endParaRPr lang="en-US"/>
           </a:p>
@@ -1342,7 +1342,7 @@
           <a:p>
             <a:fld id="{FC080E38-6FF2-48B3-BDAB-4FA23B840E92}" type="datetimeFigureOut">
               <a:rPr lang="en-US" smtClean="0"/>
-              <a:t>2018-11-19</a:t>
+              <a:t>2020-07-04</a:t>
             </a:fld>
             <a:endParaRPr lang="en-US"/>
           </a:p>
@@ -1764,7 +1764,7 @@
           <a:p>
             <a:fld id="{FC080E38-6FF2-48B3-BDAB-4FA23B840E92}" type="datetimeFigureOut">
               <a:rPr lang="en-US" smtClean="0"/>
-              <a:t>2018-11-19</a:t>
+              <a:t>2020-07-04</a:t>
             </a:fld>
             <a:endParaRPr lang="en-US"/>
           </a:p>
@@ -1882,7 +1882,7 @@
           <a:p>
             <a:fld id="{FC080E38-6FF2-48B3-BDAB-4FA23B840E92}" type="datetimeFigureOut">
               <a:rPr lang="en-US" smtClean="0"/>
-              <a:t>2018-11-19</a:t>
+              <a:t>2020-07-04</a:t>
             </a:fld>
             <a:endParaRPr lang="en-US"/>
           </a:p>
@@ -1977,7 +1977,7 @@
           <a:p>
             <a:fld id="{FC080E38-6FF2-48B3-BDAB-4FA23B840E92}" type="datetimeFigureOut">
               <a:rPr lang="en-US" smtClean="0"/>
-              <a:t>2018-11-19</a:t>
+              <a:t>2020-07-04</a:t>
             </a:fld>
             <a:endParaRPr lang="en-US"/>
           </a:p>
@@ -2254,7 +2254,7 @@
           <a:p>
             <a:fld id="{FC080E38-6FF2-48B3-BDAB-4FA23B840E92}" type="datetimeFigureOut">
               <a:rPr lang="en-US" smtClean="0"/>
-              <a:t>2018-11-19</a:t>
+              <a:t>2020-07-04</a:t>
             </a:fld>
             <a:endParaRPr lang="en-US"/>
           </a:p>
@@ -2507,7 +2507,7 @@
           <a:p>
             <a:fld id="{FC080E38-6FF2-48B3-BDAB-4FA23B840E92}" type="datetimeFigureOut">
               <a:rPr lang="en-US" smtClean="0"/>
-              <a:t>2018-11-19</a:t>
+              <a:t>2020-07-04</a:t>
             </a:fld>
             <a:endParaRPr lang="en-US"/>
           </a:p>
@@ -2720,7 +2720,7 @@
           <a:p>
             <a:fld id="{FC080E38-6FF2-48B3-BDAB-4FA23B840E92}" type="datetimeFigureOut">
               <a:rPr lang="en-US" smtClean="0"/>
-              <a:t>2018-11-19</a:t>
+              <a:t>2020-07-04</a:t>
             </a:fld>
             <a:endParaRPr lang="en-US"/>
           </a:p>
@@ -5631,7 +5631,7 @@
         </p:nvSpPr>
         <p:spPr>
           <a:xfrm>
-            <a:off x="177782" y="548680"/>
+            <a:off x="1403648" y="761036"/>
             <a:ext cx="1220207" cy="307777"/>
           </a:xfrm>
           <a:prstGeom prst="rect">
@@ -5668,7 +5668,7 @@
         </p:nvSpPr>
         <p:spPr>
           <a:xfrm>
-            <a:off x="3131840" y="4241248"/>
+            <a:off x="2820568" y="4241248"/>
             <a:ext cx="2068554" cy="276999"/>
           </a:xfrm>
           <a:prstGeom prst="rect">
@@ -5997,8 +5997,8 @@
         </p:nvSpPr>
         <p:spPr>
           <a:xfrm>
-            <a:off x="1763688" y="260648"/>
-            <a:ext cx="6468437" cy="461665"/>
+            <a:off x="1331640" y="116632"/>
+            <a:ext cx="6091732" cy="738664"/>
           </a:xfrm>
           <a:prstGeom prst="rect">
             <a:avLst/>
@@ -6011,14 +6011,32 @@
           </a:bodyPr>
           <a:lstStyle/>
           <a:p>
+            <a:pPr algn="ctr"/>
             <a:r>
               <a:rPr lang="en-US" sz="2400" dirty="0" smtClean="0">
                 <a:latin typeface="Times New Roman" panose="02020603050405020304" pitchFamily="18" charset="0"/>
                 <a:cs typeface="Times New Roman" panose="02020603050405020304" pitchFamily="18" charset="0"/>
               </a:rPr>
-              <a:t>Payment Decentralization (Disruption) Scheme 1A</a:t>
+              <a:t>Payment Decentralization (Disruption) </a:t>
             </a:r>
-            <a:endParaRPr lang="en-US" sz="2400" dirty="0">
+            <a:r>
+              <a:rPr lang="en-US" sz="2400" dirty="0" smtClean="0">
+                <a:latin typeface="Times New Roman" panose="02020603050405020304" pitchFamily="18" charset="0"/>
+                <a:cs typeface="Times New Roman" panose="02020603050405020304" pitchFamily="18" charset="0"/>
+              </a:rPr>
+              <a:t>Scheme</a:t>
+            </a:r>
+          </a:p>
+          <a:p>
+            <a:pPr algn="ctr"/>
+            <a:r>
+              <a:rPr lang="en-US" i="1" dirty="0" smtClean="0">
+                <a:latin typeface="Times New Roman" panose="02020603050405020304" pitchFamily="18" charset="0"/>
+                <a:cs typeface="Times New Roman" panose="02020603050405020304" pitchFamily="18" charset="0"/>
+              </a:rPr>
+              <a:t>(slightly simplified)</a:t>
+            </a:r>
+            <a:endParaRPr lang="en-US" i="1" dirty="0">
               <a:latin typeface="Times New Roman" panose="02020603050405020304" pitchFamily="18" charset="0"/>
               <a:cs typeface="Times New Roman" panose="02020603050405020304" pitchFamily="18" charset="0"/>
             </a:endParaRPr>
@@ -6033,8 +6051,8 @@
         </p:nvSpPr>
         <p:spPr>
           <a:xfrm>
-            <a:off x="467544" y="6237310"/>
-            <a:ext cx="3188693" cy="307777"/>
+            <a:off x="249398" y="6237310"/>
+            <a:ext cx="3746538" cy="307777"/>
           </a:xfrm>
           <a:prstGeom prst="rect">
             <a:avLst/>
@@ -6059,7 +6077,14 @@
                 <a:latin typeface="Arial" panose="020B0604020202020204" pitchFamily="34" charset="0"/>
                 <a:cs typeface="Arial" panose="020B0604020202020204" pitchFamily="34" charset="0"/>
               </a:rPr>
-              <a:t> Payment Card Credential</a:t>
+              <a:t> Payment Card </a:t>
+            </a:r>
+            <a:r>
+              <a:rPr lang="en-US" sz="1400" dirty="0" smtClean="0">
+                <a:latin typeface="Arial" panose="020B0604020202020204" pitchFamily="34" charset="0"/>
+                <a:cs typeface="Arial" panose="020B0604020202020204" pitchFamily="34" charset="0"/>
+              </a:rPr>
+              <a:t>Credential (EMV)</a:t>
             </a:r>
             <a:endParaRPr lang="en-US" sz="1400" dirty="0">
               <a:latin typeface="Arial" panose="020B0604020202020204" pitchFamily="34" charset="0"/>
@@ -6184,7 +6209,7 @@
         </p:nvSpPr>
         <p:spPr>
           <a:xfrm>
-            <a:off x="2875440" y="3082008"/>
+            <a:off x="2875440" y="3033240"/>
             <a:ext cx="1298112" cy="523220"/>
           </a:xfrm>
           <a:prstGeom prst="rect">
@@ -7652,3980 +7677,3928 @@
       </p:grpSp>
       <p:grpSp>
         <p:nvGrpSpPr>
-          <p:cNvPr id="6" name="Group 5"/>
+          <p:cNvPr id="17" name="Group 16"/>
           <p:cNvGrpSpPr/>
           <p:nvPr/>
         </p:nvGrpSpPr>
         <p:grpSpPr>
           <a:xfrm>
-            <a:off x="4283968" y="847747"/>
-            <a:ext cx="4608512" cy="5893621"/>
-            <a:chOff x="4283968" y="847747"/>
-            <a:chExt cx="4608512" cy="5893621"/>
+            <a:off x="4283968" y="1028574"/>
+            <a:ext cx="4608512" cy="5310368"/>
+            <a:chOff x="4211960" y="1089547"/>
+            <a:chExt cx="4608512" cy="5310368"/>
           </a:xfrm>
         </p:grpSpPr>
         <p:grpSp>
           <p:nvGrpSpPr>
-            <p:cNvPr id="22" name="Group 21"/>
+            <p:cNvPr id="14" name="Group 13"/>
             <p:cNvGrpSpPr/>
             <p:nvPr/>
           </p:nvGrpSpPr>
           <p:grpSpPr>
             <a:xfrm>
-              <a:off x="4283968" y="847747"/>
-              <a:ext cx="4608512" cy="5893621"/>
-              <a:chOff x="4211960" y="908720"/>
-              <a:chExt cx="4608512" cy="5893621"/>
+              <a:off x="5355953" y="3286112"/>
+              <a:ext cx="1304279" cy="1744878"/>
+              <a:chOff x="5355953" y="3286112"/>
+              <a:chExt cx="1304279" cy="1744878"/>
+            </a:xfrm>
+          </p:grpSpPr>
+          <p:sp>
+            <p:nvSpPr>
+              <p:cNvPr id="237" name="Up Arrow 236"/>
+              <p:cNvSpPr/>
+              <p:nvPr/>
+            </p:nvSpPr>
+            <p:spPr>
+              <a:xfrm>
+                <a:off x="6462022" y="3685276"/>
+                <a:ext cx="198210" cy="1345714"/>
+              </a:xfrm>
+              <a:prstGeom prst="upArrow">
+                <a:avLst>
+                  <a:gd name="adj1" fmla="val 50000"/>
+                  <a:gd name="adj2" fmla="val 82952"/>
+                </a:avLst>
+              </a:prstGeom>
+              <a:solidFill>
+                <a:schemeClr val="tx2">
+                  <a:lumMod val="40000"/>
+                  <a:lumOff val="60000"/>
+                </a:schemeClr>
+              </a:solidFill>
+              <a:ln>
+                <a:noFill/>
+              </a:ln>
+            </p:spPr>
+            <p:style>
+              <a:lnRef idx="2">
+                <a:schemeClr val="accent1">
+                  <a:shade val="50000"/>
+                </a:schemeClr>
+              </a:lnRef>
+              <a:fillRef idx="1">
+                <a:schemeClr val="accent1"/>
+              </a:fillRef>
+              <a:effectRef idx="0">
+                <a:schemeClr val="accent1"/>
+              </a:effectRef>
+              <a:fontRef idx="minor">
+                <a:schemeClr val="lt1"/>
+              </a:fontRef>
+            </p:style>
+            <p:txBody>
+              <a:bodyPr rtlCol="0" anchor="ctr"/>
+              <a:lstStyle/>
+              <a:p>
+                <a:pPr algn="ctr"/>
+                <a:endParaRPr lang="en-US"/>
+              </a:p>
+            </p:txBody>
+          </p:sp>
+          <p:sp>
+            <p:nvSpPr>
+              <p:cNvPr id="239" name="TextBox 238"/>
+              <p:cNvSpPr txBox="1"/>
+              <p:nvPr/>
+            </p:nvSpPr>
+            <p:spPr>
+              <a:xfrm>
+                <a:off x="5355953" y="3286112"/>
+                <a:ext cx="930063" cy="307777"/>
+              </a:xfrm>
+              <a:prstGeom prst="rect">
+                <a:avLst/>
+              </a:prstGeom>
+              <a:noFill/>
+            </p:spPr>
+            <p:txBody>
+              <a:bodyPr wrap="none" rtlCol="0">
+                <a:spAutoFit/>
+              </a:bodyPr>
+              <a:lstStyle/>
+              <a:p>
+                <a:r>
+                  <a:rPr lang="en-US" sz="1400" dirty="0" smtClean="0">
+                    <a:latin typeface="Arial" panose="020B0604020202020204" pitchFamily="34" charset="0"/>
+                    <a:cs typeface="Arial" panose="020B0604020202020204" pitchFamily="34" charset="0"/>
+                  </a:rPr>
+                  <a:t>Merchant</a:t>
+                </a:r>
+                <a:endParaRPr lang="en-US" sz="1400" dirty="0">
+                  <a:latin typeface="Arial" panose="020B0604020202020204" pitchFamily="34" charset="0"/>
+                  <a:cs typeface="Arial" panose="020B0604020202020204" pitchFamily="34" charset="0"/>
+                </a:endParaRPr>
+              </a:p>
+            </p:txBody>
+          </p:sp>
+        </p:grpSp>
+        <p:grpSp>
+          <p:nvGrpSpPr>
+            <p:cNvPr id="16" name="Group 15"/>
+            <p:cNvGrpSpPr/>
+            <p:nvPr/>
+          </p:nvGrpSpPr>
+          <p:grpSpPr>
+            <a:xfrm>
+              <a:off x="4211960" y="4725147"/>
+              <a:ext cx="4608512" cy="1674768"/>
+              <a:chOff x="4211960" y="4725147"/>
+              <a:chExt cx="4608512" cy="1674768"/>
+            </a:xfrm>
+          </p:grpSpPr>
+          <p:sp>
+            <p:nvSpPr>
+              <p:cNvPr id="163" name="Folded Corner 162"/>
+              <p:cNvSpPr/>
+              <p:nvPr/>
+            </p:nvSpPr>
+            <p:spPr>
+              <a:xfrm flipH="1" flipV="1">
+                <a:off x="4211960" y="4725147"/>
+                <a:ext cx="4608512" cy="1674768"/>
+              </a:xfrm>
+              <a:prstGeom prst="foldedCorner">
+                <a:avLst>
+                  <a:gd name="adj" fmla="val 18211"/>
+                </a:avLst>
+              </a:prstGeom>
+              <a:solidFill>
+                <a:srgbClr val="FDF7DB"/>
+              </a:solidFill>
+              <a:ln w="9525"/>
+              <a:effectLst>
+                <a:outerShdw blurRad="50800" dist="38100" dir="2700000" algn="tl" rotWithShape="0">
+                  <a:prstClr val="black">
+                    <a:alpha val="40000"/>
+                  </a:prstClr>
+                </a:outerShdw>
+              </a:effectLst>
+            </p:spPr>
+            <p:style>
+              <a:lnRef idx="2">
+                <a:schemeClr val="accent1">
+                  <a:shade val="50000"/>
+                </a:schemeClr>
+              </a:lnRef>
+              <a:fillRef idx="1">
+                <a:schemeClr val="accent1"/>
+              </a:fillRef>
+              <a:effectRef idx="0">
+                <a:schemeClr val="accent1"/>
+              </a:effectRef>
+              <a:fontRef idx="minor">
+                <a:schemeClr val="lt1"/>
+              </a:fontRef>
+            </p:style>
+            <p:txBody>
+              <a:bodyPr rtlCol="0" anchor="ctr"/>
+              <a:lstStyle/>
+              <a:p>
+                <a:pPr algn="ctr"/>
+                <a:endParaRPr lang="en-US"/>
+              </a:p>
+            </p:txBody>
+          </p:sp>
+          <p:sp>
+            <p:nvSpPr>
+              <p:cNvPr id="164" name="TextBox 163"/>
+              <p:cNvSpPr txBox="1"/>
+              <p:nvPr/>
+            </p:nvSpPr>
+            <p:spPr>
+              <a:xfrm>
+                <a:off x="4388803" y="4937974"/>
+                <a:ext cx="4089580" cy="907941"/>
+              </a:xfrm>
+              <a:prstGeom prst="rect">
+                <a:avLst/>
+              </a:prstGeom>
+              <a:noFill/>
+            </p:spPr>
+            <p:txBody>
+              <a:bodyPr wrap="none" rtlCol="0">
+                <a:spAutoFit/>
+              </a:bodyPr>
+              <a:lstStyle/>
+              <a:p>
+                <a:pPr>
+                  <a:spcBef>
+                    <a:spcPts val="600"/>
+                  </a:spcBef>
+                </a:pPr>
+                <a:r>
+                  <a:rPr lang="en-US" sz="1200" b="1" dirty="0" smtClean="0">
+                    <a:solidFill>
+                      <a:srgbClr val="FF0000"/>
+                    </a:solidFill>
+                    <a:latin typeface="Courier New" panose="02070309020205020404" pitchFamily="49" charset="0"/>
+                    <a:cs typeface="Courier New" panose="02070309020205020404" pitchFamily="49" charset="0"/>
+                  </a:rPr>
+                  <a:t>Issuer URL</a:t>
+                </a:r>
+                <a:r>
+                  <a:rPr lang="en-US" sz="1200" b="1" dirty="0" smtClean="0">
+                    <a:latin typeface="Courier New" panose="02070309020205020404" pitchFamily="49" charset="0"/>
+                    <a:cs typeface="Courier New" panose="02070309020205020404" pitchFamily="49" charset="0"/>
+                  </a:rPr>
+                  <a:t>: </a:t>
+                </a:r>
+                <a:r>
+                  <a:rPr lang="en-US" sz="1200" b="1" dirty="0" smtClean="0">
+                    <a:latin typeface="Courier New" panose="02070309020205020404" pitchFamily="49" charset="0"/>
+                    <a:cs typeface="Courier New" panose="02070309020205020404" pitchFamily="49" charset="0"/>
+                  </a:rPr>
+                  <a:t>https://mybank.com/payment</a:t>
+                </a:r>
+              </a:p>
+              <a:p>
+                <a:pPr>
+                  <a:spcBef>
+                    <a:spcPts val="600"/>
+                  </a:spcBef>
+                </a:pPr>
+                <a:r>
+                  <a:rPr lang="en-US" sz="1200" b="1" dirty="0" smtClean="0">
+                    <a:solidFill>
+                      <a:srgbClr val="FF0000"/>
+                    </a:solidFill>
+                    <a:latin typeface="Courier New" panose="02070309020205020404" pitchFamily="49" charset="0"/>
+                    <a:cs typeface="Courier New" panose="02070309020205020404" pitchFamily="49" charset="0"/>
+                  </a:rPr>
+                  <a:t>Account</a:t>
+                </a:r>
+                <a:r>
+                  <a:rPr lang="en-US" sz="1200" b="1" dirty="0">
+                    <a:latin typeface="Courier New" panose="02070309020205020404" pitchFamily="49" charset="0"/>
+                    <a:cs typeface="Courier New" panose="02070309020205020404" pitchFamily="49" charset="0"/>
+                  </a:rPr>
+                  <a:t>: </a:t>
+                </a:r>
+                <a:r>
+                  <a:rPr lang="en-US" sz="1200" b="1" dirty="0" smtClean="0">
+                    <a:solidFill>
+                      <a:schemeClr val="accent1"/>
+                    </a:solidFill>
+                    <a:latin typeface="Courier New" panose="02070309020205020404" pitchFamily="49" charset="0"/>
+                    <a:cs typeface="Courier New" panose="02070309020205020404" pitchFamily="49" charset="0"/>
+                  </a:rPr>
+                  <a:t>FR14 2004 </a:t>
+                </a:r>
+                <a:r>
+                  <a:rPr lang="en-US" sz="1200" b="1" dirty="0">
+                    <a:solidFill>
+                      <a:schemeClr val="accent1"/>
+                    </a:solidFill>
+                    <a:latin typeface="Courier New" panose="02070309020205020404" pitchFamily="49" charset="0"/>
+                    <a:cs typeface="Courier New" panose="02070309020205020404" pitchFamily="49" charset="0"/>
+                  </a:rPr>
+                  <a:t>1010 0505 0001 3M02 </a:t>
+                </a:r>
+                <a:r>
+                  <a:rPr lang="en-US" sz="1200" b="1" dirty="0" smtClean="0">
+                    <a:solidFill>
+                      <a:schemeClr val="accent1"/>
+                    </a:solidFill>
+                    <a:latin typeface="Courier New" panose="02070309020205020404" pitchFamily="49" charset="0"/>
+                    <a:cs typeface="Courier New" panose="02070309020205020404" pitchFamily="49" charset="0"/>
+                  </a:rPr>
+                  <a:t>606</a:t>
+                </a:r>
+              </a:p>
+              <a:p>
+                <a:endParaRPr lang="en-US" sz="1200" b="1" dirty="0" smtClean="0">
+                  <a:solidFill>
+                    <a:srgbClr val="FF0000"/>
+                  </a:solidFill>
+                  <a:latin typeface="Courier New" panose="02070309020205020404" pitchFamily="49" charset="0"/>
+                  <a:cs typeface="Courier New" panose="02070309020205020404" pitchFamily="49" charset="0"/>
+                </a:endParaRPr>
+              </a:p>
+              <a:p>
+                <a:r>
+                  <a:rPr lang="en-US" sz="1200" b="1" dirty="0" smtClean="0">
+                    <a:solidFill>
+                      <a:srgbClr val="FF0000"/>
+                    </a:solidFill>
+                    <a:latin typeface="Courier New" panose="02070309020205020404" pitchFamily="49" charset="0"/>
+                    <a:cs typeface="Courier New" panose="02070309020205020404" pitchFamily="49" charset="0"/>
+                  </a:rPr>
+                  <a:t>User Signature Key</a:t>
+                </a:r>
+                <a:r>
+                  <a:rPr lang="en-US" sz="1200" b="1" dirty="0" smtClean="0">
+                    <a:latin typeface="Courier New" panose="02070309020205020404" pitchFamily="49" charset="0"/>
+                    <a:cs typeface="Courier New" panose="02070309020205020404" pitchFamily="49" charset="0"/>
+                  </a:rPr>
+                  <a:t>: </a:t>
+                </a:r>
+              </a:p>
+            </p:txBody>
+          </p:sp>
+        </p:grpSp>
+        <p:grpSp>
+          <p:nvGrpSpPr>
+            <p:cNvPr id="15" name="Group 14"/>
+            <p:cNvGrpSpPr/>
+            <p:nvPr/>
+          </p:nvGrpSpPr>
+          <p:grpSpPr>
+            <a:xfrm>
+              <a:off x="4808517" y="1089547"/>
+              <a:ext cx="2207826" cy="2089797"/>
+              <a:chOff x="4808517" y="1089547"/>
+              <a:chExt cx="2207826" cy="2089797"/>
             </a:xfrm>
           </p:grpSpPr>
           <p:grpSp>
             <p:nvGrpSpPr>
-              <p:cNvPr id="19" name="Group 18"/>
+              <p:cNvPr id="202" name="Group 201"/>
               <p:cNvGrpSpPr/>
               <p:nvPr/>
             </p:nvGrpSpPr>
             <p:grpSpPr>
               <a:xfrm>
-                <a:off x="4211960" y="908720"/>
-                <a:ext cx="4608512" cy="5893621"/>
-                <a:chOff x="4211960" y="908720"/>
-                <a:chExt cx="4608512" cy="5893621"/>
+                <a:off x="4808517" y="2815605"/>
+                <a:ext cx="504468" cy="363739"/>
+                <a:chOff x="2089401" y="630040"/>
+                <a:chExt cx="504468" cy="363739"/>
               </a:xfrm>
+              <a:effectLst>
+                <a:outerShdw blurRad="50800" dist="38100" dir="2700000" algn="tl" rotWithShape="0">
+                  <a:prstClr val="black">
+                    <a:alpha val="40000"/>
+                  </a:prstClr>
+                </a:outerShdw>
+              </a:effectLst>
             </p:grpSpPr>
-            <p:grpSp>
-              <p:nvGrpSpPr>
-                <p:cNvPr id="17" name="Group 16"/>
-                <p:cNvGrpSpPr/>
-                <p:nvPr/>
-              </p:nvGrpSpPr>
-              <p:grpSpPr>
-                <a:xfrm>
-                  <a:off x="4211960" y="908720"/>
-                  <a:ext cx="4608512" cy="5491195"/>
-                  <a:chOff x="4211960" y="908720"/>
-                  <a:chExt cx="4608512" cy="5491195"/>
-                </a:xfrm>
-              </p:grpSpPr>
-              <p:grpSp>
-                <p:nvGrpSpPr>
-                  <p:cNvPr id="14" name="Group 13"/>
-                  <p:cNvGrpSpPr/>
-                  <p:nvPr/>
-                </p:nvGrpSpPr>
-                <p:grpSpPr>
-                  <a:xfrm>
-                    <a:off x="5355953" y="3286112"/>
-                    <a:ext cx="1304279" cy="1744878"/>
-                    <a:chOff x="5355953" y="3286112"/>
-                    <a:chExt cx="1304279" cy="1744878"/>
-                  </a:xfrm>
-                </p:grpSpPr>
-                <p:sp>
-                  <p:nvSpPr>
-                    <p:cNvPr id="237" name="Up Arrow 236"/>
-                    <p:cNvSpPr/>
-                    <p:nvPr/>
-                  </p:nvSpPr>
-                  <p:spPr>
-                    <a:xfrm>
-                      <a:off x="6462022" y="3685276"/>
-                      <a:ext cx="198210" cy="1345714"/>
-                    </a:xfrm>
-                    <a:prstGeom prst="upArrow">
-                      <a:avLst>
-                        <a:gd name="adj1" fmla="val 50000"/>
-                        <a:gd name="adj2" fmla="val 82952"/>
-                      </a:avLst>
-                    </a:prstGeom>
-                    <a:solidFill>
-                      <a:schemeClr val="tx2">
-                        <a:lumMod val="40000"/>
-                        <a:lumOff val="60000"/>
-                      </a:schemeClr>
-                    </a:solidFill>
-                    <a:ln>
-                      <a:noFill/>
-                    </a:ln>
-                  </p:spPr>
-                  <p:style>
-                    <a:lnRef idx="2">
-                      <a:schemeClr val="accent1">
-                        <a:shade val="50000"/>
-                      </a:schemeClr>
-                    </a:lnRef>
-                    <a:fillRef idx="1">
-                      <a:schemeClr val="accent1"/>
-                    </a:fillRef>
-                    <a:effectRef idx="0">
-                      <a:schemeClr val="accent1"/>
-                    </a:effectRef>
-                    <a:fontRef idx="minor">
-                      <a:schemeClr val="lt1"/>
-                    </a:fontRef>
-                  </p:style>
-                  <p:txBody>
-                    <a:bodyPr rtlCol="0" anchor="ctr"/>
-                    <a:lstStyle/>
-                    <a:p>
-                      <a:pPr algn="ctr"/>
-                      <a:endParaRPr lang="en-US"/>
-                    </a:p>
-                  </p:txBody>
-                </p:sp>
-                <p:sp>
-                  <p:nvSpPr>
-                    <p:cNvPr id="239" name="TextBox 238"/>
-                    <p:cNvSpPr txBox="1"/>
-                    <p:nvPr/>
-                  </p:nvSpPr>
-                  <p:spPr>
-                    <a:xfrm>
-                      <a:off x="5355953" y="3286112"/>
-                      <a:ext cx="930063" cy="307777"/>
-                    </a:xfrm>
-                    <a:prstGeom prst="rect">
-                      <a:avLst/>
-                    </a:prstGeom>
-                    <a:noFill/>
-                  </p:spPr>
-                  <p:txBody>
-                    <a:bodyPr wrap="none" rtlCol="0">
-                      <a:spAutoFit/>
-                    </a:bodyPr>
-                    <a:lstStyle/>
-                    <a:p>
-                      <a:r>
-                        <a:rPr lang="en-US" sz="1400" dirty="0" smtClean="0">
-                          <a:latin typeface="Arial" panose="020B0604020202020204" pitchFamily="34" charset="0"/>
-                          <a:cs typeface="Arial" panose="020B0604020202020204" pitchFamily="34" charset="0"/>
-                        </a:rPr>
-                        <a:t>Merchant</a:t>
-                      </a:r>
-                      <a:endParaRPr lang="en-US" sz="1400" dirty="0">
-                        <a:latin typeface="Arial" panose="020B0604020202020204" pitchFamily="34" charset="0"/>
-                        <a:cs typeface="Arial" panose="020B0604020202020204" pitchFamily="34" charset="0"/>
-                      </a:endParaRPr>
-                    </a:p>
-                  </p:txBody>
-                </p:sp>
-              </p:grpSp>
-              <p:grpSp>
-                <p:nvGrpSpPr>
-                  <p:cNvPr id="16" name="Group 15"/>
-                  <p:cNvGrpSpPr/>
-                  <p:nvPr/>
-                </p:nvGrpSpPr>
-                <p:grpSpPr>
-                  <a:xfrm>
-                    <a:off x="4211960" y="4725147"/>
-                    <a:ext cx="4608512" cy="1674768"/>
-                    <a:chOff x="4211960" y="4725147"/>
-                    <a:chExt cx="4608512" cy="1674768"/>
-                  </a:xfrm>
-                </p:grpSpPr>
-                <p:sp>
-                  <p:nvSpPr>
-                    <p:cNvPr id="163" name="Folded Corner 162"/>
-                    <p:cNvSpPr/>
-                    <p:nvPr/>
-                  </p:nvSpPr>
-                  <p:spPr>
-                    <a:xfrm flipH="1" flipV="1">
-                      <a:off x="4211960" y="4725147"/>
-                      <a:ext cx="4608512" cy="1674768"/>
-                    </a:xfrm>
-                    <a:prstGeom prst="foldedCorner">
-                      <a:avLst>
-                        <a:gd name="adj" fmla="val 18211"/>
-                      </a:avLst>
-                    </a:prstGeom>
-                    <a:solidFill>
-                      <a:srgbClr val="FDF7DB"/>
-                    </a:solidFill>
-                    <a:ln w="9525"/>
-                    <a:effectLst>
-                      <a:outerShdw blurRad="50800" dist="38100" dir="2700000" algn="tl" rotWithShape="0">
-                        <a:prstClr val="black">
-                          <a:alpha val="40000"/>
-                        </a:prstClr>
-                      </a:outerShdw>
-                    </a:effectLst>
-                  </p:spPr>
-                  <p:style>
-                    <a:lnRef idx="2">
-                      <a:schemeClr val="accent1">
-                        <a:shade val="50000"/>
-                      </a:schemeClr>
-                    </a:lnRef>
-                    <a:fillRef idx="1">
-                      <a:schemeClr val="accent1"/>
-                    </a:fillRef>
-                    <a:effectRef idx="0">
-                      <a:schemeClr val="accent1"/>
-                    </a:effectRef>
-                    <a:fontRef idx="minor">
-                      <a:schemeClr val="lt1"/>
-                    </a:fontRef>
-                  </p:style>
-                  <p:txBody>
-                    <a:bodyPr rtlCol="0" anchor="ctr"/>
-                    <a:lstStyle/>
-                    <a:p>
-                      <a:pPr algn="ctr"/>
-                      <a:endParaRPr lang="en-US"/>
-                    </a:p>
-                  </p:txBody>
-                </p:sp>
-                <p:sp>
-                  <p:nvSpPr>
-                    <p:cNvPr id="164" name="TextBox 163"/>
-                    <p:cNvSpPr txBox="1"/>
-                    <p:nvPr/>
-                  </p:nvSpPr>
-                  <p:spPr>
-                    <a:xfrm>
-                      <a:off x="4388803" y="4937974"/>
-                      <a:ext cx="4089580" cy="907941"/>
-                    </a:xfrm>
-                    <a:prstGeom prst="rect">
-                      <a:avLst/>
-                    </a:prstGeom>
-                    <a:noFill/>
-                  </p:spPr>
-                  <p:txBody>
-                    <a:bodyPr wrap="none" rtlCol="0">
-                      <a:spAutoFit/>
-                    </a:bodyPr>
-                    <a:lstStyle/>
-                    <a:p>
-                      <a:pPr>
-                        <a:spcBef>
-                          <a:spcPts val="600"/>
-                        </a:spcBef>
-                      </a:pPr>
-                      <a:r>
-                        <a:rPr lang="en-US" sz="1200" b="1" dirty="0" smtClean="0">
-                          <a:solidFill>
-                            <a:srgbClr val="FF0000"/>
-                          </a:solidFill>
-                          <a:latin typeface="Courier New" panose="02070309020205020404" pitchFamily="49" charset="0"/>
-                          <a:cs typeface="Courier New" panose="02070309020205020404" pitchFamily="49" charset="0"/>
-                        </a:rPr>
-                        <a:t>Issuer</a:t>
-                      </a:r>
-                      <a:r>
-                        <a:rPr lang="en-US" sz="1200" b="1" dirty="0" smtClean="0">
-                          <a:latin typeface="Courier New" panose="02070309020205020404" pitchFamily="49" charset="0"/>
-                          <a:cs typeface="Courier New" panose="02070309020205020404" pitchFamily="49" charset="0"/>
-                        </a:rPr>
-                        <a:t>: https://mybank.com/payment</a:t>
-                      </a:r>
-                    </a:p>
-                    <a:p>
-                      <a:pPr>
-                        <a:spcBef>
-                          <a:spcPts val="600"/>
-                        </a:spcBef>
-                      </a:pPr>
-                      <a:r>
-                        <a:rPr lang="en-US" sz="1200" b="1" dirty="0" smtClean="0">
-                          <a:solidFill>
-                            <a:srgbClr val="FF0000"/>
-                          </a:solidFill>
-                          <a:latin typeface="Courier New" panose="02070309020205020404" pitchFamily="49" charset="0"/>
-                          <a:cs typeface="Courier New" panose="02070309020205020404" pitchFamily="49" charset="0"/>
-                        </a:rPr>
-                        <a:t>Account</a:t>
-                      </a:r>
-                      <a:r>
-                        <a:rPr lang="en-US" sz="1200" b="1" dirty="0">
-                          <a:latin typeface="Courier New" panose="02070309020205020404" pitchFamily="49" charset="0"/>
-                          <a:cs typeface="Courier New" panose="02070309020205020404" pitchFamily="49" charset="0"/>
-                        </a:rPr>
-                        <a:t>: </a:t>
-                      </a:r>
-                      <a:r>
-                        <a:rPr lang="en-US" sz="1200" b="1" dirty="0" smtClean="0">
-                          <a:solidFill>
-                            <a:schemeClr val="accent1"/>
-                          </a:solidFill>
-                          <a:latin typeface="Courier New" panose="02070309020205020404" pitchFamily="49" charset="0"/>
-                          <a:cs typeface="Courier New" panose="02070309020205020404" pitchFamily="49" charset="0"/>
-                        </a:rPr>
-                        <a:t>FR14 2004 </a:t>
-                      </a:r>
-                      <a:r>
-                        <a:rPr lang="en-US" sz="1200" b="1" dirty="0">
-                          <a:solidFill>
-                            <a:schemeClr val="accent1"/>
-                          </a:solidFill>
-                          <a:latin typeface="Courier New" panose="02070309020205020404" pitchFamily="49" charset="0"/>
-                          <a:cs typeface="Courier New" panose="02070309020205020404" pitchFamily="49" charset="0"/>
-                        </a:rPr>
-                        <a:t>1010 0505 0001 3M02 </a:t>
-                      </a:r>
-                      <a:r>
-                        <a:rPr lang="en-US" sz="1200" b="1" dirty="0" smtClean="0">
-                          <a:solidFill>
-                            <a:schemeClr val="accent1"/>
-                          </a:solidFill>
-                          <a:latin typeface="Courier New" panose="02070309020205020404" pitchFamily="49" charset="0"/>
-                          <a:cs typeface="Courier New" panose="02070309020205020404" pitchFamily="49" charset="0"/>
-                        </a:rPr>
-                        <a:t>606</a:t>
-                      </a:r>
-                    </a:p>
-                    <a:p>
-                      <a:endParaRPr lang="en-US" sz="1200" b="1" dirty="0" smtClean="0">
-                        <a:solidFill>
-                          <a:srgbClr val="FF0000"/>
-                        </a:solidFill>
-                        <a:latin typeface="Courier New" panose="02070309020205020404" pitchFamily="49" charset="0"/>
-                        <a:cs typeface="Courier New" panose="02070309020205020404" pitchFamily="49" charset="0"/>
-                      </a:endParaRPr>
-                    </a:p>
-                    <a:p>
-                      <a:r>
-                        <a:rPr lang="en-US" sz="1200" b="1" dirty="0" smtClean="0">
-                          <a:solidFill>
-                            <a:srgbClr val="FF0000"/>
-                          </a:solidFill>
-                          <a:latin typeface="Courier New" panose="02070309020205020404" pitchFamily="49" charset="0"/>
-                          <a:cs typeface="Courier New" panose="02070309020205020404" pitchFamily="49" charset="0"/>
-                        </a:rPr>
-                        <a:t>User Signature Key</a:t>
-                      </a:r>
-                      <a:r>
-                        <a:rPr lang="en-US" sz="1200" b="1" dirty="0" smtClean="0">
-                          <a:latin typeface="Courier New" panose="02070309020205020404" pitchFamily="49" charset="0"/>
-                          <a:cs typeface="Courier New" panose="02070309020205020404" pitchFamily="49" charset="0"/>
-                        </a:rPr>
-                        <a:t>: </a:t>
-                      </a:r>
-                    </a:p>
-                  </p:txBody>
-                </p:sp>
-              </p:grpSp>
-              <p:grpSp>
-                <p:nvGrpSpPr>
-                  <p:cNvPr id="15" name="Group 14"/>
-                  <p:cNvGrpSpPr/>
-                  <p:nvPr/>
-                </p:nvGrpSpPr>
-                <p:grpSpPr>
-                  <a:xfrm>
-                    <a:off x="4570270" y="908720"/>
-                    <a:ext cx="1220207" cy="2270624"/>
-                    <a:chOff x="4570270" y="908720"/>
-                    <a:chExt cx="1220207" cy="2270624"/>
-                  </a:xfrm>
-                </p:grpSpPr>
-                <p:grpSp>
-                  <p:nvGrpSpPr>
-                    <p:cNvPr id="202" name="Group 201"/>
-                    <p:cNvGrpSpPr/>
-                    <p:nvPr/>
-                  </p:nvGrpSpPr>
-                  <p:grpSpPr>
-                    <a:xfrm>
-                      <a:off x="4808517" y="2815605"/>
-                      <a:ext cx="504468" cy="363739"/>
-                      <a:chOff x="2089401" y="630040"/>
-                      <a:chExt cx="504468" cy="363739"/>
-                    </a:xfrm>
-                    <a:effectLst>
-                      <a:outerShdw blurRad="50800" dist="38100" dir="2700000" algn="tl" rotWithShape="0">
-                        <a:prstClr val="black">
-                          <a:alpha val="40000"/>
-                        </a:prstClr>
-                      </a:outerShdw>
-                    </a:effectLst>
-                  </p:grpSpPr>
-                  <p:sp>
-                    <p:nvSpPr>
-                      <p:cNvPr id="228" name="Rectangle 227"/>
-                      <p:cNvSpPr>
-                        <a:spLocks noChangeArrowheads="1"/>
-                      </p:cNvSpPr>
-                      <p:nvPr/>
-                    </p:nvSpPr>
-                    <p:spPr bwMode="auto">
-                      <a:xfrm>
-                        <a:off x="2470474" y="737128"/>
-                        <a:ext cx="60698" cy="203641"/>
-                      </a:xfrm>
-                      <a:prstGeom prst="rect">
-                        <a:avLst/>
-                      </a:prstGeom>
-                      <a:gradFill>
-                        <a:gsLst>
-                          <a:gs pos="0">
-                            <a:schemeClr val="bg1">
-                              <a:lumMod val="50000"/>
-                            </a:schemeClr>
-                          </a:gs>
-                          <a:gs pos="47000">
-                            <a:schemeClr val="bg1">
-                              <a:lumMod val="95000"/>
-                            </a:schemeClr>
-                          </a:gs>
-                          <a:gs pos="100000">
-                            <a:schemeClr val="bg1">
-                              <a:lumMod val="50000"/>
-                            </a:schemeClr>
-                          </a:gs>
-                        </a:gsLst>
-                        <a:lin ang="10800000" scaled="0"/>
-                      </a:gradFill>
-                      <a:ln w="3175" cap="flat">
-                        <a:solidFill>
-                          <a:schemeClr val="tx1"/>
-                        </a:solidFill>
-                        <a:prstDash val="solid"/>
-                        <a:miter lim="800000"/>
-                        <a:headEnd/>
-                        <a:tailEnd/>
-                      </a:ln>
-                    </p:spPr>
-                    <p:txBody>
-                      <a:bodyPr vert="horz" wrap="square" lIns="91440" tIns="45720" rIns="91440" bIns="45720" numCol="1" anchor="t" anchorCtr="0" compatLnSpc="1">
-                        <a:prstTxWarp prst="textNoShape">
-                          <a:avLst/>
-                        </a:prstTxWarp>
-                      </a:bodyPr>
-                      <a:lstStyle/>
-                      <a:p>
-                        <a:endParaRPr lang="en-US"/>
-                      </a:p>
-                    </p:txBody>
-                  </p:sp>
-                  <p:sp>
-                    <p:nvSpPr>
-                      <p:cNvPr id="229" name="Rectangle 228"/>
-                      <p:cNvSpPr>
-                        <a:spLocks noChangeArrowheads="1"/>
-                      </p:cNvSpPr>
-                      <p:nvPr/>
-                    </p:nvSpPr>
-                    <p:spPr bwMode="auto">
-                      <a:xfrm>
-                        <a:off x="2308857" y="737128"/>
-                        <a:ext cx="60698" cy="203641"/>
-                      </a:xfrm>
-                      <a:prstGeom prst="rect">
-                        <a:avLst/>
-                      </a:prstGeom>
-                      <a:gradFill>
-                        <a:gsLst>
-                          <a:gs pos="0">
-                            <a:schemeClr val="bg1">
-                              <a:lumMod val="50000"/>
-                            </a:schemeClr>
-                          </a:gs>
-                          <a:gs pos="47000">
-                            <a:schemeClr val="bg1">
-                              <a:lumMod val="95000"/>
-                            </a:schemeClr>
-                          </a:gs>
-                          <a:gs pos="100000">
-                            <a:schemeClr val="bg1">
-                              <a:lumMod val="50000"/>
-                            </a:schemeClr>
-                          </a:gs>
-                        </a:gsLst>
-                        <a:lin ang="10800000" scaled="0"/>
-                      </a:gradFill>
-                      <a:ln w="3175" cap="flat">
-                        <a:solidFill>
-                          <a:schemeClr val="tx1"/>
-                        </a:solidFill>
-                        <a:prstDash val="solid"/>
-                        <a:miter lim="800000"/>
-                        <a:headEnd/>
-                        <a:tailEnd/>
-                      </a:ln>
-                    </p:spPr>
-                    <p:txBody>
-                      <a:bodyPr vert="horz" wrap="square" lIns="91440" tIns="45720" rIns="91440" bIns="45720" numCol="1" anchor="t" anchorCtr="0" compatLnSpc="1">
-                        <a:prstTxWarp prst="textNoShape">
-                          <a:avLst/>
-                        </a:prstTxWarp>
-                      </a:bodyPr>
-                      <a:lstStyle/>
-                      <a:p>
-                        <a:endParaRPr lang="en-US"/>
-                      </a:p>
-                    </p:txBody>
-                  </p:sp>
-                  <p:sp>
-                    <p:nvSpPr>
-                      <p:cNvPr id="230" name="Rectangle 229"/>
-                      <p:cNvSpPr>
-                        <a:spLocks noChangeArrowheads="1"/>
-                      </p:cNvSpPr>
-                      <p:nvPr/>
-                    </p:nvSpPr>
-                    <p:spPr bwMode="auto">
-                      <a:xfrm>
-                        <a:off x="2147398" y="737128"/>
-                        <a:ext cx="60698" cy="203641"/>
-                      </a:xfrm>
-                      <a:prstGeom prst="rect">
-                        <a:avLst/>
-                      </a:prstGeom>
-                      <a:gradFill>
-                        <a:gsLst>
-                          <a:gs pos="0">
-                            <a:schemeClr val="bg1">
-                              <a:lumMod val="50000"/>
-                            </a:schemeClr>
-                          </a:gs>
-                          <a:gs pos="47000">
-                            <a:schemeClr val="bg1">
-                              <a:lumMod val="95000"/>
-                            </a:schemeClr>
-                          </a:gs>
-                          <a:gs pos="100000">
-                            <a:schemeClr val="bg1">
-                              <a:lumMod val="65000"/>
-                            </a:schemeClr>
-                          </a:gs>
-                        </a:gsLst>
-                        <a:lin ang="10800000" scaled="0"/>
-                      </a:gradFill>
-                      <a:ln w="3175" cap="flat">
-                        <a:solidFill>
-                          <a:schemeClr val="tx1"/>
-                        </a:solidFill>
-                        <a:prstDash val="solid"/>
-                        <a:miter lim="800000"/>
-                        <a:headEnd/>
-                        <a:tailEnd/>
-                      </a:ln>
-                    </p:spPr>
-                    <p:txBody>
-                      <a:bodyPr vert="horz" wrap="square" lIns="91440" tIns="45720" rIns="91440" bIns="45720" numCol="1" anchor="t" anchorCtr="0" compatLnSpc="1">
-                        <a:prstTxWarp prst="textNoShape">
-                          <a:avLst/>
-                        </a:prstTxWarp>
-                      </a:bodyPr>
-                      <a:lstStyle/>
-                      <a:p>
-                        <a:endParaRPr lang="en-US"/>
-                      </a:p>
-                    </p:txBody>
-                  </p:sp>
-                  <p:sp>
-                    <p:nvSpPr>
-                      <p:cNvPr id="231" name="Freeform 16"/>
-                      <p:cNvSpPr>
-                        <a:spLocks/>
-                      </p:cNvSpPr>
-                      <p:nvPr/>
-                    </p:nvSpPr>
-                    <p:spPr bwMode="auto">
-                      <a:xfrm>
-                        <a:off x="2101635" y="630040"/>
-                        <a:ext cx="472098" cy="120781"/>
-                      </a:xfrm>
-                      <a:custGeom>
-                        <a:avLst/>
-                        <a:gdLst>
-                          <a:gd name="T0" fmla="*/ 6 w 3093"/>
-                          <a:gd name="T1" fmla="*/ 451 h 764"/>
-                          <a:gd name="T2" fmla="*/ 1523 w 3093"/>
-                          <a:gd name="T3" fmla="*/ 0 h 764"/>
-                          <a:gd name="T4" fmla="*/ 3093 w 3093"/>
-                          <a:gd name="T5" fmla="*/ 468 h 764"/>
-                          <a:gd name="T6" fmla="*/ 3089 w 3093"/>
-                          <a:gd name="T7" fmla="*/ 764 h 764"/>
-                          <a:gd name="T8" fmla="*/ 0 w 3093"/>
-                          <a:gd name="T9" fmla="*/ 754 h 764"/>
-                          <a:gd name="T10" fmla="*/ 6 w 3093"/>
-                          <a:gd name="T11" fmla="*/ 451 h 764"/>
-                        </a:gdLst>
-                        <a:ahLst/>
-                        <a:cxnLst>
-                          <a:cxn ang="0">
-                            <a:pos x="T0" y="T1"/>
-                          </a:cxn>
-                          <a:cxn ang="0">
-                            <a:pos x="T2" y="T3"/>
-                          </a:cxn>
-                          <a:cxn ang="0">
-                            <a:pos x="T4" y="T5"/>
-                          </a:cxn>
-                          <a:cxn ang="0">
-                            <a:pos x="T6" y="T7"/>
-                          </a:cxn>
-                          <a:cxn ang="0">
-                            <a:pos x="T8" y="T9"/>
-                          </a:cxn>
-                          <a:cxn ang="0">
-                            <a:pos x="T10" y="T11"/>
-                          </a:cxn>
-                        </a:cxnLst>
-                        <a:rect l="0" t="0" r="r" b="b"/>
-                        <a:pathLst>
-                          <a:path w="3093" h="764">
-                            <a:moveTo>
-                              <a:pt x="6" y="451"/>
-                            </a:moveTo>
-                            <a:cubicBezTo>
-                              <a:pt x="86" y="441"/>
-                              <a:pt x="1523" y="0"/>
-                              <a:pt x="1523" y="0"/>
-                            </a:cubicBezTo>
-                            <a:lnTo>
-                              <a:pt x="3093" y="468"/>
-                            </a:lnTo>
-                            <a:lnTo>
-                              <a:pt x="3089" y="764"/>
-                            </a:lnTo>
-                            <a:lnTo>
-                              <a:pt x="0" y="754"/>
-                            </a:lnTo>
-                            <a:lnTo>
-                              <a:pt x="6" y="451"/>
-                            </a:lnTo>
-                            <a:close/>
-                          </a:path>
-                        </a:pathLst>
-                      </a:custGeom>
-                      <a:solidFill>
-                        <a:srgbClr val="E6E6E6"/>
-                      </a:solidFill>
-                      <a:ln w="3175" cap="flat">
-                        <a:solidFill>
-                          <a:srgbClr val="7B7B79"/>
-                        </a:solidFill>
-                        <a:prstDash val="solid"/>
-                        <a:miter lim="800000"/>
-                        <a:headEnd/>
-                        <a:tailEnd/>
-                      </a:ln>
-                    </p:spPr>
-                    <p:txBody>
-                      <a:bodyPr vert="horz" wrap="square" lIns="91440" tIns="45720" rIns="91440" bIns="45720" numCol="1" anchor="t" anchorCtr="0" compatLnSpc="1">
-                        <a:prstTxWarp prst="textNoShape">
-                          <a:avLst/>
-                        </a:prstTxWarp>
-                      </a:bodyPr>
-                      <a:lstStyle/>
-                      <a:p>
-                        <a:endParaRPr lang="en-US"/>
-                      </a:p>
-                    </p:txBody>
-                  </p:sp>
-                  <p:sp>
-                    <p:nvSpPr>
-                      <p:cNvPr id="232" name="Freeform 18"/>
-                      <p:cNvSpPr>
-                        <a:spLocks/>
-                      </p:cNvSpPr>
-                      <p:nvPr/>
-                    </p:nvSpPr>
-                    <p:spPr bwMode="auto">
-                      <a:xfrm>
-                        <a:off x="2120425" y="929176"/>
-                        <a:ext cx="437027" cy="33707"/>
-                      </a:xfrm>
-                      <a:custGeom>
-                        <a:avLst/>
-                        <a:gdLst>
-                          <a:gd name="T0" fmla="*/ 0 w 2853"/>
-                          <a:gd name="T1" fmla="*/ 213 h 213"/>
-                          <a:gd name="T2" fmla="*/ 4 w 2853"/>
-                          <a:gd name="T3" fmla="*/ 1 h 213"/>
-                          <a:gd name="T4" fmla="*/ 2849 w 2853"/>
-                          <a:gd name="T5" fmla="*/ 0 h 213"/>
-                          <a:gd name="T6" fmla="*/ 2853 w 2853"/>
-                          <a:gd name="T7" fmla="*/ 213 h 213"/>
-                        </a:gdLst>
-                        <a:ahLst/>
-                        <a:cxnLst>
-                          <a:cxn ang="0">
-                            <a:pos x="T0" y="T1"/>
-                          </a:cxn>
-                          <a:cxn ang="0">
-                            <a:pos x="T2" y="T3"/>
-                          </a:cxn>
-                          <a:cxn ang="0">
-                            <a:pos x="T4" y="T5"/>
-                          </a:cxn>
-                          <a:cxn ang="0">
-                            <a:pos x="T6" y="T7"/>
-                          </a:cxn>
-                        </a:cxnLst>
-                        <a:rect l="0" t="0" r="r" b="b"/>
-                        <a:pathLst>
-                          <a:path w="2853" h="213">
-                            <a:moveTo>
-                              <a:pt x="0" y="213"/>
-                            </a:moveTo>
-                            <a:lnTo>
-                              <a:pt x="4" y="1"/>
-                            </a:lnTo>
-                            <a:lnTo>
-                              <a:pt x="2849" y="0"/>
-                            </a:lnTo>
-                            <a:lnTo>
-                              <a:pt x="2853" y="213"/>
-                            </a:lnTo>
-                          </a:path>
-                        </a:pathLst>
-                      </a:custGeom>
-                      <a:solidFill>
-                        <a:srgbClr val="E6E6E6"/>
-                      </a:solidFill>
-                      <a:ln w="3175" cap="flat">
-                        <a:solidFill>
-                          <a:srgbClr val="7B7B79"/>
-                        </a:solidFill>
-                        <a:prstDash val="solid"/>
-                        <a:miter lim="800000"/>
-                        <a:headEnd/>
-                        <a:tailEnd/>
-                      </a:ln>
-                    </p:spPr>
-                    <p:txBody>
-                      <a:bodyPr vert="horz" wrap="square" lIns="91440" tIns="45720" rIns="91440" bIns="45720" numCol="1" anchor="t" anchorCtr="0" compatLnSpc="1">
-                        <a:prstTxWarp prst="textNoShape">
-                          <a:avLst/>
-                        </a:prstTxWarp>
-                      </a:bodyPr>
-                      <a:lstStyle/>
-                      <a:p>
-                        <a:endParaRPr lang="en-US"/>
-                      </a:p>
-                    </p:txBody>
-                  </p:sp>
-                  <p:sp>
-                    <p:nvSpPr>
-                      <p:cNvPr id="233" name="Freeform 19"/>
-                      <p:cNvSpPr>
-                        <a:spLocks/>
-                      </p:cNvSpPr>
-                      <p:nvPr/>
-                    </p:nvSpPr>
-                    <p:spPr bwMode="auto">
-                      <a:xfrm>
-                        <a:off x="2089401" y="962879"/>
-                        <a:ext cx="504468" cy="30900"/>
-                      </a:xfrm>
-                      <a:custGeom>
-                        <a:avLst/>
-                        <a:gdLst>
-                          <a:gd name="T0" fmla="*/ 3290 w 3295"/>
-                          <a:gd name="T1" fmla="*/ 0 h 197"/>
-                          <a:gd name="T2" fmla="*/ 3295 w 3295"/>
-                          <a:gd name="T3" fmla="*/ 197 h 197"/>
-                          <a:gd name="T4" fmla="*/ 0 w 3295"/>
-                          <a:gd name="T5" fmla="*/ 196 h 197"/>
-                          <a:gd name="T6" fmla="*/ 4 w 3295"/>
-                          <a:gd name="T7" fmla="*/ 1 h 197"/>
-                          <a:gd name="T8" fmla="*/ 3290 w 3295"/>
-                          <a:gd name="T9" fmla="*/ 0 h 197"/>
-                        </a:gdLst>
-                        <a:ahLst/>
-                        <a:cxnLst>
-                          <a:cxn ang="0">
-                            <a:pos x="T0" y="T1"/>
-                          </a:cxn>
-                          <a:cxn ang="0">
-                            <a:pos x="T2" y="T3"/>
-                          </a:cxn>
-                          <a:cxn ang="0">
-                            <a:pos x="T4" y="T5"/>
-                          </a:cxn>
-                          <a:cxn ang="0">
-                            <a:pos x="T6" y="T7"/>
-                          </a:cxn>
-                          <a:cxn ang="0">
-                            <a:pos x="T8" y="T9"/>
-                          </a:cxn>
-                        </a:cxnLst>
-                        <a:rect l="0" t="0" r="r" b="b"/>
-                        <a:pathLst>
-                          <a:path w="3295" h="197">
-                            <a:moveTo>
-                              <a:pt x="3290" y="0"/>
-                            </a:moveTo>
-                            <a:lnTo>
-                              <a:pt x="3295" y="197"/>
-                            </a:lnTo>
-                            <a:lnTo>
-                              <a:pt x="0" y="196"/>
-                            </a:lnTo>
-                            <a:lnTo>
-                              <a:pt x="4" y="1"/>
-                            </a:lnTo>
-                            <a:lnTo>
-                              <a:pt x="3290" y="0"/>
-                            </a:lnTo>
-                            <a:close/>
-                          </a:path>
-                        </a:pathLst>
-                      </a:custGeom>
-                      <a:solidFill>
-                        <a:srgbClr val="E6E6E6"/>
-                      </a:solidFill>
-                      <a:ln w="3175" cap="flat">
-                        <a:solidFill>
-                          <a:srgbClr val="7B7B79"/>
-                        </a:solidFill>
-                        <a:prstDash val="solid"/>
-                        <a:miter lim="800000"/>
-                        <a:headEnd/>
-                        <a:tailEnd/>
-                      </a:ln>
-                    </p:spPr>
-                    <p:txBody>
-                      <a:bodyPr vert="horz" wrap="square" lIns="91440" tIns="45720" rIns="91440" bIns="45720" numCol="1" anchor="t" anchorCtr="0" compatLnSpc="1">
-                        <a:prstTxWarp prst="textNoShape">
-                          <a:avLst/>
-                        </a:prstTxWarp>
-                      </a:bodyPr>
-                      <a:lstStyle/>
-                      <a:p>
-                        <a:endParaRPr lang="en-US"/>
-                      </a:p>
-                    </p:txBody>
-                  </p:sp>
-                  <p:sp>
-                    <p:nvSpPr>
-                      <p:cNvPr id="234" name="Line 20"/>
-                      <p:cNvSpPr>
-                        <a:spLocks noChangeShapeType="1"/>
-                      </p:cNvSpPr>
-                      <p:nvPr/>
-                    </p:nvSpPr>
-                    <p:spPr bwMode="auto">
-                      <a:xfrm>
-                        <a:off x="2105677" y="711495"/>
-                        <a:ext cx="465350" cy="0"/>
-                      </a:xfrm>
-                      <a:prstGeom prst="line">
-                        <a:avLst/>
-                      </a:prstGeom>
-                      <a:noFill/>
-                      <a:ln w="3175" cap="flat">
-                        <a:solidFill>
-                          <a:srgbClr val="7B7B79"/>
-                        </a:solidFill>
-                        <a:prstDash val="solid"/>
-                        <a:miter lim="800000"/>
-                        <a:headEnd/>
-                        <a:tailEnd/>
-                      </a:ln>
-                      <a:extLst>
-                        <a:ext uri="{909E8E84-426E-40DD-AFC4-6F175D3DCCD1}">
-                          <a14:hiddenFill xmlns:a14="http://schemas.microsoft.com/office/drawing/2010/main">
-                            <a:noFill/>
-                          </a14:hiddenFill>
-                        </a:ext>
-                      </a:extLst>
-                    </p:spPr>
-                    <p:txBody>
-                      <a:bodyPr vert="horz" wrap="square" lIns="91440" tIns="45720" rIns="91440" bIns="45720" numCol="1" anchor="t" anchorCtr="0" compatLnSpc="1">
-                        <a:prstTxWarp prst="textNoShape">
-                          <a:avLst/>
-                        </a:prstTxWarp>
-                      </a:bodyPr>
-                      <a:lstStyle/>
-                      <a:p>
-                        <a:endParaRPr lang="en-US"/>
-                      </a:p>
-                    </p:txBody>
-                  </p:sp>
-                </p:grpSp>
-                <p:grpSp>
-                  <p:nvGrpSpPr>
-                    <p:cNvPr id="203" name="Group 202"/>
-                    <p:cNvGrpSpPr/>
-                    <p:nvPr/>
-                  </p:nvGrpSpPr>
-                  <p:grpSpPr>
-                    <a:xfrm>
-                      <a:off x="4960917" y="2311549"/>
-                      <a:ext cx="504468" cy="363739"/>
-                      <a:chOff x="2089401" y="630040"/>
-                      <a:chExt cx="504468" cy="363739"/>
-                    </a:xfrm>
-                    <a:effectLst>
-                      <a:outerShdw blurRad="50800" dist="38100" dir="2700000" algn="tl" rotWithShape="0">
-                        <a:prstClr val="black">
-                          <a:alpha val="40000"/>
-                        </a:prstClr>
-                      </a:outerShdw>
-                    </a:effectLst>
-                  </p:grpSpPr>
-                  <p:sp>
-                    <p:nvSpPr>
-                      <p:cNvPr id="221" name="Rectangle 220"/>
-                      <p:cNvSpPr>
-                        <a:spLocks noChangeArrowheads="1"/>
-                      </p:cNvSpPr>
-                      <p:nvPr/>
-                    </p:nvSpPr>
-                    <p:spPr bwMode="auto">
-                      <a:xfrm>
-                        <a:off x="2470474" y="737128"/>
-                        <a:ext cx="60698" cy="203641"/>
-                      </a:xfrm>
-                      <a:prstGeom prst="rect">
-                        <a:avLst/>
-                      </a:prstGeom>
-                      <a:gradFill>
-                        <a:gsLst>
-                          <a:gs pos="0">
-                            <a:schemeClr val="bg1">
-                              <a:lumMod val="50000"/>
-                            </a:schemeClr>
-                          </a:gs>
-                          <a:gs pos="47000">
-                            <a:schemeClr val="bg1">
-                              <a:lumMod val="95000"/>
-                            </a:schemeClr>
-                          </a:gs>
-                          <a:gs pos="100000">
-                            <a:schemeClr val="bg1">
-                              <a:lumMod val="50000"/>
-                            </a:schemeClr>
-                          </a:gs>
-                        </a:gsLst>
-                        <a:lin ang="10800000" scaled="0"/>
-                      </a:gradFill>
-                      <a:ln w="3175" cap="flat">
-                        <a:solidFill>
-                          <a:schemeClr val="tx1"/>
-                        </a:solidFill>
-                        <a:prstDash val="solid"/>
-                        <a:miter lim="800000"/>
-                        <a:headEnd/>
-                        <a:tailEnd/>
-                      </a:ln>
-                    </p:spPr>
-                    <p:txBody>
-                      <a:bodyPr vert="horz" wrap="square" lIns="91440" tIns="45720" rIns="91440" bIns="45720" numCol="1" anchor="t" anchorCtr="0" compatLnSpc="1">
-                        <a:prstTxWarp prst="textNoShape">
-                          <a:avLst/>
-                        </a:prstTxWarp>
-                      </a:bodyPr>
-                      <a:lstStyle/>
-                      <a:p>
-                        <a:endParaRPr lang="en-US"/>
-                      </a:p>
-                    </p:txBody>
-                  </p:sp>
-                  <p:sp>
-                    <p:nvSpPr>
-                      <p:cNvPr id="222" name="Rectangle 221"/>
-                      <p:cNvSpPr>
-                        <a:spLocks noChangeArrowheads="1"/>
-                      </p:cNvSpPr>
-                      <p:nvPr/>
-                    </p:nvSpPr>
-                    <p:spPr bwMode="auto">
-                      <a:xfrm>
-                        <a:off x="2308857" y="737128"/>
-                        <a:ext cx="60698" cy="203641"/>
-                      </a:xfrm>
-                      <a:prstGeom prst="rect">
-                        <a:avLst/>
-                      </a:prstGeom>
-                      <a:gradFill>
-                        <a:gsLst>
-                          <a:gs pos="0">
-                            <a:schemeClr val="bg1">
-                              <a:lumMod val="50000"/>
-                            </a:schemeClr>
-                          </a:gs>
-                          <a:gs pos="47000">
-                            <a:schemeClr val="bg1">
-                              <a:lumMod val="95000"/>
-                            </a:schemeClr>
-                          </a:gs>
-                          <a:gs pos="100000">
-                            <a:schemeClr val="bg1">
-                              <a:lumMod val="50000"/>
-                            </a:schemeClr>
-                          </a:gs>
-                        </a:gsLst>
-                        <a:lin ang="10800000" scaled="0"/>
-                      </a:gradFill>
-                      <a:ln w="3175" cap="flat">
-                        <a:solidFill>
-                          <a:schemeClr val="tx1"/>
-                        </a:solidFill>
-                        <a:prstDash val="solid"/>
-                        <a:miter lim="800000"/>
-                        <a:headEnd/>
-                        <a:tailEnd/>
-                      </a:ln>
-                    </p:spPr>
-                    <p:txBody>
-                      <a:bodyPr vert="horz" wrap="square" lIns="91440" tIns="45720" rIns="91440" bIns="45720" numCol="1" anchor="t" anchorCtr="0" compatLnSpc="1">
-                        <a:prstTxWarp prst="textNoShape">
-                          <a:avLst/>
-                        </a:prstTxWarp>
-                      </a:bodyPr>
-                      <a:lstStyle/>
-                      <a:p>
-                        <a:endParaRPr lang="en-US"/>
-                      </a:p>
-                    </p:txBody>
-                  </p:sp>
-                  <p:sp>
-                    <p:nvSpPr>
-                      <p:cNvPr id="223" name="Rectangle 222"/>
-                      <p:cNvSpPr>
-                        <a:spLocks noChangeArrowheads="1"/>
-                      </p:cNvSpPr>
-                      <p:nvPr/>
-                    </p:nvSpPr>
-                    <p:spPr bwMode="auto">
-                      <a:xfrm>
-                        <a:off x="2147398" y="737128"/>
-                        <a:ext cx="60698" cy="203641"/>
-                      </a:xfrm>
-                      <a:prstGeom prst="rect">
-                        <a:avLst/>
-                      </a:prstGeom>
-                      <a:gradFill>
-                        <a:gsLst>
-                          <a:gs pos="0">
-                            <a:schemeClr val="bg1">
-                              <a:lumMod val="50000"/>
-                            </a:schemeClr>
-                          </a:gs>
-                          <a:gs pos="47000">
-                            <a:schemeClr val="bg1">
-                              <a:lumMod val="95000"/>
-                            </a:schemeClr>
-                          </a:gs>
-                          <a:gs pos="100000">
-                            <a:schemeClr val="bg1">
-                              <a:lumMod val="65000"/>
-                            </a:schemeClr>
-                          </a:gs>
-                        </a:gsLst>
-                        <a:lin ang="10800000" scaled="0"/>
-                      </a:gradFill>
-                      <a:ln w="3175" cap="flat">
-                        <a:solidFill>
-                          <a:schemeClr val="tx1"/>
-                        </a:solidFill>
-                        <a:prstDash val="solid"/>
-                        <a:miter lim="800000"/>
-                        <a:headEnd/>
-                        <a:tailEnd/>
-                      </a:ln>
-                    </p:spPr>
-                    <p:txBody>
-                      <a:bodyPr vert="horz" wrap="square" lIns="91440" tIns="45720" rIns="91440" bIns="45720" numCol="1" anchor="t" anchorCtr="0" compatLnSpc="1">
-                        <a:prstTxWarp prst="textNoShape">
-                          <a:avLst/>
-                        </a:prstTxWarp>
-                      </a:bodyPr>
-                      <a:lstStyle/>
-                      <a:p>
-                        <a:endParaRPr lang="en-US"/>
-                      </a:p>
-                    </p:txBody>
-                  </p:sp>
-                  <p:sp>
-                    <p:nvSpPr>
-                      <p:cNvPr id="224" name="Freeform 16"/>
-                      <p:cNvSpPr>
-                        <a:spLocks/>
-                      </p:cNvSpPr>
-                      <p:nvPr/>
-                    </p:nvSpPr>
-                    <p:spPr bwMode="auto">
-                      <a:xfrm>
-                        <a:off x="2101635" y="630040"/>
-                        <a:ext cx="472098" cy="120781"/>
-                      </a:xfrm>
-                      <a:custGeom>
-                        <a:avLst/>
-                        <a:gdLst>
-                          <a:gd name="T0" fmla="*/ 6 w 3093"/>
-                          <a:gd name="T1" fmla="*/ 451 h 764"/>
-                          <a:gd name="T2" fmla="*/ 1523 w 3093"/>
-                          <a:gd name="T3" fmla="*/ 0 h 764"/>
-                          <a:gd name="T4" fmla="*/ 3093 w 3093"/>
-                          <a:gd name="T5" fmla="*/ 468 h 764"/>
-                          <a:gd name="T6" fmla="*/ 3089 w 3093"/>
-                          <a:gd name="T7" fmla="*/ 764 h 764"/>
-                          <a:gd name="T8" fmla="*/ 0 w 3093"/>
-                          <a:gd name="T9" fmla="*/ 754 h 764"/>
-                          <a:gd name="T10" fmla="*/ 6 w 3093"/>
-                          <a:gd name="T11" fmla="*/ 451 h 764"/>
-                        </a:gdLst>
-                        <a:ahLst/>
-                        <a:cxnLst>
-                          <a:cxn ang="0">
-                            <a:pos x="T0" y="T1"/>
-                          </a:cxn>
-                          <a:cxn ang="0">
-                            <a:pos x="T2" y="T3"/>
-                          </a:cxn>
-                          <a:cxn ang="0">
-                            <a:pos x="T4" y="T5"/>
-                          </a:cxn>
-                          <a:cxn ang="0">
-                            <a:pos x="T6" y="T7"/>
-                          </a:cxn>
-                          <a:cxn ang="0">
-                            <a:pos x="T8" y="T9"/>
-                          </a:cxn>
-                          <a:cxn ang="0">
-                            <a:pos x="T10" y="T11"/>
-                          </a:cxn>
-                        </a:cxnLst>
-                        <a:rect l="0" t="0" r="r" b="b"/>
-                        <a:pathLst>
-                          <a:path w="3093" h="764">
-                            <a:moveTo>
-                              <a:pt x="6" y="451"/>
-                            </a:moveTo>
-                            <a:cubicBezTo>
-                              <a:pt x="86" y="441"/>
-                              <a:pt x="1523" y="0"/>
-                              <a:pt x="1523" y="0"/>
-                            </a:cubicBezTo>
-                            <a:lnTo>
-                              <a:pt x="3093" y="468"/>
-                            </a:lnTo>
-                            <a:lnTo>
-                              <a:pt x="3089" y="764"/>
-                            </a:lnTo>
-                            <a:lnTo>
-                              <a:pt x="0" y="754"/>
-                            </a:lnTo>
-                            <a:lnTo>
-                              <a:pt x="6" y="451"/>
-                            </a:lnTo>
-                            <a:close/>
-                          </a:path>
-                        </a:pathLst>
-                      </a:custGeom>
-                      <a:solidFill>
-                        <a:srgbClr val="E6E6E6"/>
-                      </a:solidFill>
-                      <a:ln w="3175" cap="flat">
-                        <a:solidFill>
-                          <a:srgbClr val="7B7B79"/>
-                        </a:solidFill>
-                        <a:prstDash val="solid"/>
-                        <a:miter lim="800000"/>
-                        <a:headEnd/>
-                        <a:tailEnd/>
-                      </a:ln>
-                    </p:spPr>
-                    <p:txBody>
-                      <a:bodyPr vert="horz" wrap="square" lIns="91440" tIns="45720" rIns="91440" bIns="45720" numCol="1" anchor="t" anchorCtr="0" compatLnSpc="1">
-                        <a:prstTxWarp prst="textNoShape">
-                          <a:avLst/>
-                        </a:prstTxWarp>
-                      </a:bodyPr>
-                      <a:lstStyle/>
-                      <a:p>
-                        <a:endParaRPr lang="en-US"/>
-                      </a:p>
-                    </p:txBody>
-                  </p:sp>
-                  <p:sp>
-                    <p:nvSpPr>
-                      <p:cNvPr id="225" name="Freeform 18"/>
-                      <p:cNvSpPr>
-                        <a:spLocks/>
-                      </p:cNvSpPr>
-                      <p:nvPr/>
-                    </p:nvSpPr>
-                    <p:spPr bwMode="auto">
-                      <a:xfrm>
-                        <a:off x="2120425" y="929176"/>
-                        <a:ext cx="437027" cy="33707"/>
-                      </a:xfrm>
-                      <a:custGeom>
-                        <a:avLst/>
-                        <a:gdLst>
-                          <a:gd name="T0" fmla="*/ 0 w 2853"/>
-                          <a:gd name="T1" fmla="*/ 213 h 213"/>
-                          <a:gd name="T2" fmla="*/ 4 w 2853"/>
-                          <a:gd name="T3" fmla="*/ 1 h 213"/>
-                          <a:gd name="T4" fmla="*/ 2849 w 2853"/>
-                          <a:gd name="T5" fmla="*/ 0 h 213"/>
-                          <a:gd name="T6" fmla="*/ 2853 w 2853"/>
-                          <a:gd name="T7" fmla="*/ 213 h 213"/>
-                        </a:gdLst>
-                        <a:ahLst/>
-                        <a:cxnLst>
-                          <a:cxn ang="0">
-                            <a:pos x="T0" y="T1"/>
-                          </a:cxn>
-                          <a:cxn ang="0">
-                            <a:pos x="T2" y="T3"/>
-                          </a:cxn>
-                          <a:cxn ang="0">
-                            <a:pos x="T4" y="T5"/>
-                          </a:cxn>
-                          <a:cxn ang="0">
-                            <a:pos x="T6" y="T7"/>
-                          </a:cxn>
-                        </a:cxnLst>
-                        <a:rect l="0" t="0" r="r" b="b"/>
-                        <a:pathLst>
-                          <a:path w="2853" h="213">
-                            <a:moveTo>
-                              <a:pt x="0" y="213"/>
-                            </a:moveTo>
-                            <a:lnTo>
-                              <a:pt x="4" y="1"/>
-                            </a:lnTo>
-                            <a:lnTo>
-                              <a:pt x="2849" y="0"/>
-                            </a:lnTo>
-                            <a:lnTo>
-                              <a:pt x="2853" y="213"/>
-                            </a:lnTo>
-                          </a:path>
-                        </a:pathLst>
-                      </a:custGeom>
-                      <a:solidFill>
-                        <a:srgbClr val="E6E6E6"/>
-                      </a:solidFill>
-                      <a:ln w="3175" cap="flat">
-                        <a:solidFill>
-                          <a:srgbClr val="7B7B79"/>
-                        </a:solidFill>
-                        <a:prstDash val="solid"/>
-                        <a:miter lim="800000"/>
-                        <a:headEnd/>
-                        <a:tailEnd/>
-                      </a:ln>
-                    </p:spPr>
-                    <p:txBody>
-                      <a:bodyPr vert="horz" wrap="square" lIns="91440" tIns="45720" rIns="91440" bIns="45720" numCol="1" anchor="t" anchorCtr="0" compatLnSpc="1">
-                        <a:prstTxWarp prst="textNoShape">
-                          <a:avLst/>
-                        </a:prstTxWarp>
-                      </a:bodyPr>
-                      <a:lstStyle/>
-                      <a:p>
-                        <a:endParaRPr lang="en-US"/>
-                      </a:p>
-                    </p:txBody>
-                  </p:sp>
-                  <p:sp>
-                    <p:nvSpPr>
-                      <p:cNvPr id="226" name="Freeform 19"/>
-                      <p:cNvSpPr>
-                        <a:spLocks/>
-                      </p:cNvSpPr>
-                      <p:nvPr/>
-                    </p:nvSpPr>
-                    <p:spPr bwMode="auto">
-                      <a:xfrm>
-                        <a:off x="2089401" y="962879"/>
-                        <a:ext cx="504468" cy="30900"/>
-                      </a:xfrm>
-                      <a:custGeom>
-                        <a:avLst/>
-                        <a:gdLst>
-                          <a:gd name="T0" fmla="*/ 3290 w 3295"/>
-                          <a:gd name="T1" fmla="*/ 0 h 197"/>
-                          <a:gd name="T2" fmla="*/ 3295 w 3295"/>
-                          <a:gd name="T3" fmla="*/ 197 h 197"/>
-                          <a:gd name="T4" fmla="*/ 0 w 3295"/>
-                          <a:gd name="T5" fmla="*/ 196 h 197"/>
-                          <a:gd name="T6" fmla="*/ 4 w 3295"/>
-                          <a:gd name="T7" fmla="*/ 1 h 197"/>
-                          <a:gd name="T8" fmla="*/ 3290 w 3295"/>
-                          <a:gd name="T9" fmla="*/ 0 h 197"/>
-                        </a:gdLst>
-                        <a:ahLst/>
-                        <a:cxnLst>
-                          <a:cxn ang="0">
-                            <a:pos x="T0" y="T1"/>
-                          </a:cxn>
-                          <a:cxn ang="0">
-                            <a:pos x="T2" y="T3"/>
-                          </a:cxn>
-                          <a:cxn ang="0">
-                            <a:pos x="T4" y="T5"/>
-                          </a:cxn>
-                          <a:cxn ang="0">
-                            <a:pos x="T6" y="T7"/>
-                          </a:cxn>
-                          <a:cxn ang="0">
-                            <a:pos x="T8" y="T9"/>
-                          </a:cxn>
-                        </a:cxnLst>
-                        <a:rect l="0" t="0" r="r" b="b"/>
-                        <a:pathLst>
-                          <a:path w="3295" h="197">
-                            <a:moveTo>
-                              <a:pt x="3290" y="0"/>
-                            </a:moveTo>
-                            <a:lnTo>
-                              <a:pt x="3295" y="197"/>
-                            </a:lnTo>
-                            <a:lnTo>
-                              <a:pt x="0" y="196"/>
-                            </a:lnTo>
-                            <a:lnTo>
-                              <a:pt x="4" y="1"/>
-                            </a:lnTo>
-                            <a:lnTo>
-                              <a:pt x="3290" y="0"/>
-                            </a:lnTo>
-                            <a:close/>
-                          </a:path>
-                        </a:pathLst>
-                      </a:custGeom>
-                      <a:solidFill>
-                        <a:srgbClr val="E6E6E6"/>
-                      </a:solidFill>
-                      <a:ln w="3175" cap="flat">
-                        <a:solidFill>
-                          <a:srgbClr val="7B7B79"/>
-                        </a:solidFill>
-                        <a:prstDash val="solid"/>
-                        <a:miter lim="800000"/>
-                        <a:headEnd/>
-                        <a:tailEnd/>
-                      </a:ln>
-                    </p:spPr>
-                    <p:txBody>
-                      <a:bodyPr vert="horz" wrap="square" lIns="91440" tIns="45720" rIns="91440" bIns="45720" numCol="1" anchor="t" anchorCtr="0" compatLnSpc="1">
-                        <a:prstTxWarp prst="textNoShape">
-                          <a:avLst/>
-                        </a:prstTxWarp>
-                      </a:bodyPr>
-                      <a:lstStyle/>
-                      <a:p>
-                        <a:endParaRPr lang="en-US"/>
-                      </a:p>
-                    </p:txBody>
-                  </p:sp>
-                  <p:sp>
-                    <p:nvSpPr>
-                      <p:cNvPr id="227" name="Line 20"/>
-                      <p:cNvSpPr>
-                        <a:spLocks noChangeShapeType="1"/>
-                      </p:cNvSpPr>
-                      <p:nvPr/>
-                    </p:nvSpPr>
-                    <p:spPr bwMode="auto">
-                      <a:xfrm>
-                        <a:off x="2105677" y="711495"/>
-                        <a:ext cx="465350" cy="0"/>
-                      </a:xfrm>
-                      <a:prstGeom prst="line">
-                        <a:avLst/>
-                      </a:prstGeom>
-                      <a:noFill/>
-                      <a:ln w="3175" cap="flat">
-                        <a:solidFill>
-                          <a:srgbClr val="7B7B79"/>
-                        </a:solidFill>
-                        <a:prstDash val="solid"/>
-                        <a:miter lim="800000"/>
-                        <a:headEnd/>
-                        <a:tailEnd/>
-                      </a:ln>
-                      <a:extLst>
-                        <a:ext uri="{909E8E84-426E-40DD-AFC4-6F175D3DCCD1}">
-                          <a14:hiddenFill xmlns:a14="http://schemas.microsoft.com/office/drawing/2010/main">
-                            <a:noFill/>
-                          </a14:hiddenFill>
-                        </a:ext>
-                      </a:extLst>
-                    </p:spPr>
-                    <p:txBody>
-                      <a:bodyPr vert="horz" wrap="square" lIns="91440" tIns="45720" rIns="91440" bIns="45720" numCol="1" anchor="t" anchorCtr="0" compatLnSpc="1">
-                        <a:prstTxWarp prst="textNoShape">
-                          <a:avLst/>
-                        </a:prstTxWarp>
-                      </a:bodyPr>
-                      <a:lstStyle/>
-                      <a:p>
-                        <a:endParaRPr lang="en-US"/>
-                      </a:p>
-                    </p:txBody>
-                  </p:sp>
-                </p:grpSp>
-                <p:grpSp>
-                  <p:nvGrpSpPr>
-                    <p:cNvPr id="204" name="Group 203"/>
-                    <p:cNvGrpSpPr/>
-                    <p:nvPr/>
-                  </p:nvGrpSpPr>
-                  <p:grpSpPr>
-                    <a:xfrm>
-                      <a:off x="5113317" y="1807493"/>
-                      <a:ext cx="504468" cy="363739"/>
-                      <a:chOff x="2089401" y="630040"/>
-                      <a:chExt cx="504468" cy="363739"/>
-                    </a:xfrm>
-                    <a:effectLst>
-                      <a:outerShdw blurRad="50800" dist="38100" dir="2700000" algn="tl" rotWithShape="0">
-                        <a:prstClr val="black">
-                          <a:alpha val="40000"/>
-                        </a:prstClr>
-                      </a:outerShdw>
-                    </a:effectLst>
-                  </p:grpSpPr>
-                  <p:sp>
-                    <p:nvSpPr>
-                      <p:cNvPr id="214" name="Rectangle 213"/>
-                      <p:cNvSpPr>
-                        <a:spLocks noChangeArrowheads="1"/>
-                      </p:cNvSpPr>
-                      <p:nvPr/>
-                    </p:nvSpPr>
-                    <p:spPr bwMode="auto">
-                      <a:xfrm>
-                        <a:off x="2470474" y="737128"/>
-                        <a:ext cx="60698" cy="203641"/>
-                      </a:xfrm>
-                      <a:prstGeom prst="rect">
-                        <a:avLst/>
-                      </a:prstGeom>
-                      <a:gradFill>
-                        <a:gsLst>
-                          <a:gs pos="0">
-                            <a:schemeClr val="bg1">
-                              <a:lumMod val="50000"/>
-                            </a:schemeClr>
-                          </a:gs>
-                          <a:gs pos="47000">
-                            <a:schemeClr val="bg1">
-                              <a:lumMod val="95000"/>
-                            </a:schemeClr>
-                          </a:gs>
-                          <a:gs pos="100000">
-                            <a:schemeClr val="bg1">
-                              <a:lumMod val="50000"/>
-                            </a:schemeClr>
-                          </a:gs>
-                        </a:gsLst>
-                        <a:lin ang="10800000" scaled="0"/>
-                      </a:gradFill>
-                      <a:ln w="3175" cap="flat">
-                        <a:solidFill>
-                          <a:schemeClr val="tx1"/>
-                        </a:solidFill>
-                        <a:prstDash val="solid"/>
-                        <a:miter lim="800000"/>
-                        <a:headEnd/>
-                        <a:tailEnd/>
-                      </a:ln>
-                    </p:spPr>
-                    <p:txBody>
-                      <a:bodyPr vert="horz" wrap="square" lIns="91440" tIns="45720" rIns="91440" bIns="45720" numCol="1" anchor="t" anchorCtr="0" compatLnSpc="1">
-                        <a:prstTxWarp prst="textNoShape">
-                          <a:avLst/>
-                        </a:prstTxWarp>
-                      </a:bodyPr>
-                      <a:lstStyle/>
-                      <a:p>
-                        <a:endParaRPr lang="en-US"/>
-                      </a:p>
-                    </p:txBody>
-                  </p:sp>
-                  <p:sp>
-                    <p:nvSpPr>
-                      <p:cNvPr id="215" name="Rectangle 214"/>
-                      <p:cNvSpPr>
-                        <a:spLocks noChangeArrowheads="1"/>
-                      </p:cNvSpPr>
-                      <p:nvPr/>
-                    </p:nvSpPr>
-                    <p:spPr bwMode="auto">
-                      <a:xfrm>
-                        <a:off x="2308857" y="737128"/>
-                        <a:ext cx="60698" cy="203641"/>
-                      </a:xfrm>
-                      <a:prstGeom prst="rect">
-                        <a:avLst/>
-                      </a:prstGeom>
-                      <a:gradFill>
-                        <a:gsLst>
-                          <a:gs pos="0">
-                            <a:schemeClr val="bg1">
-                              <a:lumMod val="50000"/>
-                            </a:schemeClr>
-                          </a:gs>
-                          <a:gs pos="47000">
-                            <a:schemeClr val="bg1">
-                              <a:lumMod val="95000"/>
-                            </a:schemeClr>
-                          </a:gs>
-                          <a:gs pos="100000">
-                            <a:schemeClr val="bg1">
-                              <a:lumMod val="50000"/>
-                            </a:schemeClr>
-                          </a:gs>
-                        </a:gsLst>
-                        <a:lin ang="10800000" scaled="0"/>
-                      </a:gradFill>
-                      <a:ln w="3175" cap="flat">
-                        <a:solidFill>
-                          <a:schemeClr val="tx1"/>
-                        </a:solidFill>
-                        <a:prstDash val="solid"/>
-                        <a:miter lim="800000"/>
-                        <a:headEnd/>
-                        <a:tailEnd/>
-                      </a:ln>
-                    </p:spPr>
-                    <p:txBody>
-                      <a:bodyPr vert="horz" wrap="square" lIns="91440" tIns="45720" rIns="91440" bIns="45720" numCol="1" anchor="t" anchorCtr="0" compatLnSpc="1">
-                        <a:prstTxWarp prst="textNoShape">
-                          <a:avLst/>
-                        </a:prstTxWarp>
-                      </a:bodyPr>
-                      <a:lstStyle/>
-                      <a:p>
-                        <a:endParaRPr lang="en-US"/>
-                      </a:p>
-                    </p:txBody>
-                  </p:sp>
-                  <p:sp>
-                    <p:nvSpPr>
-                      <p:cNvPr id="216" name="Rectangle 215"/>
-                      <p:cNvSpPr>
-                        <a:spLocks noChangeArrowheads="1"/>
-                      </p:cNvSpPr>
-                      <p:nvPr/>
-                    </p:nvSpPr>
-                    <p:spPr bwMode="auto">
-                      <a:xfrm>
-                        <a:off x="2147398" y="737128"/>
-                        <a:ext cx="60698" cy="203641"/>
-                      </a:xfrm>
-                      <a:prstGeom prst="rect">
-                        <a:avLst/>
-                      </a:prstGeom>
-                      <a:gradFill>
-                        <a:gsLst>
-                          <a:gs pos="0">
-                            <a:schemeClr val="bg1">
-                              <a:lumMod val="50000"/>
-                            </a:schemeClr>
-                          </a:gs>
-                          <a:gs pos="47000">
-                            <a:schemeClr val="bg1">
-                              <a:lumMod val="95000"/>
-                            </a:schemeClr>
-                          </a:gs>
-                          <a:gs pos="100000">
-                            <a:schemeClr val="bg1">
-                              <a:lumMod val="65000"/>
-                            </a:schemeClr>
-                          </a:gs>
-                        </a:gsLst>
-                        <a:lin ang="10800000" scaled="0"/>
-                      </a:gradFill>
-                      <a:ln w="3175" cap="flat">
-                        <a:solidFill>
-                          <a:schemeClr val="tx1"/>
-                        </a:solidFill>
-                        <a:prstDash val="solid"/>
-                        <a:miter lim="800000"/>
-                        <a:headEnd/>
-                        <a:tailEnd/>
-                      </a:ln>
-                    </p:spPr>
-                    <p:txBody>
-                      <a:bodyPr vert="horz" wrap="square" lIns="91440" tIns="45720" rIns="91440" bIns="45720" numCol="1" anchor="t" anchorCtr="0" compatLnSpc="1">
-                        <a:prstTxWarp prst="textNoShape">
-                          <a:avLst/>
-                        </a:prstTxWarp>
-                      </a:bodyPr>
-                      <a:lstStyle/>
-                      <a:p>
-                        <a:endParaRPr lang="en-US"/>
-                      </a:p>
-                    </p:txBody>
-                  </p:sp>
-                  <p:sp>
-                    <p:nvSpPr>
-                      <p:cNvPr id="217" name="Freeform 16"/>
-                      <p:cNvSpPr>
-                        <a:spLocks/>
-                      </p:cNvSpPr>
-                      <p:nvPr/>
-                    </p:nvSpPr>
-                    <p:spPr bwMode="auto">
-                      <a:xfrm>
-                        <a:off x="2101635" y="630040"/>
-                        <a:ext cx="472098" cy="120781"/>
-                      </a:xfrm>
-                      <a:custGeom>
-                        <a:avLst/>
-                        <a:gdLst>
-                          <a:gd name="T0" fmla="*/ 6 w 3093"/>
-                          <a:gd name="T1" fmla="*/ 451 h 764"/>
-                          <a:gd name="T2" fmla="*/ 1523 w 3093"/>
-                          <a:gd name="T3" fmla="*/ 0 h 764"/>
-                          <a:gd name="T4" fmla="*/ 3093 w 3093"/>
-                          <a:gd name="T5" fmla="*/ 468 h 764"/>
-                          <a:gd name="T6" fmla="*/ 3089 w 3093"/>
-                          <a:gd name="T7" fmla="*/ 764 h 764"/>
-                          <a:gd name="T8" fmla="*/ 0 w 3093"/>
-                          <a:gd name="T9" fmla="*/ 754 h 764"/>
-                          <a:gd name="T10" fmla="*/ 6 w 3093"/>
-                          <a:gd name="T11" fmla="*/ 451 h 764"/>
-                        </a:gdLst>
-                        <a:ahLst/>
-                        <a:cxnLst>
-                          <a:cxn ang="0">
-                            <a:pos x="T0" y="T1"/>
-                          </a:cxn>
-                          <a:cxn ang="0">
-                            <a:pos x="T2" y="T3"/>
-                          </a:cxn>
-                          <a:cxn ang="0">
-                            <a:pos x="T4" y="T5"/>
-                          </a:cxn>
-                          <a:cxn ang="0">
-                            <a:pos x="T6" y="T7"/>
-                          </a:cxn>
-                          <a:cxn ang="0">
-                            <a:pos x="T8" y="T9"/>
-                          </a:cxn>
-                          <a:cxn ang="0">
-                            <a:pos x="T10" y="T11"/>
-                          </a:cxn>
-                        </a:cxnLst>
-                        <a:rect l="0" t="0" r="r" b="b"/>
-                        <a:pathLst>
-                          <a:path w="3093" h="764">
-                            <a:moveTo>
-                              <a:pt x="6" y="451"/>
-                            </a:moveTo>
-                            <a:cubicBezTo>
-                              <a:pt x="86" y="441"/>
-                              <a:pt x="1523" y="0"/>
-                              <a:pt x="1523" y="0"/>
-                            </a:cubicBezTo>
-                            <a:lnTo>
-                              <a:pt x="3093" y="468"/>
-                            </a:lnTo>
-                            <a:lnTo>
-                              <a:pt x="3089" y="764"/>
-                            </a:lnTo>
-                            <a:lnTo>
-                              <a:pt x="0" y="754"/>
-                            </a:lnTo>
-                            <a:lnTo>
-                              <a:pt x="6" y="451"/>
-                            </a:lnTo>
-                            <a:close/>
-                          </a:path>
-                        </a:pathLst>
-                      </a:custGeom>
-                      <a:solidFill>
-                        <a:srgbClr val="E6E6E6"/>
-                      </a:solidFill>
-                      <a:ln w="3175" cap="flat">
-                        <a:solidFill>
-                          <a:srgbClr val="7B7B79"/>
-                        </a:solidFill>
-                        <a:prstDash val="solid"/>
-                        <a:miter lim="800000"/>
-                        <a:headEnd/>
-                        <a:tailEnd/>
-                      </a:ln>
-                    </p:spPr>
-                    <p:txBody>
-                      <a:bodyPr vert="horz" wrap="square" lIns="91440" tIns="45720" rIns="91440" bIns="45720" numCol="1" anchor="t" anchorCtr="0" compatLnSpc="1">
-                        <a:prstTxWarp prst="textNoShape">
-                          <a:avLst/>
-                        </a:prstTxWarp>
-                      </a:bodyPr>
-                      <a:lstStyle/>
-                      <a:p>
-                        <a:endParaRPr lang="en-US"/>
-                      </a:p>
-                    </p:txBody>
-                  </p:sp>
-                  <p:sp>
-                    <p:nvSpPr>
-                      <p:cNvPr id="218" name="Freeform 18"/>
-                      <p:cNvSpPr>
-                        <a:spLocks/>
-                      </p:cNvSpPr>
-                      <p:nvPr/>
-                    </p:nvSpPr>
-                    <p:spPr bwMode="auto">
-                      <a:xfrm>
-                        <a:off x="2120425" y="929176"/>
-                        <a:ext cx="437027" cy="33707"/>
-                      </a:xfrm>
-                      <a:custGeom>
-                        <a:avLst/>
-                        <a:gdLst>
-                          <a:gd name="T0" fmla="*/ 0 w 2853"/>
-                          <a:gd name="T1" fmla="*/ 213 h 213"/>
-                          <a:gd name="T2" fmla="*/ 4 w 2853"/>
-                          <a:gd name="T3" fmla="*/ 1 h 213"/>
-                          <a:gd name="T4" fmla="*/ 2849 w 2853"/>
-                          <a:gd name="T5" fmla="*/ 0 h 213"/>
-                          <a:gd name="T6" fmla="*/ 2853 w 2853"/>
-                          <a:gd name="T7" fmla="*/ 213 h 213"/>
-                        </a:gdLst>
-                        <a:ahLst/>
-                        <a:cxnLst>
-                          <a:cxn ang="0">
-                            <a:pos x="T0" y="T1"/>
-                          </a:cxn>
-                          <a:cxn ang="0">
-                            <a:pos x="T2" y="T3"/>
-                          </a:cxn>
-                          <a:cxn ang="0">
-                            <a:pos x="T4" y="T5"/>
-                          </a:cxn>
-                          <a:cxn ang="0">
-                            <a:pos x="T6" y="T7"/>
-                          </a:cxn>
-                        </a:cxnLst>
-                        <a:rect l="0" t="0" r="r" b="b"/>
-                        <a:pathLst>
-                          <a:path w="2853" h="213">
-                            <a:moveTo>
-                              <a:pt x="0" y="213"/>
-                            </a:moveTo>
-                            <a:lnTo>
-                              <a:pt x="4" y="1"/>
-                            </a:lnTo>
-                            <a:lnTo>
-                              <a:pt x="2849" y="0"/>
-                            </a:lnTo>
-                            <a:lnTo>
-                              <a:pt x="2853" y="213"/>
-                            </a:lnTo>
-                          </a:path>
-                        </a:pathLst>
-                      </a:custGeom>
-                      <a:solidFill>
-                        <a:srgbClr val="E6E6E6"/>
-                      </a:solidFill>
-                      <a:ln w="3175" cap="flat">
-                        <a:solidFill>
-                          <a:srgbClr val="7B7B79"/>
-                        </a:solidFill>
-                        <a:prstDash val="solid"/>
-                        <a:miter lim="800000"/>
-                        <a:headEnd/>
-                        <a:tailEnd/>
-                      </a:ln>
-                    </p:spPr>
-                    <p:txBody>
-                      <a:bodyPr vert="horz" wrap="square" lIns="91440" tIns="45720" rIns="91440" bIns="45720" numCol="1" anchor="t" anchorCtr="0" compatLnSpc="1">
-                        <a:prstTxWarp prst="textNoShape">
-                          <a:avLst/>
-                        </a:prstTxWarp>
-                      </a:bodyPr>
-                      <a:lstStyle/>
-                      <a:p>
-                        <a:endParaRPr lang="en-US"/>
-                      </a:p>
-                    </p:txBody>
-                  </p:sp>
-                  <p:sp>
-                    <p:nvSpPr>
-                      <p:cNvPr id="219" name="Freeform 19"/>
-                      <p:cNvSpPr>
-                        <a:spLocks/>
-                      </p:cNvSpPr>
-                      <p:nvPr/>
-                    </p:nvSpPr>
-                    <p:spPr bwMode="auto">
-                      <a:xfrm>
-                        <a:off x="2089401" y="962879"/>
-                        <a:ext cx="504468" cy="30900"/>
-                      </a:xfrm>
-                      <a:custGeom>
-                        <a:avLst/>
-                        <a:gdLst>
-                          <a:gd name="T0" fmla="*/ 3290 w 3295"/>
-                          <a:gd name="T1" fmla="*/ 0 h 197"/>
-                          <a:gd name="T2" fmla="*/ 3295 w 3295"/>
-                          <a:gd name="T3" fmla="*/ 197 h 197"/>
-                          <a:gd name="T4" fmla="*/ 0 w 3295"/>
-                          <a:gd name="T5" fmla="*/ 196 h 197"/>
-                          <a:gd name="T6" fmla="*/ 4 w 3295"/>
-                          <a:gd name="T7" fmla="*/ 1 h 197"/>
-                          <a:gd name="T8" fmla="*/ 3290 w 3295"/>
-                          <a:gd name="T9" fmla="*/ 0 h 197"/>
-                        </a:gdLst>
-                        <a:ahLst/>
-                        <a:cxnLst>
-                          <a:cxn ang="0">
-                            <a:pos x="T0" y="T1"/>
-                          </a:cxn>
-                          <a:cxn ang="0">
-                            <a:pos x="T2" y="T3"/>
-                          </a:cxn>
-                          <a:cxn ang="0">
-                            <a:pos x="T4" y="T5"/>
-                          </a:cxn>
-                          <a:cxn ang="0">
-                            <a:pos x="T6" y="T7"/>
-                          </a:cxn>
-                          <a:cxn ang="0">
-                            <a:pos x="T8" y="T9"/>
-                          </a:cxn>
-                        </a:cxnLst>
-                        <a:rect l="0" t="0" r="r" b="b"/>
-                        <a:pathLst>
-                          <a:path w="3295" h="197">
-                            <a:moveTo>
-                              <a:pt x="3290" y="0"/>
-                            </a:moveTo>
-                            <a:lnTo>
-                              <a:pt x="3295" y="197"/>
-                            </a:lnTo>
-                            <a:lnTo>
-                              <a:pt x="0" y="196"/>
-                            </a:lnTo>
-                            <a:lnTo>
-                              <a:pt x="4" y="1"/>
-                            </a:lnTo>
-                            <a:lnTo>
-                              <a:pt x="3290" y="0"/>
-                            </a:lnTo>
-                            <a:close/>
-                          </a:path>
-                        </a:pathLst>
-                      </a:custGeom>
-                      <a:solidFill>
-                        <a:srgbClr val="E6E6E6"/>
-                      </a:solidFill>
-                      <a:ln w="3175" cap="flat">
-                        <a:solidFill>
-                          <a:srgbClr val="7B7B79"/>
-                        </a:solidFill>
-                        <a:prstDash val="solid"/>
-                        <a:miter lim="800000"/>
-                        <a:headEnd/>
-                        <a:tailEnd/>
-                      </a:ln>
-                    </p:spPr>
-                    <p:txBody>
-                      <a:bodyPr vert="horz" wrap="square" lIns="91440" tIns="45720" rIns="91440" bIns="45720" numCol="1" anchor="t" anchorCtr="0" compatLnSpc="1">
-                        <a:prstTxWarp prst="textNoShape">
-                          <a:avLst/>
-                        </a:prstTxWarp>
-                      </a:bodyPr>
-                      <a:lstStyle/>
-                      <a:p>
-                        <a:endParaRPr lang="en-US"/>
-                      </a:p>
-                    </p:txBody>
-                  </p:sp>
-                  <p:sp>
-                    <p:nvSpPr>
-                      <p:cNvPr id="220" name="Line 20"/>
-                      <p:cNvSpPr>
-                        <a:spLocks noChangeShapeType="1"/>
-                      </p:cNvSpPr>
-                      <p:nvPr/>
-                    </p:nvSpPr>
-                    <p:spPr bwMode="auto">
-                      <a:xfrm>
-                        <a:off x="2105677" y="711495"/>
-                        <a:ext cx="465350" cy="0"/>
-                      </a:xfrm>
-                      <a:prstGeom prst="line">
-                        <a:avLst/>
-                      </a:prstGeom>
-                      <a:noFill/>
-                      <a:ln w="3175" cap="flat">
-                        <a:solidFill>
-                          <a:srgbClr val="7B7B79"/>
-                        </a:solidFill>
-                        <a:prstDash val="solid"/>
-                        <a:miter lim="800000"/>
-                        <a:headEnd/>
-                        <a:tailEnd/>
-                      </a:ln>
-                      <a:extLst>
-                        <a:ext uri="{909E8E84-426E-40DD-AFC4-6F175D3DCCD1}">
-                          <a14:hiddenFill xmlns:a14="http://schemas.microsoft.com/office/drawing/2010/main">
-                            <a:noFill/>
-                          </a14:hiddenFill>
-                        </a:ext>
-                      </a:extLst>
-                    </p:spPr>
-                    <p:txBody>
-                      <a:bodyPr vert="horz" wrap="square" lIns="91440" tIns="45720" rIns="91440" bIns="45720" numCol="1" anchor="t" anchorCtr="0" compatLnSpc="1">
-                        <a:prstTxWarp prst="textNoShape">
-                          <a:avLst/>
-                        </a:prstTxWarp>
-                      </a:bodyPr>
-                      <a:lstStyle/>
-                      <a:p>
-                        <a:endParaRPr lang="en-US"/>
-                      </a:p>
-                    </p:txBody>
-                  </p:sp>
-                </p:grpSp>
-                <p:grpSp>
-                  <p:nvGrpSpPr>
-                    <p:cNvPr id="205" name="Group 204"/>
-                    <p:cNvGrpSpPr/>
-                    <p:nvPr/>
-                  </p:nvGrpSpPr>
-                  <p:grpSpPr>
-                    <a:xfrm>
-                      <a:off x="5265717" y="1303437"/>
-                      <a:ext cx="504468" cy="363739"/>
-                      <a:chOff x="2089401" y="630040"/>
-                      <a:chExt cx="504468" cy="363739"/>
-                    </a:xfrm>
-                    <a:effectLst>
-                      <a:outerShdw blurRad="50800" dist="38100" dir="2700000" algn="tl" rotWithShape="0">
-                        <a:prstClr val="black">
-                          <a:alpha val="40000"/>
-                        </a:prstClr>
-                      </a:outerShdw>
-                    </a:effectLst>
-                  </p:grpSpPr>
-                  <p:sp>
-                    <p:nvSpPr>
-                      <p:cNvPr id="207" name="Rectangle 206"/>
-                      <p:cNvSpPr>
-                        <a:spLocks noChangeArrowheads="1"/>
-                      </p:cNvSpPr>
-                      <p:nvPr/>
-                    </p:nvSpPr>
-                    <p:spPr bwMode="auto">
-                      <a:xfrm>
-                        <a:off x="2470474" y="737128"/>
-                        <a:ext cx="60698" cy="203641"/>
-                      </a:xfrm>
-                      <a:prstGeom prst="rect">
-                        <a:avLst/>
-                      </a:prstGeom>
-                      <a:gradFill>
-                        <a:gsLst>
-                          <a:gs pos="0">
-                            <a:schemeClr val="bg1">
-                              <a:lumMod val="50000"/>
-                            </a:schemeClr>
-                          </a:gs>
-                          <a:gs pos="47000">
-                            <a:schemeClr val="bg1">
-                              <a:lumMod val="95000"/>
-                            </a:schemeClr>
-                          </a:gs>
-                          <a:gs pos="100000">
-                            <a:schemeClr val="bg1">
-                              <a:lumMod val="50000"/>
-                            </a:schemeClr>
-                          </a:gs>
-                        </a:gsLst>
-                        <a:lin ang="10800000" scaled="0"/>
-                      </a:gradFill>
-                      <a:ln w="3175" cap="flat">
-                        <a:solidFill>
-                          <a:schemeClr val="tx1"/>
-                        </a:solidFill>
-                        <a:prstDash val="solid"/>
-                        <a:miter lim="800000"/>
-                        <a:headEnd/>
-                        <a:tailEnd/>
-                      </a:ln>
-                    </p:spPr>
-                    <p:txBody>
-                      <a:bodyPr vert="horz" wrap="square" lIns="91440" tIns="45720" rIns="91440" bIns="45720" numCol="1" anchor="t" anchorCtr="0" compatLnSpc="1">
-                        <a:prstTxWarp prst="textNoShape">
-                          <a:avLst/>
-                        </a:prstTxWarp>
-                      </a:bodyPr>
-                      <a:lstStyle/>
-                      <a:p>
-                        <a:endParaRPr lang="en-US"/>
-                      </a:p>
-                    </p:txBody>
-                  </p:sp>
-                  <p:sp>
-                    <p:nvSpPr>
-                      <p:cNvPr id="208" name="Rectangle 207"/>
-                      <p:cNvSpPr>
-                        <a:spLocks noChangeArrowheads="1"/>
-                      </p:cNvSpPr>
-                      <p:nvPr/>
-                    </p:nvSpPr>
-                    <p:spPr bwMode="auto">
-                      <a:xfrm>
-                        <a:off x="2308857" y="737128"/>
-                        <a:ext cx="60698" cy="203641"/>
-                      </a:xfrm>
-                      <a:prstGeom prst="rect">
-                        <a:avLst/>
-                      </a:prstGeom>
-                      <a:gradFill>
-                        <a:gsLst>
-                          <a:gs pos="0">
-                            <a:schemeClr val="bg1">
-                              <a:lumMod val="50000"/>
-                            </a:schemeClr>
-                          </a:gs>
-                          <a:gs pos="47000">
-                            <a:schemeClr val="bg1">
-                              <a:lumMod val="95000"/>
-                            </a:schemeClr>
-                          </a:gs>
-                          <a:gs pos="100000">
-                            <a:schemeClr val="bg1">
-                              <a:lumMod val="50000"/>
-                            </a:schemeClr>
-                          </a:gs>
-                        </a:gsLst>
-                        <a:lin ang="10800000" scaled="0"/>
-                      </a:gradFill>
-                      <a:ln w="3175" cap="flat">
-                        <a:solidFill>
-                          <a:schemeClr val="tx1"/>
-                        </a:solidFill>
-                        <a:prstDash val="solid"/>
-                        <a:miter lim="800000"/>
-                        <a:headEnd/>
-                        <a:tailEnd/>
-                      </a:ln>
-                    </p:spPr>
-                    <p:txBody>
-                      <a:bodyPr vert="horz" wrap="square" lIns="91440" tIns="45720" rIns="91440" bIns="45720" numCol="1" anchor="t" anchorCtr="0" compatLnSpc="1">
-                        <a:prstTxWarp prst="textNoShape">
-                          <a:avLst/>
-                        </a:prstTxWarp>
-                      </a:bodyPr>
-                      <a:lstStyle/>
-                      <a:p>
-                        <a:endParaRPr lang="en-US"/>
-                      </a:p>
-                    </p:txBody>
-                  </p:sp>
-                  <p:sp>
-                    <p:nvSpPr>
-                      <p:cNvPr id="209" name="Rectangle 208"/>
-                      <p:cNvSpPr>
-                        <a:spLocks noChangeArrowheads="1"/>
-                      </p:cNvSpPr>
-                      <p:nvPr/>
-                    </p:nvSpPr>
-                    <p:spPr bwMode="auto">
-                      <a:xfrm>
-                        <a:off x="2147398" y="737128"/>
-                        <a:ext cx="60698" cy="203641"/>
-                      </a:xfrm>
-                      <a:prstGeom prst="rect">
-                        <a:avLst/>
-                      </a:prstGeom>
-                      <a:gradFill>
-                        <a:gsLst>
-                          <a:gs pos="0">
-                            <a:schemeClr val="bg1">
-                              <a:lumMod val="50000"/>
-                            </a:schemeClr>
-                          </a:gs>
-                          <a:gs pos="47000">
-                            <a:schemeClr val="bg1">
-                              <a:lumMod val="95000"/>
-                            </a:schemeClr>
-                          </a:gs>
-                          <a:gs pos="100000">
-                            <a:schemeClr val="bg1">
-                              <a:lumMod val="65000"/>
-                            </a:schemeClr>
-                          </a:gs>
-                        </a:gsLst>
-                        <a:lin ang="10800000" scaled="0"/>
-                      </a:gradFill>
-                      <a:ln w="3175" cap="flat">
-                        <a:solidFill>
-                          <a:schemeClr val="tx1"/>
-                        </a:solidFill>
-                        <a:prstDash val="solid"/>
-                        <a:miter lim="800000"/>
-                        <a:headEnd/>
-                        <a:tailEnd/>
-                      </a:ln>
-                    </p:spPr>
-                    <p:txBody>
-                      <a:bodyPr vert="horz" wrap="square" lIns="91440" tIns="45720" rIns="91440" bIns="45720" numCol="1" anchor="t" anchorCtr="0" compatLnSpc="1">
-                        <a:prstTxWarp prst="textNoShape">
-                          <a:avLst/>
-                        </a:prstTxWarp>
-                      </a:bodyPr>
-                      <a:lstStyle/>
-                      <a:p>
-                        <a:endParaRPr lang="en-US"/>
-                      </a:p>
-                    </p:txBody>
-                  </p:sp>
-                  <p:sp>
-                    <p:nvSpPr>
-                      <p:cNvPr id="210" name="Freeform 16"/>
-                      <p:cNvSpPr>
-                        <a:spLocks/>
-                      </p:cNvSpPr>
-                      <p:nvPr/>
-                    </p:nvSpPr>
-                    <p:spPr bwMode="auto">
-                      <a:xfrm>
-                        <a:off x="2101635" y="630040"/>
-                        <a:ext cx="472098" cy="120781"/>
-                      </a:xfrm>
-                      <a:custGeom>
-                        <a:avLst/>
-                        <a:gdLst>
-                          <a:gd name="T0" fmla="*/ 6 w 3093"/>
-                          <a:gd name="T1" fmla="*/ 451 h 764"/>
-                          <a:gd name="T2" fmla="*/ 1523 w 3093"/>
-                          <a:gd name="T3" fmla="*/ 0 h 764"/>
-                          <a:gd name="T4" fmla="*/ 3093 w 3093"/>
-                          <a:gd name="T5" fmla="*/ 468 h 764"/>
-                          <a:gd name="T6" fmla="*/ 3089 w 3093"/>
-                          <a:gd name="T7" fmla="*/ 764 h 764"/>
-                          <a:gd name="T8" fmla="*/ 0 w 3093"/>
-                          <a:gd name="T9" fmla="*/ 754 h 764"/>
-                          <a:gd name="T10" fmla="*/ 6 w 3093"/>
-                          <a:gd name="T11" fmla="*/ 451 h 764"/>
-                        </a:gdLst>
-                        <a:ahLst/>
-                        <a:cxnLst>
-                          <a:cxn ang="0">
-                            <a:pos x="T0" y="T1"/>
-                          </a:cxn>
-                          <a:cxn ang="0">
-                            <a:pos x="T2" y="T3"/>
-                          </a:cxn>
-                          <a:cxn ang="0">
-                            <a:pos x="T4" y="T5"/>
-                          </a:cxn>
-                          <a:cxn ang="0">
-                            <a:pos x="T6" y="T7"/>
-                          </a:cxn>
-                          <a:cxn ang="0">
-                            <a:pos x="T8" y="T9"/>
-                          </a:cxn>
-                          <a:cxn ang="0">
-                            <a:pos x="T10" y="T11"/>
-                          </a:cxn>
-                        </a:cxnLst>
-                        <a:rect l="0" t="0" r="r" b="b"/>
-                        <a:pathLst>
-                          <a:path w="3093" h="764">
-                            <a:moveTo>
-                              <a:pt x="6" y="451"/>
-                            </a:moveTo>
-                            <a:cubicBezTo>
-                              <a:pt x="86" y="441"/>
-                              <a:pt x="1523" y="0"/>
-                              <a:pt x="1523" y="0"/>
-                            </a:cubicBezTo>
-                            <a:lnTo>
-                              <a:pt x="3093" y="468"/>
-                            </a:lnTo>
-                            <a:lnTo>
-                              <a:pt x="3089" y="764"/>
-                            </a:lnTo>
-                            <a:lnTo>
-                              <a:pt x="0" y="754"/>
-                            </a:lnTo>
-                            <a:lnTo>
-                              <a:pt x="6" y="451"/>
-                            </a:lnTo>
-                            <a:close/>
-                          </a:path>
-                        </a:pathLst>
-                      </a:custGeom>
-                      <a:solidFill>
-                        <a:srgbClr val="E6E6E6"/>
-                      </a:solidFill>
-                      <a:ln w="3175" cap="flat">
-                        <a:solidFill>
-                          <a:srgbClr val="7B7B79"/>
-                        </a:solidFill>
-                        <a:prstDash val="solid"/>
-                        <a:miter lim="800000"/>
-                        <a:headEnd/>
-                        <a:tailEnd/>
-                      </a:ln>
-                    </p:spPr>
-                    <p:txBody>
-                      <a:bodyPr vert="horz" wrap="square" lIns="91440" tIns="45720" rIns="91440" bIns="45720" numCol="1" anchor="t" anchorCtr="0" compatLnSpc="1">
-                        <a:prstTxWarp prst="textNoShape">
-                          <a:avLst/>
-                        </a:prstTxWarp>
-                      </a:bodyPr>
-                      <a:lstStyle/>
-                      <a:p>
-                        <a:endParaRPr lang="en-US"/>
-                      </a:p>
-                    </p:txBody>
-                  </p:sp>
-                  <p:sp>
-                    <p:nvSpPr>
-                      <p:cNvPr id="211" name="Freeform 18"/>
-                      <p:cNvSpPr>
-                        <a:spLocks/>
-                      </p:cNvSpPr>
-                      <p:nvPr/>
-                    </p:nvSpPr>
-                    <p:spPr bwMode="auto">
-                      <a:xfrm>
-                        <a:off x="2120425" y="929176"/>
-                        <a:ext cx="437027" cy="33707"/>
-                      </a:xfrm>
-                      <a:custGeom>
-                        <a:avLst/>
-                        <a:gdLst>
-                          <a:gd name="T0" fmla="*/ 0 w 2853"/>
-                          <a:gd name="T1" fmla="*/ 213 h 213"/>
-                          <a:gd name="T2" fmla="*/ 4 w 2853"/>
-                          <a:gd name="T3" fmla="*/ 1 h 213"/>
-                          <a:gd name="T4" fmla="*/ 2849 w 2853"/>
-                          <a:gd name="T5" fmla="*/ 0 h 213"/>
-                          <a:gd name="T6" fmla="*/ 2853 w 2853"/>
-                          <a:gd name="T7" fmla="*/ 213 h 213"/>
-                        </a:gdLst>
-                        <a:ahLst/>
-                        <a:cxnLst>
-                          <a:cxn ang="0">
-                            <a:pos x="T0" y="T1"/>
-                          </a:cxn>
-                          <a:cxn ang="0">
-                            <a:pos x="T2" y="T3"/>
-                          </a:cxn>
-                          <a:cxn ang="0">
-                            <a:pos x="T4" y="T5"/>
-                          </a:cxn>
-                          <a:cxn ang="0">
-                            <a:pos x="T6" y="T7"/>
-                          </a:cxn>
-                        </a:cxnLst>
-                        <a:rect l="0" t="0" r="r" b="b"/>
-                        <a:pathLst>
-                          <a:path w="2853" h="213">
-                            <a:moveTo>
-                              <a:pt x="0" y="213"/>
-                            </a:moveTo>
-                            <a:lnTo>
-                              <a:pt x="4" y="1"/>
-                            </a:lnTo>
-                            <a:lnTo>
-                              <a:pt x="2849" y="0"/>
-                            </a:lnTo>
-                            <a:lnTo>
-                              <a:pt x="2853" y="213"/>
-                            </a:lnTo>
-                          </a:path>
-                        </a:pathLst>
-                      </a:custGeom>
-                      <a:solidFill>
-                        <a:srgbClr val="E6E6E6"/>
-                      </a:solidFill>
-                      <a:ln w="3175" cap="flat">
-                        <a:solidFill>
-                          <a:srgbClr val="7B7B79"/>
-                        </a:solidFill>
-                        <a:prstDash val="solid"/>
-                        <a:miter lim="800000"/>
-                        <a:headEnd/>
-                        <a:tailEnd/>
-                      </a:ln>
-                    </p:spPr>
-                    <p:txBody>
-                      <a:bodyPr vert="horz" wrap="square" lIns="91440" tIns="45720" rIns="91440" bIns="45720" numCol="1" anchor="t" anchorCtr="0" compatLnSpc="1">
-                        <a:prstTxWarp prst="textNoShape">
-                          <a:avLst/>
-                        </a:prstTxWarp>
-                      </a:bodyPr>
-                      <a:lstStyle/>
-                      <a:p>
-                        <a:endParaRPr lang="en-US"/>
-                      </a:p>
-                    </p:txBody>
-                  </p:sp>
-                  <p:sp>
-                    <p:nvSpPr>
-                      <p:cNvPr id="212" name="Freeform 19"/>
-                      <p:cNvSpPr>
-                        <a:spLocks/>
-                      </p:cNvSpPr>
-                      <p:nvPr/>
-                    </p:nvSpPr>
-                    <p:spPr bwMode="auto">
-                      <a:xfrm>
-                        <a:off x="2089401" y="962879"/>
-                        <a:ext cx="504468" cy="30900"/>
-                      </a:xfrm>
-                      <a:custGeom>
-                        <a:avLst/>
-                        <a:gdLst>
-                          <a:gd name="T0" fmla="*/ 3290 w 3295"/>
-                          <a:gd name="T1" fmla="*/ 0 h 197"/>
-                          <a:gd name="T2" fmla="*/ 3295 w 3295"/>
-                          <a:gd name="T3" fmla="*/ 197 h 197"/>
-                          <a:gd name="T4" fmla="*/ 0 w 3295"/>
-                          <a:gd name="T5" fmla="*/ 196 h 197"/>
-                          <a:gd name="T6" fmla="*/ 4 w 3295"/>
-                          <a:gd name="T7" fmla="*/ 1 h 197"/>
-                          <a:gd name="T8" fmla="*/ 3290 w 3295"/>
-                          <a:gd name="T9" fmla="*/ 0 h 197"/>
-                        </a:gdLst>
-                        <a:ahLst/>
-                        <a:cxnLst>
-                          <a:cxn ang="0">
-                            <a:pos x="T0" y="T1"/>
-                          </a:cxn>
-                          <a:cxn ang="0">
-                            <a:pos x="T2" y="T3"/>
-                          </a:cxn>
-                          <a:cxn ang="0">
-                            <a:pos x="T4" y="T5"/>
-                          </a:cxn>
-                          <a:cxn ang="0">
-                            <a:pos x="T6" y="T7"/>
-                          </a:cxn>
-                          <a:cxn ang="0">
-                            <a:pos x="T8" y="T9"/>
-                          </a:cxn>
-                        </a:cxnLst>
-                        <a:rect l="0" t="0" r="r" b="b"/>
-                        <a:pathLst>
-                          <a:path w="3295" h="197">
-                            <a:moveTo>
-                              <a:pt x="3290" y="0"/>
-                            </a:moveTo>
-                            <a:lnTo>
-                              <a:pt x="3295" y="197"/>
-                            </a:lnTo>
-                            <a:lnTo>
-                              <a:pt x="0" y="196"/>
-                            </a:lnTo>
-                            <a:lnTo>
-                              <a:pt x="4" y="1"/>
-                            </a:lnTo>
-                            <a:lnTo>
-                              <a:pt x="3290" y="0"/>
-                            </a:lnTo>
-                            <a:close/>
-                          </a:path>
-                        </a:pathLst>
-                      </a:custGeom>
-                      <a:solidFill>
-                        <a:srgbClr val="E6E6E6"/>
-                      </a:solidFill>
-                      <a:ln w="3175" cap="flat">
-                        <a:solidFill>
-                          <a:srgbClr val="7B7B79"/>
-                        </a:solidFill>
-                        <a:prstDash val="solid"/>
-                        <a:miter lim="800000"/>
-                        <a:headEnd/>
-                        <a:tailEnd/>
-                      </a:ln>
-                    </p:spPr>
-                    <p:txBody>
-                      <a:bodyPr vert="horz" wrap="square" lIns="91440" tIns="45720" rIns="91440" bIns="45720" numCol="1" anchor="t" anchorCtr="0" compatLnSpc="1">
-                        <a:prstTxWarp prst="textNoShape">
-                          <a:avLst/>
-                        </a:prstTxWarp>
-                      </a:bodyPr>
-                      <a:lstStyle/>
-                      <a:p>
-                        <a:endParaRPr lang="en-US"/>
-                      </a:p>
-                    </p:txBody>
-                  </p:sp>
-                  <p:sp>
-                    <p:nvSpPr>
-                      <p:cNvPr id="213" name="Line 20"/>
-                      <p:cNvSpPr>
-                        <a:spLocks noChangeShapeType="1"/>
-                      </p:cNvSpPr>
-                      <p:nvPr/>
-                    </p:nvSpPr>
-                    <p:spPr bwMode="auto">
-                      <a:xfrm>
-                        <a:off x="2105677" y="711495"/>
-                        <a:ext cx="465350" cy="0"/>
-                      </a:xfrm>
-                      <a:prstGeom prst="line">
-                        <a:avLst/>
-                      </a:prstGeom>
-                      <a:noFill/>
-                      <a:ln w="3175" cap="flat">
-                        <a:solidFill>
-                          <a:srgbClr val="7B7B79"/>
-                        </a:solidFill>
-                        <a:prstDash val="solid"/>
-                        <a:miter lim="800000"/>
-                        <a:headEnd/>
-                        <a:tailEnd/>
-                      </a:ln>
-                      <a:extLst>
-                        <a:ext uri="{909E8E84-426E-40DD-AFC4-6F175D3DCCD1}">
-                          <a14:hiddenFill xmlns:a14="http://schemas.microsoft.com/office/drawing/2010/main">
-                            <a:noFill/>
-                          </a14:hiddenFill>
-                        </a:ext>
-                      </a:extLst>
-                    </p:spPr>
-                    <p:txBody>
-                      <a:bodyPr vert="horz" wrap="square" lIns="91440" tIns="45720" rIns="91440" bIns="45720" numCol="1" anchor="t" anchorCtr="0" compatLnSpc="1">
-                        <a:prstTxWarp prst="textNoShape">
-                          <a:avLst/>
-                        </a:prstTxWarp>
-                      </a:bodyPr>
-                      <a:lstStyle/>
-                      <a:p>
-                        <a:endParaRPr lang="en-US"/>
-                      </a:p>
-                    </p:txBody>
-                  </p:sp>
-                </p:grpSp>
-                <p:sp>
-                  <p:nvSpPr>
-                    <p:cNvPr id="206" name="TextBox 205"/>
-                    <p:cNvSpPr txBox="1"/>
-                    <p:nvPr/>
-                  </p:nvSpPr>
-                  <p:spPr>
-                    <a:xfrm>
-                      <a:off x="4570270" y="908720"/>
-                      <a:ext cx="1220207" cy="307777"/>
-                    </a:xfrm>
-                    <a:prstGeom prst="rect">
-                      <a:avLst/>
-                    </a:prstGeom>
-                    <a:noFill/>
-                  </p:spPr>
-                  <p:txBody>
-                    <a:bodyPr wrap="none" rtlCol="0">
-                      <a:spAutoFit/>
-                    </a:bodyPr>
-                    <a:lstStyle/>
-                    <a:p>
-                      <a:pPr algn="ctr"/>
-                      <a:r>
-                        <a:rPr lang="en-US" sz="1400" dirty="0" smtClean="0">
-                          <a:latin typeface="Arial" panose="020B0604020202020204" pitchFamily="34" charset="0"/>
-                          <a:cs typeface="Arial" panose="020B0604020202020204" pitchFamily="34" charset="0"/>
-                        </a:rPr>
-                        <a:t>Issuer Banks</a:t>
-                      </a:r>
-                      <a:endParaRPr lang="en-US" sz="1400" dirty="0">
-                        <a:latin typeface="Arial" panose="020B0604020202020204" pitchFamily="34" charset="0"/>
-                        <a:cs typeface="Arial" panose="020B0604020202020204" pitchFamily="34" charset="0"/>
-                      </a:endParaRPr>
-                    </a:p>
-                  </p:txBody>
-                </p:sp>
-              </p:grpSp>
-            </p:grpSp>
             <p:sp>
               <p:nvSpPr>
-                <p:cNvPr id="240" name="Up Arrow 239"/>
-                <p:cNvSpPr/>
+                <p:cNvPr id="228" name="Rectangle 227"/>
+                <p:cNvSpPr>
+                  <a:spLocks noChangeArrowheads="1"/>
+                </p:cNvSpPr>
                 <p:nvPr/>
               </p:nvSpPr>
-              <p:spPr>
-                <a:xfrm rot="19339873">
-                  <a:off x="5848618" y="2093946"/>
-                  <a:ext cx="198210" cy="1188000"/>
+              <p:spPr bwMode="auto">
+                <a:xfrm>
+                  <a:off x="2470474" y="737128"/>
+                  <a:ext cx="60698" cy="203641"/>
                 </a:xfrm>
-                <a:prstGeom prst="upArrow">
-                  <a:avLst>
-                    <a:gd name="adj1" fmla="val 50000"/>
-                    <a:gd name="adj2" fmla="val 82952"/>
-                  </a:avLst>
+                <a:prstGeom prst="rect">
+                  <a:avLst/>
                 </a:prstGeom>
+                <a:gradFill>
+                  <a:gsLst>
+                    <a:gs pos="0">
+                      <a:schemeClr val="bg1">
+                        <a:lumMod val="50000"/>
+                      </a:schemeClr>
+                    </a:gs>
+                    <a:gs pos="47000">
+                      <a:schemeClr val="bg1">
+                        <a:lumMod val="95000"/>
+                      </a:schemeClr>
+                    </a:gs>
+                    <a:gs pos="100000">
+                      <a:schemeClr val="bg1">
+                        <a:lumMod val="50000"/>
+                      </a:schemeClr>
+                    </a:gs>
+                  </a:gsLst>
+                  <a:lin ang="10800000" scaled="0"/>
+                </a:gradFill>
+                <a:ln w="3175" cap="flat">
+                  <a:solidFill>
+                    <a:schemeClr val="tx1"/>
+                  </a:solidFill>
+                  <a:prstDash val="solid"/>
+                  <a:miter lim="800000"/>
+                  <a:headEnd/>
+                  <a:tailEnd/>
+                </a:ln>
+              </p:spPr>
+              <p:txBody>
+                <a:bodyPr vert="horz" wrap="square" lIns="91440" tIns="45720" rIns="91440" bIns="45720" numCol="1" anchor="t" anchorCtr="0" compatLnSpc="1">
+                  <a:prstTxWarp prst="textNoShape">
+                    <a:avLst/>
+                  </a:prstTxWarp>
+                </a:bodyPr>
+                <a:lstStyle/>
+                <a:p>
+                  <a:endParaRPr lang="en-US"/>
+                </a:p>
+              </p:txBody>
+            </p:sp>
+            <p:sp>
+              <p:nvSpPr>
+                <p:cNvPr id="229" name="Rectangle 228"/>
+                <p:cNvSpPr>
+                  <a:spLocks noChangeArrowheads="1"/>
+                </p:cNvSpPr>
+                <p:nvPr/>
+              </p:nvSpPr>
+              <p:spPr bwMode="auto">
+                <a:xfrm>
+                  <a:off x="2308857" y="737128"/>
+                  <a:ext cx="60698" cy="203641"/>
+                </a:xfrm>
+                <a:prstGeom prst="rect">
+                  <a:avLst/>
+                </a:prstGeom>
+                <a:gradFill>
+                  <a:gsLst>
+                    <a:gs pos="0">
+                      <a:schemeClr val="bg1">
+                        <a:lumMod val="50000"/>
+                      </a:schemeClr>
+                    </a:gs>
+                    <a:gs pos="47000">
+                      <a:schemeClr val="bg1">
+                        <a:lumMod val="95000"/>
+                      </a:schemeClr>
+                    </a:gs>
+                    <a:gs pos="100000">
+                      <a:schemeClr val="bg1">
+                        <a:lumMod val="50000"/>
+                      </a:schemeClr>
+                    </a:gs>
+                  </a:gsLst>
+                  <a:lin ang="10800000" scaled="0"/>
+                </a:gradFill>
+                <a:ln w="3175" cap="flat">
+                  <a:solidFill>
+                    <a:schemeClr val="tx1"/>
+                  </a:solidFill>
+                  <a:prstDash val="solid"/>
+                  <a:miter lim="800000"/>
+                  <a:headEnd/>
+                  <a:tailEnd/>
+                </a:ln>
+              </p:spPr>
+              <p:txBody>
+                <a:bodyPr vert="horz" wrap="square" lIns="91440" tIns="45720" rIns="91440" bIns="45720" numCol="1" anchor="t" anchorCtr="0" compatLnSpc="1">
+                  <a:prstTxWarp prst="textNoShape">
+                    <a:avLst/>
+                  </a:prstTxWarp>
+                </a:bodyPr>
+                <a:lstStyle/>
+                <a:p>
+                  <a:endParaRPr lang="en-US"/>
+                </a:p>
+              </p:txBody>
+            </p:sp>
+            <p:sp>
+              <p:nvSpPr>
+                <p:cNvPr id="230" name="Rectangle 229"/>
+                <p:cNvSpPr>
+                  <a:spLocks noChangeArrowheads="1"/>
+                </p:cNvSpPr>
+                <p:nvPr/>
+              </p:nvSpPr>
+              <p:spPr bwMode="auto">
+                <a:xfrm>
+                  <a:off x="2147398" y="737128"/>
+                  <a:ext cx="60698" cy="203641"/>
+                </a:xfrm>
+                <a:prstGeom prst="rect">
+                  <a:avLst/>
+                </a:prstGeom>
+                <a:gradFill>
+                  <a:gsLst>
+                    <a:gs pos="0">
+                      <a:schemeClr val="bg1">
+                        <a:lumMod val="50000"/>
+                      </a:schemeClr>
+                    </a:gs>
+                    <a:gs pos="47000">
+                      <a:schemeClr val="bg1">
+                        <a:lumMod val="95000"/>
+                      </a:schemeClr>
+                    </a:gs>
+                    <a:gs pos="100000">
+                      <a:schemeClr val="bg1">
+                        <a:lumMod val="65000"/>
+                      </a:schemeClr>
+                    </a:gs>
+                  </a:gsLst>
+                  <a:lin ang="10800000" scaled="0"/>
+                </a:gradFill>
+                <a:ln w="3175" cap="flat">
+                  <a:solidFill>
+                    <a:schemeClr val="tx1"/>
+                  </a:solidFill>
+                  <a:prstDash val="solid"/>
+                  <a:miter lim="800000"/>
+                  <a:headEnd/>
+                  <a:tailEnd/>
+                </a:ln>
+              </p:spPr>
+              <p:txBody>
+                <a:bodyPr vert="horz" wrap="square" lIns="91440" tIns="45720" rIns="91440" bIns="45720" numCol="1" anchor="t" anchorCtr="0" compatLnSpc="1">
+                  <a:prstTxWarp prst="textNoShape">
+                    <a:avLst/>
+                  </a:prstTxWarp>
+                </a:bodyPr>
+                <a:lstStyle/>
+                <a:p>
+                  <a:endParaRPr lang="en-US"/>
+                </a:p>
+              </p:txBody>
+            </p:sp>
+            <p:sp>
+              <p:nvSpPr>
+                <p:cNvPr id="231" name="Freeform 16"/>
+                <p:cNvSpPr>
+                  <a:spLocks/>
+                </p:cNvSpPr>
+                <p:nvPr/>
+              </p:nvSpPr>
+              <p:spPr bwMode="auto">
+                <a:xfrm>
+                  <a:off x="2101635" y="630040"/>
+                  <a:ext cx="472098" cy="120781"/>
+                </a:xfrm>
+                <a:custGeom>
+                  <a:avLst/>
+                  <a:gdLst>
+                    <a:gd name="T0" fmla="*/ 6 w 3093"/>
+                    <a:gd name="T1" fmla="*/ 451 h 764"/>
+                    <a:gd name="T2" fmla="*/ 1523 w 3093"/>
+                    <a:gd name="T3" fmla="*/ 0 h 764"/>
+                    <a:gd name="T4" fmla="*/ 3093 w 3093"/>
+                    <a:gd name="T5" fmla="*/ 468 h 764"/>
+                    <a:gd name="T6" fmla="*/ 3089 w 3093"/>
+                    <a:gd name="T7" fmla="*/ 764 h 764"/>
+                    <a:gd name="T8" fmla="*/ 0 w 3093"/>
+                    <a:gd name="T9" fmla="*/ 754 h 764"/>
+                    <a:gd name="T10" fmla="*/ 6 w 3093"/>
+                    <a:gd name="T11" fmla="*/ 451 h 764"/>
+                  </a:gdLst>
+                  <a:ahLst/>
+                  <a:cxnLst>
+                    <a:cxn ang="0">
+                      <a:pos x="T0" y="T1"/>
+                    </a:cxn>
+                    <a:cxn ang="0">
+                      <a:pos x="T2" y="T3"/>
+                    </a:cxn>
+                    <a:cxn ang="0">
+                      <a:pos x="T4" y="T5"/>
+                    </a:cxn>
+                    <a:cxn ang="0">
+                      <a:pos x="T6" y="T7"/>
+                    </a:cxn>
+                    <a:cxn ang="0">
+                      <a:pos x="T8" y="T9"/>
+                    </a:cxn>
+                    <a:cxn ang="0">
+                      <a:pos x="T10" y="T11"/>
+                    </a:cxn>
+                  </a:cxnLst>
+                  <a:rect l="0" t="0" r="r" b="b"/>
+                  <a:pathLst>
+                    <a:path w="3093" h="764">
+                      <a:moveTo>
+                        <a:pt x="6" y="451"/>
+                      </a:moveTo>
+                      <a:cubicBezTo>
+                        <a:pt x="86" y="441"/>
+                        <a:pt x="1523" y="0"/>
+                        <a:pt x="1523" y="0"/>
+                      </a:cubicBezTo>
+                      <a:lnTo>
+                        <a:pt x="3093" y="468"/>
+                      </a:lnTo>
+                      <a:lnTo>
+                        <a:pt x="3089" y="764"/>
+                      </a:lnTo>
+                      <a:lnTo>
+                        <a:pt x="0" y="754"/>
+                      </a:lnTo>
+                      <a:lnTo>
+                        <a:pt x="6" y="451"/>
+                      </a:lnTo>
+                      <a:close/>
+                    </a:path>
+                  </a:pathLst>
+                </a:custGeom>
+                <a:solidFill>
+                  <a:srgbClr val="E6E6E6"/>
+                </a:solidFill>
+                <a:ln w="3175" cap="flat">
+                  <a:solidFill>
+                    <a:srgbClr val="7B7B79"/>
+                  </a:solidFill>
+                  <a:prstDash val="solid"/>
+                  <a:miter lim="800000"/>
+                  <a:headEnd/>
+                  <a:tailEnd/>
+                </a:ln>
+              </p:spPr>
+              <p:txBody>
+                <a:bodyPr vert="horz" wrap="square" lIns="91440" tIns="45720" rIns="91440" bIns="45720" numCol="1" anchor="t" anchorCtr="0" compatLnSpc="1">
+                  <a:prstTxWarp prst="textNoShape">
+                    <a:avLst/>
+                  </a:prstTxWarp>
+                </a:bodyPr>
+                <a:lstStyle/>
+                <a:p>
+                  <a:endParaRPr lang="en-US"/>
+                </a:p>
+              </p:txBody>
+            </p:sp>
+            <p:sp>
+              <p:nvSpPr>
+                <p:cNvPr id="232" name="Freeform 18"/>
+                <p:cNvSpPr>
+                  <a:spLocks/>
+                </p:cNvSpPr>
+                <p:nvPr/>
+              </p:nvSpPr>
+              <p:spPr bwMode="auto">
+                <a:xfrm>
+                  <a:off x="2120425" y="929176"/>
+                  <a:ext cx="437027" cy="33707"/>
+                </a:xfrm>
+                <a:custGeom>
+                  <a:avLst/>
+                  <a:gdLst>
+                    <a:gd name="T0" fmla="*/ 0 w 2853"/>
+                    <a:gd name="T1" fmla="*/ 213 h 213"/>
+                    <a:gd name="T2" fmla="*/ 4 w 2853"/>
+                    <a:gd name="T3" fmla="*/ 1 h 213"/>
+                    <a:gd name="T4" fmla="*/ 2849 w 2853"/>
+                    <a:gd name="T5" fmla="*/ 0 h 213"/>
+                    <a:gd name="T6" fmla="*/ 2853 w 2853"/>
+                    <a:gd name="T7" fmla="*/ 213 h 213"/>
+                  </a:gdLst>
+                  <a:ahLst/>
+                  <a:cxnLst>
+                    <a:cxn ang="0">
+                      <a:pos x="T0" y="T1"/>
+                    </a:cxn>
+                    <a:cxn ang="0">
+                      <a:pos x="T2" y="T3"/>
+                    </a:cxn>
+                    <a:cxn ang="0">
+                      <a:pos x="T4" y="T5"/>
+                    </a:cxn>
+                    <a:cxn ang="0">
+                      <a:pos x="T6" y="T7"/>
+                    </a:cxn>
+                  </a:cxnLst>
+                  <a:rect l="0" t="0" r="r" b="b"/>
+                  <a:pathLst>
+                    <a:path w="2853" h="213">
+                      <a:moveTo>
+                        <a:pt x="0" y="213"/>
+                      </a:moveTo>
+                      <a:lnTo>
+                        <a:pt x="4" y="1"/>
+                      </a:lnTo>
+                      <a:lnTo>
+                        <a:pt x="2849" y="0"/>
+                      </a:lnTo>
+                      <a:lnTo>
+                        <a:pt x="2853" y="213"/>
+                      </a:lnTo>
+                    </a:path>
+                  </a:pathLst>
+                </a:custGeom>
+                <a:solidFill>
+                  <a:srgbClr val="E6E6E6"/>
+                </a:solidFill>
+                <a:ln w="3175" cap="flat">
+                  <a:solidFill>
+                    <a:srgbClr val="7B7B79"/>
+                  </a:solidFill>
+                  <a:prstDash val="solid"/>
+                  <a:miter lim="800000"/>
+                  <a:headEnd/>
+                  <a:tailEnd/>
+                </a:ln>
+              </p:spPr>
+              <p:txBody>
+                <a:bodyPr vert="horz" wrap="square" lIns="91440" tIns="45720" rIns="91440" bIns="45720" numCol="1" anchor="t" anchorCtr="0" compatLnSpc="1">
+                  <a:prstTxWarp prst="textNoShape">
+                    <a:avLst/>
+                  </a:prstTxWarp>
+                </a:bodyPr>
+                <a:lstStyle/>
+                <a:p>
+                  <a:endParaRPr lang="en-US"/>
+                </a:p>
+              </p:txBody>
+            </p:sp>
+            <p:sp>
+              <p:nvSpPr>
+                <p:cNvPr id="233" name="Freeform 19"/>
+                <p:cNvSpPr>
+                  <a:spLocks/>
+                </p:cNvSpPr>
+                <p:nvPr/>
+              </p:nvSpPr>
+              <p:spPr bwMode="auto">
+                <a:xfrm>
+                  <a:off x="2089401" y="962879"/>
+                  <a:ext cx="504468" cy="30900"/>
+                </a:xfrm>
+                <a:custGeom>
+                  <a:avLst/>
+                  <a:gdLst>
+                    <a:gd name="T0" fmla="*/ 3290 w 3295"/>
+                    <a:gd name="T1" fmla="*/ 0 h 197"/>
+                    <a:gd name="T2" fmla="*/ 3295 w 3295"/>
+                    <a:gd name="T3" fmla="*/ 197 h 197"/>
+                    <a:gd name="T4" fmla="*/ 0 w 3295"/>
+                    <a:gd name="T5" fmla="*/ 196 h 197"/>
+                    <a:gd name="T6" fmla="*/ 4 w 3295"/>
+                    <a:gd name="T7" fmla="*/ 1 h 197"/>
+                    <a:gd name="T8" fmla="*/ 3290 w 3295"/>
+                    <a:gd name="T9" fmla="*/ 0 h 197"/>
+                  </a:gdLst>
+                  <a:ahLst/>
+                  <a:cxnLst>
+                    <a:cxn ang="0">
+                      <a:pos x="T0" y="T1"/>
+                    </a:cxn>
+                    <a:cxn ang="0">
+                      <a:pos x="T2" y="T3"/>
+                    </a:cxn>
+                    <a:cxn ang="0">
+                      <a:pos x="T4" y="T5"/>
+                    </a:cxn>
+                    <a:cxn ang="0">
+                      <a:pos x="T6" y="T7"/>
+                    </a:cxn>
+                    <a:cxn ang="0">
+                      <a:pos x="T8" y="T9"/>
+                    </a:cxn>
+                  </a:cxnLst>
+                  <a:rect l="0" t="0" r="r" b="b"/>
+                  <a:pathLst>
+                    <a:path w="3295" h="197">
+                      <a:moveTo>
+                        <a:pt x="3290" y="0"/>
+                      </a:moveTo>
+                      <a:lnTo>
+                        <a:pt x="3295" y="197"/>
+                      </a:lnTo>
+                      <a:lnTo>
+                        <a:pt x="0" y="196"/>
+                      </a:lnTo>
+                      <a:lnTo>
+                        <a:pt x="4" y="1"/>
+                      </a:lnTo>
+                      <a:lnTo>
+                        <a:pt x="3290" y="0"/>
+                      </a:lnTo>
+                      <a:close/>
+                    </a:path>
+                  </a:pathLst>
+                </a:custGeom>
+                <a:solidFill>
+                  <a:srgbClr val="E6E6E6"/>
+                </a:solidFill>
+                <a:ln w="3175" cap="flat">
+                  <a:solidFill>
+                    <a:srgbClr val="7B7B79"/>
+                  </a:solidFill>
+                  <a:prstDash val="solid"/>
+                  <a:miter lim="800000"/>
+                  <a:headEnd/>
+                  <a:tailEnd/>
+                </a:ln>
+              </p:spPr>
+              <p:txBody>
+                <a:bodyPr vert="horz" wrap="square" lIns="91440" tIns="45720" rIns="91440" bIns="45720" numCol="1" anchor="t" anchorCtr="0" compatLnSpc="1">
+                  <a:prstTxWarp prst="textNoShape">
+                    <a:avLst/>
+                  </a:prstTxWarp>
+                </a:bodyPr>
+                <a:lstStyle/>
+                <a:p>
+                  <a:endParaRPr lang="en-US"/>
+                </a:p>
+              </p:txBody>
+            </p:sp>
+            <p:sp>
+              <p:nvSpPr>
+                <p:cNvPr id="234" name="Line 20"/>
+                <p:cNvSpPr>
+                  <a:spLocks noChangeShapeType="1"/>
+                </p:cNvSpPr>
+                <p:nvPr/>
+              </p:nvSpPr>
+              <p:spPr bwMode="auto">
+                <a:xfrm>
+                  <a:off x="2105677" y="711495"/>
+                  <a:ext cx="465350" cy="0"/>
+                </a:xfrm>
+                <a:prstGeom prst="line">
+                  <a:avLst/>
+                </a:prstGeom>
+                <a:noFill/>
+                <a:ln w="3175" cap="flat">
+                  <a:solidFill>
+                    <a:srgbClr val="7B7B79"/>
+                  </a:solidFill>
+                  <a:prstDash val="solid"/>
+                  <a:miter lim="800000"/>
+                  <a:headEnd/>
+                  <a:tailEnd/>
+                </a:ln>
+                <a:extLst>
+                  <a:ext uri="{909E8E84-426E-40DD-AFC4-6F175D3DCCD1}">
+                    <a14:hiddenFill xmlns:a14="http://schemas.microsoft.com/office/drawing/2010/main">
+                      <a:noFill/>
+                    </a14:hiddenFill>
+                  </a:ext>
+                </a:extLst>
+              </p:spPr>
+              <p:txBody>
+                <a:bodyPr vert="horz" wrap="square" lIns="91440" tIns="45720" rIns="91440" bIns="45720" numCol="1" anchor="t" anchorCtr="0" compatLnSpc="1">
+                  <a:prstTxWarp prst="textNoShape">
+                    <a:avLst/>
+                  </a:prstTxWarp>
+                </a:bodyPr>
+                <a:lstStyle/>
+                <a:p>
+                  <a:endParaRPr lang="en-US"/>
+                </a:p>
+              </p:txBody>
+            </p:sp>
+          </p:grpSp>
+          <p:grpSp>
+            <p:nvGrpSpPr>
+              <p:cNvPr id="203" name="Group 202"/>
+              <p:cNvGrpSpPr/>
+              <p:nvPr/>
+            </p:nvGrpSpPr>
+            <p:grpSpPr>
+              <a:xfrm>
+                <a:off x="4960917" y="2311549"/>
+                <a:ext cx="504468" cy="363739"/>
+                <a:chOff x="2089401" y="630040"/>
+                <a:chExt cx="504468" cy="363739"/>
+              </a:xfrm>
+              <a:effectLst>
+                <a:outerShdw blurRad="50800" dist="38100" dir="2700000" algn="tl" rotWithShape="0">
+                  <a:prstClr val="black">
+                    <a:alpha val="40000"/>
+                  </a:prstClr>
+                </a:outerShdw>
+              </a:effectLst>
+            </p:grpSpPr>
+            <p:sp>
+              <p:nvSpPr>
+                <p:cNvPr id="221" name="Rectangle 220"/>
+                <p:cNvSpPr>
+                  <a:spLocks noChangeArrowheads="1"/>
+                </p:cNvSpPr>
+                <p:nvPr/>
+              </p:nvSpPr>
+              <p:spPr bwMode="auto">
+                <a:xfrm>
+                  <a:off x="2470474" y="737128"/>
+                  <a:ext cx="60698" cy="203641"/>
+                </a:xfrm>
+                <a:prstGeom prst="rect">
+                  <a:avLst/>
+                </a:prstGeom>
+                <a:gradFill>
+                  <a:gsLst>
+                    <a:gs pos="0">
+                      <a:schemeClr val="bg1">
+                        <a:lumMod val="50000"/>
+                      </a:schemeClr>
+                    </a:gs>
+                    <a:gs pos="47000">
+                      <a:schemeClr val="bg1">
+                        <a:lumMod val="95000"/>
+                      </a:schemeClr>
+                    </a:gs>
+                    <a:gs pos="100000">
+                      <a:schemeClr val="bg1">
+                        <a:lumMod val="50000"/>
+                      </a:schemeClr>
+                    </a:gs>
+                  </a:gsLst>
+                  <a:lin ang="10800000" scaled="0"/>
+                </a:gradFill>
+                <a:ln w="3175" cap="flat">
+                  <a:solidFill>
+                    <a:schemeClr val="tx1"/>
+                  </a:solidFill>
+                  <a:prstDash val="solid"/>
+                  <a:miter lim="800000"/>
+                  <a:headEnd/>
+                  <a:tailEnd/>
+                </a:ln>
+              </p:spPr>
+              <p:txBody>
+                <a:bodyPr vert="horz" wrap="square" lIns="91440" tIns="45720" rIns="91440" bIns="45720" numCol="1" anchor="t" anchorCtr="0" compatLnSpc="1">
+                  <a:prstTxWarp prst="textNoShape">
+                    <a:avLst/>
+                  </a:prstTxWarp>
+                </a:bodyPr>
+                <a:lstStyle/>
+                <a:p>
+                  <a:endParaRPr lang="en-US"/>
+                </a:p>
+              </p:txBody>
+            </p:sp>
+            <p:sp>
+              <p:nvSpPr>
+                <p:cNvPr id="222" name="Rectangle 221"/>
+                <p:cNvSpPr>
+                  <a:spLocks noChangeArrowheads="1"/>
+                </p:cNvSpPr>
+                <p:nvPr/>
+              </p:nvSpPr>
+              <p:spPr bwMode="auto">
+                <a:xfrm>
+                  <a:off x="2308857" y="737128"/>
+                  <a:ext cx="60698" cy="203641"/>
+                </a:xfrm>
+                <a:prstGeom prst="rect">
+                  <a:avLst/>
+                </a:prstGeom>
+                <a:gradFill>
+                  <a:gsLst>
+                    <a:gs pos="0">
+                      <a:schemeClr val="bg1">
+                        <a:lumMod val="50000"/>
+                      </a:schemeClr>
+                    </a:gs>
+                    <a:gs pos="47000">
+                      <a:schemeClr val="bg1">
+                        <a:lumMod val="95000"/>
+                      </a:schemeClr>
+                    </a:gs>
+                    <a:gs pos="100000">
+                      <a:schemeClr val="bg1">
+                        <a:lumMod val="50000"/>
+                      </a:schemeClr>
+                    </a:gs>
+                  </a:gsLst>
+                  <a:lin ang="10800000" scaled="0"/>
+                </a:gradFill>
+                <a:ln w="3175" cap="flat">
+                  <a:solidFill>
+                    <a:schemeClr val="tx1"/>
+                  </a:solidFill>
+                  <a:prstDash val="solid"/>
+                  <a:miter lim="800000"/>
+                  <a:headEnd/>
+                  <a:tailEnd/>
+                </a:ln>
+              </p:spPr>
+              <p:txBody>
+                <a:bodyPr vert="horz" wrap="square" lIns="91440" tIns="45720" rIns="91440" bIns="45720" numCol="1" anchor="t" anchorCtr="0" compatLnSpc="1">
+                  <a:prstTxWarp prst="textNoShape">
+                    <a:avLst/>
+                  </a:prstTxWarp>
+                </a:bodyPr>
+                <a:lstStyle/>
+                <a:p>
+                  <a:endParaRPr lang="en-US"/>
+                </a:p>
+              </p:txBody>
+            </p:sp>
+            <p:sp>
+              <p:nvSpPr>
+                <p:cNvPr id="223" name="Rectangle 222"/>
+                <p:cNvSpPr>
+                  <a:spLocks noChangeArrowheads="1"/>
+                </p:cNvSpPr>
+                <p:nvPr/>
+              </p:nvSpPr>
+              <p:spPr bwMode="auto">
+                <a:xfrm>
+                  <a:off x="2147398" y="737128"/>
+                  <a:ext cx="60698" cy="203641"/>
+                </a:xfrm>
+                <a:prstGeom prst="rect">
+                  <a:avLst/>
+                </a:prstGeom>
+                <a:gradFill>
+                  <a:gsLst>
+                    <a:gs pos="0">
+                      <a:schemeClr val="bg1">
+                        <a:lumMod val="50000"/>
+                      </a:schemeClr>
+                    </a:gs>
+                    <a:gs pos="47000">
+                      <a:schemeClr val="bg1">
+                        <a:lumMod val="95000"/>
+                      </a:schemeClr>
+                    </a:gs>
+                    <a:gs pos="100000">
+                      <a:schemeClr val="bg1">
+                        <a:lumMod val="65000"/>
+                      </a:schemeClr>
+                    </a:gs>
+                  </a:gsLst>
+                  <a:lin ang="10800000" scaled="0"/>
+                </a:gradFill>
+                <a:ln w="3175" cap="flat">
+                  <a:solidFill>
+                    <a:schemeClr val="tx1"/>
+                  </a:solidFill>
+                  <a:prstDash val="solid"/>
+                  <a:miter lim="800000"/>
+                  <a:headEnd/>
+                  <a:tailEnd/>
+                </a:ln>
+              </p:spPr>
+              <p:txBody>
+                <a:bodyPr vert="horz" wrap="square" lIns="91440" tIns="45720" rIns="91440" bIns="45720" numCol="1" anchor="t" anchorCtr="0" compatLnSpc="1">
+                  <a:prstTxWarp prst="textNoShape">
+                    <a:avLst/>
+                  </a:prstTxWarp>
+                </a:bodyPr>
+                <a:lstStyle/>
+                <a:p>
+                  <a:endParaRPr lang="en-US"/>
+                </a:p>
+              </p:txBody>
+            </p:sp>
+            <p:sp>
+              <p:nvSpPr>
+                <p:cNvPr id="224" name="Freeform 16"/>
+                <p:cNvSpPr>
+                  <a:spLocks/>
+                </p:cNvSpPr>
+                <p:nvPr/>
+              </p:nvSpPr>
+              <p:spPr bwMode="auto">
+                <a:xfrm>
+                  <a:off x="2101635" y="630040"/>
+                  <a:ext cx="472098" cy="120781"/>
+                </a:xfrm>
+                <a:custGeom>
+                  <a:avLst/>
+                  <a:gdLst>
+                    <a:gd name="T0" fmla="*/ 6 w 3093"/>
+                    <a:gd name="T1" fmla="*/ 451 h 764"/>
+                    <a:gd name="T2" fmla="*/ 1523 w 3093"/>
+                    <a:gd name="T3" fmla="*/ 0 h 764"/>
+                    <a:gd name="T4" fmla="*/ 3093 w 3093"/>
+                    <a:gd name="T5" fmla="*/ 468 h 764"/>
+                    <a:gd name="T6" fmla="*/ 3089 w 3093"/>
+                    <a:gd name="T7" fmla="*/ 764 h 764"/>
+                    <a:gd name="T8" fmla="*/ 0 w 3093"/>
+                    <a:gd name="T9" fmla="*/ 754 h 764"/>
+                    <a:gd name="T10" fmla="*/ 6 w 3093"/>
+                    <a:gd name="T11" fmla="*/ 451 h 764"/>
+                  </a:gdLst>
+                  <a:ahLst/>
+                  <a:cxnLst>
+                    <a:cxn ang="0">
+                      <a:pos x="T0" y="T1"/>
+                    </a:cxn>
+                    <a:cxn ang="0">
+                      <a:pos x="T2" y="T3"/>
+                    </a:cxn>
+                    <a:cxn ang="0">
+                      <a:pos x="T4" y="T5"/>
+                    </a:cxn>
+                    <a:cxn ang="0">
+                      <a:pos x="T6" y="T7"/>
+                    </a:cxn>
+                    <a:cxn ang="0">
+                      <a:pos x="T8" y="T9"/>
+                    </a:cxn>
+                    <a:cxn ang="0">
+                      <a:pos x="T10" y="T11"/>
+                    </a:cxn>
+                  </a:cxnLst>
+                  <a:rect l="0" t="0" r="r" b="b"/>
+                  <a:pathLst>
+                    <a:path w="3093" h="764">
+                      <a:moveTo>
+                        <a:pt x="6" y="451"/>
+                      </a:moveTo>
+                      <a:cubicBezTo>
+                        <a:pt x="86" y="441"/>
+                        <a:pt x="1523" y="0"/>
+                        <a:pt x="1523" y="0"/>
+                      </a:cubicBezTo>
+                      <a:lnTo>
+                        <a:pt x="3093" y="468"/>
+                      </a:lnTo>
+                      <a:lnTo>
+                        <a:pt x="3089" y="764"/>
+                      </a:lnTo>
+                      <a:lnTo>
+                        <a:pt x="0" y="754"/>
+                      </a:lnTo>
+                      <a:lnTo>
+                        <a:pt x="6" y="451"/>
+                      </a:lnTo>
+                      <a:close/>
+                    </a:path>
+                  </a:pathLst>
+                </a:custGeom>
+                <a:solidFill>
+                  <a:srgbClr val="E6E6E6"/>
+                </a:solidFill>
+                <a:ln w="3175" cap="flat">
+                  <a:solidFill>
+                    <a:srgbClr val="7B7B79"/>
+                  </a:solidFill>
+                  <a:prstDash val="solid"/>
+                  <a:miter lim="800000"/>
+                  <a:headEnd/>
+                  <a:tailEnd/>
+                </a:ln>
+              </p:spPr>
+              <p:txBody>
+                <a:bodyPr vert="horz" wrap="square" lIns="91440" tIns="45720" rIns="91440" bIns="45720" numCol="1" anchor="t" anchorCtr="0" compatLnSpc="1">
+                  <a:prstTxWarp prst="textNoShape">
+                    <a:avLst/>
+                  </a:prstTxWarp>
+                </a:bodyPr>
+                <a:lstStyle/>
+                <a:p>
+                  <a:endParaRPr lang="en-US"/>
+                </a:p>
+              </p:txBody>
+            </p:sp>
+            <p:sp>
+              <p:nvSpPr>
+                <p:cNvPr id="225" name="Freeform 18"/>
+                <p:cNvSpPr>
+                  <a:spLocks/>
+                </p:cNvSpPr>
+                <p:nvPr/>
+              </p:nvSpPr>
+              <p:spPr bwMode="auto">
+                <a:xfrm>
+                  <a:off x="2120425" y="929176"/>
+                  <a:ext cx="437027" cy="33707"/>
+                </a:xfrm>
+                <a:custGeom>
+                  <a:avLst/>
+                  <a:gdLst>
+                    <a:gd name="T0" fmla="*/ 0 w 2853"/>
+                    <a:gd name="T1" fmla="*/ 213 h 213"/>
+                    <a:gd name="T2" fmla="*/ 4 w 2853"/>
+                    <a:gd name="T3" fmla="*/ 1 h 213"/>
+                    <a:gd name="T4" fmla="*/ 2849 w 2853"/>
+                    <a:gd name="T5" fmla="*/ 0 h 213"/>
+                    <a:gd name="T6" fmla="*/ 2853 w 2853"/>
+                    <a:gd name="T7" fmla="*/ 213 h 213"/>
+                  </a:gdLst>
+                  <a:ahLst/>
+                  <a:cxnLst>
+                    <a:cxn ang="0">
+                      <a:pos x="T0" y="T1"/>
+                    </a:cxn>
+                    <a:cxn ang="0">
+                      <a:pos x="T2" y="T3"/>
+                    </a:cxn>
+                    <a:cxn ang="0">
+                      <a:pos x="T4" y="T5"/>
+                    </a:cxn>
+                    <a:cxn ang="0">
+                      <a:pos x="T6" y="T7"/>
+                    </a:cxn>
+                  </a:cxnLst>
+                  <a:rect l="0" t="0" r="r" b="b"/>
+                  <a:pathLst>
+                    <a:path w="2853" h="213">
+                      <a:moveTo>
+                        <a:pt x="0" y="213"/>
+                      </a:moveTo>
+                      <a:lnTo>
+                        <a:pt x="4" y="1"/>
+                      </a:lnTo>
+                      <a:lnTo>
+                        <a:pt x="2849" y="0"/>
+                      </a:lnTo>
+                      <a:lnTo>
+                        <a:pt x="2853" y="213"/>
+                      </a:lnTo>
+                    </a:path>
+                  </a:pathLst>
+                </a:custGeom>
+                <a:solidFill>
+                  <a:srgbClr val="E6E6E6"/>
+                </a:solidFill>
+                <a:ln w="3175" cap="flat">
+                  <a:solidFill>
+                    <a:srgbClr val="7B7B79"/>
+                  </a:solidFill>
+                  <a:prstDash val="solid"/>
+                  <a:miter lim="800000"/>
+                  <a:headEnd/>
+                  <a:tailEnd/>
+                </a:ln>
+              </p:spPr>
+              <p:txBody>
+                <a:bodyPr vert="horz" wrap="square" lIns="91440" tIns="45720" rIns="91440" bIns="45720" numCol="1" anchor="t" anchorCtr="0" compatLnSpc="1">
+                  <a:prstTxWarp prst="textNoShape">
+                    <a:avLst/>
+                  </a:prstTxWarp>
+                </a:bodyPr>
+                <a:lstStyle/>
+                <a:p>
+                  <a:endParaRPr lang="en-US"/>
+                </a:p>
+              </p:txBody>
+            </p:sp>
+            <p:sp>
+              <p:nvSpPr>
+                <p:cNvPr id="226" name="Freeform 19"/>
+                <p:cNvSpPr>
+                  <a:spLocks/>
+                </p:cNvSpPr>
+                <p:nvPr/>
+              </p:nvSpPr>
+              <p:spPr bwMode="auto">
+                <a:xfrm>
+                  <a:off x="2089401" y="962879"/>
+                  <a:ext cx="504468" cy="30900"/>
+                </a:xfrm>
+                <a:custGeom>
+                  <a:avLst/>
+                  <a:gdLst>
+                    <a:gd name="T0" fmla="*/ 3290 w 3295"/>
+                    <a:gd name="T1" fmla="*/ 0 h 197"/>
+                    <a:gd name="T2" fmla="*/ 3295 w 3295"/>
+                    <a:gd name="T3" fmla="*/ 197 h 197"/>
+                    <a:gd name="T4" fmla="*/ 0 w 3295"/>
+                    <a:gd name="T5" fmla="*/ 196 h 197"/>
+                    <a:gd name="T6" fmla="*/ 4 w 3295"/>
+                    <a:gd name="T7" fmla="*/ 1 h 197"/>
+                    <a:gd name="T8" fmla="*/ 3290 w 3295"/>
+                    <a:gd name="T9" fmla="*/ 0 h 197"/>
+                  </a:gdLst>
+                  <a:ahLst/>
+                  <a:cxnLst>
+                    <a:cxn ang="0">
+                      <a:pos x="T0" y="T1"/>
+                    </a:cxn>
+                    <a:cxn ang="0">
+                      <a:pos x="T2" y="T3"/>
+                    </a:cxn>
+                    <a:cxn ang="0">
+                      <a:pos x="T4" y="T5"/>
+                    </a:cxn>
+                    <a:cxn ang="0">
+                      <a:pos x="T6" y="T7"/>
+                    </a:cxn>
+                    <a:cxn ang="0">
+                      <a:pos x="T8" y="T9"/>
+                    </a:cxn>
+                  </a:cxnLst>
+                  <a:rect l="0" t="0" r="r" b="b"/>
+                  <a:pathLst>
+                    <a:path w="3295" h="197">
+                      <a:moveTo>
+                        <a:pt x="3290" y="0"/>
+                      </a:moveTo>
+                      <a:lnTo>
+                        <a:pt x="3295" y="197"/>
+                      </a:lnTo>
+                      <a:lnTo>
+                        <a:pt x="0" y="196"/>
+                      </a:lnTo>
+                      <a:lnTo>
+                        <a:pt x="4" y="1"/>
+                      </a:lnTo>
+                      <a:lnTo>
+                        <a:pt x="3290" y="0"/>
+                      </a:lnTo>
+                      <a:close/>
+                    </a:path>
+                  </a:pathLst>
+                </a:custGeom>
+                <a:solidFill>
+                  <a:srgbClr val="E6E6E6"/>
+                </a:solidFill>
+                <a:ln w="3175" cap="flat">
+                  <a:solidFill>
+                    <a:srgbClr val="7B7B79"/>
+                  </a:solidFill>
+                  <a:prstDash val="solid"/>
+                  <a:miter lim="800000"/>
+                  <a:headEnd/>
+                  <a:tailEnd/>
+                </a:ln>
+              </p:spPr>
+              <p:txBody>
+                <a:bodyPr vert="horz" wrap="square" lIns="91440" tIns="45720" rIns="91440" bIns="45720" numCol="1" anchor="t" anchorCtr="0" compatLnSpc="1">
+                  <a:prstTxWarp prst="textNoShape">
+                    <a:avLst/>
+                  </a:prstTxWarp>
+                </a:bodyPr>
+                <a:lstStyle/>
+                <a:p>
+                  <a:endParaRPr lang="en-US"/>
+                </a:p>
+              </p:txBody>
+            </p:sp>
+            <p:sp>
+              <p:nvSpPr>
+                <p:cNvPr id="227" name="Line 20"/>
+                <p:cNvSpPr>
+                  <a:spLocks noChangeShapeType="1"/>
+                </p:cNvSpPr>
+                <p:nvPr/>
+              </p:nvSpPr>
+              <p:spPr bwMode="auto">
+                <a:xfrm>
+                  <a:off x="2105677" y="711495"/>
+                  <a:ext cx="465350" cy="0"/>
+                </a:xfrm>
+                <a:prstGeom prst="line">
+                  <a:avLst/>
+                </a:prstGeom>
+                <a:noFill/>
+                <a:ln w="3175" cap="flat">
+                  <a:solidFill>
+                    <a:srgbClr val="7B7B79"/>
+                  </a:solidFill>
+                  <a:prstDash val="solid"/>
+                  <a:miter lim="800000"/>
+                  <a:headEnd/>
+                  <a:tailEnd/>
+                </a:ln>
+                <a:extLst>
+                  <a:ext uri="{909E8E84-426E-40DD-AFC4-6F175D3DCCD1}">
+                    <a14:hiddenFill xmlns:a14="http://schemas.microsoft.com/office/drawing/2010/main">
+                      <a:noFill/>
+                    </a14:hiddenFill>
+                  </a:ext>
+                </a:extLst>
+              </p:spPr>
+              <p:txBody>
+                <a:bodyPr vert="horz" wrap="square" lIns="91440" tIns="45720" rIns="91440" bIns="45720" numCol="1" anchor="t" anchorCtr="0" compatLnSpc="1">
+                  <a:prstTxWarp prst="textNoShape">
+                    <a:avLst/>
+                  </a:prstTxWarp>
+                </a:bodyPr>
+                <a:lstStyle/>
+                <a:p>
+                  <a:endParaRPr lang="en-US"/>
+                </a:p>
+              </p:txBody>
+            </p:sp>
+          </p:grpSp>
+          <p:grpSp>
+            <p:nvGrpSpPr>
+              <p:cNvPr id="204" name="Group 203"/>
+              <p:cNvGrpSpPr/>
+              <p:nvPr/>
+            </p:nvGrpSpPr>
+            <p:grpSpPr>
+              <a:xfrm>
+                <a:off x="5113317" y="1807493"/>
+                <a:ext cx="504468" cy="363739"/>
+                <a:chOff x="2089401" y="630040"/>
+                <a:chExt cx="504468" cy="363739"/>
+              </a:xfrm>
+              <a:effectLst>
+                <a:outerShdw blurRad="50800" dist="38100" dir="2700000" algn="tl" rotWithShape="0">
+                  <a:prstClr val="black">
+                    <a:alpha val="40000"/>
+                  </a:prstClr>
+                </a:outerShdw>
+              </a:effectLst>
+            </p:grpSpPr>
+            <p:sp>
+              <p:nvSpPr>
+                <p:cNvPr id="214" name="Rectangle 213"/>
+                <p:cNvSpPr>
+                  <a:spLocks noChangeArrowheads="1"/>
+                </p:cNvSpPr>
+                <p:nvPr/>
+              </p:nvSpPr>
+              <p:spPr bwMode="auto">
+                <a:xfrm>
+                  <a:off x="2470474" y="737128"/>
+                  <a:ext cx="60698" cy="203641"/>
+                </a:xfrm>
+                <a:prstGeom prst="rect">
+                  <a:avLst/>
+                </a:prstGeom>
+                <a:gradFill>
+                  <a:gsLst>
+                    <a:gs pos="0">
+                      <a:schemeClr val="bg1">
+                        <a:lumMod val="50000"/>
+                      </a:schemeClr>
+                    </a:gs>
+                    <a:gs pos="47000">
+                      <a:schemeClr val="bg1">
+                        <a:lumMod val="95000"/>
+                      </a:schemeClr>
+                    </a:gs>
+                    <a:gs pos="100000">
+                      <a:schemeClr val="bg1">
+                        <a:lumMod val="50000"/>
+                      </a:schemeClr>
+                    </a:gs>
+                  </a:gsLst>
+                  <a:lin ang="10800000" scaled="0"/>
+                </a:gradFill>
+                <a:ln w="3175" cap="flat">
+                  <a:solidFill>
+                    <a:schemeClr val="tx1"/>
+                  </a:solidFill>
+                  <a:prstDash val="solid"/>
+                  <a:miter lim="800000"/>
+                  <a:headEnd/>
+                  <a:tailEnd/>
+                </a:ln>
+              </p:spPr>
+              <p:txBody>
+                <a:bodyPr vert="horz" wrap="square" lIns="91440" tIns="45720" rIns="91440" bIns="45720" numCol="1" anchor="t" anchorCtr="0" compatLnSpc="1">
+                  <a:prstTxWarp prst="textNoShape">
+                    <a:avLst/>
+                  </a:prstTxWarp>
+                </a:bodyPr>
+                <a:lstStyle/>
+                <a:p>
+                  <a:endParaRPr lang="en-US"/>
+                </a:p>
+              </p:txBody>
+            </p:sp>
+            <p:sp>
+              <p:nvSpPr>
+                <p:cNvPr id="215" name="Rectangle 214"/>
+                <p:cNvSpPr>
+                  <a:spLocks noChangeArrowheads="1"/>
+                </p:cNvSpPr>
+                <p:nvPr/>
+              </p:nvSpPr>
+              <p:spPr bwMode="auto">
+                <a:xfrm>
+                  <a:off x="2308857" y="737128"/>
+                  <a:ext cx="60698" cy="203641"/>
+                </a:xfrm>
+                <a:prstGeom prst="rect">
+                  <a:avLst/>
+                </a:prstGeom>
+                <a:gradFill>
+                  <a:gsLst>
+                    <a:gs pos="0">
+                      <a:schemeClr val="bg1">
+                        <a:lumMod val="50000"/>
+                      </a:schemeClr>
+                    </a:gs>
+                    <a:gs pos="47000">
+                      <a:schemeClr val="bg1">
+                        <a:lumMod val="95000"/>
+                      </a:schemeClr>
+                    </a:gs>
+                    <a:gs pos="100000">
+                      <a:schemeClr val="bg1">
+                        <a:lumMod val="50000"/>
+                      </a:schemeClr>
+                    </a:gs>
+                  </a:gsLst>
+                  <a:lin ang="10800000" scaled="0"/>
+                </a:gradFill>
+                <a:ln w="3175" cap="flat">
+                  <a:solidFill>
+                    <a:schemeClr val="tx1"/>
+                  </a:solidFill>
+                  <a:prstDash val="solid"/>
+                  <a:miter lim="800000"/>
+                  <a:headEnd/>
+                  <a:tailEnd/>
+                </a:ln>
+              </p:spPr>
+              <p:txBody>
+                <a:bodyPr vert="horz" wrap="square" lIns="91440" tIns="45720" rIns="91440" bIns="45720" numCol="1" anchor="t" anchorCtr="0" compatLnSpc="1">
+                  <a:prstTxWarp prst="textNoShape">
+                    <a:avLst/>
+                  </a:prstTxWarp>
+                </a:bodyPr>
+                <a:lstStyle/>
+                <a:p>
+                  <a:endParaRPr lang="en-US"/>
+                </a:p>
+              </p:txBody>
+            </p:sp>
+            <p:sp>
+              <p:nvSpPr>
+                <p:cNvPr id="216" name="Rectangle 215"/>
+                <p:cNvSpPr>
+                  <a:spLocks noChangeArrowheads="1"/>
+                </p:cNvSpPr>
+                <p:nvPr/>
+              </p:nvSpPr>
+              <p:spPr bwMode="auto">
+                <a:xfrm>
+                  <a:off x="2147398" y="737128"/>
+                  <a:ext cx="60698" cy="203641"/>
+                </a:xfrm>
+                <a:prstGeom prst="rect">
+                  <a:avLst/>
+                </a:prstGeom>
+                <a:gradFill>
+                  <a:gsLst>
+                    <a:gs pos="0">
+                      <a:schemeClr val="bg1">
+                        <a:lumMod val="50000"/>
+                      </a:schemeClr>
+                    </a:gs>
+                    <a:gs pos="47000">
+                      <a:schemeClr val="bg1">
+                        <a:lumMod val="95000"/>
+                      </a:schemeClr>
+                    </a:gs>
+                    <a:gs pos="100000">
+                      <a:schemeClr val="bg1">
+                        <a:lumMod val="65000"/>
+                      </a:schemeClr>
+                    </a:gs>
+                  </a:gsLst>
+                  <a:lin ang="10800000" scaled="0"/>
+                </a:gradFill>
+                <a:ln w="3175" cap="flat">
+                  <a:solidFill>
+                    <a:schemeClr val="tx1"/>
+                  </a:solidFill>
+                  <a:prstDash val="solid"/>
+                  <a:miter lim="800000"/>
+                  <a:headEnd/>
+                  <a:tailEnd/>
+                </a:ln>
+              </p:spPr>
+              <p:txBody>
+                <a:bodyPr vert="horz" wrap="square" lIns="91440" tIns="45720" rIns="91440" bIns="45720" numCol="1" anchor="t" anchorCtr="0" compatLnSpc="1">
+                  <a:prstTxWarp prst="textNoShape">
+                    <a:avLst/>
+                  </a:prstTxWarp>
+                </a:bodyPr>
+                <a:lstStyle/>
+                <a:p>
+                  <a:endParaRPr lang="en-US"/>
+                </a:p>
+              </p:txBody>
+            </p:sp>
+            <p:sp>
+              <p:nvSpPr>
+                <p:cNvPr id="217" name="Freeform 16"/>
+                <p:cNvSpPr>
+                  <a:spLocks/>
+                </p:cNvSpPr>
+                <p:nvPr/>
+              </p:nvSpPr>
+              <p:spPr bwMode="auto">
+                <a:xfrm>
+                  <a:off x="2101635" y="630040"/>
+                  <a:ext cx="472098" cy="120781"/>
+                </a:xfrm>
+                <a:custGeom>
+                  <a:avLst/>
+                  <a:gdLst>
+                    <a:gd name="T0" fmla="*/ 6 w 3093"/>
+                    <a:gd name="T1" fmla="*/ 451 h 764"/>
+                    <a:gd name="T2" fmla="*/ 1523 w 3093"/>
+                    <a:gd name="T3" fmla="*/ 0 h 764"/>
+                    <a:gd name="T4" fmla="*/ 3093 w 3093"/>
+                    <a:gd name="T5" fmla="*/ 468 h 764"/>
+                    <a:gd name="T6" fmla="*/ 3089 w 3093"/>
+                    <a:gd name="T7" fmla="*/ 764 h 764"/>
+                    <a:gd name="T8" fmla="*/ 0 w 3093"/>
+                    <a:gd name="T9" fmla="*/ 754 h 764"/>
+                    <a:gd name="T10" fmla="*/ 6 w 3093"/>
+                    <a:gd name="T11" fmla="*/ 451 h 764"/>
+                  </a:gdLst>
+                  <a:ahLst/>
+                  <a:cxnLst>
+                    <a:cxn ang="0">
+                      <a:pos x="T0" y="T1"/>
+                    </a:cxn>
+                    <a:cxn ang="0">
+                      <a:pos x="T2" y="T3"/>
+                    </a:cxn>
+                    <a:cxn ang="0">
+                      <a:pos x="T4" y="T5"/>
+                    </a:cxn>
+                    <a:cxn ang="0">
+                      <a:pos x="T6" y="T7"/>
+                    </a:cxn>
+                    <a:cxn ang="0">
+                      <a:pos x="T8" y="T9"/>
+                    </a:cxn>
+                    <a:cxn ang="0">
+                      <a:pos x="T10" y="T11"/>
+                    </a:cxn>
+                  </a:cxnLst>
+                  <a:rect l="0" t="0" r="r" b="b"/>
+                  <a:pathLst>
+                    <a:path w="3093" h="764">
+                      <a:moveTo>
+                        <a:pt x="6" y="451"/>
+                      </a:moveTo>
+                      <a:cubicBezTo>
+                        <a:pt x="86" y="441"/>
+                        <a:pt x="1523" y="0"/>
+                        <a:pt x="1523" y="0"/>
+                      </a:cubicBezTo>
+                      <a:lnTo>
+                        <a:pt x="3093" y="468"/>
+                      </a:lnTo>
+                      <a:lnTo>
+                        <a:pt x="3089" y="764"/>
+                      </a:lnTo>
+                      <a:lnTo>
+                        <a:pt x="0" y="754"/>
+                      </a:lnTo>
+                      <a:lnTo>
+                        <a:pt x="6" y="451"/>
+                      </a:lnTo>
+                      <a:close/>
+                    </a:path>
+                  </a:pathLst>
+                </a:custGeom>
+                <a:solidFill>
+                  <a:srgbClr val="E6E6E6"/>
+                </a:solidFill>
+                <a:ln w="3175" cap="flat">
+                  <a:solidFill>
+                    <a:srgbClr val="7B7B79"/>
+                  </a:solidFill>
+                  <a:prstDash val="solid"/>
+                  <a:miter lim="800000"/>
+                  <a:headEnd/>
+                  <a:tailEnd/>
+                </a:ln>
+              </p:spPr>
+              <p:txBody>
+                <a:bodyPr vert="horz" wrap="square" lIns="91440" tIns="45720" rIns="91440" bIns="45720" numCol="1" anchor="t" anchorCtr="0" compatLnSpc="1">
+                  <a:prstTxWarp prst="textNoShape">
+                    <a:avLst/>
+                  </a:prstTxWarp>
+                </a:bodyPr>
+                <a:lstStyle/>
+                <a:p>
+                  <a:endParaRPr lang="en-US"/>
+                </a:p>
+              </p:txBody>
+            </p:sp>
+            <p:sp>
+              <p:nvSpPr>
+                <p:cNvPr id="218" name="Freeform 18"/>
+                <p:cNvSpPr>
+                  <a:spLocks/>
+                </p:cNvSpPr>
+                <p:nvPr/>
+              </p:nvSpPr>
+              <p:spPr bwMode="auto">
+                <a:xfrm>
+                  <a:off x="2120425" y="929176"/>
+                  <a:ext cx="437027" cy="33707"/>
+                </a:xfrm>
+                <a:custGeom>
+                  <a:avLst/>
+                  <a:gdLst>
+                    <a:gd name="T0" fmla="*/ 0 w 2853"/>
+                    <a:gd name="T1" fmla="*/ 213 h 213"/>
+                    <a:gd name="T2" fmla="*/ 4 w 2853"/>
+                    <a:gd name="T3" fmla="*/ 1 h 213"/>
+                    <a:gd name="T4" fmla="*/ 2849 w 2853"/>
+                    <a:gd name="T5" fmla="*/ 0 h 213"/>
+                    <a:gd name="T6" fmla="*/ 2853 w 2853"/>
+                    <a:gd name="T7" fmla="*/ 213 h 213"/>
+                  </a:gdLst>
+                  <a:ahLst/>
+                  <a:cxnLst>
+                    <a:cxn ang="0">
+                      <a:pos x="T0" y="T1"/>
+                    </a:cxn>
+                    <a:cxn ang="0">
+                      <a:pos x="T2" y="T3"/>
+                    </a:cxn>
+                    <a:cxn ang="0">
+                      <a:pos x="T4" y="T5"/>
+                    </a:cxn>
+                    <a:cxn ang="0">
+                      <a:pos x="T6" y="T7"/>
+                    </a:cxn>
+                  </a:cxnLst>
+                  <a:rect l="0" t="0" r="r" b="b"/>
+                  <a:pathLst>
+                    <a:path w="2853" h="213">
+                      <a:moveTo>
+                        <a:pt x="0" y="213"/>
+                      </a:moveTo>
+                      <a:lnTo>
+                        <a:pt x="4" y="1"/>
+                      </a:lnTo>
+                      <a:lnTo>
+                        <a:pt x="2849" y="0"/>
+                      </a:lnTo>
+                      <a:lnTo>
+                        <a:pt x="2853" y="213"/>
+                      </a:lnTo>
+                    </a:path>
+                  </a:pathLst>
+                </a:custGeom>
+                <a:solidFill>
+                  <a:srgbClr val="E6E6E6"/>
+                </a:solidFill>
+                <a:ln w="3175" cap="flat">
+                  <a:solidFill>
+                    <a:srgbClr val="7B7B79"/>
+                  </a:solidFill>
+                  <a:prstDash val="solid"/>
+                  <a:miter lim="800000"/>
+                  <a:headEnd/>
+                  <a:tailEnd/>
+                </a:ln>
+              </p:spPr>
+              <p:txBody>
+                <a:bodyPr vert="horz" wrap="square" lIns="91440" tIns="45720" rIns="91440" bIns="45720" numCol="1" anchor="t" anchorCtr="0" compatLnSpc="1">
+                  <a:prstTxWarp prst="textNoShape">
+                    <a:avLst/>
+                  </a:prstTxWarp>
+                </a:bodyPr>
+                <a:lstStyle/>
+                <a:p>
+                  <a:endParaRPr lang="en-US"/>
+                </a:p>
+              </p:txBody>
+            </p:sp>
+            <p:sp>
+              <p:nvSpPr>
+                <p:cNvPr id="219" name="Freeform 19"/>
+                <p:cNvSpPr>
+                  <a:spLocks/>
+                </p:cNvSpPr>
+                <p:nvPr/>
+              </p:nvSpPr>
+              <p:spPr bwMode="auto">
+                <a:xfrm>
+                  <a:off x="2089401" y="962879"/>
+                  <a:ext cx="504468" cy="30900"/>
+                </a:xfrm>
+                <a:custGeom>
+                  <a:avLst/>
+                  <a:gdLst>
+                    <a:gd name="T0" fmla="*/ 3290 w 3295"/>
+                    <a:gd name="T1" fmla="*/ 0 h 197"/>
+                    <a:gd name="T2" fmla="*/ 3295 w 3295"/>
+                    <a:gd name="T3" fmla="*/ 197 h 197"/>
+                    <a:gd name="T4" fmla="*/ 0 w 3295"/>
+                    <a:gd name="T5" fmla="*/ 196 h 197"/>
+                    <a:gd name="T6" fmla="*/ 4 w 3295"/>
+                    <a:gd name="T7" fmla="*/ 1 h 197"/>
+                    <a:gd name="T8" fmla="*/ 3290 w 3295"/>
+                    <a:gd name="T9" fmla="*/ 0 h 197"/>
+                  </a:gdLst>
+                  <a:ahLst/>
+                  <a:cxnLst>
+                    <a:cxn ang="0">
+                      <a:pos x="T0" y="T1"/>
+                    </a:cxn>
+                    <a:cxn ang="0">
+                      <a:pos x="T2" y="T3"/>
+                    </a:cxn>
+                    <a:cxn ang="0">
+                      <a:pos x="T4" y="T5"/>
+                    </a:cxn>
+                    <a:cxn ang="0">
+                      <a:pos x="T6" y="T7"/>
+                    </a:cxn>
+                    <a:cxn ang="0">
+                      <a:pos x="T8" y="T9"/>
+                    </a:cxn>
+                  </a:cxnLst>
+                  <a:rect l="0" t="0" r="r" b="b"/>
+                  <a:pathLst>
+                    <a:path w="3295" h="197">
+                      <a:moveTo>
+                        <a:pt x="3290" y="0"/>
+                      </a:moveTo>
+                      <a:lnTo>
+                        <a:pt x="3295" y="197"/>
+                      </a:lnTo>
+                      <a:lnTo>
+                        <a:pt x="0" y="196"/>
+                      </a:lnTo>
+                      <a:lnTo>
+                        <a:pt x="4" y="1"/>
+                      </a:lnTo>
+                      <a:lnTo>
+                        <a:pt x="3290" y="0"/>
+                      </a:lnTo>
+                      <a:close/>
+                    </a:path>
+                  </a:pathLst>
+                </a:custGeom>
+                <a:solidFill>
+                  <a:srgbClr val="E6E6E6"/>
+                </a:solidFill>
+                <a:ln w="3175" cap="flat">
+                  <a:solidFill>
+                    <a:srgbClr val="7B7B79"/>
+                  </a:solidFill>
+                  <a:prstDash val="solid"/>
+                  <a:miter lim="800000"/>
+                  <a:headEnd/>
+                  <a:tailEnd/>
+                </a:ln>
+              </p:spPr>
+              <p:txBody>
+                <a:bodyPr vert="horz" wrap="square" lIns="91440" tIns="45720" rIns="91440" bIns="45720" numCol="1" anchor="t" anchorCtr="0" compatLnSpc="1">
+                  <a:prstTxWarp prst="textNoShape">
+                    <a:avLst/>
+                  </a:prstTxWarp>
+                </a:bodyPr>
+                <a:lstStyle/>
+                <a:p>
+                  <a:endParaRPr lang="en-US"/>
+                </a:p>
+              </p:txBody>
+            </p:sp>
+            <p:sp>
+              <p:nvSpPr>
+                <p:cNvPr id="220" name="Line 20"/>
+                <p:cNvSpPr>
+                  <a:spLocks noChangeShapeType="1"/>
+                </p:cNvSpPr>
+                <p:nvPr/>
+              </p:nvSpPr>
+              <p:spPr bwMode="auto">
+                <a:xfrm>
+                  <a:off x="2105677" y="711495"/>
+                  <a:ext cx="465350" cy="0"/>
+                </a:xfrm>
+                <a:prstGeom prst="line">
+                  <a:avLst/>
+                </a:prstGeom>
+                <a:noFill/>
+                <a:ln w="3175" cap="flat">
+                  <a:solidFill>
+                    <a:srgbClr val="7B7B79"/>
+                  </a:solidFill>
+                  <a:prstDash val="solid"/>
+                  <a:miter lim="800000"/>
+                  <a:headEnd/>
+                  <a:tailEnd/>
+                </a:ln>
+                <a:extLst>
+                  <a:ext uri="{909E8E84-426E-40DD-AFC4-6F175D3DCCD1}">
+                    <a14:hiddenFill xmlns:a14="http://schemas.microsoft.com/office/drawing/2010/main">
+                      <a:noFill/>
+                    </a14:hiddenFill>
+                  </a:ext>
+                </a:extLst>
+              </p:spPr>
+              <p:txBody>
+                <a:bodyPr vert="horz" wrap="square" lIns="91440" tIns="45720" rIns="91440" bIns="45720" numCol="1" anchor="t" anchorCtr="0" compatLnSpc="1">
+                  <a:prstTxWarp prst="textNoShape">
+                    <a:avLst/>
+                  </a:prstTxWarp>
+                </a:bodyPr>
+                <a:lstStyle/>
+                <a:p>
+                  <a:endParaRPr lang="en-US"/>
+                </a:p>
+              </p:txBody>
+            </p:sp>
+          </p:grpSp>
+          <p:grpSp>
+            <p:nvGrpSpPr>
+              <p:cNvPr id="205" name="Group 204"/>
+              <p:cNvGrpSpPr/>
+              <p:nvPr/>
+            </p:nvGrpSpPr>
+            <p:grpSpPr>
+              <a:xfrm>
+                <a:off x="5265717" y="1303437"/>
+                <a:ext cx="504468" cy="363739"/>
+                <a:chOff x="2089401" y="630040"/>
+                <a:chExt cx="504468" cy="363739"/>
+              </a:xfrm>
+              <a:effectLst>
+                <a:outerShdw blurRad="50800" dist="38100" dir="2700000" algn="tl" rotWithShape="0">
+                  <a:prstClr val="black">
+                    <a:alpha val="40000"/>
+                  </a:prstClr>
+                </a:outerShdw>
+              </a:effectLst>
+            </p:grpSpPr>
+            <p:sp>
+              <p:nvSpPr>
+                <p:cNvPr id="207" name="Rectangle 206"/>
+                <p:cNvSpPr>
+                  <a:spLocks noChangeArrowheads="1"/>
+                </p:cNvSpPr>
+                <p:nvPr/>
+              </p:nvSpPr>
+              <p:spPr bwMode="auto">
+                <a:xfrm>
+                  <a:off x="2470474" y="737128"/>
+                  <a:ext cx="60698" cy="203641"/>
+                </a:xfrm>
+                <a:prstGeom prst="rect">
+                  <a:avLst/>
+                </a:prstGeom>
+                <a:gradFill>
+                  <a:gsLst>
+                    <a:gs pos="0">
+                      <a:schemeClr val="bg1">
+                        <a:lumMod val="50000"/>
+                      </a:schemeClr>
+                    </a:gs>
+                    <a:gs pos="47000">
+                      <a:schemeClr val="bg1">
+                        <a:lumMod val="95000"/>
+                      </a:schemeClr>
+                    </a:gs>
+                    <a:gs pos="100000">
+                      <a:schemeClr val="bg1">
+                        <a:lumMod val="50000"/>
+                      </a:schemeClr>
+                    </a:gs>
+                  </a:gsLst>
+                  <a:lin ang="10800000" scaled="0"/>
+                </a:gradFill>
+                <a:ln w="3175" cap="flat">
+                  <a:solidFill>
+                    <a:schemeClr val="tx1"/>
+                  </a:solidFill>
+                  <a:prstDash val="solid"/>
+                  <a:miter lim="800000"/>
+                  <a:headEnd/>
+                  <a:tailEnd/>
+                </a:ln>
+              </p:spPr>
+              <p:txBody>
+                <a:bodyPr vert="horz" wrap="square" lIns="91440" tIns="45720" rIns="91440" bIns="45720" numCol="1" anchor="t" anchorCtr="0" compatLnSpc="1">
+                  <a:prstTxWarp prst="textNoShape">
+                    <a:avLst/>
+                  </a:prstTxWarp>
+                </a:bodyPr>
+                <a:lstStyle/>
+                <a:p>
+                  <a:endParaRPr lang="en-US"/>
+                </a:p>
+              </p:txBody>
+            </p:sp>
+            <p:sp>
+              <p:nvSpPr>
+                <p:cNvPr id="208" name="Rectangle 207"/>
+                <p:cNvSpPr>
+                  <a:spLocks noChangeArrowheads="1"/>
+                </p:cNvSpPr>
+                <p:nvPr/>
+              </p:nvSpPr>
+              <p:spPr bwMode="auto">
+                <a:xfrm>
+                  <a:off x="2308857" y="737128"/>
+                  <a:ext cx="60698" cy="203641"/>
+                </a:xfrm>
+                <a:prstGeom prst="rect">
+                  <a:avLst/>
+                </a:prstGeom>
+                <a:gradFill>
+                  <a:gsLst>
+                    <a:gs pos="0">
+                      <a:schemeClr val="bg1">
+                        <a:lumMod val="50000"/>
+                      </a:schemeClr>
+                    </a:gs>
+                    <a:gs pos="47000">
+                      <a:schemeClr val="bg1">
+                        <a:lumMod val="95000"/>
+                      </a:schemeClr>
+                    </a:gs>
+                    <a:gs pos="100000">
+                      <a:schemeClr val="bg1">
+                        <a:lumMod val="50000"/>
+                      </a:schemeClr>
+                    </a:gs>
+                  </a:gsLst>
+                  <a:lin ang="10800000" scaled="0"/>
+                </a:gradFill>
+                <a:ln w="3175" cap="flat">
+                  <a:solidFill>
+                    <a:schemeClr val="tx1"/>
+                  </a:solidFill>
+                  <a:prstDash val="solid"/>
+                  <a:miter lim="800000"/>
+                  <a:headEnd/>
+                  <a:tailEnd/>
+                </a:ln>
+              </p:spPr>
+              <p:txBody>
+                <a:bodyPr vert="horz" wrap="square" lIns="91440" tIns="45720" rIns="91440" bIns="45720" numCol="1" anchor="t" anchorCtr="0" compatLnSpc="1">
+                  <a:prstTxWarp prst="textNoShape">
+                    <a:avLst/>
+                  </a:prstTxWarp>
+                </a:bodyPr>
+                <a:lstStyle/>
+                <a:p>
+                  <a:endParaRPr lang="en-US"/>
+                </a:p>
+              </p:txBody>
+            </p:sp>
+            <p:sp>
+              <p:nvSpPr>
+                <p:cNvPr id="209" name="Rectangle 208"/>
+                <p:cNvSpPr>
+                  <a:spLocks noChangeArrowheads="1"/>
+                </p:cNvSpPr>
+                <p:nvPr/>
+              </p:nvSpPr>
+              <p:spPr bwMode="auto">
+                <a:xfrm>
+                  <a:off x="2147398" y="737128"/>
+                  <a:ext cx="60698" cy="203641"/>
+                </a:xfrm>
+                <a:prstGeom prst="rect">
+                  <a:avLst/>
+                </a:prstGeom>
+                <a:gradFill>
+                  <a:gsLst>
+                    <a:gs pos="0">
+                      <a:schemeClr val="bg1">
+                        <a:lumMod val="50000"/>
+                      </a:schemeClr>
+                    </a:gs>
+                    <a:gs pos="47000">
+                      <a:schemeClr val="bg1">
+                        <a:lumMod val="95000"/>
+                      </a:schemeClr>
+                    </a:gs>
+                    <a:gs pos="100000">
+                      <a:schemeClr val="bg1">
+                        <a:lumMod val="65000"/>
+                      </a:schemeClr>
+                    </a:gs>
+                  </a:gsLst>
+                  <a:lin ang="10800000" scaled="0"/>
+                </a:gradFill>
+                <a:ln w="3175" cap="flat">
+                  <a:solidFill>
+                    <a:schemeClr val="tx1"/>
+                  </a:solidFill>
+                  <a:prstDash val="solid"/>
+                  <a:miter lim="800000"/>
+                  <a:headEnd/>
+                  <a:tailEnd/>
+                </a:ln>
+              </p:spPr>
+              <p:txBody>
+                <a:bodyPr vert="horz" wrap="square" lIns="91440" tIns="45720" rIns="91440" bIns="45720" numCol="1" anchor="t" anchorCtr="0" compatLnSpc="1">
+                  <a:prstTxWarp prst="textNoShape">
+                    <a:avLst/>
+                  </a:prstTxWarp>
+                </a:bodyPr>
+                <a:lstStyle/>
+                <a:p>
+                  <a:endParaRPr lang="en-US"/>
+                </a:p>
+              </p:txBody>
+            </p:sp>
+            <p:sp>
+              <p:nvSpPr>
+                <p:cNvPr id="210" name="Freeform 16"/>
+                <p:cNvSpPr>
+                  <a:spLocks/>
+                </p:cNvSpPr>
+                <p:nvPr/>
+              </p:nvSpPr>
+              <p:spPr bwMode="auto">
+                <a:xfrm>
+                  <a:off x="2101635" y="630040"/>
+                  <a:ext cx="472098" cy="120781"/>
+                </a:xfrm>
+                <a:custGeom>
+                  <a:avLst/>
+                  <a:gdLst>
+                    <a:gd name="T0" fmla="*/ 6 w 3093"/>
+                    <a:gd name="T1" fmla="*/ 451 h 764"/>
+                    <a:gd name="T2" fmla="*/ 1523 w 3093"/>
+                    <a:gd name="T3" fmla="*/ 0 h 764"/>
+                    <a:gd name="T4" fmla="*/ 3093 w 3093"/>
+                    <a:gd name="T5" fmla="*/ 468 h 764"/>
+                    <a:gd name="T6" fmla="*/ 3089 w 3093"/>
+                    <a:gd name="T7" fmla="*/ 764 h 764"/>
+                    <a:gd name="T8" fmla="*/ 0 w 3093"/>
+                    <a:gd name="T9" fmla="*/ 754 h 764"/>
+                    <a:gd name="T10" fmla="*/ 6 w 3093"/>
+                    <a:gd name="T11" fmla="*/ 451 h 764"/>
+                  </a:gdLst>
+                  <a:ahLst/>
+                  <a:cxnLst>
+                    <a:cxn ang="0">
+                      <a:pos x="T0" y="T1"/>
+                    </a:cxn>
+                    <a:cxn ang="0">
+                      <a:pos x="T2" y="T3"/>
+                    </a:cxn>
+                    <a:cxn ang="0">
+                      <a:pos x="T4" y="T5"/>
+                    </a:cxn>
+                    <a:cxn ang="0">
+                      <a:pos x="T6" y="T7"/>
+                    </a:cxn>
+                    <a:cxn ang="0">
+                      <a:pos x="T8" y="T9"/>
+                    </a:cxn>
+                    <a:cxn ang="0">
+                      <a:pos x="T10" y="T11"/>
+                    </a:cxn>
+                  </a:cxnLst>
+                  <a:rect l="0" t="0" r="r" b="b"/>
+                  <a:pathLst>
+                    <a:path w="3093" h="764">
+                      <a:moveTo>
+                        <a:pt x="6" y="451"/>
+                      </a:moveTo>
+                      <a:cubicBezTo>
+                        <a:pt x="86" y="441"/>
+                        <a:pt x="1523" y="0"/>
+                        <a:pt x="1523" y="0"/>
+                      </a:cubicBezTo>
+                      <a:lnTo>
+                        <a:pt x="3093" y="468"/>
+                      </a:lnTo>
+                      <a:lnTo>
+                        <a:pt x="3089" y="764"/>
+                      </a:lnTo>
+                      <a:lnTo>
+                        <a:pt x="0" y="754"/>
+                      </a:lnTo>
+                      <a:lnTo>
+                        <a:pt x="6" y="451"/>
+                      </a:lnTo>
+                      <a:close/>
+                    </a:path>
+                  </a:pathLst>
+                </a:custGeom>
+                <a:solidFill>
+                  <a:srgbClr val="E6E6E6"/>
+                </a:solidFill>
+                <a:ln w="3175" cap="flat">
+                  <a:solidFill>
+                    <a:srgbClr val="7B7B79"/>
+                  </a:solidFill>
+                  <a:prstDash val="solid"/>
+                  <a:miter lim="800000"/>
+                  <a:headEnd/>
+                  <a:tailEnd/>
+                </a:ln>
+              </p:spPr>
+              <p:txBody>
+                <a:bodyPr vert="horz" wrap="square" lIns="91440" tIns="45720" rIns="91440" bIns="45720" numCol="1" anchor="t" anchorCtr="0" compatLnSpc="1">
+                  <a:prstTxWarp prst="textNoShape">
+                    <a:avLst/>
+                  </a:prstTxWarp>
+                </a:bodyPr>
+                <a:lstStyle/>
+                <a:p>
+                  <a:endParaRPr lang="en-US"/>
+                </a:p>
+              </p:txBody>
+            </p:sp>
+            <p:sp>
+              <p:nvSpPr>
+                <p:cNvPr id="211" name="Freeform 18"/>
+                <p:cNvSpPr>
+                  <a:spLocks/>
+                </p:cNvSpPr>
+                <p:nvPr/>
+              </p:nvSpPr>
+              <p:spPr bwMode="auto">
+                <a:xfrm>
+                  <a:off x="2120425" y="929176"/>
+                  <a:ext cx="437027" cy="33707"/>
+                </a:xfrm>
+                <a:custGeom>
+                  <a:avLst/>
+                  <a:gdLst>
+                    <a:gd name="T0" fmla="*/ 0 w 2853"/>
+                    <a:gd name="T1" fmla="*/ 213 h 213"/>
+                    <a:gd name="T2" fmla="*/ 4 w 2853"/>
+                    <a:gd name="T3" fmla="*/ 1 h 213"/>
+                    <a:gd name="T4" fmla="*/ 2849 w 2853"/>
+                    <a:gd name="T5" fmla="*/ 0 h 213"/>
+                    <a:gd name="T6" fmla="*/ 2853 w 2853"/>
+                    <a:gd name="T7" fmla="*/ 213 h 213"/>
+                  </a:gdLst>
+                  <a:ahLst/>
+                  <a:cxnLst>
+                    <a:cxn ang="0">
+                      <a:pos x="T0" y="T1"/>
+                    </a:cxn>
+                    <a:cxn ang="0">
+                      <a:pos x="T2" y="T3"/>
+                    </a:cxn>
+                    <a:cxn ang="0">
+                      <a:pos x="T4" y="T5"/>
+                    </a:cxn>
+                    <a:cxn ang="0">
+                      <a:pos x="T6" y="T7"/>
+                    </a:cxn>
+                  </a:cxnLst>
+                  <a:rect l="0" t="0" r="r" b="b"/>
+                  <a:pathLst>
+                    <a:path w="2853" h="213">
+                      <a:moveTo>
+                        <a:pt x="0" y="213"/>
+                      </a:moveTo>
+                      <a:lnTo>
+                        <a:pt x="4" y="1"/>
+                      </a:lnTo>
+                      <a:lnTo>
+                        <a:pt x="2849" y="0"/>
+                      </a:lnTo>
+                      <a:lnTo>
+                        <a:pt x="2853" y="213"/>
+                      </a:lnTo>
+                    </a:path>
+                  </a:pathLst>
+                </a:custGeom>
+                <a:solidFill>
+                  <a:srgbClr val="E6E6E6"/>
+                </a:solidFill>
+                <a:ln w="3175" cap="flat">
+                  <a:solidFill>
+                    <a:srgbClr val="7B7B79"/>
+                  </a:solidFill>
+                  <a:prstDash val="solid"/>
+                  <a:miter lim="800000"/>
+                  <a:headEnd/>
+                  <a:tailEnd/>
+                </a:ln>
+              </p:spPr>
+              <p:txBody>
+                <a:bodyPr vert="horz" wrap="square" lIns="91440" tIns="45720" rIns="91440" bIns="45720" numCol="1" anchor="t" anchorCtr="0" compatLnSpc="1">
+                  <a:prstTxWarp prst="textNoShape">
+                    <a:avLst/>
+                  </a:prstTxWarp>
+                </a:bodyPr>
+                <a:lstStyle/>
+                <a:p>
+                  <a:endParaRPr lang="en-US"/>
+                </a:p>
+              </p:txBody>
+            </p:sp>
+            <p:sp>
+              <p:nvSpPr>
+                <p:cNvPr id="212" name="Freeform 19"/>
+                <p:cNvSpPr>
+                  <a:spLocks/>
+                </p:cNvSpPr>
+                <p:nvPr/>
+              </p:nvSpPr>
+              <p:spPr bwMode="auto">
+                <a:xfrm>
+                  <a:off x="2089401" y="962879"/>
+                  <a:ext cx="504468" cy="30900"/>
+                </a:xfrm>
+                <a:custGeom>
+                  <a:avLst/>
+                  <a:gdLst>
+                    <a:gd name="T0" fmla="*/ 3290 w 3295"/>
+                    <a:gd name="T1" fmla="*/ 0 h 197"/>
+                    <a:gd name="T2" fmla="*/ 3295 w 3295"/>
+                    <a:gd name="T3" fmla="*/ 197 h 197"/>
+                    <a:gd name="T4" fmla="*/ 0 w 3295"/>
+                    <a:gd name="T5" fmla="*/ 196 h 197"/>
+                    <a:gd name="T6" fmla="*/ 4 w 3295"/>
+                    <a:gd name="T7" fmla="*/ 1 h 197"/>
+                    <a:gd name="T8" fmla="*/ 3290 w 3295"/>
+                    <a:gd name="T9" fmla="*/ 0 h 197"/>
+                  </a:gdLst>
+                  <a:ahLst/>
+                  <a:cxnLst>
+                    <a:cxn ang="0">
+                      <a:pos x="T0" y="T1"/>
+                    </a:cxn>
+                    <a:cxn ang="0">
+                      <a:pos x="T2" y="T3"/>
+                    </a:cxn>
+                    <a:cxn ang="0">
+                      <a:pos x="T4" y="T5"/>
+                    </a:cxn>
+                    <a:cxn ang="0">
+                      <a:pos x="T6" y="T7"/>
+                    </a:cxn>
+                    <a:cxn ang="0">
+                      <a:pos x="T8" y="T9"/>
+                    </a:cxn>
+                  </a:cxnLst>
+                  <a:rect l="0" t="0" r="r" b="b"/>
+                  <a:pathLst>
+                    <a:path w="3295" h="197">
+                      <a:moveTo>
+                        <a:pt x="3290" y="0"/>
+                      </a:moveTo>
+                      <a:lnTo>
+                        <a:pt x="3295" y="197"/>
+                      </a:lnTo>
+                      <a:lnTo>
+                        <a:pt x="0" y="196"/>
+                      </a:lnTo>
+                      <a:lnTo>
+                        <a:pt x="4" y="1"/>
+                      </a:lnTo>
+                      <a:lnTo>
+                        <a:pt x="3290" y="0"/>
+                      </a:lnTo>
+                      <a:close/>
+                    </a:path>
+                  </a:pathLst>
+                </a:custGeom>
+                <a:solidFill>
+                  <a:srgbClr val="E6E6E6"/>
+                </a:solidFill>
+                <a:ln w="3175" cap="flat">
+                  <a:solidFill>
+                    <a:srgbClr val="7B7B79"/>
+                  </a:solidFill>
+                  <a:prstDash val="solid"/>
+                  <a:miter lim="800000"/>
+                  <a:headEnd/>
+                  <a:tailEnd/>
+                </a:ln>
+              </p:spPr>
+              <p:txBody>
+                <a:bodyPr vert="horz" wrap="square" lIns="91440" tIns="45720" rIns="91440" bIns="45720" numCol="1" anchor="t" anchorCtr="0" compatLnSpc="1">
+                  <a:prstTxWarp prst="textNoShape">
+                    <a:avLst/>
+                  </a:prstTxWarp>
+                </a:bodyPr>
+                <a:lstStyle/>
+                <a:p>
+                  <a:endParaRPr lang="en-US"/>
+                </a:p>
+              </p:txBody>
+            </p:sp>
+            <p:sp>
+              <p:nvSpPr>
+                <p:cNvPr id="213" name="Line 20"/>
+                <p:cNvSpPr>
+                  <a:spLocks noChangeShapeType="1"/>
+                </p:cNvSpPr>
+                <p:nvPr/>
+              </p:nvSpPr>
+              <p:spPr bwMode="auto">
+                <a:xfrm>
+                  <a:off x="2105677" y="711495"/>
+                  <a:ext cx="465350" cy="0"/>
+                </a:xfrm>
+                <a:prstGeom prst="line">
+                  <a:avLst/>
+                </a:prstGeom>
+                <a:noFill/>
+                <a:ln w="3175" cap="flat">
+                  <a:solidFill>
+                    <a:srgbClr val="7B7B79"/>
+                  </a:solidFill>
+                  <a:prstDash val="solid"/>
+                  <a:miter lim="800000"/>
+                  <a:headEnd/>
+                  <a:tailEnd/>
+                </a:ln>
+                <a:extLst>
+                  <a:ext uri="{909E8E84-426E-40DD-AFC4-6F175D3DCCD1}">
+                    <a14:hiddenFill xmlns:a14="http://schemas.microsoft.com/office/drawing/2010/main">
+                      <a:noFill/>
+                    </a14:hiddenFill>
+                  </a:ext>
+                </a:extLst>
+              </p:spPr>
+              <p:txBody>
+                <a:bodyPr vert="horz" wrap="square" lIns="91440" tIns="45720" rIns="91440" bIns="45720" numCol="1" anchor="t" anchorCtr="0" compatLnSpc="1">
+                  <a:prstTxWarp prst="textNoShape">
+                    <a:avLst/>
+                  </a:prstTxWarp>
+                </a:bodyPr>
+                <a:lstStyle/>
+                <a:p>
+                  <a:endParaRPr lang="en-US"/>
+                </a:p>
+              </p:txBody>
+            </p:sp>
+          </p:grpSp>
+          <p:sp>
+            <p:nvSpPr>
+              <p:cNvPr id="206" name="TextBox 205"/>
+              <p:cNvSpPr txBox="1"/>
+              <p:nvPr/>
+            </p:nvSpPr>
+            <p:spPr>
+              <a:xfrm>
+                <a:off x="5796136" y="1089547"/>
+                <a:ext cx="1220207" cy="307777"/>
+              </a:xfrm>
+              <a:prstGeom prst="rect">
+                <a:avLst/>
+              </a:prstGeom>
+              <a:noFill/>
+            </p:spPr>
+            <p:txBody>
+              <a:bodyPr wrap="none" rtlCol="0">
+                <a:spAutoFit/>
+              </a:bodyPr>
+              <a:lstStyle/>
+              <a:p>
+                <a:pPr algn="ctr"/>
+                <a:r>
+                  <a:rPr lang="en-US" sz="1400" dirty="0" smtClean="0">
+                    <a:latin typeface="Arial" panose="020B0604020202020204" pitchFamily="34" charset="0"/>
+                    <a:cs typeface="Arial" panose="020B0604020202020204" pitchFamily="34" charset="0"/>
+                  </a:rPr>
+                  <a:t>Issuer Banks</a:t>
+                </a:r>
+                <a:endParaRPr lang="en-US" sz="1400" dirty="0">
+                  <a:latin typeface="Arial" panose="020B0604020202020204" pitchFamily="34" charset="0"/>
+                  <a:cs typeface="Arial" panose="020B0604020202020204" pitchFamily="34" charset="0"/>
+                </a:endParaRPr>
+              </a:p>
+            </p:txBody>
+          </p:sp>
+        </p:grpSp>
+      </p:grpSp>
+      <p:sp>
+        <p:nvSpPr>
+          <p:cNvPr id="240" name="Up Arrow 239"/>
+          <p:cNvSpPr/>
+          <p:nvPr/>
+        </p:nvSpPr>
+        <p:spPr>
+          <a:xfrm rot="19339873">
+            <a:off x="5920626" y="2032973"/>
+            <a:ext cx="198210" cy="1188000"/>
+          </a:xfrm>
+          <a:prstGeom prst="upArrow">
+            <a:avLst>
+              <a:gd name="adj1" fmla="val 50000"/>
+              <a:gd name="adj2" fmla="val 82952"/>
+            </a:avLst>
+          </a:prstGeom>
+          <a:solidFill>
+            <a:schemeClr val="tx2">
+              <a:lumMod val="40000"/>
+              <a:lumOff val="60000"/>
+            </a:schemeClr>
+          </a:solidFill>
+          <a:ln>
+            <a:noFill/>
+          </a:ln>
+        </p:spPr>
+        <p:style>
+          <a:lnRef idx="2">
+            <a:schemeClr val="accent1">
+              <a:shade val="50000"/>
+            </a:schemeClr>
+          </a:lnRef>
+          <a:fillRef idx="1">
+            <a:schemeClr val="accent1"/>
+          </a:fillRef>
+          <a:effectRef idx="0">
+            <a:schemeClr val="accent1"/>
+          </a:effectRef>
+          <a:fontRef idx="minor">
+            <a:schemeClr val="lt1"/>
+          </a:fontRef>
+        </p:style>
+        <p:txBody>
+          <a:bodyPr rtlCol="0" anchor="ctr"/>
+          <a:lstStyle/>
+          <a:p>
+            <a:pPr algn="ctr"/>
+            <a:endParaRPr lang="en-US"/>
+          </a:p>
+        </p:txBody>
+      </p:sp>
+      <p:sp>
+        <p:nvSpPr>
+          <p:cNvPr id="251" name="TextBox 250"/>
+          <p:cNvSpPr txBox="1"/>
+          <p:nvPr/>
+        </p:nvSpPr>
+        <p:spPr>
+          <a:xfrm>
+            <a:off x="4716016" y="6433591"/>
+            <a:ext cx="3724033" cy="307777"/>
+          </a:xfrm>
+          <a:prstGeom prst="rect">
+            <a:avLst/>
+          </a:prstGeom>
+          <a:noFill/>
+        </p:spPr>
+        <p:txBody>
+          <a:bodyPr wrap="none" rtlCol="0">
+            <a:spAutoFit/>
+          </a:bodyPr>
+          <a:lstStyle/>
+          <a:p>
+            <a:r>
+              <a:rPr lang="en-US" sz="1400" dirty="0" smtClean="0">
+                <a:latin typeface="Arial" panose="020B0604020202020204" pitchFamily="34" charset="0"/>
+                <a:cs typeface="Arial" panose="020B0604020202020204" pitchFamily="34" charset="0"/>
+              </a:rPr>
+              <a:t>Enhanced </a:t>
+            </a:r>
+            <a:r>
+              <a:rPr lang="en-US" sz="1400" i="1" dirty="0" smtClean="0">
+                <a:latin typeface="Arial" panose="020B0604020202020204" pitchFamily="34" charset="0"/>
+                <a:cs typeface="Arial" panose="020B0604020202020204" pitchFamily="34" charset="0"/>
+              </a:rPr>
+              <a:t>Web-enabled</a:t>
+            </a:r>
+            <a:r>
+              <a:rPr lang="en-US" sz="1400" dirty="0" smtClean="0">
+                <a:latin typeface="Arial" panose="020B0604020202020204" pitchFamily="34" charset="0"/>
+                <a:cs typeface="Arial" panose="020B0604020202020204" pitchFamily="34" charset="0"/>
+              </a:rPr>
+              <a:t> Payment Credential</a:t>
+            </a:r>
+            <a:endParaRPr lang="en-US" sz="1400" dirty="0">
+              <a:latin typeface="Arial" panose="020B0604020202020204" pitchFamily="34" charset="0"/>
+              <a:cs typeface="Arial" panose="020B0604020202020204" pitchFamily="34" charset="0"/>
+            </a:endParaRPr>
+          </a:p>
+        </p:txBody>
+      </p:sp>
+      <p:pic>
+        <p:nvPicPr>
+          <p:cNvPr id="116" name="Picture 8" descr="key"/>
+          <p:cNvPicPr>
+            <a:picLocks noChangeAspect="1" noChangeArrowheads="1"/>
+          </p:cNvPicPr>
+          <p:nvPr/>
+        </p:nvPicPr>
+        <p:blipFill>
+          <a:blip r:embed="rId2">
+            <a:extLst>
+              <a:ext uri="{BEBA8EAE-BF5A-486C-A8C5-ECC9F3942E4B}">
+                <a14:imgProps xmlns:a14="http://schemas.microsoft.com/office/drawing/2010/main">
+                  <a14:imgLayer r:embed="rId3">
+                    <a14:imgEffect>
+                      <a14:saturation sat="182000"/>
+                    </a14:imgEffect>
+                  </a14:imgLayer>
+                </a14:imgProps>
+              </a:ext>
+              <a:ext uri="{28A0092B-C50C-407E-A947-70E740481C1C}">
+                <a14:useLocalDpi xmlns:a14="http://schemas.microsoft.com/office/drawing/2010/main" val="0"/>
+              </a:ext>
+            </a:extLst>
+          </a:blip>
+          <a:srcRect/>
+          <a:stretch>
+            <a:fillRect/>
+          </a:stretch>
+        </p:blipFill>
+        <p:spPr bwMode="auto">
+          <a:xfrm rot="19980000">
+            <a:off x="6361459" y="5460492"/>
+            <a:ext cx="360040" cy="356341"/>
+          </a:xfrm>
+          <a:prstGeom prst="rect">
+            <a:avLst/>
+          </a:prstGeom>
+          <a:noFill/>
+          <a:ln>
+            <a:noFill/>
+          </a:ln>
+          <a:extLst>
+            <a:ext uri="{909E8E84-426E-40DD-AFC4-6F175D3DCCD1}">
+              <a14:hiddenFill xmlns:a14="http://schemas.microsoft.com/office/drawing/2010/main">
+                <a:solidFill>
+                  <a:srgbClr val="FFFFFF"/>
+                </a:solidFill>
+              </a14:hiddenFill>
+            </a:ext>
+            <a:ext uri="{91240B29-F687-4F45-9708-019B960494DF}">
+              <a14:hiddenLine xmlns:a14="http://schemas.microsoft.com/office/drawing/2010/main" w="9525">
+                <a:solidFill>
+                  <a:srgbClr val="000000"/>
+                </a:solidFill>
+                <a:miter lim="800000"/>
+                <a:headEnd/>
+                <a:tailEnd/>
+              </a14:hiddenLine>
+            </a:ext>
+          </a:extLst>
+        </p:spPr>
+      </p:pic>
+      <p:grpSp>
+        <p:nvGrpSpPr>
+          <p:cNvPr id="176" name="Group 175"/>
+          <p:cNvGrpSpPr/>
+          <p:nvPr/>
+        </p:nvGrpSpPr>
+        <p:grpSpPr>
+          <a:xfrm>
+            <a:off x="6343584" y="3130820"/>
+            <a:ext cx="557162" cy="447881"/>
+            <a:chOff x="3321759" y="524071"/>
+            <a:chExt cx="557162" cy="447881"/>
+          </a:xfrm>
+        </p:grpSpPr>
+        <p:grpSp>
+          <p:nvGrpSpPr>
+            <p:cNvPr id="177" name="Group 176"/>
+            <p:cNvGrpSpPr/>
+            <p:nvPr/>
+          </p:nvGrpSpPr>
+          <p:grpSpPr>
+            <a:xfrm>
+              <a:off x="3351221" y="692783"/>
+              <a:ext cx="510782" cy="279169"/>
+              <a:chOff x="1397693" y="2654334"/>
+              <a:chExt cx="510782" cy="279169"/>
+            </a:xfrm>
+            <a:effectLst>
+              <a:outerShdw blurRad="50800" dist="38100" dir="2700000" algn="tl" rotWithShape="0">
+                <a:prstClr val="black">
+                  <a:alpha val="40000"/>
+                </a:prstClr>
+              </a:outerShdw>
+            </a:effectLst>
+          </p:grpSpPr>
+          <p:sp>
+            <p:nvSpPr>
+              <p:cNvPr id="197" name="Rectangle 196"/>
+              <p:cNvSpPr/>
+              <p:nvPr/>
+            </p:nvSpPr>
+            <p:spPr>
+              <a:xfrm>
+                <a:off x="1441019" y="2654334"/>
+                <a:ext cx="426379" cy="261961"/>
+              </a:xfrm>
+              <a:prstGeom prst="rect">
+                <a:avLst/>
+              </a:prstGeom>
+              <a:gradFill>
+                <a:gsLst>
+                  <a:gs pos="625">
+                    <a:srgbClr val="E6E6E6"/>
+                  </a:gs>
+                  <a:gs pos="49000">
+                    <a:schemeClr val="bg1"/>
+                  </a:gs>
+                  <a:gs pos="100000">
+                    <a:schemeClr val="bg1">
+                      <a:lumMod val="95000"/>
+                    </a:schemeClr>
+                  </a:gs>
+                  <a:gs pos="100000">
+                    <a:srgbClr val="E6E6E6"/>
+                  </a:gs>
+                </a:gsLst>
+                <a:lin ang="2700000" scaled="0"/>
+              </a:gradFill>
+              <a:ln w="6350">
+                <a:solidFill>
+                  <a:schemeClr val="bg1">
+                    <a:lumMod val="50000"/>
+                  </a:schemeClr>
+                </a:solidFill>
+              </a:ln>
+              <a:effectLst/>
+            </p:spPr>
+            <p:style>
+              <a:lnRef idx="2">
+                <a:schemeClr val="accent1">
+                  <a:shade val="50000"/>
+                </a:schemeClr>
+              </a:lnRef>
+              <a:fillRef idx="1">
+                <a:schemeClr val="accent1"/>
+              </a:fillRef>
+              <a:effectRef idx="0">
+                <a:schemeClr val="accent1"/>
+              </a:effectRef>
+              <a:fontRef idx="minor">
+                <a:schemeClr val="lt1"/>
+              </a:fontRef>
+            </p:style>
+            <p:txBody>
+              <a:bodyPr rtlCol="0" anchor="ctr"/>
+              <a:lstStyle/>
+              <a:p>
+                <a:pPr algn="ctr"/>
+                <a:endParaRPr lang="en-US"/>
+              </a:p>
+            </p:txBody>
+          </p:sp>
+          <p:sp>
+            <p:nvSpPr>
+              <p:cNvPr id="198" name="Rectangle 197"/>
+              <p:cNvSpPr/>
+              <p:nvPr/>
+            </p:nvSpPr>
+            <p:spPr>
+              <a:xfrm>
+                <a:off x="1475921" y="2730705"/>
+                <a:ext cx="92836" cy="195722"/>
+              </a:xfrm>
+              <a:prstGeom prst="rect">
+                <a:avLst/>
+              </a:prstGeom>
+              <a:solidFill>
+                <a:schemeClr val="accent3">
+                  <a:lumMod val="20000"/>
+                  <a:lumOff val="80000"/>
+                </a:schemeClr>
+              </a:solidFill>
+              <a:ln w="9525">
+                <a:solidFill>
+                  <a:schemeClr val="bg1">
+                    <a:lumMod val="50000"/>
+                  </a:schemeClr>
+                </a:solidFill>
+              </a:ln>
+            </p:spPr>
+            <p:style>
+              <a:lnRef idx="2">
+                <a:schemeClr val="accent1">
+                  <a:shade val="50000"/>
+                </a:schemeClr>
+              </a:lnRef>
+              <a:fillRef idx="1">
+                <a:schemeClr val="accent1"/>
+              </a:fillRef>
+              <a:effectRef idx="0">
+                <a:schemeClr val="accent1"/>
+              </a:effectRef>
+              <a:fontRef idx="minor">
+                <a:schemeClr val="lt1"/>
+              </a:fontRef>
+            </p:style>
+            <p:txBody>
+              <a:bodyPr rtlCol="0" anchor="ctr"/>
+              <a:lstStyle/>
+              <a:p>
+                <a:pPr algn="ctr"/>
+                <a:endParaRPr lang="en-US"/>
+              </a:p>
+            </p:txBody>
+          </p:sp>
+          <p:sp>
+            <p:nvSpPr>
+              <p:cNvPr id="199" name="Rectangle 198"/>
+              <p:cNvSpPr/>
+              <p:nvPr/>
+            </p:nvSpPr>
+            <p:spPr>
+              <a:xfrm rot="5400000" flipH="1">
+                <a:off x="1651193" y="2695673"/>
+                <a:ext cx="136911" cy="206976"/>
+              </a:xfrm>
+              <a:prstGeom prst="rect">
+                <a:avLst/>
+              </a:prstGeom>
+              <a:solidFill>
+                <a:schemeClr val="accent1">
+                  <a:lumMod val="20000"/>
+                  <a:lumOff val="80000"/>
+                </a:schemeClr>
+              </a:solidFill>
+              <a:ln w="15875">
                 <a:solidFill>
                   <a:schemeClr val="tx2">
                     <a:lumMod val="40000"/>
                     <a:lumOff val="60000"/>
                   </a:schemeClr>
                 </a:solidFill>
-                <a:ln>
-                  <a:noFill/>
-                </a:ln>
-              </p:spPr>
-              <p:style>
-                <a:lnRef idx="2">
-                  <a:schemeClr val="accent1">
-                    <a:shade val="50000"/>
-                  </a:schemeClr>
-                </a:lnRef>
-                <a:fillRef idx="1">
-                  <a:schemeClr val="accent1"/>
-                </a:fillRef>
-                <a:effectRef idx="0">
-                  <a:schemeClr val="accent1"/>
-                </a:effectRef>
-                <a:fontRef idx="minor">
-                  <a:schemeClr val="lt1"/>
-                </a:fontRef>
-              </p:style>
-              <p:txBody>
-                <a:bodyPr rtlCol="0" anchor="ctr"/>
-                <a:lstStyle/>
-                <a:p>
-                  <a:pPr algn="ctr"/>
-                  <a:endParaRPr lang="en-US"/>
-                </a:p>
-              </p:txBody>
-            </p:sp>
-            <p:sp>
-              <p:nvSpPr>
-                <p:cNvPr id="251" name="TextBox 250"/>
-                <p:cNvSpPr txBox="1"/>
-                <p:nvPr/>
-              </p:nvSpPr>
-              <p:spPr>
-                <a:xfrm>
-                  <a:off x="4644008" y="6494564"/>
-                  <a:ext cx="3724033" cy="307777"/>
-                </a:xfrm>
-                <a:prstGeom prst="rect">
-                  <a:avLst/>
-                </a:prstGeom>
-                <a:noFill/>
-              </p:spPr>
-              <p:txBody>
-                <a:bodyPr wrap="none" rtlCol="0">
-                  <a:spAutoFit/>
-                </a:bodyPr>
-                <a:lstStyle/>
-                <a:p>
-                  <a:r>
-                    <a:rPr lang="en-US" sz="1400" dirty="0" smtClean="0">
-                      <a:latin typeface="Arial" panose="020B0604020202020204" pitchFamily="34" charset="0"/>
-                      <a:cs typeface="Arial" panose="020B0604020202020204" pitchFamily="34" charset="0"/>
-                    </a:rPr>
-                    <a:t>Enhanced </a:t>
-                  </a:r>
-                  <a:r>
-                    <a:rPr lang="en-US" sz="1400" i="1" dirty="0" smtClean="0">
-                      <a:latin typeface="Arial" panose="020B0604020202020204" pitchFamily="34" charset="0"/>
-                      <a:cs typeface="Arial" panose="020B0604020202020204" pitchFamily="34" charset="0"/>
-                    </a:rPr>
-                    <a:t>Web</a:t>
-                  </a:r>
-                  <a:r>
-                    <a:rPr lang="en-US" sz="1400" i="1" dirty="0" smtClean="0">
-                      <a:latin typeface="Arial" panose="020B0604020202020204" pitchFamily="34" charset="0"/>
-                      <a:cs typeface="Arial" panose="020B0604020202020204" pitchFamily="34" charset="0"/>
-                    </a:rPr>
-                    <a:t>-enabled</a:t>
-                  </a:r>
-                  <a:r>
-                    <a:rPr lang="en-US" sz="1400" dirty="0" smtClean="0">
-                      <a:latin typeface="Arial" panose="020B0604020202020204" pitchFamily="34" charset="0"/>
-                      <a:cs typeface="Arial" panose="020B0604020202020204" pitchFamily="34" charset="0"/>
-                    </a:rPr>
-                    <a:t> </a:t>
-                  </a:r>
-                  <a:r>
-                    <a:rPr lang="en-US" sz="1400" dirty="0" smtClean="0">
-                      <a:latin typeface="Arial" panose="020B0604020202020204" pitchFamily="34" charset="0"/>
-                      <a:cs typeface="Arial" panose="020B0604020202020204" pitchFamily="34" charset="0"/>
-                    </a:rPr>
-                    <a:t>Payment Credential</a:t>
-                  </a:r>
-                  <a:endParaRPr lang="en-US" sz="1400" dirty="0">
-                    <a:latin typeface="Arial" panose="020B0604020202020204" pitchFamily="34" charset="0"/>
-                    <a:cs typeface="Arial" panose="020B0604020202020204" pitchFamily="34" charset="0"/>
-                  </a:endParaRPr>
-                </a:p>
-              </p:txBody>
-            </p:sp>
-          </p:grpSp>
-          <p:pic>
-            <p:nvPicPr>
-              <p:cNvPr id="116" name="Picture 8" descr="key"/>
-              <p:cNvPicPr>
-                <a:picLocks noChangeAspect="1" noChangeArrowheads="1"/>
-              </p:cNvPicPr>
+              </a:ln>
+            </p:spPr>
+            <p:style>
+              <a:lnRef idx="2">
+                <a:schemeClr val="accent1">
+                  <a:shade val="50000"/>
+                </a:schemeClr>
+              </a:lnRef>
+              <a:fillRef idx="1">
+                <a:schemeClr val="accent1"/>
+              </a:fillRef>
+              <a:effectRef idx="0">
+                <a:schemeClr val="accent1"/>
+              </a:effectRef>
+              <a:fontRef idx="minor">
+                <a:schemeClr val="lt1"/>
+              </a:fontRef>
+            </p:style>
+            <p:txBody>
+              <a:bodyPr rtlCol="0" anchor="ctr"/>
+              <a:lstStyle/>
+              <a:p>
+                <a:pPr algn="ctr"/>
+                <a:endParaRPr lang="en-US"/>
+              </a:p>
+            </p:txBody>
+          </p:sp>
+          <p:cxnSp>
+            <p:nvCxnSpPr>
+              <p:cNvPr id="249" name="Straight Connector 248"/>
+              <p:cNvCxnSpPr>
+                <a:stCxn id="198" idx="3"/>
+                <a:endCxn id="198" idx="3"/>
+              </p:cNvCxnSpPr>
               <p:nvPr/>
-            </p:nvPicPr>
-            <p:blipFill>
-              <a:blip r:embed="rId2">
-                <a:extLst>
-                  <a:ext uri="{BEBA8EAE-BF5A-486C-A8C5-ECC9F3942E4B}">
-                    <a14:imgProps xmlns:a14="http://schemas.microsoft.com/office/drawing/2010/main">
-                      <a14:imgLayer r:embed="rId3">
-                        <a14:imgEffect>
-                          <a14:saturation sat="182000"/>
-                        </a14:imgEffect>
-                      </a14:imgLayer>
-                    </a14:imgProps>
-                  </a:ext>
-                  <a:ext uri="{28A0092B-C50C-407E-A947-70E740481C1C}">
-                    <a14:useLocalDpi xmlns:a14="http://schemas.microsoft.com/office/drawing/2010/main" val="0"/>
-                  </a:ext>
-                </a:extLst>
-              </a:blip>
-              <a:srcRect/>
-              <a:stretch>
-                <a:fillRect/>
-              </a:stretch>
-            </p:blipFill>
-            <p:spPr bwMode="auto">
-              <a:xfrm rot="19980000">
-                <a:off x="6289451" y="5521465"/>
-                <a:ext cx="360040" cy="356341"/>
+            </p:nvCxnSpPr>
+            <p:spPr>
+              <a:xfrm>
+                <a:off x="1568757" y="2828566"/>
+                <a:ext cx="0" cy="0"/>
+              </a:xfrm>
+              <a:prstGeom prst="line">
+                <a:avLst/>
+              </a:prstGeom>
+            </p:spPr>
+            <p:style>
+              <a:lnRef idx="1">
+                <a:schemeClr val="accent1"/>
+              </a:lnRef>
+              <a:fillRef idx="0">
+                <a:schemeClr val="accent1"/>
+              </a:fillRef>
+              <a:effectRef idx="0">
+                <a:schemeClr val="accent1"/>
+              </a:effectRef>
+              <a:fontRef idx="minor">
+                <a:schemeClr val="tx1"/>
+              </a:fontRef>
+            </p:style>
+          </p:cxnSp>
+          <p:sp>
+            <p:nvSpPr>
+              <p:cNvPr id="253" name="Rectangle 252"/>
+              <p:cNvSpPr/>
+              <p:nvPr/>
+            </p:nvSpPr>
+            <p:spPr>
+              <a:xfrm>
+                <a:off x="1397693" y="2915503"/>
+                <a:ext cx="510782" cy="18000"/>
               </a:xfrm>
               <a:prstGeom prst="rect">
                 <a:avLst/>
               </a:prstGeom>
-              <a:noFill/>
-              <a:ln>
-                <a:noFill/>
+              <a:solidFill>
+                <a:srgbClr val="FDFAC7"/>
+              </a:solidFill>
+              <a:ln w="6350">
+                <a:solidFill>
+                  <a:schemeClr val="bg1">
+                    <a:lumMod val="50000"/>
+                  </a:schemeClr>
+                </a:solidFill>
               </a:ln>
-              <a:extLst>
-                <a:ext uri="{909E8E84-426E-40DD-AFC4-6F175D3DCCD1}">
-                  <a14:hiddenFill xmlns:a14="http://schemas.microsoft.com/office/drawing/2010/main">
-                    <a:solidFill>
-                      <a:srgbClr val="FFFFFF"/>
-                    </a:solidFill>
-                  </a14:hiddenFill>
-                </a:ext>
-                <a:ext uri="{91240B29-F687-4F45-9708-019B960494DF}">
-                  <a14:hiddenLine xmlns:a14="http://schemas.microsoft.com/office/drawing/2010/main" w="9525">
-                    <a:solidFill>
-                      <a:srgbClr val="000000"/>
-                    </a:solidFill>
-                    <a:miter lim="800000"/>
-                    <a:headEnd/>
-                    <a:tailEnd/>
-                  </a14:hiddenLine>
-                </a:ext>
-              </a:extLst>
             </p:spPr>
-          </p:pic>
-          <p:grpSp>
-            <p:nvGrpSpPr>
-              <p:cNvPr id="176" name="Group 175"/>
-              <p:cNvGrpSpPr/>
+            <p:style>
+              <a:lnRef idx="2">
+                <a:schemeClr val="accent1">
+                  <a:shade val="50000"/>
+                </a:schemeClr>
+              </a:lnRef>
+              <a:fillRef idx="1">
+                <a:schemeClr val="accent1"/>
+              </a:fillRef>
+              <a:effectRef idx="0">
+                <a:schemeClr val="accent1"/>
+              </a:effectRef>
+              <a:fontRef idx="minor">
+                <a:schemeClr val="lt1"/>
+              </a:fontRef>
+            </p:style>
+            <p:txBody>
+              <a:bodyPr rtlCol="0" anchor="ctr"/>
+              <a:lstStyle/>
+              <a:p>
+                <a:pPr algn="ctr"/>
+                <a:endParaRPr lang="en-US"/>
+              </a:p>
+            </p:txBody>
+          </p:sp>
+        </p:grpSp>
+        <p:grpSp>
+          <p:nvGrpSpPr>
+            <p:cNvPr id="178" name="Group 177"/>
+            <p:cNvGrpSpPr/>
+            <p:nvPr/>
+          </p:nvGrpSpPr>
+          <p:grpSpPr>
+            <a:xfrm>
+              <a:off x="3321759" y="524071"/>
+              <a:ext cx="557162" cy="182081"/>
+              <a:chOff x="1727752" y="1773016"/>
+              <a:chExt cx="5562290" cy="2016024"/>
+            </a:xfrm>
+            <a:effectLst>
+              <a:outerShdw blurRad="50800" dist="38100" dir="2700000" algn="tl" rotWithShape="0">
+                <a:prstClr val="black">
+                  <a:alpha val="40000"/>
+                </a:prstClr>
+              </a:outerShdw>
+            </a:effectLst>
+          </p:grpSpPr>
+          <p:sp>
+            <p:nvSpPr>
+              <p:cNvPr id="179" name="Oval 178"/>
+              <p:cNvSpPr/>
               <p:nvPr/>
-            </p:nvGrpSpPr>
-            <p:grpSpPr>
+            </p:nvSpPr>
+            <p:spPr>
               <a:xfrm>
-                <a:off x="6271576" y="3191793"/>
-                <a:ext cx="557162" cy="447881"/>
-                <a:chOff x="3321759" y="524071"/>
-                <a:chExt cx="557162" cy="447881"/>
+                <a:off x="1727752" y="3429000"/>
+                <a:ext cx="612000" cy="360040"/>
               </a:xfrm>
-            </p:grpSpPr>
-            <p:grpSp>
-              <p:nvGrpSpPr>
-                <p:cNvPr id="177" name="Group 176"/>
-                <p:cNvGrpSpPr/>
-                <p:nvPr/>
-              </p:nvGrpSpPr>
-              <p:grpSpPr>
-                <a:xfrm>
-                  <a:off x="3351221" y="692783"/>
-                  <a:ext cx="510782" cy="279169"/>
-                  <a:chOff x="1397693" y="2654334"/>
-                  <a:chExt cx="510782" cy="279169"/>
-                </a:xfrm>
-                <a:effectLst>
-                  <a:outerShdw blurRad="50800" dist="38100" dir="2700000" algn="tl" rotWithShape="0">
-                    <a:prstClr val="black">
-                      <a:alpha val="40000"/>
-                    </a:prstClr>
-                  </a:outerShdw>
-                </a:effectLst>
-              </p:grpSpPr>
-              <p:sp>
-                <p:nvSpPr>
-                  <p:cNvPr id="197" name="Rectangle 196"/>
-                  <p:cNvSpPr/>
-                  <p:nvPr/>
-                </p:nvSpPr>
-                <p:spPr>
-                  <a:xfrm>
-                    <a:off x="1441019" y="2654334"/>
-                    <a:ext cx="426379" cy="261961"/>
-                  </a:xfrm>
-                  <a:prstGeom prst="rect">
-                    <a:avLst/>
-                  </a:prstGeom>
-                  <a:gradFill>
-                    <a:gsLst>
-                      <a:gs pos="625">
-                        <a:srgbClr val="E6E6E6"/>
-                      </a:gs>
-                      <a:gs pos="49000">
-                        <a:schemeClr val="bg1"/>
-                      </a:gs>
-                      <a:gs pos="100000">
-                        <a:schemeClr val="bg1">
-                          <a:lumMod val="95000"/>
-                        </a:schemeClr>
-                      </a:gs>
-                      <a:gs pos="100000">
-                        <a:srgbClr val="E6E6E6"/>
-                      </a:gs>
-                    </a:gsLst>
-                    <a:lin ang="2700000" scaled="0"/>
-                  </a:gradFill>
-                  <a:ln w="6350">
-                    <a:solidFill>
-                      <a:schemeClr val="bg1">
-                        <a:lumMod val="50000"/>
-                      </a:schemeClr>
-                    </a:solidFill>
-                  </a:ln>
-                  <a:effectLst/>
-                </p:spPr>
-                <p:style>
-                  <a:lnRef idx="2">
-                    <a:schemeClr val="accent1">
-                      <a:shade val="50000"/>
-                    </a:schemeClr>
-                  </a:lnRef>
-                  <a:fillRef idx="1">
-                    <a:schemeClr val="accent1"/>
-                  </a:fillRef>
-                  <a:effectRef idx="0">
-                    <a:schemeClr val="accent1"/>
-                  </a:effectRef>
-                  <a:fontRef idx="minor">
-                    <a:schemeClr val="lt1"/>
-                  </a:fontRef>
-                </p:style>
-                <p:txBody>
-                  <a:bodyPr rtlCol="0" anchor="ctr"/>
-                  <a:lstStyle/>
-                  <a:p>
-                    <a:pPr algn="ctr"/>
-                    <a:endParaRPr lang="en-US"/>
-                  </a:p>
-                </p:txBody>
-              </p:sp>
-              <p:sp>
-                <p:nvSpPr>
-                  <p:cNvPr id="198" name="Rectangle 197"/>
-                  <p:cNvSpPr/>
-                  <p:nvPr/>
-                </p:nvSpPr>
-                <p:spPr>
-                  <a:xfrm>
-                    <a:off x="1475921" y="2730705"/>
-                    <a:ext cx="92836" cy="195722"/>
-                  </a:xfrm>
-                  <a:prstGeom prst="rect">
-                    <a:avLst/>
-                  </a:prstGeom>
-                  <a:solidFill>
-                    <a:schemeClr val="accent3">
-                      <a:lumMod val="20000"/>
-                      <a:lumOff val="80000"/>
-                    </a:schemeClr>
-                  </a:solidFill>
-                  <a:ln w="9525">
-                    <a:solidFill>
-                      <a:schemeClr val="bg1">
-                        <a:lumMod val="50000"/>
-                      </a:schemeClr>
-                    </a:solidFill>
-                  </a:ln>
-                </p:spPr>
-                <p:style>
-                  <a:lnRef idx="2">
-                    <a:schemeClr val="accent1">
-                      <a:shade val="50000"/>
-                    </a:schemeClr>
-                  </a:lnRef>
-                  <a:fillRef idx="1">
-                    <a:schemeClr val="accent1"/>
-                  </a:fillRef>
-                  <a:effectRef idx="0">
-                    <a:schemeClr val="accent1"/>
-                  </a:effectRef>
-                  <a:fontRef idx="minor">
-                    <a:schemeClr val="lt1"/>
-                  </a:fontRef>
-                </p:style>
-                <p:txBody>
-                  <a:bodyPr rtlCol="0" anchor="ctr"/>
-                  <a:lstStyle/>
-                  <a:p>
-                    <a:pPr algn="ctr"/>
-                    <a:endParaRPr lang="en-US"/>
-                  </a:p>
-                </p:txBody>
-              </p:sp>
-              <p:sp>
-                <p:nvSpPr>
-                  <p:cNvPr id="199" name="Rectangle 198"/>
-                  <p:cNvSpPr/>
-                  <p:nvPr/>
-                </p:nvSpPr>
-                <p:spPr>
-                  <a:xfrm rot="5400000" flipH="1">
-                    <a:off x="1651193" y="2695673"/>
-                    <a:ext cx="136911" cy="206976"/>
-                  </a:xfrm>
-                  <a:prstGeom prst="rect">
-                    <a:avLst/>
-                  </a:prstGeom>
-                  <a:solidFill>
-                    <a:schemeClr val="accent1">
-                      <a:lumMod val="20000"/>
-                      <a:lumOff val="80000"/>
-                    </a:schemeClr>
-                  </a:solidFill>
-                  <a:ln w="15875">
-                    <a:solidFill>
-                      <a:schemeClr val="tx2">
-                        <a:lumMod val="40000"/>
-                        <a:lumOff val="60000"/>
-                      </a:schemeClr>
-                    </a:solidFill>
-                  </a:ln>
-                </p:spPr>
-                <p:style>
-                  <a:lnRef idx="2">
-                    <a:schemeClr val="accent1">
-                      <a:shade val="50000"/>
-                    </a:schemeClr>
-                  </a:lnRef>
-                  <a:fillRef idx="1">
-                    <a:schemeClr val="accent1"/>
-                  </a:fillRef>
-                  <a:effectRef idx="0">
-                    <a:schemeClr val="accent1"/>
-                  </a:effectRef>
-                  <a:fontRef idx="minor">
-                    <a:schemeClr val="lt1"/>
-                  </a:fontRef>
-                </p:style>
-                <p:txBody>
-                  <a:bodyPr rtlCol="0" anchor="ctr"/>
-                  <a:lstStyle/>
-                  <a:p>
-                    <a:pPr algn="ctr"/>
-                    <a:endParaRPr lang="en-US"/>
-                  </a:p>
-                </p:txBody>
-              </p:sp>
-              <p:cxnSp>
-                <p:nvCxnSpPr>
-                  <p:cNvPr id="249" name="Straight Connector 248"/>
-                  <p:cNvCxnSpPr>
-                    <a:stCxn id="198" idx="3"/>
-                    <a:endCxn id="198" idx="3"/>
-                  </p:cNvCxnSpPr>
-                  <p:nvPr/>
-                </p:nvCxnSpPr>
-                <p:spPr>
-                  <a:xfrm>
-                    <a:off x="1568757" y="2828566"/>
-                    <a:ext cx="0" cy="0"/>
-                  </a:xfrm>
-                  <a:prstGeom prst="line">
-                    <a:avLst/>
-                  </a:prstGeom>
-                </p:spPr>
-                <p:style>
-                  <a:lnRef idx="1">
-                    <a:schemeClr val="accent1"/>
-                  </a:lnRef>
-                  <a:fillRef idx="0">
-                    <a:schemeClr val="accent1"/>
-                  </a:fillRef>
-                  <a:effectRef idx="0">
-                    <a:schemeClr val="accent1"/>
-                  </a:effectRef>
-                  <a:fontRef idx="minor">
-                    <a:schemeClr val="tx1"/>
-                  </a:fontRef>
-                </p:style>
-              </p:cxnSp>
-              <p:sp>
-                <p:nvSpPr>
-                  <p:cNvPr id="253" name="Rectangle 252"/>
-                  <p:cNvSpPr/>
-                  <p:nvPr/>
-                </p:nvSpPr>
-                <p:spPr>
-                  <a:xfrm>
-                    <a:off x="1397693" y="2915503"/>
-                    <a:ext cx="510782" cy="18000"/>
-                  </a:xfrm>
-                  <a:prstGeom prst="rect">
-                    <a:avLst/>
-                  </a:prstGeom>
-                  <a:solidFill>
-                    <a:srgbClr val="FDFAC7"/>
-                  </a:solidFill>
-                  <a:ln w="6350">
-                    <a:solidFill>
-                      <a:schemeClr val="bg1">
-                        <a:lumMod val="50000"/>
-                      </a:schemeClr>
-                    </a:solidFill>
-                  </a:ln>
-                </p:spPr>
-                <p:style>
-                  <a:lnRef idx="2">
-                    <a:schemeClr val="accent1">
-                      <a:shade val="50000"/>
-                    </a:schemeClr>
-                  </a:lnRef>
-                  <a:fillRef idx="1">
-                    <a:schemeClr val="accent1"/>
-                  </a:fillRef>
-                  <a:effectRef idx="0">
-                    <a:schemeClr val="accent1"/>
-                  </a:effectRef>
-                  <a:fontRef idx="minor">
-                    <a:schemeClr val="lt1"/>
-                  </a:fontRef>
-                </p:style>
-                <p:txBody>
-                  <a:bodyPr rtlCol="0" anchor="ctr"/>
-                  <a:lstStyle/>
-                  <a:p>
-                    <a:pPr algn="ctr"/>
-                    <a:endParaRPr lang="en-US"/>
-                  </a:p>
-                </p:txBody>
-              </p:sp>
-            </p:grpSp>
-            <p:grpSp>
-              <p:nvGrpSpPr>
-                <p:cNvPr id="178" name="Group 177"/>
-                <p:cNvGrpSpPr/>
-                <p:nvPr/>
-              </p:nvGrpSpPr>
-              <p:grpSpPr>
-                <a:xfrm>
-                  <a:off x="3321759" y="524071"/>
-                  <a:ext cx="557162" cy="182081"/>
-                  <a:chOff x="1727752" y="1773016"/>
-                  <a:chExt cx="5562290" cy="2016024"/>
-                </a:xfrm>
-                <a:effectLst>
-                  <a:outerShdw blurRad="50800" dist="38100" dir="2700000" algn="tl" rotWithShape="0">
-                    <a:prstClr val="black">
-                      <a:alpha val="40000"/>
-                    </a:prstClr>
-                  </a:outerShdw>
-                </a:effectLst>
-              </p:grpSpPr>
-              <p:sp>
-                <p:nvSpPr>
-                  <p:cNvPr id="179" name="Oval 178"/>
-                  <p:cNvSpPr/>
-                  <p:nvPr/>
-                </p:nvSpPr>
-                <p:spPr>
-                  <a:xfrm>
-                    <a:off x="1727752" y="3429000"/>
-                    <a:ext cx="612000" cy="360040"/>
-                  </a:xfrm>
-                  <a:prstGeom prst="ellipse">
-                    <a:avLst/>
-                  </a:prstGeom>
-                  <a:solidFill>
-                    <a:srgbClr val="FF0000"/>
-                  </a:solidFill>
-                  <a:ln w="6350">
-                    <a:solidFill>
-                      <a:schemeClr val="tx1">
-                        <a:lumMod val="50000"/>
-                        <a:lumOff val="50000"/>
-                      </a:schemeClr>
-                    </a:solidFill>
-                  </a:ln>
-                </p:spPr>
-                <p:style>
-                  <a:lnRef idx="2">
-                    <a:schemeClr val="accent1">
-                      <a:shade val="50000"/>
-                    </a:schemeClr>
-                  </a:lnRef>
-                  <a:fillRef idx="1">
-                    <a:schemeClr val="accent1"/>
-                  </a:fillRef>
-                  <a:effectRef idx="0">
-                    <a:schemeClr val="accent1"/>
-                  </a:effectRef>
-                  <a:fontRef idx="minor">
-                    <a:schemeClr val="lt1"/>
-                  </a:fontRef>
-                </p:style>
-                <p:txBody>
-                  <a:bodyPr rtlCol="0" anchor="ctr"/>
-                  <a:lstStyle/>
-                  <a:p>
-                    <a:pPr algn="ctr"/>
-                    <a:endParaRPr lang="en-US"/>
-                  </a:p>
-                </p:txBody>
-              </p:sp>
-              <p:sp>
-                <p:nvSpPr>
-                  <p:cNvPr id="180" name="Oval 179"/>
-                  <p:cNvSpPr/>
-                  <p:nvPr/>
-                </p:nvSpPr>
-                <p:spPr>
-                  <a:xfrm>
-                    <a:off x="2965324" y="3429000"/>
-                    <a:ext cx="612000" cy="360040"/>
-                  </a:xfrm>
-                  <a:prstGeom prst="ellipse">
-                    <a:avLst/>
-                  </a:prstGeom>
-                  <a:solidFill>
-                    <a:srgbClr val="FF0000"/>
-                  </a:solidFill>
-                  <a:ln w="6350">
-                    <a:solidFill>
-                      <a:schemeClr val="tx1">
-                        <a:lumMod val="50000"/>
-                        <a:lumOff val="50000"/>
-                      </a:schemeClr>
-                    </a:solidFill>
-                  </a:ln>
-                </p:spPr>
-                <p:style>
-                  <a:lnRef idx="2">
-                    <a:schemeClr val="accent1">
-                      <a:shade val="50000"/>
-                    </a:schemeClr>
-                  </a:lnRef>
-                  <a:fillRef idx="1">
-                    <a:schemeClr val="accent1"/>
-                  </a:fillRef>
-                  <a:effectRef idx="0">
-                    <a:schemeClr val="accent1"/>
-                  </a:effectRef>
-                  <a:fontRef idx="minor">
-                    <a:schemeClr val="lt1"/>
-                  </a:fontRef>
-                </p:style>
-                <p:txBody>
-                  <a:bodyPr rtlCol="0" anchor="ctr"/>
-                  <a:lstStyle/>
-                  <a:p>
-                    <a:pPr algn="ctr"/>
-                    <a:endParaRPr lang="en-US"/>
-                  </a:p>
-                </p:txBody>
-              </p:sp>
-              <p:sp>
-                <p:nvSpPr>
-                  <p:cNvPr id="181" name="Oval 180"/>
-                  <p:cNvSpPr/>
-                  <p:nvPr/>
-                </p:nvSpPr>
-                <p:spPr>
-                  <a:xfrm>
-                    <a:off x="4202896" y="3429000"/>
-                    <a:ext cx="612000" cy="360040"/>
-                  </a:xfrm>
-                  <a:prstGeom prst="ellipse">
-                    <a:avLst/>
-                  </a:prstGeom>
-                  <a:solidFill>
-                    <a:srgbClr val="FF0000"/>
-                  </a:solidFill>
-                  <a:ln w="6350">
-                    <a:solidFill>
-                      <a:schemeClr val="tx1">
-                        <a:lumMod val="50000"/>
-                        <a:lumOff val="50000"/>
-                      </a:schemeClr>
-                    </a:solidFill>
-                  </a:ln>
-                </p:spPr>
-                <p:style>
-                  <a:lnRef idx="2">
-                    <a:schemeClr val="accent1">
-                      <a:shade val="50000"/>
-                    </a:schemeClr>
-                  </a:lnRef>
-                  <a:fillRef idx="1">
-                    <a:schemeClr val="accent1"/>
-                  </a:fillRef>
-                  <a:effectRef idx="0">
-                    <a:schemeClr val="accent1"/>
-                  </a:effectRef>
-                  <a:fontRef idx="minor">
-                    <a:schemeClr val="lt1"/>
-                  </a:fontRef>
-                </p:style>
-                <p:txBody>
-                  <a:bodyPr rtlCol="0" anchor="ctr"/>
-                  <a:lstStyle/>
-                  <a:p>
-                    <a:pPr algn="ctr"/>
-                    <a:endParaRPr lang="en-US"/>
-                  </a:p>
-                </p:txBody>
-              </p:sp>
-              <p:sp>
-                <p:nvSpPr>
-                  <p:cNvPr id="182" name="Oval 181"/>
-                  <p:cNvSpPr/>
-                  <p:nvPr/>
-                </p:nvSpPr>
-                <p:spPr>
-                  <a:xfrm>
-                    <a:off x="5440468" y="3429000"/>
-                    <a:ext cx="612000" cy="360040"/>
-                  </a:xfrm>
-                  <a:prstGeom prst="ellipse">
-                    <a:avLst/>
-                  </a:prstGeom>
-                  <a:solidFill>
-                    <a:srgbClr val="FF0000"/>
-                  </a:solidFill>
-                  <a:ln w="6350">
-                    <a:solidFill>
-                      <a:schemeClr val="tx1">
-                        <a:lumMod val="50000"/>
-                        <a:lumOff val="50000"/>
-                      </a:schemeClr>
-                    </a:solidFill>
-                  </a:ln>
-                </p:spPr>
-                <p:style>
-                  <a:lnRef idx="2">
-                    <a:schemeClr val="accent1">
-                      <a:shade val="50000"/>
-                    </a:schemeClr>
-                  </a:lnRef>
-                  <a:fillRef idx="1">
-                    <a:schemeClr val="accent1"/>
-                  </a:fillRef>
-                  <a:effectRef idx="0">
-                    <a:schemeClr val="accent1"/>
-                  </a:effectRef>
-                  <a:fontRef idx="minor">
-                    <a:schemeClr val="lt1"/>
-                  </a:fontRef>
-                </p:style>
-                <p:txBody>
-                  <a:bodyPr rtlCol="0" anchor="ctr"/>
-                  <a:lstStyle/>
-                  <a:p>
-                    <a:pPr algn="ctr"/>
-                    <a:endParaRPr lang="en-US"/>
-                  </a:p>
-                </p:txBody>
-              </p:sp>
-              <p:sp>
-                <p:nvSpPr>
-                  <p:cNvPr id="183" name="Oval 182"/>
-                  <p:cNvSpPr/>
-                  <p:nvPr/>
-                </p:nvSpPr>
-                <p:spPr>
-                  <a:xfrm>
-                    <a:off x="6678042" y="3429000"/>
-                    <a:ext cx="612000" cy="360040"/>
-                  </a:xfrm>
-                  <a:prstGeom prst="ellipse">
-                    <a:avLst/>
-                  </a:prstGeom>
-                  <a:solidFill>
-                    <a:srgbClr val="FF0000"/>
-                  </a:solidFill>
-                  <a:ln w="6350">
-                    <a:solidFill>
-                      <a:schemeClr val="tx1">
-                        <a:lumMod val="50000"/>
-                        <a:lumOff val="50000"/>
-                      </a:schemeClr>
-                    </a:solidFill>
-                  </a:ln>
-                </p:spPr>
-                <p:style>
-                  <a:lnRef idx="2">
-                    <a:schemeClr val="accent1">
-                      <a:shade val="50000"/>
-                    </a:schemeClr>
-                  </a:lnRef>
-                  <a:fillRef idx="1">
-                    <a:schemeClr val="accent1"/>
-                  </a:fillRef>
-                  <a:effectRef idx="0">
-                    <a:schemeClr val="accent1"/>
-                  </a:effectRef>
-                  <a:fontRef idx="minor">
-                    <a:schemeClr val="lt1"/>
-                  </a:fontRef>
-                </p:style>
-                <p:txBody>
-                  <a:bodyPr rtlCol="0" anchor="ctr"/>
-                  <a:lstStyle/>
-                  <a:p>
-                    <a:pPr algn="ctr"/>
-                    <a:endParaRPr lang="en-US"/>
-                  </a:p>
-                </p:txBody>
-              </p:sp>
-              <p:sp>
-                <p:nvSpPr>
-                  <p:cNvPr id="184" name="Oval 183"/>
-                  <p:cNvSpPr/>
-                  <p:nvPr/>
-                </p:nvSpPr>
-                <p:spPr>
-                  <a:xfrm>
-                    <a:off x="2346538" y="3429000"/>
-                    <a:ext cx="612000" cy="360040"/>
-                  </a:xfrm>
-                  <a:prstGeom prst="ellipse">
-                    <a:avLst/>
-                  </a:prstGeom>
-                  <a:solidFill>
-                    <a:schemeClr val="bg1"/>
-                  </a:solidFill>
-                  <a:ln w="6350">
-                    <a:solidFill>
-                      <a:schemeClr val="tx1">
-                        <a:lumMod val="50000"/>
-                        <a:lumOff val="50000"/>
-                      </a:schemeClr>
-                    </a:solidFill>
-                  </a:ln>
-                </p:spPr>
-                <p:style>
-                  <a:lnRef idx="2">
-                    <a:schemeClr val="accent1">
-                      <a:shade val="50000"/>
-                    </a:schemeClr>
-                  </a:lnRef>
-                  <a:fillRef idx="1">
-                    <a:schemeClr val="accent1"/>
-                  </a:fillRef>
-                  <a:effectRef idx="0">
-                    <a:schemeClr val="accent1"/>
-                  </a:effectRef>
-                  <a:fontRef idx="minor">
-                    <a:schemeClr val="lt1"/>
-                  </a:fontRef>
-                </p:style>
-                <p:txBody>
-                  <a:bodyPr rtlCol="0" anchor="ctr"/>
-                  <a:lstStyle/>
-                  <a:p>
-                    <a:pPr algn="ctr"/>
-                    <a:endParaRPr lang="en-US"/>
-                  </a:p>
-                </p:txBody>
-              </p:sp>
-              <p:sp>
-                <p:nvSpPr>
-                  <p:cNvPr id="185" name="Oval 184"/>
-                  <p:cNvSpPr/>
-                  <p:nvPr/>
-                </p:nvSpPr>
-                <p:spPr>
-                  <a:xfrm>
-                    <a:off x="3584110" y="3429000"/>
-                    <a:ext cx="612000" cy="360040"/>
-                  </a:xfrm>
-                  <a:prstGeom prst="ellipse">
-                    <a:avLst/>
-                  </a:prstGeom>
-                  <a:solidFill>
-                    <a:schemeClr val="bg1"/>
-                  </a:solidFill>
-                  <a:ln w="6350">
-                    <a:solidFill>
-                      <a:schemeClr val="tx1">
-                        <a:lumMod val="50000"/>
-                        <a:lumOff val="50000"/>
-                      </a:schemeClr>
-                    </a:solidFill>
-                  </a:ln>
-                </p:spPr>
-                <p:style>
-                  <a:lnRef idx="2">
-                    <a:schemeClr val="accent1">
-                      <a:shade val="50000"/>
-                    </a:schemeClr>
-                  </a:lnRef>
-                  <a:fillRef idx="1">
-                    <a:schemeClr val="accent1"/>
-                  </a:fillRef>
-                  <a:effectRef idx="0">
-                    <a:schemeClr val="accent1"/>
-                  </a:effectRef>
-                  <a:fontRef idx="minor">
-                    <a:schemeClr val="lt1"/>
-                  </a:fontRef>
-                </p:style>
-                <p:txBody>
-                  <a:bodyPr rtlCol="0" anchor="ctr"/>
-                  <a:lstStyle/>
-                  <a:p>
-                    <a:pPr algn="ctr"/>
-                    <a:endParaRPr lang="en-US"/>
-                  </a:p>
-                </p:txBody>
-              </p:sp>
-              <p:sp>
-                <p:nvSpPr>
-                  <p:cNvPr id="186" name="Oval 185"/>
-                  <p:cNvSpPr/>
-                  <p:nvPr/>
-                </p:nvSpPr>
-                <p:spPr>
-                  <a:xfrm>
-                    <a:off x="4821682" y="3429000"/>
-                    <a:ext cx="612000" cy="360040"/>
-                  </a:xfrm>
-                  <a:prstGeom prst="ellipse">
-                    <a:avLst/>
-                  </a:prstGeom>
-                  <a:solidFill>
-                    <a:schemeClr val="bg1"/>
-                  </a:solidFill>
-                  <a:ln w="6350">
-                    <a:solidFill>
-                      <a:schemeClr val="tx1">
-                        <a:lumMod val="50000"/>
-                        <a:lumOff val="50000"/>
-                      </a:schemeClr>
-                    </a:solidFill>
-                  </a:ln>
-                </p:spPr>
-                <p:style>
-                  <a:lnRef idx="2">
-                    <a:schemeClr val="accent1">
-                      <a:shade val="50000"/>
-                    </a:schemeClr>
-                  </a:lnRef>
-                  <a:fillRef idx="1">
-                    <a:schemeClr val="accent1"/>
-                  </a:fillRef>
-                  <a:effectRef idx="0">
-                    <a:schemeClr val="accent1"/>
-                  </a:effectRef>
-                  <a:fontRef idx="minor">
-                    <a:schemeClr val="lt1"/>
-                  </a:fontRef>
-                </p:style>
-                <p:txBody>
-                  <a:bodyPr rtlCol="0" anchor="ctr"/>
-                  <a:lstStyle/>
-                  <a:p>
-                    <a:pPr algn="ctr"/>
-                    <a:endParaRPr lang="en-US"/>
-                  </a:p>
-                </p:txBody>
-              </p:sp>
-              <p:sp>
-                <p:nvSpPr>
-                  <p:cNvPr id="187" name="Oval 186"/>
-                  <p:cNvSpPr/>
-                  <p:nvPr/>
-                </p:nvSpPr>
-                <p:spPr>
-                  <a:xfrm>
-                    <a:off x="6059254" y="3429000"/>
-                    <a:ext cx="612000" cy="360040"/>
-                  </a:xfrm>
-                  <a:prstGeom prst="ellipse">
-                    <a:avLst/>
-                  </a:prstGeom>
-                  <a:solidFill>
-                    <a:schemeClr val="bg1"/>
-                  </a:solidFill>
-                  <a:ln w="6350">
-                    <a:solidFill>
-                      <a:schemeClr val="tx1">
-                        <a:lumMod val="50000"/>
-                        <a:lumOff val="50000"/>
-                      </a:schemeClr>
-                    </a:solidFill>
-                  </a:ln>
-                </p:spPr>
-                <p:style>
-                  <a:lnRef idx="2">
-                    <a:schemeClr val="accent1">
-                      <a:shade val="50000"/>
-                    </a:schemeClr>
-                  </a:lnRef>
-                  <a:fillRef idx="1">
-                    <a:schemeClr val="accent1"/>
-                  </a:fillRef>
-                  <a:effectRef idx="0">
-                    <a:schemeClr val="accent1"/>
-                  </a:effectRef>
-                  <a:fontRef idx="minor">
-                    <a:schemeClr val="lt1"/>
-                  </a:fontRef>
-                </p:style>
-                <p:txBody>
-                  <a:bodyPr rtlCol="0" anchor="ctr"/>
-                  <a:lstStyle/>
-                  <a:p>
-                    <a:pPr algn="ctr"/>
-                    <a:endParaRPr lang="en-US"/>
-                  </a:p>
-                </p:txBody>
-              </p:sp>
-              <p:sp>
-                <p:nvSpPr>
-                  <p:cNvPr id="188" name="Right Triangle 187"/>
-                  <p:cNvSpPr/>
-                  <p:nvPr/>
-                </p:nvSpPr>
-                <p:spPr>
-                  <a:xfrm flipH="1">
-                    <a:off x="1727752" y="1773016"/>
-                    <a:ext cx="612000" cy="1800000"/>
-                  </a:xfrm>
-                  <a:prstGeom prst="rtTriangle">
-                    <a:avLst/>
-                  </a:prstGeom>
-                  <a:solidFill>
-                    <a:srgbClr val="FF0000"/>
-                  </a:solidFill>
-                  <a:ln w="6350">
-                    <a:solidFill>
-                      <a:schemeClr val="tx1">
-                        <a:lumMod val="50000"/>
-                        <a:lumOff val="50000"/>
-                      </a:schemeClr>
-                    </a:solidFill>
-                  </a:ln>
-                </p:spPr>
-                <p:style>
-                  <a:lnRef idx="2">
-                    <a:schemeClr val="accent1">
-                      <a:shade val="50000"/>
-                    </a:schemeClr>
-                  </a:lnRef>
-                  <a:fillRef idx="1">
-                    <a:schemeClr val="accent1"/>
-                  </a:fillRef>
-                  <a:effectRef idx="0">
-                    <a:schemeClr val="accent1"/>
-                  </a:effectRef>
-                  <a:fontRef idx="minor">
-                    <a:schemeClr val="lt1"/>
-                  </a:fontRef>
-                </p:style>
-                <p:txBody>
-                  <a:bodyPr rtlCol="0" anchor="ctr"/>
-                  <a:lstStyle/>
-                  <a:p>
-                    <a:pPr algn="ctr"/>
-                    <a:endParaRPr lang="en-US"/>
-                  </a:p>
-                </p:txBody>
-              </p:sp>
-              <p:sp>
-                <p:nvSpPr>
-                  <p:cNvPr id="189" name="Rectangle 188"/>
-                  <p:cNvSpPr/>
-                  <p:nvPr/>
-                </p:nvSpPr>
-                <p:spPr>
-                  <a:xfrm>
-                    <a:off x="2965324" y="1773016"/>
-                    <a:ext cx="612000" cy="1800000"/>
-                  </a:xfrm>
-                  <a:prstGeom prst="rect">
-                    <a:avLst/>
-                  </a:prstGeom>
-                  <a:solidFill>
-                    <a:srgbClr val="FF0000"/>
-                  </a:solidFill>
-                  <a:ln w="6350">
-                    <a:solidFill>
-                      <a:schemeClr val="tx1">
-                        <a:lumMod val="50000"/>
-                        <a:lumOff val="50000"/>
-                      </a:schemeClr>
-                    </a:solidFill>
-                  </a:ln>
-                </p:spPr>
-                <p:style>
-                  <a:lnRef idx="2">
-                    <a:schemeClr val="accent1">
-                      <a:shade val="50000"/>
-                    </a:schemeClr>
-                  </a:lnRef>
-                  <a:fillRef idx="1">
-                    <a:schemeClr val="accent1"/>
-                  </a:fillRef>
-                  <a:effectRef idx="0">
-                    <a:schemeClr val="accent1"/>
-                  </a:effectRef>
-                  <a:fontRef idx="minor">
-                    <a:schemeClr val="lt1"/>
-                  </a:fontRef>
-                </p:style>
-                <p:txBody>
-                  <a:bodyPr rtlCol="0" anchor="ctr"/>
-                  <a:lstStyle/>
-                  <a:p>
-                    <a:pPr algn="ctr"/>
-                    <a:endParaRPr lang="en-US"/>
-                  </a:p>
-                </p:txBody>
-              </p:sp>
-              <p:sp>
-                <p:nvSpPr>
-                  <p:cNvPr id="190" name="Rectangle 189"/>
-                  <p:cNvSpPr/>
-                  <p:nvPr/>
-                </p:nvSpPr>
-                <p:spPr>
-                  <a:xfrm>
-                    <a:off x="4202896" y="1773016"/>
-                    <a:ext cx="612000" cy="1800000"/>
-                  </a:xfrm>
-                  <a:prstGeom prst="rect">
-                    <a:avLst/>
-                  </a:prstGeom>
-                  <a:solidFill>
-                    <a:srgbClr val="FF0000"/>
-                  </a:solidFill>
-                  <a:ln w="6350">
-                    <a:solidFill>
-                      <a:schemeClr val="tx1">
-                        <a:lumMod val="50000"/>
-                        <a:lumOff val="50000"/>
-                      </a:schemeClr>
-                    </a:solidFill>
-                  </a:ln>
-                </p:spPr>
-                <p:style>
-                  <a:lnRef idx="2">
-                    <a:schemeClr val="accent1">
-                      <a:shade val="50000"/>
-                    </a:schemeClr>
-                  </a:lnRef>
-                  <a:fillRef idx="1">
-                    <a:schemeClr val="accent1"/>
-                  </a:fillRef>
-                  <a:effectRef idx="0">
-                    <a:schemeClr val="accent1"/>
-                  </a:effectRef>
-                  <a:fontRef idx="minor">
-                    <a:schemeClr val="lt1"/>
-                  </a:fontRef>
-                </p:style>
-                <p:txBody>
-                  <a:bodyPr rtlCol="0" anchor="ctr"/>
-                  <a:lstStyle/>
-                  <a:p>
-                    <a:pPr algn="ctr"/>
-                    <a:endParaRPr lang="en-US"/>
-                  </a:p>
-                </p:txBody>
-              </p:sp>
-              <p:sp>
-                <p:nvSpPr>
-                  <p:cNvPr id="191" name="Rectangle 190"/>
-                  <p:cNvSpPr/>
-                  <p:nvPr/>
-                </p:nvSpPr>
-                <p:spPr>
-                  <a:xfrm>
-                    <a:off x="5440468" y="1773016"/>
-                    <a:ext cx="612000" cy="1800000"/>
-                  </a:xfrm>
-                  <a:prstGeom prst="rect">
-                    <a:avLst/>
-                  </a:prstGeom>
-                  <a:solidFill>
-                    <a:srgbClr val="FF0000"/>
-                  </a:solidFill>
-                  <a:ln w="6350">
-                    <a:solidFill>
-                      <a:schemeClr val="tx1">
-                        <a:lumMod val="50000"/>
-                        <a:lumOff val="50000"/>
-                      </a:schemeClr>
-                    </a:solidFill>
-                  </a:ln>
-                </p:spPr>
-                <p:style>
-                  <a:lnRef idx="2">
-                    <a:schemeClr val="accent1">
-                      <a:shade val="50000"/>
-                    </a:schemeClr>
-                  </a:lnRef>
-                  <a:fillRef idx="1">
-                    <a:schemeClr val="accent1"/>
-                  </a:fillRef>
-                  <a:effectRef idx="0">
-                    <a:schemeClr val="accent1"/>
-                  </a:effectRef>
-                  <a:fontRef idx="minor">
-                    <a:schemeClr val="lt1"/>
-                  </a:fontRef>
-                </p:style>
-                <p:txBody>
-                  <a:bodyPr rtlCol="0" anchor="ctr"/>
-                  <a:lstStyle/>
-                  <a:p>
-                    <a:pPr algn="ctr"/>
-                    <a:endParaRPr lang="en-US"/>
-                  </a:p>
-                </p:txBody>
-              </p:sp>
-              <p:sp>
-                <p:nvSpPr>
-                  <p:cNvPr id="192" name="Right Triangle 191"/>
-                  <p:cNvSpPr/>
-                  <p:nvPr/>
-                </p:nvSpPr>
-                <p:spPr>
-                  <a:xfrm>
-                    <a:off x="6678042" y="1773016"/>
-                    <a:ext cx="612000" cy="1800000"/>
-                  </a:xfrm>
-                  <a:prstGeom prst="rtTriangle">
-                    <a:avLst/>
-                  </a:prstGeom>
-                  <a:solidFill>
-                    <a:srgbClr val="FF0000"/>
-                  </a:solidFill>
-                  <a:ln w="6350">
-                    <a:solidFill>
-                      <a:schemeClr val="tx1">
-                        <a:lumMod val="50000"/>
-                        <a:lumOff val="50000"/>
-                      </a:schemeClr>
-                    </a:solidFill>
-                  </a:ln>
-                </p:spPr>
-                <p:style>
-                  <a:lnRef idx="2">
-                    <a:schemeClr val="accent1">
-                      <a:shade val="50000"/>
-                    </a:schemeClr>
-                  </a:lnRef>
-                  <a:fillRef idx="1">
-                    <a:schemeClr val="accent1"/>
-                  </a:fillRef>
-                  <a:effectRef idx="0">
-                    <a:schemeClr val="accent1"/>
-                  </a:effectRef>
-                  <a:fontRef idx="minor">
-                    <a:schemeClr val="lt1"/>
-                  </a:fontRef>
-                </p:style>
-                <p:txBody>
-                  <a:bodyPr rtlCol="0" anchor="ctr"/>
-                  <a:lstStyle/>
-                  <a:p>
-                    <a:pPr algn="ctr"/>
-                    <a:endParaRPr lang="en-US"/>
-                  </a:p>
-                </p:txBody>
-              </p:sp>
-              <p:sp>
-                <p:nvSpPr>
-                  <p:cNvPr id="193" name="Rectangle 192"/>
-                  <p:cNvSpPr/>
-                  <p:nvPr/>
-                </p:nvSpPr>
-                <p:spPr>
-                  <a:xfrm>
-                    <a:off x="2346538" y="1773016"/>
-                    <a:ext cx="612000" cy="1800000"/>
-                  </a:xfrm>
-                  <a:prstGeom prst="rect">
-                    <a:avLst/>
-                  </a:prstGeom>
-                  <a:solidFill>
-                    <a:schemeClr val="bg1"/>
-                  </a:solidFill>
-                  <a:ln w="6350">
-                    <a:solidFill>
-                      <a:schemeClr val="tx1">
-                        <a:lumMod val="50000"/>
-                        <a:lumOff val="50000"/>
-                      </a:schemeClr>
-                    </a:solidFill>
-                  </a:ln>
-                </p:spPr>
-                <p:style>
-                  <a:lnRef idx="2">
-                    <a:schemeClr val="accent1">
-                      <a:shade val="50000"/>
-                    </a:schemeClr>
-                  </a:lnRef>
-                  <a:fillRef idx="1">
-                    <a:schemeClr val="accent1"/>
-                  </a:fillRef>
-                  <a:effectRef idx="0">
-                    <a:schemeClr val="accent1"/>
-                  </a:effectRef>
-                  <a:fontRef idx="minor">
-                    <a:schemeClr val="lt1"/>
-                  </a:fontRef>
-                </p:style>
-                <p:txBody>
-                  <a:bodyPr rtlCol="0" anchor="ctr"/>
-                  <a:lstStyle/>
-                  <a:p>
-                    <a:pPr algn="ctr"/>
-                    <a:endParaRPr lang="en-US"/>
-                  </a:p>
-                </p:txBody>
-              </p:sp>
-              <p:sp>
-                <p:nvSpPr>
-                  <p:cNvPr id="194" name="Rectangle 193"/>
-                  <p:cNvSpPr/>
-                  <p:nvPr/>
-                </p:nvSpPr>
-                <p:spPr>
-                  <a:xfrm>
-                    <a:off x="3584110" y="1773016"/>
-                    <a:ext cx="612000" cy="1800000"/>
-                  </a:xfrm>
-                  <a:prstGeom prst="rect">
-                    <a:avLst/>
-                  </a:prstGeom>
-                  <a:solidFill>
-                    <a:schemeClr val="bg1"/>
-                  </a:solidFill>
-                  <a:ln w="6350">
-                    <a:solidFill>
-                      <a:schemeClr val="tx1">
-                        <a:lumMod val="50000"/>
-                        <a:lumOff val="50000"/>
-                      </a:schemeClr>
-                    </a:solidFill>
-                  </a:ln>
-                </p:spPr>
-                <p:style>
-                  <a:lnRef idx="2">
-                    <a:schemeClr val="accent1">
-                      <a:shade val="50000"/>
-                    </a:schemeClr>
-                  </a:lnRef>
-                  <a:fillRef idx="1">
-                    <a:schemeClr val="accent1"/>
-                  </a:fillRef>
-                  <a:effectRef idx="0">
-                    <a:schemeClr val="accent1"/>
-                  </a:effectRef>
-                  <a:fontRef idx="minor">
-                    <a:schemeClr val="lt1"/>
-                  </a:fontRef>
-                </p:style>
-                <p:txBody>
-                  <a:bodyPr rtlCol="0" anchor="ctr"/>
-                  <a:lstStyle/>
-                  <a:p>
-                    <a:pPr algn="ctr"/>
-                    <a:endParaRPr lang="en-US"/>
-                  </a:p>
-                </p:txBody>
-              </p:sp>
-              <p:sp>
-                <p:nvSpPr>
-                  <p:cNvPr id="195" name="Rectangle 194"/>
-                  <p:cNvSpPr/>
-                  <p:nvPr/>
-                </p:nvSpPr>
-                <p:spPr>
-                  <a:xfrm>
-                    <a:off x="4821682" y="1773016"/>
-                    <a:ext cx="612000" cy="1800000"/>
-                  </a:xfrm>
-                  <a:prstGeom prst="rect">
-                    <a:avLst/>
-                  </a:prstGeom>
-                  <a:solidFill>
-                    <a:schemeClr val="bg1"/>
-                  </a:solidFill>
-                  <a:ln w="6350">
-                    <a:solidFill>
-                      <a:schemeClr val="tx1">
-                        <a:lumMod val="50000"/>
-                        <a:lumOff val="50000"/>
-                      </a:schemeClr>
-                    </a:solidFill>
-                  </a:ln>
-                </p:spPr>
-                <p:style>
-                  <a:lnRef idx="2">
-                    <a:schemeClr val="accent1">
-                      <a:shade val="50000"/>
-                    </a:schemeClr>
-                  </a:lnRef>
-                  <a:fillRef idx="1">
-                    <a:schemeClr val="accent1"/>
-                  </a:fillRef>
-                  <a:effectRef idx="0">
-                    <a:schemeClr val="accent1"/>
-                  </a:effectRef>
-                  <a:fontRef idx="minor">
-                    <a:schemeClr val="lt1"/>
-                  </a:fontRef>
-                </p:style>
-                <p:txBody>
-                  <a:bodyPr rtlCol="0" anchor="ctr"/>
-                  <a:lstStyle/>
-                  <a:p>
-                    <a:pPr algn="ctr"/>
-                    <a:endParaRPr lang="en-US"/>
-                  </a:p>
-                </p:txBody>
-              </p:sp>
-              <p:sp>
-                <p:nvSpPr>
-                  <p:cNvPr id="196" name="Rectangle 195"/>
-                  <p:cNvSpPr/>
-                  <p:nvPr/>
-                </p:nvSpPr>
-                <p:spPr>
-                  <a:xfrm>
-                    <a:off x="6059254" y="1773016"/>
-                    <a:ext cx="612000" cy="1800000"/>
-                  </a:xfrm>
-                  <a:prstGeom prst="rect">
-                    <a:avLst/>
-                  </a:prstGeom>
-                  <a:solidFill>
-                    <a:schemeClr val="bg1"/>
-                  </a:solidFill>
-                  <a:ln w="6350">
-                    <a:solidFill>
-                      <a:schemeClr val="tx1">
-                        <a:lumMod val="50000"/>
-                        <a:lumOff val="50000"/>
-                      </a:schemeClr>
-                    </a:solidFill>
-                  </a:ln>
-                </p:spPr>
-                <p:style>
-                  <a:lnRef idx="2">
-                    <a:schemeClr val="accent1">
-                      <a:shade val="50000"/>
-                    </a:schemeClr>
-                  </a:lnRef>
-                  <a:fillRef idx="1">
-                    <a:schemeClr val="accent1"/>
-                  </a:fillRef>
-                  <a:effectRef idx="0">
-                    <a:schemeClr val="accent1"/>
-                  </a:effectRef>
-                  <a:fontRef idx="minor">
-                    <a:schemeClr val="lt1"/>
-                  </a:fontRef>
-                </p:style>
-                <p:txBody>
-                  <a:bodyPr rtlCol="0" anchor="ctr"/>
-                  <a:lstStyle/>
-                  <a:p>
-                    <a:pPr algn="ctr"/>
-                    <a:endParaRPr lang="en-US"/>
-                  </a:p>
-                </p:txBody>
-              </p:sp>
-            </p:grpSp>
-          </p:grpSp>
+              <a:prstGeom prst="ellipse">
+                <a:avLst/>
+              </a:prstGeom>
+              <a:solidFill>
+                <a:srgbClr val="FF0000"/>
+              </a:solidFill>
+              <a:ln w="6350">
+                <a:solidFill>
+                  <a:schemeClr val="tx1">
+                    <a:lumMod val="50000"/>
+                    <a:lumOff val="50000"/>
+                  </a:schemeClr>
+                </a:solidFill>
+              </a:ln>
+            </p:spPr>
+            <p:style>
+              <a:lnRef idx="2">
+                <a:schemeClr val="accent1">
+                  <a:shade val="50000"/>
+                </a:schemeClr>
+              </a:lnRef>
+              <a:fillRef idx="1">
+                <a:schemeClr val="accent1"/>
+              </a:fillRef>
+              <a:effectRef idx="0">
+                <a:schemeClr val="accent1"/>
+              </a:effectRef>
+              <a:fontRef idx="minor">
+                <a:schemeClr val="lt1"/>
+              </a:fontRef>
+            </p:style>
+            <p:txBody>
+              <a:bodyPr rtlCol="0" anchor="ctr"/>
+              <a:lstStyle/>
+              <a:p>
+                <a:pPr algn="ctr"/>
+                <a:endParaRPr lang="en-US"/>
+              </a:p>
+            </p:txBody>
+          </p:sp>
+          <p:sp>
+            <p:nvSpPr>
+              <p:cNvPr id="180" name="Oval 179"/>
+              <p:cNvSpPr/>
+              <p:nvPr/>
+            </p:nvSpPr>
+            <p:spPr>
+              <a:xfrm>
+                <a:off x="2965324" y="3429000"/>
+                <a:ext cx="612000" cy="360040"/>
+              </a:xfrm>
+              <a:prstGeom prst="ellipse">
+                <a:avLst/>
+              </a:prstGeom>
+              <a:solidFill>
+                <a:srgbClr val="FF0000"/>
+              </a:solidFill>
+              <a:ln w="6350">
+                <a:solidFill>
+                  <a:schemeClr val="tx1">
+                    <a:lumMod val="50000"/>
+                    <a:lumOff val="50000"/>
+                  </a:schemeClr>
+                </a:solidFill>
+              </a:ln>
+            </p:spPr>
+            <p:style>
+              <a:lnRef idx="2">
+                <a:schemeClr val="accent1">
+                  <a:shade val="50000"/>
+                </a:schemeClr>
+              </a:lnRef>
+              <a:fillRef idx="1">
+                <a:schemeClr val="accent1"/>
+              </a:fillRef>
+              <a:effectRef idx="0">
+                <a:schemeClr val="accent1"/>
+              </a:effectRef>
+              <a:fontRef idx="minor">
+                <a:schemeClr val="lt1"/>
+              </a:fontRef>
+            </p:style>
+            <p:txBody>
+              <a:bodyPr rtlCol="0" anchor="ctr"/>
+              <a:lstStyle/>
+              <a:p>
+                <a:pPr algn="ctr"/>
+                <a:endParaRPr lang="en-US"/>
+              </a:p>
+            </p:txBody>
+          </p:sp>
+          <p:sp>
+            <p:nvSpPr>
+              <p:cNvPr id="181" name="Oval 180"/>
+              <p:cNvSpPr/>
+              <p:nvPr/>
+            </p:nvSpPr>
+            <p:spPr>
+              <a:xfrm>
+                <a:off x="4202896" y="3429000"/>
+                <a:ext cx="612000" cy="360040"/>
+              </a:xfrm>
+              <a:prstGeom prst="ellipse">
+                <a:avLst/>
+              </a:prstGeom>
+              <a:solidFill>
+                <a:srgbClr val="FF0000"/>
+              </a:solidFill>
+              <a:ln w="6350">
+                <a:solidFill>
+                  <a:schemeClr val="tx1">
+                    <a:lumMod val="50000"/>
+                    <a:lumOff val="50000"/>
+                  </a:schemeClr>
+                </a:solidFill>
+              </a:ln>
+            </p:spPr>
+            <p:style>
+              <a:lnRef idx="2">
+                <a:schemeClr val="accent1">
+                  <a:shade val="50000"/>
+                </a:schemeClr>
+              </a:lnRef>
+              <a:fillRef idx="1">
+                <a:schemeClr val="accent1"/>
+              </a:fillRef>
+              <a:effectRef idx="0">
+                <a:schemeClr val="accent1"/>
+              </a:effectRef>
+              <a:fontRef idx="minor">
+                <a:schemeClr val="lt1"/>
+              </a:fontRef>
+            </p:style>
+            <p:txBody>
+              <a:bodyPr rtlCol="0" anchor="ctr"/>
+              <a:lstStyle/>
+              <a:p>
+                <a:pPr algn="ctr"/>
+                <a:endParaRPr lang="en-US"/>
+              </a:p>
+            </p:txBody>
+          </p:sp>
+          <p:sp>
+            <p:nvSpPr>
+              <p:cNvPr id="182" name="Oval 181"/>
+              <p:cNvSpPr/>
+              <p:nvPr/>
+            </p:nvSpPr>
+            <p:spPr>
+              <a:xfrm>
+                <a:off x="5440468" y="3429000"/>
+                <a:ext cx="612000" cy="360040"/>
+              </a:xfrm>
+              <a:prstGeom prst="ellipse">
+                <a:avLst/>
+              </a:prstGeom>
+              <a:solidFill>
+                <a:srgbClr val="FF0000"/>
+              </a:solidFill>
+              <a:ln w="6350">
+                <a:solidFill>
+                  <a:schemeClr val="tx1">
+                    <a:lumMod val="50000"/>
+                    <a:lumOff val="50000"/>
+                  </a:schemeClr>
+                </a:solidFill>
+              </a:ln>
+            </p:spPr>
+            <p:style>
+              <a:lnRef idx="2">
+                <a:schemeClr val="accent1">
+                  <a:shade val="50000"/>
+                </a:schemeClr>
+              </a:lnRef>
+              <a:fillRef idx="1">
+                <a:schemeClr val="accent1"/>
+              </a:fillRef>
+              <a:effectRef idx="0">
+                <a:schemeClr val="accent1"/>
+              </a:effectRef>
+              <a:fontRef idx="minor">
+                <a:schemeClr val="lt1"/>
+              </a:fontRef>
+            </p:style>
+            <p:txBody>
+              <a:bodyPr rtlCol="0" anchor="ctr"/>
+              <a:lstStyle/>
+              <a:p>
+                <a:pPr algn="ctr"/>
+                <a:endParaRPr lang="en-US"/>
+              </a:p>
+            </p:txBody>
+          </p:sp>
+          <p:sp>
+            <p:nvSpPr>
+              <p:cNvPr id="183" name="Oval 182"/>
+              <p:cNvSpPr/>
+              <p:nvPr/>
+            </p:nvSpPr>
+            <p:spPr>
+              <a:xfrm>
+                <a:off x="6678042" y="3429000"/>
+                <a:ext cx="612000" cy="360040"/>
+              </a:xfrm>
+              <a:prstGeom prst="ellipse">
+                <a:avLst/>
+              </a:prstGeom>
+              <a:solidFill>
+                <a:srgbClr val="FF0000"/>
+              </a:solidFill>
+              <a:ln w="6350">
+                <a:solidFill>
+                  <a:schemeClr val="tx1">
+                    <a:lumMod val="50000"/>
+                    <a:lumOff val="50000"/>
+                  </a:schemeClr>
+                </a:solidFill>
+              </a:ln>
+            </p:spPr>
+            <p:style>
+              <a:lnRef idx="2">
+                <a:schemeClr val="accent1">
+                  <a:shade val="50000"/>
+                </a:schemeClr>
+              </a:lnRef>
+              <a:fillRef idx="1">
+                <a:schemeClr val="accent1"/>
+              </a:fillRef>
+              <a:effectRef idx="0">
+                <a:schemeClr val="accent1"/>
+              </a:effectRef>
+              <a:fontRef idx="minor">
+                <a:schemeClr val="lt1"/>
+              </a:fontRef>
+            </p:style>
+            <p:txBody>
+              <a:bodyPr rtlCol="0" anchor="ctr"/>
+              <a:lstStyle/>
+              <a:p>
+                <a:pPr algn="ctr"/>
+                <a:endParaRPr lang="en-US"/>
+              </a:p>
+            </p:txBody>
+          </p:sp>
+          <p:sp>
+            <p:nvSpPr>
+              <p:cNvPr id="184" name="Oval 183"/>
+              <p:cNvSpPr/>
+              <p:nvPr/>
+            </p:nvSpPr>
+            <p:spPr>
+              <a:xfrm>
+                <a:off x="2346538" y="3429000"/>
+                <a:ext cx="612000" cy="360040"/>
+              </a:xfrm>
+              <a:prstGeom prst="ellipse">
+                <a:avLst/>
+              </a:prstGeom>
+              <a:solidFill>
+                <a:schemeClr val="bg1"/>
+              </a:solidFill>
+              <a:ln w="6350">
+                <a:solidFill>
+                  <a:schemeClr val="tx1">
+                    <a:lumMod val="50000"/>
+                    <a:lumOff val="50000"/>
+                  </a:schemeClr>
+                </a:solidFill>
+              </a:ln>
+            </p:spPr>
+            <p:style>
+              <a:lnRef idx="2">
+                <a:schemeClr val="accent1">
+                  <a:shade val="50000"/>
+                </a:schemeClr>
+              </a:lnRef>
+              <a:fillRef idx="1">
+                <a:schemeClr val="accent1"/>
+              </a:fillRef>
+              <a:effectRef idx="0">
+                <a:schemeClr val="accent1"/>
+              </a:effectRef>
+              <a:fontRef idx="minor">
+                <a:schemeClr val="lt1"/>
+              </a:fontRef>
+            </p:style>
+            <p:txBody>
+              <a:bodyPr rtlCol="0" anchor="ctr"/>
+              <a:lstStyle/>
+              <a:p>
+                <a:pPr algn="ctr"/>
+                <a:endParaRPr lang="en-US"/>
+              </a:p>
+            </p:txBody>
+          </p:sp>
+          <p:sp>
+            <p:nvSpPr>
+              <p:cNvPr id="185" name="Oval 184"/>
+              <p:cNvSpPr/>
+              <p:nvPr/>
+            </p:nvSpPr>
+            <p:spPr>
+              <a:xfrm>
+                <a:off x="3584110" y="3429000"/>
+                <a:ext cx="612000" cy="360040"/>
+              </a:xfrm>
+              <a:prstGeom prst="ellipse">
+                <a:avLst/>
+              </a:prstGeom>
+              <a:solidFill>
+                <a:schemeClr val="bg1"/>
+              </a:solidFill>
+              <a:ln w="6350">
+                <a:solidFill>
+                  <a:schemeClr val="tx1">
+                    <a:lumMod val="50000"/>
+                    <a:lumOff val="50000"/>
+                  </a:schemeClr>
+                </a:solidFill>
+              </a:ln>
+            </p:spPr>
+            <p:style>
+              <a:lnRef idx="2">
+                <a:schemeClr val="accent1">
+                  <a:shade val="50000"/>
+                </a:schemeClr>
+              </a:lnRef>
+              <a:fillRef idx="1">
+                <a:schemeClr val="accent1"/>
+              </a:fillRef>
+              <a:effectRef idx="0">
+                <a:schemeClr val="accent1"/>
+              </a:effectRef>
+              <a:fontRef idx="minor">
+                <a:schemeClr val="lt1"/>
+              </a:fontRef>
+            </p:style>
+            <p:txBody>
+              <a:bodyPr rtlCol="0" anchor="ctr"/>
+              <a:lstStyle/>
+              <a:p>
+                <a:pPr algn="ctr"/>
+                <a:endParaRPr lang="en-US"/>
+              </a:p>
+            </p:txBody>
+          </p:sp>
+          <p:sp>
+            <p:nvSpPr>
+              <p:cNvPr id="186" name="Oval 185"/>
+              <p:cNvSpPr/>
+              <p:nvPr/>
+            </p:nvSpPr>
+            <p:spPr>
+              <a:xfrm>
+                <a:off x="4821682" y="3429000"/>
+                <a:ext cx="612000" cy="360040"/>
+              </a:xfrm>
+              <a:prstGeom prst="ellipse">
+                <a:avLst/>
+              </a:prstGeom>
+              <a:solidFill>
+                <a:schemeClr val="bg1"/>
+              </a:solidFill>
+              <a:ln w="6350">
+                <a:solidFill>
+                  <a:schemeClr val="tx1">
+                    <a:lumMod val="50000"/>
+                    <a:lumOff val="50000"/>
+                  </a:schemeClr>
+                </a:solidFill>
+              </a:ln>
+            </p:spPr>
+            <p:style>
+              <a:lnRef idx="2">
+                <a:schemeClr val="accent1">
+                  <a:shade val="50000"/>
+                </a:schemeClr>
+              </a:lnRef>
+              <a:fillRef idx="1">
+                <a:schemeClr val="accent1"/>
+              </a:fillRef>
+              <a:effectRef idx="0">
+                <a:schemeClr val="accent1"/>
+              </a:effectRef>
+              <a:fontRef idx="minor">
+                <a:schemeClr val="lt1"/>
+              </a:fontRef>
+            </p:style>
+            <p:txBody>
+              <a:bodyPr rtlCol="0" anchor="ctr"/>
+              <a:lstStyle/>
+              <a:p>
+                <a:pPr algn="ctr"/>
+                <a:endParaRPr lang="en-US"/>
+              </a:p>
+            </p:txBody>
+          </p:sp>
+          <p:sp>
+            <p:nvSpPr>
+              <p:cNvPr id="187" name="Oval 186"/>
+              <p:cNvSpPr/>
+              <p:nvPr/>
+            </p:nvSpPr>
+            <p:spPr>
+              <a:xfrm>
+                <a:off x="6059254" y="3429000"/>
+                <a:ext cx="612000" cy="360040"/>
+              </a:xfrm>
+              <a:prstGeom prst="ellipse">
+                <a:avLst/>
+              </a:prstGeom>
+              <a:solidFill>
+                <a:schemeClr val="bg1"/>
+              </a:solidFill>
+              <a:ln w="6350">
+                <a:solidFill>
+                  <a:schemeClr val="tx1">
+                    <a:lumMod val="50000"/>
+                    <a:lumOff val="50000"/>
+                  </a:schemeClr>
+                </a:solidFill>
+              </a:ln>
+            </p:spPr>
+            <p:style>
+              <a:lnRef idx="2">
+                <a:schemeClr val="accent1">
+                  <a:shade val="50000"/>
+                </a:schemeClr>
+              </a:lnRef>
+              <a:fillRef idx="1">
+                <a:schemeClr val="accent1"/>
+              </a:fillRef>
+              <a:effectRef idx="0">
+                <a:schemeClr val="accent1"/>
+              </a:effectRef>
+              <a:fontRef idx="minor">
+                <a:schemeClr val="lt1"/>
+              </a:fontRef>
+            </p:style>
+            <p:txBody>
+              <a:bodyPr rtlCol="0" anchor="ctr"/>
+              <a:lstStyle/>
+              <a:p>
+                <a:pPr algn="ctr"/>
+                <a:endParaRPr lang="en-US"/>
+              </a:p>
+            </p:txBody>
+          </p:sp>
+          <p:sp>
+            <p:nvSpPr>
+              <p:cNvPr id="188" name="Right Triangle 187"/>
+              <p:cNvSpPr/>
+              <p:nvPr/>
+            </p:nvSpPr>
+            <p:spPr>
+              <a:xfrm flipH="1">
+                <a:off x="1727752" y="1773016"/>
+                <a:ext cx="612000" cy="1800000"/>
+              </a:xfrm>
+              <a:prstGeom prst="rtTriangle">
+                <a:avLst/>
+              </a:prstGeom>
+              <a:solidFill>
+                <a:srgbClr val="FF0000"/>
+              </a:solidFill>
+              <a:ln w="6350">
+                <a:solidFill>
+                  <a:schemeClr val="tx1">
+                    <a:lumMod val="50000"/>
+                    <a:lumOff val="50000"/>
+                  </a:schemeClr>
+                </a:solidFill>
+              </a:ln>
+            </p:spPr>
+            <p:style>
+              <a:lnRef idx="2">
+                <a:schemeClr val="accent1">
+                  <a:shade val="50000"/>
+                </a:schemeClr>
+              </a:lnRef>
+              <a:fillRef idx="1">
+                <a:schemeClr val="accent1"/>
+              </a:fillRef>
+              <a:effectRef idx="0">
+                <a:schemeClr val="accent1"/>
+              </a:effectRef>
+              <a:fontRef idx="minor">
+                <a:schemeClr val="lt1"/>
+              </a:fontRef>
+            </p:style>
+            <p:txBody>
+              <a:bodyPr rtlCol="0" anchor="ctr"/>
+              <a:lstStyle/>
+              <a:p>
+                <a:pPr algn="ctr"/>
+                <a:endParaRPr lang="en-US"/>
+              </a:p>
+            </p:txBody>
+          </p:sp>
+          <p:sp>
+            <p:nvSpPr>
+              <p:cNvPr id="189" name="Rectangle 188"/>
+              <p:cNvSpPr/>
+              <p:nvPr/>
+            </p:nvSpPr>
+            <p:spPr>
+              <a:xfrm>
+                <a:off x="2965324" y="1773016"/>
+                <a:ext cx="612000" cy="1800000"/>
+              </a:xfrm>
+              <a:prstGeom prst="rect">
+                <a:avLst/>
+              </a:prstGeom>
+              <a:solidFill>
+                <a:srgbClr val="FF0000"/>
+              </a:solidFill>
+              <a:ln w="6350">
+                <a:solidFill>
+                  <a:schemeClr val="tx1">
+                    <a:lumMod val="50000"/>
+                    <a:lumOff val="50000"/>
+                  </a:schemeClr>
+                </a:solidFill>
+              </a:ln>
+            </p:spPr>
+            <p:style>
+              <a:lnRef idx="2">
+                <a:schemeClr val="accent1">
+                  <a:shade val="50000"/>
+                </a:schemeClr>
+              </a:lnRef>
+              <a:fillRef idx="1">
+                <a:schemeClr val="accent1"/>
+              </a:fillRef>
+              <a:effectRef idx="0">
+                <a:schemeClr val="accent1"/>
+              </a:effectRef>
+              <a:fontRef idx="minor">
+                <a:schemeClr val="lt1"/>
+              </a:fontRef>
+            </p:style>
+            <p:txBody>
+              <a:bodyPr rtlCol="0" anchor="ctr"/>
+              <a:lstStyle/>
+              <a:p>
+                <a:pPr algn="ctr"/>
+                <a:endParaRPr lang="en-US"/>
+              </a:p>
+            </p:txBody>
+          </p:sp>
+          <p:sp>
+            <p:nvSpPr>
+              <p:cNvPr id="190" name="Rectangle 189"/>
+              <p:cNvSpPr/>
+              <p:nvPr/>
+            </p:nvSpPr>
+            <p:spPr>
+              <a:xfrm>
+                <a:off x="4202896" y="1773016"/>
+                <a:ext cx="612000" cy="1800000"/>
+              </a:xfrm>
+              <a:prstGeom prst="rect">
+                <a:avLst/>
+              </a:prstGeom>
+              <a:solidFill>
+                <a:srgbClr val="FF0000"/>
+              </a:solidFill>
+              <a:ln w="6350">
+                <a:solidFill>
+                  <a:schemeClr val="tx1">
+                    <a:lumMod val="50000"/>
+                    <a:lumOff val="50000"/>
+                  </a:schemeClr>
+                </a:solidFill>
+              </a:ln>
+            </p:spPr>
+            <p:style>
+              <a:lnRef idx="2">
+                <a:schemeClr val="accent1">
+                  <a:shade val="50000"/>
+                </a:schemeClr>
+              </a:lnRef>
+              <a:fillRef idx="1">
+                <a:schemeClr val="accent1"/>
+              </a:fillRef>
+              <a:effectRef idx="0">
+                <a:schemeClr val="accent1"/>
+              </a:effectRef>
+              <a:fontRef idx="minor">
+                <a:schemeClr val="lt1"/>
+              </a:fontRef>
+            </p:style>
+            <p:txBody>
+              <a:bodyPr rtlCol="0" anchor="ctr"/>
+              <a:lstStyle/>
+              <a:p>
+                <a:pPr algn="ctr"/>
+                <a:endParaRPr lang="en-US"/>
+              </a:p>
+            </p:txBody>
+          </p:sp>
+          <p:sp>
+            <p:nvSpPr>
+              <p:cNvPr id="191" name="Rectangle 190"/>
+              <p:cNvSpPr/>
+              <p:nvPr/>
+            </p:nvSpPr>
+            <p:spPr>
+              <a:xfrm>
+                <a:off x="5440468" y="1773016"/>
+                <a:ext cx="612000" cy="1800000"/>
+              </a:xfrm>
+              <a:prstGeom prst="rect">
+                <a:avLst/>
+              </a:prstGeom>
+              <a:solidFill>
+                <a:srgbClr val="FF0000"/>
+              </a:solidFill>
+              <a:ln w="6350">
+                <a:solidFill>
+                  <a:schemeClr val="tx1">
+                    <a:lumMod val="50000"/>
+                    <a:lumOff val="50000"/>
+                  </a:schemeClr>
+                </a:solidFill>
+              </a:ln>
+            </p:spPr>
+            <p:style>
+              <a:lnRef idx="2">
+                <a:schemeClr val="accent1">
+                  <a:shade val="50000"/>
+                </a:schemeClr>
+              </a:lnRef>
+              <a:fillRef idx="1">
+                <a:schemeClr val="accent1"/>
+              </a:fillRef>
+              <a:effectRef idx="0">
+                <a:schemeClr val="accent1"/>
+              </a:effectRef>
+              <a:fontRef idx="minor">
+                <a:schemeClr val="lt1"/>
+              </a:fontRef>
+            </p:style>
+            <p:txBody>
+              <a:bodyPr rtlCol="0" anchor="ctr"/>
+              <a:lstStyle/>
+              <a:p>
+                <a:pPr algn="ctr"/>
+                <a:endParaRPr lang="en-US"/>
+              </a:p>
+            </p:txBody>
+          </p:sp>
+          <p:sp>
+            <p:nvSpPr>
+              <p:cNvPr id="192" name="Right Triangle 191"/>
+              <p:cNvSpPr/>
+              <p:nvPr/>
+            </p:nvSpPr>
+            <p:spPr>
+              <a:xfrm>
+                <a:off x="6678042" y="1773016"/>
+                <a:ext cx="612000" cy="1800000"/>
+              </a:xfrm>
+              <a:prstGeom prst="rtTriangle">
+                <a:avLst/>
+              </a:prstGeom>
+              <a:solidFill>
+                <a:srgbClr val="FF0000"/>
+              </a:solidFill>
+              <a:ln w="6350">
+                <a:solidFill>
+                  <a:schemeClr val="tx1">
+                    <a:lumMod val="50000"/>
+                    <a:lumOff val="50000"/>
+                  </a:schemeClr>
+                </a:solidFill>
+              </a:ln>
+            </p:spPr>
+            <p:style>
+              <a:lnRef idx="2">
+                <a:schemeClr val="accent1">
+                  <a:shade val="50000"/>
+                </a:schemeClr>
+              </a:lnRef>
+              <a:fillRef idx="1">
+                <a:schemeClr val="accent1"/>
+              </a:fillRef>
+              <a:effectRef idx="0">
+                <a:schemeClr val="accent1"/>
+              </a:effectRef>
+              <a:fontRef idx="minor">
+                <a:schemeClr val="lt1"/>
+              </a:fontRef>
+            </p:style>
+            <p:txBody>
+              <a:bodyPr rtlCol="0" anchor="ctr"/>
+              <a:lstStyle/>
+              <a:p>
+                <a:pPr algn="ctr"/>
+                <a:endParaRPr lang="en-US"/>
+              </a:p>
+            </p:txBody>
+          </p:sp>
+          <p:sp>
+            <p:nvSpPr>
+              <p:cNvPr id="193" name="Rectangle 192"/>
+              <p:cNvSpPr/>
+              <p:nvPr/>
+            </p:nvSpPr>
+            <p:spPr>
+              <a:xfrm>
+                <a:off x="2346538" y="1773016"/>
+                <a:ext cx="612000" cy="1800000"/>
+              </a:xfrm>
+              <a:prstGeom prst="rect">
+                <a:avLst/>
+              </a:prstGeom>
+              <a:solidFill>
+                <a:schemeClr val="bg1"/>
+              </a:solidFill>
+              <a:ln w="6350">
+                <a:solidFill>
+                  <a:schemeClr val="tx1">
+                    <a:lumMod val="50000"/>
+                    <a:lumOff val="50000"/>
+                  </a:schemeClr>
+                </a:solidFill>
+              </a:ln>
+            </p:spPr>
+            <p:style>
+              <a:lnRef idx="2">
+                <a:schemeClr val="accent1">
+                  <a:shade val="50000"/>
+                </a:schemeClr>
+              </a:lnRef>
+              <a:fillRef idx="1">
+                <a:schemeClr val="accent1"/>
+              </a:fillRef>
+              <a:effectRef idx="0">
+                <a:schemeClr val="accent1"/>
+              </a:effectRef>
+              <a:fontRef idx="minor">
+                <a:schemeClr val="lt1"/>
+              </a:fontRef>
+            </p:style>
+            <p:txBody>
+              <a:bodyPr rtlCol="0" anchor="ctr"/>
+              <a:lstStyle/>
+              <a:p>
+                <a:pPr algn="ctr"/>
+                <a:endParaRPr lang="en-US"/>
+              </a:p>
+            </p:txBody>
+          </p:sp>
+          <p:sp>
+            <p:nvSpPr>
+              <p:cNvPr id="194" name="Rectangle 193"/>
+              <p:cNvSpPr/>
+              <p:nvPr/>
+            </p:nvSpPr>
+            <p:spPr>
+              <a:xfrm>
+                <a:off x="3584110" y="1773016"/>
+                <a:ext cx="612000" cy="1800000"/>
+              </a:xfrm>
+              <a:prstGeom prst="rect">
+                <a:avLst/>
+              </a:prstGeom>
+              <a:solidFill>
+                <a:schemeClr val="bg1"/>
+              </a:solidFill>
+              <a:ln w="6350">
+                <a:solidFill>
+                  <a:schemeClr val="tx1">
+                    <a:lumMod val="50000"/>
+                    <a:lumOff val="50000"/>
+                  </a:schemeClr>
+                </a:solidFill>
+              </a:ln>
+            </p:spPr>
+            <p:style>
+              <a:lnRef idx="2">
+                <a:schemeClr val="accent1">
+                  <a:shade val="50000"/>
+                </a:schemeClr>
+              </a:lnRef>
+              <a:fillRef idx="1">
+                <a:schemeClr val="accent1"/>
+              </a:fillRef>
+              <a:effectRef idx="0">
+                <a:schemeClr val="accent1"/>
+              </a:effectRef>
+              <a:fontRef idx="minor">
+                <a:schemeClr val="lt1"/>
+              </a:fontRef>
+            </p:style>
+            <p:txBody>
+              <a:bodyPr rtlCol="0" anchor="ctr"/>
+              <a:lstStyle/>
+              <a:p>
+                <a:pPr algn="ctr"/>
+                <a:endParaRPr lang="en-US"/>
+              </a:p>
+            </p:txBody>
+          </p:sp>
+          <p:sp>
+            <p:nvSpPr>
+              <p:cNvPr id="195" name="Rectangle 194"/>
+              <p:cNvSpPr/>
+              <p:nvPr/>
+            </p:nvSpPr>
+            <p:spPr>
+              <a:xfrm>
+                <a:off x="4821682" y="1773016"/>
+                <a:ext cx="612000" cy="1800000"/>
+              </a:xfrm>
+              <a:prstGeom prst="rect">
+                <a:avLst/>
+              </a:prstGeom>
+              <a:solidFill>
+                <a:schemeClr val="bg1"/>
+              </a:solidFill>
+              <a:ln w="6350">
+                <a:solidFill>
+                  <a:schemeClr val="tx1">
+                    <a:lumMod val="50000"/>
+                    <a:lumOff val="50000"/>
+                  </a:schemeClr>
+                </a:solidFill>
+              </a:ln>
+            </p:spPr>
+            <p:style>
+              <a:lnRef idx="2">
+                <a:schemeClr val="accent1">
+                  <a:shade val="50000"/>
+                </a:schemeClr>
+              </a:lnRef>
+              <a:fillRef idx="1">
+                <a:schemeClr val="accent1"/>
+              </a:fillRef>
+              <a:effectRef idx="0">
+                <a:schemeClr val="accent1"/>
+              </a:effectRef>
+              <a:fontRef idx="minor">
+                <a:schemeClr val="lt1"/>
+              </a:fontRef>
+            </p:style>
+            <p:txBody>
+              <a:bodyPr rtlCol="0" anchor="ctr"/>
+              <a:lstStyle/>
+              <a:p>
+                <a:pPr algn="ctr"/>
+                <a:endParaRPr lang="en-US"/>
+              </a:p>
+            </p:txBody>
+          </p:sp>
+          <p:sp>
+            <p:nvSpPr>
+              <p:cNvPr id="196" name="Rectangle 195"/>
+              <p:cNvSpPr/>
+              <p:nvPr/>
+            </p:nvSpPr>
+            <p:spPr>
+              <a:xfrm>
+                <a:off x="6059254" y="1773016"/>
+                <a:ext cx="612000" cy="1800000"/>
+              </a:xfrm>
+              <a:prstGeom prst="rect">
+                <a:avLst/>
+              </a:prstGeom>
+              <a:solidFill>
+                <a:schemeClr val="bg1"/>
+              </a:solidFill>
+              <a:ln w="6350">
+                <a:solidFill>
+                  <a:schemeClr val="tx1">
+                    <a:lumMod val="50000"/>
+                    <a:lumOff val="50000"/>
+                  </a:schemeClr>
+                </a:solidFill>
+              </a:ln>
+            </p:spPr>
+            <p:style>
+              <a:lnRef idx="2">
+                <a:schemeClr val="accent1">
+                  <a:shade val="50000"/>
+                </a:schemeClr>
+              </a:lnRef>
+              <a:fillRef idx="1">
+                <a:schemeClr val="accent1"/>
+              </a:fillRef>
+              <a:effectRef idx="0">
+                <a:schemeClr val="accent1"/>
+              </a:effectRef>
+              <a:fontRef idx="minor">
+                <a:schemeClr val="lt1"/>
+              </a:fontRef>
+            </p:style>
+            <p:txBody>
+              <a:bodyPr rtlCol="0" anchor="ctr"/>
+              <a:lstStyle/>
+              <a:p>
+                <a:pPr algn="ctr"/>
+                <a:endParaRPr lang="en-US"/>
+              </a:p>
+            </p:txBody>
+          </p:sp>
         </p:grpSp>
-        <p:sp>
-          <p:nvSpPr>
-            <p:cNvPr id="238" name="Rectangle 237"/>
-            <p:cNvSpPr/>
-            <p:nvPr/>
-          </p:nvSpPr>
-          <p:spPr>
-            <a:xfrm>
-              <a:off x="6006830" y="4177432"/>
-              <a:ext cx="1301474" cy="365557"/>
-            </a:xfrm>
-            <a:prstGeom prst="rect">
-              <a:avLst/>
-            </a:prstGeom>
-            <a:solidFill>
-              <a:schemeClr val="accent5">
-                <a:lumMod val="20000"/>
-                <a:lumOff val="80000"/>
-              </a:schemeClr>
-            </a:solidFill>
-            <a:ln w="12700"/>
-          </p:spPr>
-          <p:style>
-            <a:lnRef idx="2">
-              <a:schemeClr val="accent1">
-                <a:shade val="50000"/>
-              </a:schemeClr>
-            </a:lnRef>
-            <a:fillRef idx="1">
-              <a:schemeClr val="accent1"/>
-            </a:fillRef>
-            <a:effectRef idx="0">
-              <a:schemeClr val="accent1"/>
-            </a:effectRef>
-            <a:fontRef idx="minor">
-              <a:schemeClr val="lt1"/>
-            </a:fontRef>
-          </p:style>
-          <p:txBody>
-            <a:bodyPr rtlCol="0" anchor="ctr"/>
-            <a:lstStyle/>
-            <a:p>
-              <a:pPr algn="ctr"/>
-              <a:r>
-                <a:rPr lang="en-US" sz="1400" i="1" dirty="0" smtClean="0">
-                  <a:solidFill>
-                    <a:schemeClr val="tx1"/>
-                  </a:solidFill>
-                </a:rPr>
-                <a:t>Signed</a:t>
-              </a:r>
-              <a:r>
-                <a:rPr lang="en-US" sz="1400" dirty="0" smtClean="0">
-                  <a:solidFill>
-                    <a:schemeClr val="tx1"/>
-                  </a:solidFill>
-                </a:rPr>
-                <a:t> </a:t>
-              </a:r>
-              <a:r>
-                <a:rPr lang="en-US" sz="1400" dirty="0" err="1" smtClean="0">
-                  <a:solidFill>
-                    <a:schemeClr val="tx1"/>
-                  </a:solidFill>
-                </a:rPr>
-                <a:t>Auth</a:t>
-              </a:r>
-              <a:endParaRPr lang="en-US" sz="1400" dirty="0">
+      </p:grpSp>
+      <p:sp>
+        <p:nvSpPr>
+          <p:cNvPr id="238" name="Rectangle 237"/>
+          <p:cNvSpPr/>
+          <p:nvPr/>
+        </p:nvSpPr>
+        <p:spPr>
+          <a:xfrm>
+            <a:off x="6006830" y="4177432"/>
+            <a:ext cx="1301474" cy="365557"/>
+          </a:xfrm>
+          <a:prstGeom prst="rect">
+            <a:avLst/>
+          </a:prstGeom>
+          <a:solidFill>
+            <a:schemeClr val="accent5">
+              <a:lumMod val="20000"/>
+              <a:lumOff val="80000"/>
+            </a:schemeClr>
+          </a:solidFill>
+          <a:ln w="12700"/>
+        </p:spPr>
+        <p:style>
+          <a:lnRef idx="2">
+            <a:schemeClr val="accent1">
+              <a:shade val="50000"/>
+            </a:schemeClr>
+          </a:lnRef>
+          <a:fillRef idx="1">
+            <a:schemeClr val="accent1"/>
+          </a:fillRef>
+          <a:effectRef idx="0">
+            <a:schemeClr val="accent1"/>
+          </a:effectRef>
+          <a:fontRef idx="minor">
+            <a:schemeClr val="lt1"/>
+          </a:fontRef>
+        </p:style>
+        <p:txBody>
+          <a:bodyPr rtlCol="0" anchor="ctr"/>
+          <a:lstStyle/>
+          <a:p>
+            <a:pPr algn="ctr"/>
+            <a:r>
+              <a:rPr lang="en-US" sz="1400" i="1" dirty="0" smtClean="0">
                 <a:solidFill>
                   <a:schemeClr val="tx1"/>
                 </a:solidFill>
-              </a:endParaRPr>
-            </a:p>
-          </p:txBody>
-        </p:sp>
-      </p:grpSp>
+              </a:rPr>
+              <a:t>Signed</a:t>
+            </a:r>
+            <a:r>
+              <a:rPr lang="en-US" sz="1400" dirty="0" smtClean="0">
+                <a:solidFill>
+                  <a:schemeClr val="tx1"/>
+                </a:solidFill>
+              </a:rPr>
+              <a:t> </a:t>
+            </a:r>
+            <a:r>
+              <a:rPr lang="en-US" sz="1400" dirty="0" err="1" smtClean="0">
+                <a:solidFill>
+                  <a:schemeClr val="tx1"/>
+                </a:solidFill>
+              </a:rPr>
+              <a:t>Auth</a:t>
+            </a:r>
+            <a:endParaRPr lang="en-US" sz="1400" dirty="0">
+              <a:solidFill>
+                <a:schemeClr val="tx1"/>
+              </a:solidFill>
+            </a:endParaRPr>
+          </a:p>
+        </p:txBody>
+      </p:sp>
       <p:grpSp>
         <p:nvGrpSpPr>
           <p:cNvPr id="2" name="Group 1"/>
@@ -11635,9 +11608,9 @@
         <p:grpSpPr>
           <a:xfrm>
             <a:off x="4307092" y="1453297"/>
-            <a:ext cx="3469828" cy="4744411"/>
+            <a:ext cx="3805586" cy="4744411"/>
             <a:chOff x="4289644" y="1453297"/>
-            <a:chExt cx="3469828" cy="4744411"/>
+            <a:chExt cx="3805586" cy="4744411"/>
           </a:xfrm>
         </p:grpSpPr>
         <p:grpSp>
@@ -11894,8 +11867,8 @@
           </p:nvSpPr>
           <p:spPr>
             <a:xfrm>
-              <a:off x="5514346" y="4177432"/>
-              <a:ext cx="2237578" cy="365557"/>
+              <a:off x="5130616" y="4177432"/>
+              <a:ext cx="2964614" cy="365557"/>
             </a:xfrm>
             <a:prstGeom prst="rect">
               <a:avLst/>
@@ -11943,7 +11916,15 @@
                     <a:schemeClr val="tx1"/>
                   </a:solidFill>
                 </a:rPr>
-                <a:t> + </a:t>
+                <a:t> </a:t>
+              </a:r>
+              <a:r>
+                <a:rPr lang="en-US" sz="1400" dirty="0" smtClean="0">
+                  <a:solidFill>
+                    <a:schemeClr val="tx1"/>
+                  </a:solidFill>
+                </a:rPr>
+                <a:t>&amp; </a:t>
               </a:r>
               <a:r>
                 <a:rPr lang="en-US" sz="1400" i="1" dirty="0" smtClean="0">
@@ -11968,6 +11949,14 @@
                   </a:solidFill>
                 </a:rPr>
                 <a:t>Auth</a:t>
+              </a:r>
+              <a:r>
+                <a:rPr lang="en-US" sz="1400" dirty="0" smtClean="0">
+                  <a:solidFill>
+                    <a:schemeClr val="tx1"/>
+                  </a:solidFill>
+                </a:rPr>
+                <a:t> + Issuer URL</a:t>
               </a:r>
               <a:endParaRPr lang="en-US" sz="1400" dirty="0">
                 <a:solidFill>
@@ -12318,7 +12307,9 @@
             <a:ext cx="780509" cy="510778"/>
           </a:xfrm>
           <a:prstGeom prst="roundRect">
-            <a:avLst/>
+            <a:avLst>
+              <a:gd name="adj" fmla="val 10699"/>
+            </a:avLst>
           </a:prstGeom>
           <a:solidFill>
             <a:schemeClr val="bg1"/>
@@ -12415,7 +12406,7 @@
                                           </p:stCondLst>
                                         </p:cTn>
                                         <p:tgtEl>
-                                          <p:spTgt spid="6"/>
+                                          <p:spTgt spid="5"/>
                                         </p:tgtEl>
                                         <p:attrNameLst>
                                           <p:attrName>style.visibility</p:attrName>
@@ -12429,7 +12420,7 @@
                                       <p:cBhvr additive="base">
                                         <p:cTn id="7" dur="500" fill="hold"/>
                                         <p:tgtEl>
-                                          <p:spTgt spid="6"/>
+                                          <p:spTgt spid="5"/>
                                         </p:tgtEl>
                                         <p:attrNameLst>
                                           <p:attrName>ppt_x</p:attrName>
@@ -12452,7 +12443,7 @@
                                       <p:cBhvr additive="base">
                                         <p:cTn id="8" dur="500" fill="hold"/>
                                         <p:tgtEl>
-                                          <p:spTgt spid="6"/>
+                                          <p:spTgt spid="5"/>
                                         </p:tgtEl>
                                         <p:attrNameLst>
                                           <p:attrName>ppt_y</p:attrName>
@@ -12506,7 +12497,7 @@
                                           </p:stCondLst>
                                         </p:cTn>
                                         <p:tgtEl>
-                                          <p:spTgt spid="5"/>
+                                          <p:spTgt spid="2"/>
                                         </p:tgtEl>
                                         <p:attrNameLst>
                                           <p:attrName>style.visibility</p:attrName>
@@ -12520,7 +12511,7 @@
                                       <p:cBhvr additive="base">
                                         <p:cTn id="13" dur="500" fill="hold"/>
                                         <p:tgtEl>
-                                          <p:spTgt spid="5"/>
+                                          <p:spTgt spid="2"/>
                                         </p:tgtEl>
                                         <p:attrNameLst>
                                           <p:attrName>ppt_x</p:attrName>
@@ -12543,7 +12534,7 @@
                                       <p:cBhvr additive="base">
                                         <p:cTn id="14" dur="500" fill="hold"/>
                                         <p:tgtEl>
-                                          <p:spTgt spid="5"/>
+                                          <p:spTgt spid="2"/>
                                         </p:tgtEl>
                                         <p:attrNameLst>
                                           <p:attrName>ppt_y</p:attrName>
@@ -12597,7 +12588,7 @@
                                           </p:stCondLst>
                                         </p:cTn>
                                         <p:tgtEl>
-                                          <p:spTgt spid="2"/>
+                                          <p:spTgt spid="3"/>
                                         </p:tgtEl>
                                         <p:attrNameLst>
                                           <p:attrName>style.visibility</p:attrName>
@@ -12610,97 +12601,6 @@
                                     <p:anim calcmode="lin" valueType="num">
                                       <p:cBhvr additive="base">
                                         <p:cTn id="19" dur="500" fill="hold"/>
-                                        <p:tgtEl>
-                                          <p:spTgt spid="2"/>
-                                        </p:tgtEl>
-                                        <p:attrNameLst>
-                                          <p:attrName>ppt_x</p:attrName>
-                                        </p:attrNameLst>
-                                      </p:cBhvr>
-                                      <p:tavLst>
-                                        <p:tav tm="0">
-                                          <p:val>
-                                            <p:strVal val="#ppt_x"/>
-                                          </p:val>
-                                        </p:tav>
-                                        <p:tav tm="100000">
-                                          <p:val>
-                                            <p:strVal val="#ppt_x"/>
-                                          </p:val>
-                                        </p:tav>
-                                      </p:tavLst>
-                                    </p:anim>
-                                    <p:anim calcmode="lin" valueType="num">
-                                      <p:cBhvr additive="base">
-                                        <p:cTn id="20" dur="500" fill="hold"/>
-                                        <p:tgtEl>
-                                          <p:spTgt spid="2"/>
-                                        </p:tgtEl>
-                                        <p:attrNameLst>
-                                          <p:attrName>ppt_y</p:attrName>
-                                        </p:attrNameLst>
-                                      </p:cBhvr>
-                                      <p:tavLst>
-                                        <p:tav tm="0">
-                                          <p:val>
-                                            <p:strVal val="1+#ppt_h/2"/>
-                                          </p:val>
-                                        </p:tav>
-                                        <p:tav tm="100000">
-                                          <p:val>
-                                            <p:strVal val="#ppt_y"/>
-                                          </p:val>
-                                        </p:tav>
-                                      </p:tavLst>
-                                    </p:anim>
-                                  </p:childTnLst>
-                                </p:cTn>
-                              </p:par>
-                            </p:childTnLst>
-                          </p:cTn>
-                        </p:par>
-                      </p:childTnLst>
-                    </p:cTn>
-                  </p:par>
-                  <p:par>
-                    <p:cTn id="21" fill="hold">
-                      <p:stCondLst>
-                        <p:cond delay="indefinite"/>
-                      </p:stCondLst>
-                      <p:childTnLst>
-                        <p:par>
-                          <p:cTn id="22" fill="hold">
-                            <p:stCondLst>
-                              <p:cond delay="0"/>
-                            </p:stCondLst>
-                            <p:childTnLst>
-                              <p:par>
-                                <p:cTn id="23" presetID="2" presetClass="entr" presetSubtype="4" fill="hold" nodeType="clickEffect">
-                                  <p:stCondLst>
-                                    <p:cond delay="0"/>
-                                  </p:stCondLst>
-                                  <p:childTnLst>
-                                    <p:set>
-                                      <p:cBhvr>
-                                        <p:cTn id="24" dur="1" fill="hold">
-                                          <p:stCondLst>
-                                            <p:cond delay="0"/>
-                                          </p:stCondLst>
-                                        </p:cTn>
-                                        <p:tgtEl>
-                                          <p:spTgt spid="3"/>
-                                        </p:tgtEl>
-                                        <p:attrNameLst>
-                                          <p:attrName>style.visibility</p:attrName>
-                                        </p:attrNameLst>
-                                      </p:cBhvr>
-                                      <p:to>
-                                        <p:strVal val="visible"/>
-                                      </p:to>
-                                    </p:set>
-                                    <p:anim calcmode="lin" valueType="num">
-                                      <p:cBhvr additive="base">
-                                        <p:cTn id="25" dur="500" fill="hold"/>
                                         <p:tgtEl>
                                           <p:spTgt spid="3"/>
                                         </p:tgtEl>
@@ -12723,7 +12623,7 @@
                                     </p:anim>
                                     <p:anim calcmode="lin" valueType="num">
                                       <p:cBhvr additive="base">
-                                        <p:cTn id="26" dur="500" fill="hold"/>
+                                        <p:cTn id="20" dur="500" fill="hold"/>
                                         <p:tgtEl>
                                           <p:spTgt spid="3"/>
                                         </p:tgtEl>

--- a/payments/payment-decentralization-scheme-1a.pptx
+++ b/payments/payment-decentralization-scheme-1a.pptx
@@ -104,6 +104,22 @@
       </a:defRPr>
     </a:lvl9pPr>
   </p:defaultTextStyle>
+  <p:extLst>
+    <p:ext uri="{EFAFB233-063F-42B5-8137-9DF3F51BA10A}">
+      <p15:sldGuideLst xmlns:p15="http://schemas.microsoft.com/office/powerpoint/2012/main">
+        <p15:guide id="1" orient="horz" pos="2160">
+          <p15:clr>
+            <a:srgbClr val="A4A3A4"/>
+          </p15:clr>
+        </p15:guide>
+        <p15:guide id="2" pos="2880">
+          <p15:clr>
+            <a:srgbClr val="A4A3A4"/>
+          </p15:clr>
+        </p15:guide>
+      </p15:sldGuideLst>
+    </p:ext>
+  </p:extLst>
 </p:presentation>
 </file>
 
@@ -145,10 +161,9 @@
           <a:lstStyle/>
           <a:p>
             <a:r>
-              <a:rPr lang="en-US" smtClean="0"/>
+              <a:rPr lang="en-US"/>
               <a:t>Click to edit Master title style</a:t>
             </a:r>
-            <a:endParaRPr lang="en-US"/>
           </a:p>
         </p:txBody>
       </p:sp>
@@ -264,10 +279,9 @@
           </a:lstStyle>
           <a:p>
             <a:r>
-              <a:rPr lang="en-US" smtClean="0"/>
+              <a:rPr lang="en-US"/>
               <a:t>Click to edit Master subtitle style</a:t>
             </a:r>
-            <a:endParaRPr lang="en-US"/>
           </a:p>
         </p:txBody>
       </p:sp>
@@ -288,7 +302,7 @@
           <a:p>
             <a:fld id="{FC080E38-6FF2-48B3-BDAB-4FA23B840E92}" type="datetimeFigureOut">
               <a:rPr lang="en-US" smtClean="0"/>
-              <a:t>2020-07-04</a:t>
+              <a:t>2021-02-13</a:t>
             </a:fld>
             <a:endParaRPr lang="en-US"/>
           </a:p>
@@ -382,10 +396,9 @@
           <a:lstStyle/>
           <a:p>
             <a:r>
-              <a:rPr lang="en-US" smtClean="0"/>
+              <a:rPr lang="en-US"/>
               <a:t>Click to edit Master title style</a:t>
             </a:r>
-            <a:endParaRPr lang="en-US"/>
           </a:p>
         </p:txBody>
       </p:sp>
@@ -406,38 +419,37 @@
           <a:p>
             <a:pPr lvl="0"/>
             <a:r>
-              <a:rPr lang="en-US" smtClean="0"/>
+              <a:rPr lang="en-US"/>
               <a:t>Click to edit Master text styles</a:t>
             </a:r>
           </a:p>
           <a:p>
             <a:pPr lvl="1"/>
             <a:r>
-              <a:rPr lang="en-US" smtClean="0"/>
+              <a:rPr lang="en-US"/>
               <a:t>Second level</a:t>
             </a:r>
           </a:p>
           <a:p>
             <a:pPr lvl="2"/>
             <a:r>
-              <a:rPr lang="en-US" smtClean="0"/>
+              <a:rPr lang="en-US"/>
               <a:t>Third level</a:t>
             </a:r>
           </a:p>
           <a:p>
             <a:pPr lvl="3"/>
             <a:r>
-              <a:rPr lang="en-US" smtClean="0"/>
+              <a:rPr lang="en-US"/>
               <a:t>Fourth level</a:t>
             </a:r>
           </a:p>
           <a:p>
             <a:pPr lvl="4"/>
             <a:r>
-              <a:rPr lang="en-US" smtClean="0"/>
+              <a:rPr lang="en-US"/>
               <a:t>Fifth level</a:t>
             </a:r>
-            <a:endParaRPr lang="en-US"/>
           </a:p>
         </p:txBody>
       </p:sp>
@@ -458,7 +470,7 @@
           <a:p>
             <a:fld id="{FC080E38-6FF2-48B3-BDAB-4FA23B840E92}" type="datetimeFigureOut">
               <a:rPr lang="en-US" smtClean="0"/>
-              <a:t>2020-07-04</a:t>
+              <a:t>2021-02-13</a:t>
             </a:fld>
             <a:endParaRPr lang="en-US"/>
           </a:p>
@@ -557,10 +569,9 @@
           <a:lstStyle/>
           <a:p>
             <a:r>
-              <a:rPr lang="en-US" smtClean="0"/>
+              <a:rPr lang="en-US"/>
               <a:t>Click to edit Master title style</a:t>
             </a:r>
-            <a:endParaRPr lang="en-US"/>
           </a:p>
         </p:txBody>
       </p:sp>
@@ -586,38 +597,37 @@
           <a:p>
             <a:pPr lvl="0"/>
             <a:r>
-              <a:rPr lang="en-US" smtClean="0"/>
+              <a:rPr lang="en-US"/>
               <a:t>Click to edit Master text styles</a:t>
             </a:r>
           </a:p>
           <a:p>
             <a:pPr lvl="1"/>
             <a:r>
-              <a:rPr lang="en-US" smtClean="0"/>
+              <a:rPr lang="en-US"/>
               <a:t>Second level</a:t>
             </a:r>
           </a:p>
           <a:p>
             <a:pPr lvl="2"/>
             <a:r>
-              <a:rPr lang="en-US" smtClean="0"/>
+              <a:rPr lang="en-US"/>
               <a:t>Third level</a:t>
             </a:r>
           </a:p>
           <a:p>
             <a:pPr lvl="3"/>
             <a:r>
-              <a:rPr lang="en-US" smtClean="0"/>
+              <a:rPr lang="en-US"/>
               <a:t>Fourth level</a:t>
             </a:r>
           </a:p>
           <a:p>
             <a:pPr lvl="4"/>
             <a:r>
-              <a:rPr lang="en-US" smtClean="0"/>
+              <a:rPr lang="en-US"/>
               <a:t>Fifth level</a:t>
             </a:r>
-            <a:endParaRPr lang="en-US"/>
           </a:p>
         </p:txBody>
       </p:sp>
@@ -638,7 +648,7 @@
           <a:p>
             <a:fld id="{FC080E38-6FF2-48B3-BDAB-4FA23B840E92}" type="datetimeFigureOut">
               <a:rPr lang="en-US" smtClean="0"/>
-              <a:t>2020-07-04</a:t>
+              <a:t>2021-02-13</a:t>
             </a:fld>
             <a:endParaRPr lang="en-US"/>
           </a:p>
@@ -732,10 +742,9 @@
           <a:lstStyle/>
           <a:p>
             <a:r>
-              <a:rPr lang="en-US" smtClean="0"/>
+              <a:rPr lang="en-US"/>
               <a:t>Click to edit Master title style</a:t>
             </a:r>
-            <a:endParaRPr lang="en-US"/>
           </a:p>
         </p:txBody>
       </p:sp>
@@ -756,38 +765,37 @@
           <a:p>
             <a:pPr lvl="0"/>
             <a:r>
-              <a:rPr lang="en-US" smtClean="0"/>
+              <a:rPr lang="en-US"/>
               <a:t>Click to edit Master text styles</a:t>
             </a:r>
           </a:p>
           <a:p>
             <a:pPr lvl="1"/>
             <a:r>
-              <a:rPr lang="en-US" smtClean="0"/>
+              <a:rPr lang="en-US"/>
               <a:t>Second level</a:t>
             </a:r>
           </a:p>
           <a:p>
             <a:pPr lvl="2"/>
             <a:r>
-              <a:rPr lang="en-US" smtClean="0"/>
+              <a:rPr lang="en-US"/>
               <a:t>Third level</a:t>
             </a:r>
           </a:p>
           <a:p>
             <a:pPr lvl="3"/>
             <a:r>
-              <a:rPr lang="en-US" smtClean="0"/>
+              <a:rPr lang="en-US"/>
               <a:t>Fourth level</a:t>
             </a:r>
           </a:p>
           <a:p>
             <a:pPr lvl="4"/>
             <a:r>
-              <a:rPr lang="en-US" smtClean="0"/>
+              <a:rPr lang="en-US"/>
               <a:t>Fifth level</a:t>
             </a:r>
-            <a:endParaRPr lang="en-US"/>
           </a:p>
         </p:txBody>
       </p:sp>
@@ -808,7 +816,7 @@
           <a:p>
             <a:fld id="{FC080E38-6FF2-48B3-BDAB-4FA23B840E92}" type="datetimeFigureOut">
               <a:rPr lang="en-US" smtClean="0"/>
-              <a:t>2020-07-04</a:t>
+              <a:t>2021-02-13</a:t>
             </a:fld>
             <a:endParaRPr lang="en-US"/>
           </a:p>
@@ -911,10 +919,9 @@
           </a:lstStyle>
           <a:p>
             <a:r>
-              <a:rPr lang="en-US" smtClean="0"/>
+              <a:rPr lang="en-US"/>
               <a:t>Click to edit Master title style</a:t>
             </a:r>
-            <a:endParaRPr lang="en-US"/>
           </a:p>
         </p:txBody>
       </p:sp>
@@ -1031,7 +1038,7 @@
           <a:p>
             <a:pPr lvl="0"/>
             <a:r>
-              <a:rPr lang="en-US" smtClean="0"/>
+              <a:rPr lang="en-US"/>
               <a:t>Click to edit Master text styles</a:t>
             </a:r>
           </a:p>
@@ -1054,7 +1061,7 @@
           <a:p>
             <a:fld id="{FC080E38-6FF2-48B3-BDAB-4FA23B840E92}" type="datetimeFigureOut">
               <a:rPr lang="en-US" smtClean="0"/>
-              <a:t>2020-07-04</a:t>
+              <a:t>2021-02-13</a:t>
             </a:fld>
             <a:endParaRPr lang="en-US"/>
           </a:p>
@@ -1148,10 +1155,9 @@
           <a:lstStyle/>
           <a:p>
             <a:r>
-              <a:rPr lang="en-US" smtClean="0"/>
+              <a:rPr lang="en-US"/>
               <a:t>Click to edit Master title style</a:t>
             </a:r>
-            <a:endParaRPr lang="en-US"/>
           </a:p>
         </p:txBody>
       </p:sp>
@@ -1205,38 +1211,37 @@
           <a:p>
             <a:pPr lvl="0"/>
             <a:r>
-              <a:rPr lang="en-US" smtClean="0"/>
+              <a:rPr lang="en-US"/>
               <a:t>Click to edit Master text styles</a:t>
             </a:r>
           </a:p>
           <a:p>
             <a:pPr lvl="1"/>
             <a:r>
-              <a:rPr lang="en-US" smtClean="0"/>
+              <a:rPr lang="en-US"/>
               <a:t>Second level</a:t>
             </a:r>
           </a:p>
           <a:p>
             <a:pPr lvl="2"/>
             <a:r>
-              <a:rPr lang="en-US" smtClean="0"/>
+              <a:rPr lang="en-US"/>
               <a:t>Third level</a:t>
             </a:r>
           </a:p>
           <a:p>
             <a:pPr lvl="3"/>
             <a:r>
-              <a:rPr lang="en-US" smtClean="0"/>
+              <a:rPr lang="en-US"/>
               <a:t>Fourth level</a:t>
             </a:r>
           </a:p>
           <a:p>
             <a:pPr lvl="4"/>
             <a:r>
-              <a:rPr lang="en-US" smtClean="0"/>
+              <a:rPr lang="en-US"/>
               <a:t>Fifth level</a:t>
             </a:r>
-            <a:endParaRPr lang="en-US"/>
           </a:p>
         </p:txBody>
       </p:sp>
@@ -1290,38 +1295,37 @@
           <a:p>
             <a:pPr lvl="0"/>
             <a:r>
-              <a:rPr lang="en-US" smtClean="0"/>
+              <a:rPr lang="en-US"/>
               <a:t>Click to edit Master text styles</a:t>
             </a:r>
           </a:p>
           <a:p>
             <a:pPr lvl="1"/>
             <a:r>
-              <a:rPr lang="en-US" smtClean="0"/>
+              <a:rPr lang="en-US"/>
               <a:t>Second level</a:t>
             </a:r>
           </a:p>
           <a:p>
             <a:pPr lvl="2"/>
             <a:r>
-              <a:rPr lang="en-US" smtClean="0"/>
+              <a:rPr lang="en-US"/>
               <a:t>Third level</a:t>
             </a:r>
           </a:p>
           <a:p>
             <a:pPr lvl="3"/>
             <a:r>
-              <a:rPr lang="en-US" smtClean="0"/>
+              <a:rPr lang="en-US"/>
               <a:t>Fourth level</a:t>
             </a:r>
           </a:p>
           <a:p>
             <a:pPr lvl="4"/>
             <a:r>
-              <a:rPr lang="en-US" smtClean="0"/>
+              <a:rPr lang="en-US"/>
               <a:t>Fifth level</a:t>
             </a:r>
-            <a:endParaRPr lang="en-US"/>
           </a:p>
         </p:txBody>
       </p:sp>
@@ -1342,7 +1346,7 @@
           <a:p>
             <a:fld id="{FC080E38-6FF2-48B3-BDAB-4FA23B840E92}" type="datetimeFigureOut">
               <a:rPr lang="en-US" smtClean="0"/>
-              <a:t>2020-07-04</a:t>
+              <a:t>2021-02-13</a:t>
             </a:fld>
             <a:endParaRPr lang="en-US"/>
           </a:p>
@@ -1440,10 +1444,9 @@
           </a:lstStyle>
           <a:p>
             <a:r>
-              <a:rPr lang="en-US" smtClean="0"/>
+              <a:rPr lang="en-US"/>
               <a:t>Click to edit Master title style</a:t>
             </a:r>
-            <a:endParaRPr lang="en-US"/>
           </a:p>
         </p:txBody>
       </p:sp>
@@ -1506,7 +1509,7 @@
           <a:p>
             <a:pPr lvl="0"/>
             <a:r>
-              <a:rPr lang="en-US" smtClean="0"/>
+              <a:rPr lang="en-US"/>
               <a:t>Click to edit Master text styles</a:t>
             </a:r>
           </a:p>
@@ -1562,38 +1565,37 @@
           <a:p>
             <a:pPr lvl="0"/>
             <a:r>
-              <a:rPr lang="en-US" smtClean="0"/>
+              <a:rPr lang="en-US"/>
               <a:t>Click to edit Master text styles</a:t>
             </a:r>
           </a:p>
           <a:p>
             <a:pPr lvl="1"/>
             <a:r>
-              <a:rPr lang="en-US" smtClean="0"/>
+              <a:rPr lang="en-US"/>
               <a:t>Second level</a:t>
             </a:r>
           </a:p>
           <a:p>
             <a:pPr lvl="2"/>
             <a:r>
-              <a:rPr lang="en-US" smtClean="0"/>
+              <a:rPr lang="en-US"/>
               <a:t>Third level</a:t>
             </a:r>
           </a:p>
           <a:p>
             <a:pPr lvl="3"/>
             <a:r>
-              <a:rPr lang="en-US" smtClean="0"/>
+              <a:rPr lang="en-US"/>
               <a:t>Fourth level</a:t>
             </a:r>
           </a:p>
           <a:p>
             <a:pPr lvl="4"/>
             <a:r>
-              <a:rPr lang="en-US" smtClean="0"/>
+              <a:rPr lang="en-US"/>
               <a:t>Fifth level</a:t>
             </a:r>
-            <a:endParaRPr lang="en-US"/>
           </a:p>
         </p:txBody>
       </p:sp>
@@ -1656,7 +1658,7 @@
           <a:p>
             <a:pPr lvl="0"/>
             <a:r>
-              <a:rPr lang="en-US" smtClean="0"/>
+              <a:rPr lang="en-US"/>
               <a:t>Click to edit Master text styles</a:t>
             </a:r>
           </a:p>
@@ -1712,38 +1714,37 @@
           <a:p>
             <a:pPr lvl="0"/>
             <a:r>
-              <a:rPr lang="en-US" smtClean="0"/>
+              <a:rPr lang="en-US"/>
               <a:t>Click to edit Master text styles</a:t>
             </a:r>
           </a:p>
           <a:p>
             <a:pPr lvl="1"/>
             <a:r>
-              <a:rPr lang="en-US" smtClean="0"/>
+              <a:rPr lang="en-US"/>
               <a:t>Second level</a:t>
             </a:r>
           </a:p>
           <a:p>
             <a:pPr lvl="2"/>
             <a:r>
-              <a:rPr lang="en-US" smtClean="0"/>
+              <a:rPr lang="en-US"/>
               <a:t>Third level</a:t>
             </a:r>
           </a:p>
           <a:p>
             <a:pPr lvl="3"/>
             <a:r>
-              <a:rPr lang="en-US" smtClean="0"/>
+              <a:rPr lang="en-US"/>
               <a:t>Fourth level</a:t>
             </a:r>
           </a:p>
           <a:p>
             <a:pPr lvl="4"/>
             <a:r>
-              <a:rPr lang="en-US" smtClean="0"/>
+              <a:rPr lang="en-US"/>
               <a:t>Fifth level</a:t>
             </a:r>
-            <a:endParaRPr lang="en-US"/>
           </a:p>
         </p:txBody>
       </p:sp>
@@ -1764,7 +1765,7 @@
           <a:p>
             <a:fld id="{FC080E38-6FF2-48B3-BDAB-4FA23B840E92}" type="datetimeFigureOut">
               <a:rPr lang="en-US" smtClean="0"/>
-              <a:t>2020-07-04</a:t>
+              <a:t>2021-02-13</a:t>
             </a:fld>
             <a:endParaRPr lang="en-US"/>
           </a:p>
@@ -1858,10 +1859,9 @@
           <a:lstStyle/>
           <a:p>
             <a:r>
-              <a:rPr lang="en-US" smtClean="0"/>
+              <a:rPr lang="en-US"/>
               <a:t>Click to edit Master title style</a:t>
             </a:r>
-            <a:endParaRPr lang="en-US"/>
           </a:p>
         </p:txBody>
       </p:sp>
@@ -1882,7 +1882,7 @@
           <a:p>
             <a:fld id="{FC080E38-6FF2-48B3-BDAB-4FA23B840E92}" type="datetimeFigureOut">
               <a:rPr lang="en-US" smtClean="0"/>
-              <a:t>2020-07-04</a:t>
+              <a:t>2021-02-13</a:t>
             </a:fld>
             <a:endParaRPr lang="en-US"/>
           </a:p>
@@ -1977,7 +1977,7 @@
           <a:p>
             <a:fld id="{FC080E38-6FF2-48B3-BDAB-4FA23B840E92}" type="datetimeFigureOut">
               <a:rPr lang="en-US" smtClean="0"/>
-              <a:t>2020-07-04</a:t>
+              <a:t>2021-02-13</a:t>
             </a:fld>
             <a:endParaRPr lang="en-US"/>
           </a:p>
@@ -2080,10 +2080,9 @@
           </a:lstStyle>
           <a:p>
             <a:r>
-              <a:rPr lang="en-US" smtClean="0"/>
+              <a:rPr lang="en-US"/>
               <a:t>Click to edit Master title style</a:t>
             </a:r>
-            <a:endParaRPr lang="en-US"/>
           </a:p>
         </p:txBody>
       </p:sp>
@@ -2137,38 +2136,37 @@
           <a:p>
             <a:pPr lvl="0"/>
             <a:r>
-              <a:rPr lang="en-US" smtClean="0"/>
+              <a:rPr lang="en-US"/>
               <a:t>Click to edit Master text styles</a:t>
             </a:r>
           </a:p>
           <a:p>
             <a:pPr lvl="1"/>
             <a:r>
-              <a:rPr lang="en-US" smtClean="0"/>
+              <a:rPr lang="en-US"/>
               <a:t>Second level</a:t>
             </a:r>
           </a:p>
           <a:p>
             <a:pPr lvl="2"/>
             <a:r>
-              <a:rPr lang="en-US" smtClean="0"/>
+              <a:rPr lang="en-US"/>
               <a:t>Third level</a:t>
             </a:r>
           </a:p>
           <a:p>
             <a:pPr lvl="3"/>
             <a:r>
-              <a:rPr lang="en-US" smtClean="0"/>
+              <a:rPr lang="en-US"/>
               <a:t>Fourth level</a:t>
             </a:r>
           </a:p>
           <a:p>
             <a:pPr lvl="4"/>
             <a:r>
-              <a:rPr lang="en-US" smtClean="0"/>
+              <a:rPr lang="en-US"/>
               <a:t>Fifth level</a:t>
             </a:r>
-            <a:endParaRPr lang="en-US"/>
           </a:p>
         </p:txBody>
       </p:sp>
@@ -2231,7 +2229,7 @@
           <a:p>
             <a:pPr lvl="0"/>
             <a:r>
-              <a:rPr lang="en-US" smtClean="0"/>
+              <a:rPr lang="en-US"/>
               <a:t>Click to edit Master text styles</a:t>
             </a:r>
           </a:p>
@@ -2254,7 +2252,7 @@
           <a:p>
             <a:fld id="{FC080E38-6FF2-48B3-BDAB-4FA23B840E92}" type="datetimeFigureOut">
               <a:rPr lang="en-US" smtClean="0"/>
-              <a:t>2020-07-04</a:t>
+              <a:t>2021-02-13</a:t>
             </a:fld>
             <a:endParaRPr lang="en-US"/>
           </a:p>
@@ -2357,10 +2355,9 @@
           </a:lstStyle>
           <a:p>
             <a:r>
-              <a:rPr lang="en-US" smtClean="0"/>
+              <a:rPr lang="en-US"/>
               <a:t>Click to edit Master title style</a:t>
             </a:r>
-            <a:endParaRPr lang="en-US"/>
           </a:p>
         </p:txBody>
       </p:sp>
@@ -2484,7 +2481,7 @@
           <a:p>
             <a:pPr lvl="0"/>
             <a:r>
-              <a:rPr lang="en-US" smtClean="0"/>
+              <a:rPr lang="en-US"/>
               <a:t>Click to edit Master text styles</a:t>
             </a:r>
           </a:p>
@@ -2507,7 +2504,7 @@
           <a:p>
             <a:fld id="{FC080E38-6FF2-48B3-BDAB-4FA23B840E92}" type="datetimeFigureOut">
               <a:rPr lang="en-US" smtClean="0"/>
-              <a:t>2020-07-04</a:t>
+              <a:t>2021-02-13</a:t>
             </a:fld>
             <a:endParaRPr lang="en-US"/>
           </a:p>
@@ -2616,10 +2613,9 @@
           <a:lstStyle/>
           <a:p>
             <a:r>
-              <a:rPr lang="en-US" smtClean="0"/>
+              <a:rPr lang="en-US"/>
               <a:t>Click to edit Master title style</a:t>
             </a:r>
-            <a:endParaRPr lang="en-US"/>
           </a:p>
         </p:txBody>
       </p:sp>
@@ -2650,38 +2646,37 @@
           <a:p>
             <a:pPr lvl="0"/>
             <a:r>
-              <a:rPr lang="en-US" smtClean="0"/>
+              <a:rPr lang="en-US"/>
               <a:t>Click to edit Master text styles</a:t>
             </a:r>
           </a:p>
           <a:p>
             <a:pPr lvl="1"/>
             <a:r>
-              <a:rPr lang="en-US" smtClean="0"/>
+              <a:rPr lang="en-US"/>
               <a:t>Second level</a:t>
             </a:r>
           </a:p>
           <a:p>
             <a:pPr lvl="2"/>
             <a:r>
-              <a:rPr lang="en-US" smtClean="0"/>
+              <a:rPr lang="en-US"/>
               <a:t>Third level</a:t>
             </a:r>
           </a:p>
           <a:p>
             <a:pPr lvl="3"/>
             <a:r>
-              <a:rPr lang="en-US" smtClean="0"/>
+              <a:rPr lang="en-US"/>
               <a:t>Fourth level</a:t>
             </a:r>
           </a:p>
           <a:p>
             <a:pPr lvl="4"/>
             <a:r>
-              <a:rPr lang="en-US" smtClean="0"/>
+              <a:rPr lang="en-US"/>
               <a:t>Fifth level</a:t>
             </a:r>
-            <a:endParaRPr lang="en-US"/>
           </a:p>
         </p:txBody>
       </p:sp>
@@ -2720,7 +2715,7 @@
           <a:p>
             <a:fld id="{FC080E38-6FF2-48B3-BDAB-4FA23B840E92}" type="datetimeFigureOut">
               <a:rPr lang="en-US" smtClean="0"/>
-              <a:t>2020-07-04</a:t>
+              <a:t>2021-02-13</a:t>
             </a:fld>
             <a:endParaRPr lang="en-US"/>
           </a:p>
@@ -3314,16 +3309,12 @@
           <a:lstStyle/>
           <a:p>
             <a:r>
-              <a:rPr lang="en-US" sz="1400" dirty="0" smtClean="0">
+              <a:rPr lang="en-US" sz="1400" dirty="0">
                 <a:latin typeface="Arial" panose="020B0604020202020204" pitchFamily="34" charset="0"/>
                 <a:cs typeface="Arial" panose="020B0604020202020204" pitchFamily="34" charset="0"/>
               </a:rPr>
               <a:t>Merchant</a:t>
             </a:r>
-            <a:endParaRPr lang="en-US" sz="1400" dirty="0">
-              <a:latin typeface="Arial" panose="020B0604020202020204" pitchFamily="34" charset="0"/>
-              <a:cs typeface="Arial" panose="020B0604020202020204" pitchFamily="34" charset="0"/>
-            </a:endParaRPr>
           </a:p>
         </p:txBody>
       </p:sp>
@@ -3335,10 +3326,10 @@
         </p:nvGrpSpPr>
         <p:grpSpPr>
           <a:xfrm>
-            <a:off x="683568" y="4797148"/>
-            <a:ext cx="2808312" cy="1368154"/>
-            <a:chOff x="1599996" y="5157190"/>
-            <a:chExt cx="2808312" cy="1233428"/>
+            <a:off x="323527" y="4797148"/>
+            <a:ext cx="3704257" cy="1368154"/>
+            <a:chOff x="1599995" y="5157190"/>
+            <a:chExt cx="3316573" cy="1233428"/>
           </a:xfrm>
         </p:grpSpPr>
         <p:sp>
@@ -3349,8 +3340,8 @@
           </p:nvSpPr>
           <p:spPr>
             <a:xfrm flipH="1" flipV="1">
-              <a:off x="1599996" y="5157190"/>
-              <a:ext cx="2808312" cy="1233428"/>
+              <a:off x="1599995" y="5157190"/>
+              <a:ext cx="3089835" cy="1233428"/>
             </a:xfrm>
             <a:prstGeom prst="foldedCorner">
               <a:avLst>
@@ -3403,7 +3394,7 @@
           <p:spPr>
             <a:xfrm>
               <a:off x="1756729" y="5373216"/>
-              <a:ext cx="2509020" cy="749166"/>
+              <a:ext cx="3159839" cy="749166"/>
             </a:xfrm>
             <a:prstGeom prst="rect">
               <a:avLst/>
@@ -3416,7 +3407,7 @@
             </a:bodyPr>
             <a:lstStyle/>
             <a:p>
-              <a:endParaRPr lang="en-US" sz="1200" b="1" dirty="0" smtClean="0">
+              <a:endParaRPr lang="en-US" sz="1200" b="1" dirty="0">
                 <a:solidFill>
                   <a:srgbClr val="FF0000"/>
                 </a:solidFill>
@@ -3426,36 +3417,36 @@
             </a:p>
             <a:p>
               <a:r>
-                <a:rPr lang="en-US" sz="1200" b="1" dirty="0" smtClean="0">
+                <a:rPr lang="en-US" sz="1200" b="1" dirty="0">
                   <a:solidFill>
                     <a:srgbClr val="FF0000"/>
                   </a:solidFill>
                   <a:latin typeface="Courier New" panose="02070309020205020404" pitchFamily="49" charset="0"/>
                   <a:cs typeface="Courier New" panose="02070309020205020404" pitchFamily="49" charset="0"/>
                 </a:rPr>
-                <a:t>Card</a:t>
+                <a:t>Card Number</a:t>
               </a:r>
               <a:r>
-                <a:rPr lang="en-US" sz="1200" b="1" dirty="0" smtClean="0">
+                <a:rPr lang="en-US" sz="1200" b="1" dirty="0">
                   <a:latin typeface="Courier New" panose="02070309020205020404" pitchFamily="49" charset="0"/>
                   <a:cs typeface="Courier New" panose="02070309020205020404" pitchFamily="49" charset="0"/>
                 </a:rPr>
                 <a:t>: 6785 0345 5677 2455</a:t>
               </a:r>
               <a:br>
-                <a:rPr lang="en-US" sz="1200" b="1" dirty="0" smtClean="0">
+                <a:rPr lang="en-US" sz="1200" b="1" dirty="0">
                   <a:latin typeface="Courier New" panose="02070309020205020404" pitchFamily="49" charset="0"/>
                   <a:cs typeface="Courier New" panose="02070309020205020404" pitchFamily="49" charset="0"/>
                 </a:rPr>
               </a:br>
-              <a:endParaRPr lang="en-US" sz="1200" b="1" dirty="0" smtClean="0">
+              <a:endParaRPr lang="en-US" sz="1200" b="1" dirty="0">
                 <a:latin typeface="Courier New" panose="02070309020205020404" pitchFamily="49" charset="0"/>
                 <a:cs typeface="Courier New" panose="02070309020205020404" pitchFamily="49" charset="0"/>
               </a:endParaRPr>
             </a:p>
             <a:p>
               <a:r>
-                <a:rPr lang="en-US" sz="1200" b="1" dirty="0" smtClean="0">
+                <a:rPr lang="en-US" sz="1200" b="1" dirty="0">
                   <a:solidFill>
                     <a:srgbClr val="FF0000"/>
                   </a:solidFill>
@@ -3465,7 +3456,7 @@
                 <a:t>User Signature key</a:t>
               </a:r>
               <a:r>
-                <a:rPr lang="en-US" sz="1200" b="1" dirty="0" smtClean="0">
+                <a:rPr lang="en-US" sz="1200" b="1" dirty="0">
                   <a:latin typeface="Courier New" panose="02070309020205020404" pitchFamily="49" charset="0"/>
                   <a:cs typeface="Courier New" panose="02070309020205020404" pitchFamily="49" charset="0"/>
                 </a:rPr>
@@ -3498,16 +3489,12 @@
           <a:lstStyle/>
           <a:p>
             <a:r>
-              <a:rPr lang="en-US" sz="1200" dirty="0" smtClean="0">
+              <a:rPr lang="en-US" sz="1200" dirty="0">
                 <a:latin typeface="Arial" panose="020B0604020202020204" pitchFamily="34" charset="0"/>
                 <a:cs typeface="Arial" panose="020B0604020202020204" pitchFamily="34" charset="0"/>
               </a:rPr>
               <a:t>Client side</a:t>
             </a:r>
-            <a:endParaRPr lang="en-US" sz="1200" dirty="0">
-              <a:latin typeface="Arial" panose="020B0604020202020204" pitchFamily="34" charset="0"/>
-              <a:cs typeface="Arial" panose="020B0604020202020204" pitchFamily="34" charset="0"/>
-            </a:endParaRPr>
           </a:p>
         </p:txBody>
       </p:sp>
@@ -3534,16 +3521,12 @@
           <a:lstStyle/>
           <a:p>
             <a:r>
-              <a:rPr lang="en-US" sz="1200" dirty="0" smtClean="0">
+              <a:rPr lang="en-US" sz="1200" dirty="0">
                 <a:latin typeface="Arial" panose="020B0604020202020204" pitchFamily="34" charset="0"/>
                 <a:cs typeface="Arial" panose="020B0604020202020204" pitchFamily="34" charset="0"/>
               </a:rPr>
               <a:t>Merchant side</a:t>
             </a:r>
-            <a:endParaRPr lang="en-US" sz="1200" dirty="0">
-              <a:latin typeface="Arial" panose="020B0604020202020204" pitchFamily="34" charset="0"/>
-              <a:cs typeface="Arial" panose="020B0604020202020204" pitchFamily="34" charset="0"/>
-            </a:endParaRPr>
           </a:p>
         </p:txBody>
       </p:sp>
@@ -5647,16 +5630,12 @@
           <a:p>
             <a:pPr algn="ctr"/>
             <a:r>
-              <a:rPr lang="en-US" sz="1400" dirty="0" smtClean="0">
+              <a:rPr lang="en-US" sz="1400" dirty="0">
                 <a:latin typeface="Arial" panose="020B0604020202020204" pitchFamily="34" charset="0"/>
                 <a:cs typeface="Arial" panose="020B0604020202020204" pitchFamily="34" charset="0"/>
               </a:rPr>
               <a:t>Issuer Banks</a:t>
             </a:r>
-            <a:endParaRPr lang="en-US" sz="1400" dirty="0">
-              <a:latin typeface="Arial" panose="020B0604020202020204" pitchFamily="34" charset="0"/>
-              <a:cs typeface="Arial" panose="020B0604020202020204" pitchFamily="34" charset="0"/>
-            </a:endParaRPr>
           </a:p>
         </p:txBody>
       </p:sp>
@@ -5703,7 +5682,7 @@
           <a:p>
             <a:pPr algn="ctr"/>
             <a:r>
-              <a:rPr lang="en-US" sz="1200" dirty="0" smtClean="0">
+              <a:rPr lang="en-US" sz="1200" dirty="0">
                 <a:solidFill>
                   <a:schemeClr val="tx1"/>
                 </a:solidFill>
@@ -5712,13 +5691,6 @@
               </a:rPr>
               <a:t>User Payment Authorization</a:t>
             </a:r>
-            <a:endParaRPr lang="en-US" sz="1200" dirty="0">
-              <a:solidFill>
-                <a:schemeClr val="tx1"/>
-              </a:solidFill>
-              <a:latin typeface="Arial" panose="020B0604020202020204" pitchFamily="34" charset="0"/>
-              <a:cs typeface="Arial" panose="020B0604020202020204" pitchFamily="34" charset="0"/>
-            </a:endParaRPr>
           </a:p>
         </p:txBody>
       </p:sp>
@@ -5874,29 +5846,25 @@
           <a:p>
             <a:pPr algn="ctr"/>
             <a:r>
-              <a:rPr lang="en-US" sz="1200" dirty="0" smtClean="0">
+              <a:rPr lang="en-US" sz="1200" dirty="0">
                 <a:latin typeface="Arial" panose="020B0604020202020204" pitchFamily="34" charset="0"/>
                 <a:cs typeface="Arial" panose="020B0604020202020204" pitchFamily="34" charset="0"/>
               </a:rPr>
               <a:t>Issuer</a:t>
             </a:r>
             <a:br>
-              <a:rPr lang="en-US" sz="1200" dirty="0" smtClean="0">
+              <a:rPr lang="en-US" sz="1200" dirty="0">
                 <a:latin typeface="Arial" panose="020B0604020202020204" pitchFamily="34" charset="0"/>
                 <a:cs typeface="Arial" panose="020B0604020202020204" pitchFamily="34" charset="0"/>
               </a:rPr>
             </a:br>
             <a:r>
-              <a:rPr lang="en-US" sz="1200" dirty="0" smtClean="0">
+              <a:rPr lang="en-US" sz="1200" dirty="0">
                 <a:latin typeface="Arial" panose="020B0604020202020204" pitchFamily="34" charset="0"/>
                 <a:cs typeface="Arial" panose="020B0604020202020204" pitchFamily="34" charset="0"/>
               </a:rPr>
               <a:t>Lookup DB</a:t>
             </a:r>
-            <a:endParaRPr lang="en-US" sz="1200" dirty="0">
-              <a:latin typeface="Arial" panose="020B0604020202020204" pitchFamily="34" charset="0"/>
-              <a:cs typeface="Arial" panose="020B0604020202020204" pitchFamily="34" charset="0"/>
-            </a:endParaRPr>
           </a:p>
         </p:txBody>
       </p:sp>
@@ -5976,16 +5944,12 @@
           <a:p>
             <a:pPr algn="ctr"/>
             <a:r>
-              <a:rPr lang="en-US" sz="1400" dirty="0" smtClean="0">
+              <a:rPr lang="en-US" sz="1400" dirty="0">
                 <a:latin typeface="Arial" panose="020B0604020202020204" pitchFamily="34" charset="0"/>
                 <a:cs typeface="Arial" panose="020B0604020202020204" pitchFamily="34" charset="0"/>
               </a:rPr>
               <a:t>Acquirer/Card Processor</a:t>
             </a:r>
-            <a:endParaRPr lang="en-US" sz="1400" dirty="0">
-              <a:latin typeface="Arial" panose="020B0604020202020204" pitchFamily="34" charset="0"/>
-              <a:cs typeface="Arial" panose="020B0604020202020204" pitchFamily="34" charset="0"/>
-            </a:endParaRPr>
           </a:p>
         </p:txBody>
       </p:sp>
@@ -6013,33 +5977,22 @@
           <a:p>
             <a:pPr algn="ctr"/>
             <a:r>
-              <a:rPr lang="en-US" sz="2400" dirty="0" smtClean="0">
+              <a:rPr lang="en-US" sz="2400" dirty="0">
                 <a:latin typeface="Times New Roman" panose="02020603050405020304" pitchFamily="18" charset="0"/>
                 <a:cs typeface="Times New Roman" panose="02020603050405020304" pitchFamily="18" charset="0"/>
               </a:rPr>
-              <a:t>Payment Decentralization (Disruption) </a:t>
-            </a:r>
-            <a:r>
-              <a:rPr lang="en-US" sz="2400" dirty="0" smtClean="0">
-                <a:latin typeface="Times New Roman" panose="02020603050405020304" pitchFamily="18" charset="0"/>
-                <a:cs typeface="Times New Roman" panose="02020603050405020304" pitchFamily="18" charset="0"/>
-              </a:rPr>
-              <a:t>Scheme</a:t>
+              <a:t>Payment Decentralization (Disruption) Scheme</a:t>
             </a:r>
           </a:p>
           <a:p>
             <a:pPr algn="ctr"/>
             <a:r>
-              <a:rPr lang="en-US" i="1" dirty="0" smtClean="0">
+              <a:rPr lang="en-US" i="1" dirty="0">
                 <a:latin typeface="Times New Roman" panose="02020603050405020304" pitchFamily="18" charset="0"/>
                 <a:cs typeface="Times New Roman" panose="02020603050405020304" pitchFamily="18" charset="0"/>
               </a:rPr>
               <a:t>(slightly simplified)</a:t>
             </a:r>
-            <a:endParaRPr lang="en-US" i="1" dirty="0">
-              <a:latin typeface="Times New Roman" panose="02020603050405020304" pitchFamily="18" charset="0"/>
-              <a:cs typeface="Times New Roman" panose="02020603050405020304" pitchFamily="18" charset="0"/>
-            </a:endParaRPr>
           </a:p>
         </p:txBody>
       </p:sp>
@@ -6066,30 +6019,19 @@
           <a:lstStyle/>
           <a:p>
             <a:r>
-              <a:rPr lang="en-US" sz="1400" i="1" dirty="0" smtClean="0">
+              <a:rPr lang="en-US" sz="1400" i="1" dirty="0">
                 <a:latin typeface="Arial" panose="020B0604020202020204" pitchFamily="34" charset="0"/>
                 <a:cs typeface="Arial" panose="020B0604020202020204" pitchFamily="34" charset="0"/>
               </a:rPr>
               <a:t>Pre-Internet</a:t>
             </a:r>
             <a:r>
-              <a:rPr lang="en-US" sz="1400" dirty="0" smtClean="0">
+              <a:rPr lang="en-US" sz="1400" dirty="0">
                 <a:latin typeface="Arial" panose="020B0604020202020204" pitchFamily="34" charset="0"/>
                 <a:cs typeface="Arial" panose="020B0604020202020204" pitchFamily="34" charset="0"/>
               </a:rPr>
-              <a:t> Payment Card </a:t>
+              <a:t> Payment Card Credential (EMV)</a:t>
             </a:r>
-            <a:r>
-              <a:rPr lang="en-US" sz="1400" dirty="0" smtClean="0">
-                <a:latin typeface="Arial" panose="020B0604020202020204" pitchFamily="34" charset="0"/>
-                <a:cs typeface="Arial" panose="020B0604020202020204" pitchFamily="34" charset="0"/>
-              </a:rPr>
-              <a:t>Credential (EMV)</a:t>
-            </a:r>
-            <a:endParaRPr lang="en-US" sz="1400" dirty="0">
-              <a:latin typeface="Arial" panose="020B0604020202020204" pitchFamily="34" charset="0"/>
-              <a:cs typeface="Arial" panose="020B0604020202020204" pitchFamily="34" charset="0"/>
-            </a:endParaRPr>
           </a:p>
         </p:txBody>
       </p:sp>
@@ -6116,23 +6058,19 @@
           <a:lstStyle/>
           <a:p>
             <a:r>
-              <a:rPr lang="en-US" sz="800" dirty="0" err="1" smtClean="0">
+              <a:rPr lang="en-US" sz="800" dirty="0" err="1">
                 <a:latin typeface="Arial" panose="020B0604020202020204" pitchFamily="34" charset="0"/>
                 <a:cs typeface="Arial" panose="020B0604020202020204" pitchFamily="34" charset="0"/>
               </a:rPr>
               <a:t>A.Rundgren</a:t>
             </a:r>
             <a:r>
-              <a:rPr lang="en-US" sz="800" dirty="0" smtClean="0">
+              <a:rPr lang="en-US" sz="800" dirty="0">
                 <a:latin typeface="Arial" panose="020B0604020202020204" pitchFamily="34" charset="0"/>
                 <a:cs typeface="Arial" panose="020B0604020202020204" pitchFamily="34" charset="0"/>
               </a:rPr>
               <a:t>. 2018-11-18</a:t>
             </a:r>
-            <a:endParaRPr lang="en-US" sz="800" dirty="0">
-              <a:latin typeface="Arial" panose="020B0604020202020204" pitchFamily="34" charset="0"/>
-              <a:cs typeface="Arial" panose="020B0604020202020204" pitchFamily="34" charset="0"/>
-            </a:endParaRPr>
           </a:p>
         </p:txBody>
       </p:sp>
@@ -6225,29 +6163,25 @@
           <a:p>
             <a:pPr algn="ctr"/>
             <a:r>
-              <a:rPr lang="en-US" sz="1400" dirty="0" smtClean="0">
+              <a:rPr lang="en-US" sz="1400" dirty="0">
                 <a:latin typeface="Arial" panose="020B0604020202020204" pitchFamily="34" charset="0"/>
                 <a:cs typeface="Arial" panose="020B0604020202020204" pitchFamily="34" charset="0"/>
               </a:rPr>
               <a:t>“Tokenization”</a:t>
             </a:r>
             <a:br>
-              <a:rPr lang="en-US" sz="1400" dirty="0" smtClean="0">
+              <a:rPr lang="en-US" sz="1400" dirty="0">
                 <a:latin typeface="Arial" panose="020B0604020202020204" pitchFamily="34" charset="0"/>
                 <a:cs typeface="Arial" panose="020B0604020202020204" pitchFamily="34" charset="0"/>
               </a:rPr>
             </a:br>
             <a:r>
-              <a:rPr lang="en-US" sz="1400" dirty="0" smtClean="0">
+              <a:rPr lang="en-US" sz="1400" dirty="0">
                 <a:latin typeface="Arial" panose="020B0604020202020204" pitchFamily="34" charset="0"/>
                 <a:cs typeface="Arial" panose="020B0604020202020204" pitchFamily="34" charset="0"/>
               </a:rPr>
               <a:t>TTP Service</a:t>
             </a:r>
-            <a:endParaRPr lang="en-US" sz="1400" dirty="0">
-              <a:latin typeface="Arial" panose="020B0604020202020204" pitchFamily="34" charset="0"/>
-              <a:cs typeface="Arial" panose="020B0604020202020204" pitchFamily="34" charset="0"/>
-            </a:endParaRPr>
           </a:p>
         </p:txBody>
       </p:sp>
@@ -6335,7 +6269,7 @@
         </p:blipFill>
         <p:spPr bwMode="auto">
           <a:xfrm rot="19980000">
-            <a:off x="2710533" y="5526775"/>
+            <a:off x="2409738" y="5546830"/>
             <a:ext cx="360040" cy="356341"/>
           </a:xfrm>
           <a:prstGeom prst="rect">
@@ -6410,7 +6344,7 @@
           <a:p>
             <a:pPr algn="ctr"/>
             <a:r>
-              <a:rPr lang="en-US" sz="1400" i="1" dirty="0" smtClean="0">
+              <a:rPr lang="en-US" sz="1400" i="1" dirty="0">
                 <a:solidFill>
                   <a:schemeClr val="tx1"/>
                 </a:solidFill>
@@ -6418,7 +6352,7 @@
               <a:t>Signed</a:t>
             </a:r>
             <a:r>
-              <a:rPr lang="en-US" sz="1400" dirty="0" smtClean="0">
+              <a:rPr lang="en-US" sz="1400" dirty="0">
                 <a:solidFill>
                   <a:schemeClr val="tx1"/>
                 </a:solidFill>
@@ -6426,7 +6360,7 @@
               <a:t> </a:t>
             </a:r>
             <a:r>
-              <a:rPr lang="en-US" sz="1400" dirty="0" err="1" smtClean="0">
+              <a:rPr lang="en-US" sz="1400" dirty="0" err="1">
                 <a:solidFill>
                   <a:schemeClr val="tx1"/>
                 </a:solidFill>
@@ -7778,16 +7712,12 @@
               <a:lstStyle/>
               <a:p>
                 <a:r>
-                  <a:rPr lang="en-US" sz="1400" dirty="0" smtClean="0">
+                  <a:rPr lang="en-US" sz="1400" dirty="0">
                     <a:latin typeface="Arial" panose="020B0604020202020204" pitchFamily="34" charset="0"/>
                     <a:cs typeface="Arial" panose="020B0604020202020204" pitchFamily="34" charset="0"/>
                   </a:rPr>
                   <a:t>Merchant</a:t>
                 </a:r>
-                <a:endParaRPr lang="en-US" sz="1400" dirty="0">
-                  <a:latin typeface="Arial" panose="020B0604020202020204" pitchFamily="34" charset="0"/>
-                  <a:cs typeface="Arial" panose="020B0604020202020204" pitchFamily="34" charset="0"/>
-                </a:endParaRPr>
               </a:p>
             </p:txBody>
           </p:sp>
@@ -7868,7 +7798,7 @@
             <p:spPr>
               <a:xfrm>
                 <a:off x="4388803" y="4937974"/>
-                <a:ext cx="4089580" cy="907941"/>
+                <a:ext cx="4368504" cy="907941"/>
               </a:xfrm>
               <a:prstGeom prst="rect">
                 <a:avLst/>
@@ -7887,7 +7817,7 @@
                   </a:spcBef>
                 </a:pPr>
                 <a:r>
-                  <a:rPr lang="en-US" sz="1200" b="1" dirty="0" smtClean="0">
+                  <a:rPr lang="en-US" sz="1200" b="1" dirty="0">
                     <a:solidFill>
                       <a:srgbClr val="FF0000"/>
                     </a:solidFill>
@@ -7897,18 +7827,11 @@
                   <a:t>Issuer URL</a:t>
                 </a:r>
                 <a:r>
-                  <a:rPr lang="en-US" sz="1200" b="1" dirty="0" smtClean="0">
+                  <a:rPr lang="en-US" sz="1200" b="1" dirty="0">
                     <a:latin typeface="Courier New" panose="02070309020205020404" pitchFamily="49" charset="0"/>
                     <a:cs typeface="Courier New" panose="02070309020205020404" pitchFamily="49" charset="0"/>
                   </a:rPr>
-                  <a:t>: </a:t>
-                </a:r>
-                <a:r>
-                  <a:rPr lang="en-US" sz="1200" b="1" dirty="0" smtClean="0">
-                    <a:latin typeface="Courier New" panose="02070309020205020404" pitchFamily="49" charset="0"/>
-                    <a:cs typeface="Courier New" panose="02070309020205020404" pitchFamily="49" charset="0"/>
-                  </a:rPr>
-                  <a:t>https://mybank.com/payment</a:t>
+                  <a:t>: https://mybank.com/payment</a:t>
                 </a:r>
               </a:p>
               <a:p>
@@ -7918,14 +7841,14 @@
                   </a:spcBef>
                 </a:pPr>
                 <a:r>
-                  <a:rPr lang="en-US" sz="1200" b="1" dirty="0" smtClean="0">
+                  <a:rPr lang="en-US" sz="1200" b="1" dirty="0">
                     <a:solidFill>
                       <a:srgbClr val="FF0000"/>
                     </a:solidFill>
                     <a:latin typeface="Courier New" panose="02070309020205020404" pitchFamily="49" charset="0"/>
                     <a:cs typeface="Courier New" panose="02070309020205020404" pitchFamily="49" charset="0"/>
                   </a:rPr>
-                  <a:t>Account</a:t>
+                  <a:t>Account ID</a:t>
                 </a:r>
                 <a:r>
                   <a:rPr lang="en-US" sz="1200" b="1" dirty="0">
@@ -7935,16 +7858,6 @@
                   <a:t>: </a:t>
                 </a:r>
                 <a:r>
-                  <a:rPr lang="en-US" sz="1200" b="1" dirty="0" smtClean="0">
-                    <a:solidFill>
-                      <a:schemeClr val="accent1"/>
-                    </a:solidFill>
-                    <a:latin typeface="Courier New" panose="02070309020205020404" pitchFamily="49" charset="0"/>
-                    <a:cs typeface="Courier New" panose="02070309020205020404" pitchFamily="49" charset="0"/>
-                  </a:rPr>
-                  <a:t>FR14 2004 </a:t>
-                </a:r>
-                <a:r>
                   <a:rPr lang="en-US" sz="1200" b="1" dirty="0">
                     <a:solidFill>
                       <a:schemeClr val="accent1"/>
@@ -7952,21 +7865,11 @@
                     <a:latin typeface="Courier New" panose="02070309020205020404" pitchFamily="49" charset="0"/>
                     <a:cs typeface="Courier New" panose="02070309020205020404" pitchFamily="49" charset="0"/>
                   </a:rPr>
-                  <a:t>1010 0505 0001 3M02 </a:t>
-                </a:r>
-                <a:r>
-                  <a:rPr lang="en-US" sz="1200" b="1" dirty="0" smtClean="0">
-                    <a:solidFill>
-                      <a:schemeClr val="accent1"/>
-                    </a:solidFill>
-                    <a:latin typeface="Courier New" panose="02070309020205020404" pitchFamily="49" charset="0"/>
-                    <a:cs typeface="Courier New" panose="02070309020205020404" pitchFamily="49" charset="0"/>
-                  </a:rPr>
-                  <a:t>606</a:t>
+                  <a:t>FR14 2004 1010 0505 0001 3M02 606</a:t>
                 </a:r>
               </a:p>
               <a:p>
-                <a:endParaRPr lang="en-US" sz="1200" b="1" dirty="0" smtClean="0">
+                <a:endParaRPr lang="en-US" sz="1200" b="1" dirty="0">
                   <a:solidFill>
                     <a:srgbClr val="FF0000"/>
                   </a:solidFill>
@@ -7976,7 +7879,7 @@
               </a:p>
               <a:p>
                 <a:r>
-                  <a:rPr lang="en-US" sz="1200" b="1" dirty="0" smtClean="0">
+                  <a:rPr lang="en-US" sz="1200" b="1" dirty="0">
                     <a:solidFill>
                       <a:srgbClr val="FF0000"/>
                     </a:solidFill>
@@ -7986,7 +7889,7 @@
                   <a:t>User Signature Key</a:t>
                 </a:r>
                 <a:r>
-                  <a:rPr lang="en-US" sz="1200" b="1" dirty="0" smtClean="0">
+                  <a:rPr lang="en-US" sz="1200" b="1" dirty="0">
                     <a:latin typeface="Courier New" panose="02070309020205020404" pitchFamily="49" charset="0"/>
                     <a:cs typeface="Courier New" panose="02070309020205020404" pitchFamily="49" charset="0"/>
                   </a:rPr>
@@ -10110,16 +10013,12 @@
               <a:p>
                 <a:pPr algn="ctr"/>
                 <a:r>
-                  <a:rPr lang="en-US" sz="1400" dirty="0" smtClean="0">
+                  <a:rPr lang="en-US" sz="1400" dirty="0">
                     <a:latin typeface="Arial" panose="020B0604020202020204" pitchFamily="34" charset="0"/>
                     <a:cs typeface="Arial" panose="020B0604020202020204" pitchFamily="34" charset="0"/>
                   </a:rPr>
                   <a:t>Issuer Banks</a:t>
                 </a:r>
-                <a:endParaRPr lang="en-US" sz="1400" dirty="0">
-                  <a:latin typeface="Arial" panose="020B0604020202020204" pitchFamily="34" charset="0"/>
-                  <a:cs typeface="Arial" panose="020B0604020202020204" pitchFamily="34" charset="0"/>
-                </a:endParaRPr>
               </a:p>
             </p:txBody>
           </p:sp>
@@ -10200,30 +10099,26 @@
           <a:lstStyle/>
           <a:p>
             <a:r>
-              <a:rPr lang="en-US" sz="1400" dirty="0" smtClean="0">
+              <a:rPr lang="en-US" sz="1400" dirty="0">
                 <a:latin typeface="Arial" panose="020B0604020202020204" pitchFamily="34" charset="0"/>
                 <a:cs typeface="Arial" panose="020B0604020202020204" pitchFamily="34" charset="0"/>
               </a:rPr>
               <a:t>Enhanced </a:t>
             </a:r>
             <a:r>
-              <a:rPr lang="en-US" sz="1400" i="1" dirty="0" smtClean="0">
+              <a:rPr lang="en-US" sz="1400" i="1" dirty="0">
                 <a:latin typeface="Arial" panose="020B0604020202020204" pitchFamily="34" charset="0"/>
                 <a:cs typeface="Arial" panose="020B0604020202020204" pitchFamily="34" charset="0"/>
               </a:rPr>
               <a:t>Web-enabled</a:t>
             </a:r>
             <a:r>
-              <a:rPr lang="en-US" sz="1400" dirty="0" smtClean="0">
+              <a:rPr lang="en-US" sz="1400" dirty="0">
                 <a:latin typeface="Arial" panose="020B0604020202020204" pitchFamily="34" charset="0"/>
                 <a:cs typeface="Arial" panose="020B0604020202020204" pitchFamily="34" charset="0"/>
               </a:rPr>
               <a:t> Payment Credential</a:t>
             </a:r>
-            <a:endParaRPr lang="en-US" sz="1400" dirty="0">
-              <a:latin typeface="Arial" panose="020B0604020202020204" pitchFamily="34" charset="0"/>
-              <a:cs typeface="Arial" panose="020B0604020202020204" pitchFamily="34" charset="0"/>
-            </a:endParaRPr>
           </a:p>
         </p:txBody>
       </p:sp>
@@ -11568,7 +11463,7 @@
           <a:p>
             <a:pPr algn="ctr"/>
             <a:r>
-              <a:rPr lang="en-US" sz="1400" i="1" dirty="0" smtClean="0">
+              <a:rPr lang="en-US" sz="1400" i="1" dirty="0">
                 <a:solidFill>
                   <a:schemeClr val="tx1"/>
                 </a:solidFill>
@@ -11576,7 +11471,7 @@
               <a:t>Signed</a:t>
             </a:r>
             <a:r>
-              <a:rPr lang="en-US" sz="1400" dirty="0" smtClean="0">
+              <a:rPr lang="en-US" sz="1400" dirty="0">
                 <a:solidFill>
                   <a:schemeClr val="tx1"/>
                 </a:solidFill>
@@ -11584,7 +11479,7 @@
               <a:t> </a:t>
             </a:r>
             <a:r>
-              <a:rPr lang="en-US" sz="1400" dirty="0" err="1" smtClean="0">
+              <a:rPr lang="en-US" sz="1400" dirty="0" err="1">
                 <a:solidFill>
                   <a:schemeClr val="tx1"/>
                 </a:solidFill>
@@ -11622,9 +11517,9 @@
           <p:grpSpPr>
             <a:xfrm>
               <a:off x="4289644" y="1453297"/>
-              <a:ext cx="3469828" cy="4744411"/>
+              <a:ext cx="3493894" cy="4744411"/>
               <a:chOff x="4289644" y="1453297"/>
-              <a:chExt cx="3469828" cy="4744411"/>
+              <a:chExt cx="3493894" cy="4744411"/>
             </a:xfrm>
           </p:grpSpPr>
           <p:pic>
@@ -11720,29 +11615,25 @@
               <a:lstStyle/>
               <a:p>
                 <a:r>
-                  <a:rPr lang="en-US" sz="1200" dirty="0" smtClean="0">
+                  <a:rPr lang="en-US" sz="1200" dirty="0">
                     <a:latin typeface="Arial" panose="020B0604020202020204" pitchFamily="34" charset="0"/>
                     <a:cs typeface="Arial" panose="020B0604020202020204" pitchFamily="34" charset="0"/>
                   </a:rPr>
                   <a:t>Decryption</a:t>
                 </a:r>
                 <a:br>
-                  <a:rPr lang="en-US" sz="1200" dirty="0" smtClean="0">
+                  <a:rPr lang="en-US" sz="1200" dirty="0">
                     <a:latin typeface="Arial" panose="020B0604020202020204" pitchFamily="34" charset="0"/>
                     <a:cs typeface="Arial" panose="020B0604020202020204" pitchFamily="34" charset="0"/>
                   </a:rPr>
                 </a:br>
                 <a:r>
-                  <a:rPr lang="en-US" sz="1200" dirty="0" smtClean="0">
+                  <a:rPr lang="en-US" sz="1200" dirty="0">
                     <a:latin typeface="Arial" panose="020B0604020202020204" pitchFamily="34" charset="0"/>
                     <a:cs typeface="Arial" panose="020B0604020202020204" pitchFamily="34" charset="0"/>
                   </a:rPr>
                   <a:t>Key</a:t>
                 </a:r>
-                <a:endParaRPr lang="en-US" sz="1200" dirty="0">
-                  <a:latin typeface="Arial" panose="020B0604020202020204" pitchFamily="34" charset="0"/>
-                  <a:cs typeface="Arial" panose="020B0604020202020204" pitchFamily="34" charset="0"/>
-                </a:endParaRPr>
               </a:p>
             </p:txBody>
           </p:sp>
@@ -11769,7 +11660,7 @@
               <a:lstStyle/>
               <a:p>
                 <a:r>
-                  <a:rPr lang="en-US" sz="1200" b="1" dirty="0" smtClean="0">
+                  <a:rPr lang="en-US" sz="1200" b="1" dirty="0">
                     <a:solidFill>
                       <a:srgbClr val="FF0000"/>
                     </a:solidFill>
@@ -11779,7 +11670,7 @@
                   <a:t>Issuer Specific Encryption Key</a:t>
                 </a:r>
                 <a:r>
-                  <a:rPr lang="en-US" sz="1200" b="1" dirty="0" smtClean="0">
+                  <a:rPr lang="en-US" sz="1200" b="1" dirty="0">
                     <a:latin typeface="Courier New" panose="02070309020205020404" pitchFamily="49" charset="0"/>
                     <a:cs typeface="Courier New" panose="02070309020205020404" pitchFamily="49" charset="0"/>
                   </a:rPr>
@@ -11827,7 +11718,7 @@
             </p:blipFill>
             <p:spPr bwMode="auto">
               <a:xfrm rot="19971841">
-                <a:off x="7399432" y="5841367"/>
+                <a:off x="7423498" y="5841367"/>
                 <a:ext cx="360040" cy="356341"/>
               </a:xfrm>
               <a:prstGeom prst="rect">
@@ -11903,7 +11794,7 @@
             <a:p>
               <a:pPr algn="ctr"/>
               <a:r>
-                <a:rPr lang="en-US" sz="1400" i="1" dirty="0" smtClean="0">
+                <a:rPr lang="en-US" sz="1400" i="1" dirty="0">
                   <a:solidFill>
                     <a:schemeClr val="tx1"/>
                   </a:solidFill>
@@ -11911,23 +11802,15 @@
                 <a:t>Signed</a:t>
               </a:r>
               <a:r>
-                <a:rPr lang="en-US" sz="1400" dirty="0" smtClean="0">
+                <a:rPr lang="en-US" sz="1400" dirty="0">
                   <a:solidFill>
                     <a:schemeClr val="tx1"/>
                   </a:solidFill>
                 </a:rPr>
-                <a:t> </a:t>
+                <a:t> &amp; </a:t>
               </a:r>
               <a:r>
-                <a:rPr lang="en-US" sz="1400" dirty="0" smtClean="0">
-                  <a:solidFill>
-                    <a:schemeClr val="tx1"/>
-                  </a:solidFill>
-                </a:rPr>
-                <a:t>&amp; </a:t>
-              </a:r>
-              <a:r>
-                <a:rPr lang="en-US" sz="1400" i="1" dirty="0" smtClean="0">
+                <a:rPr lang="en-US" sz="1400" i="1" dirty="0">
                   <a:solidFill>
                     <a:schemeClr val="tx1"/>
                   </a:solidFill>
@@ -11935,34 +11818,13 @@
                 <a:t>Encrypted</a:t>
               </a:r>
               <a:r>
-                <a:rPr lang="en-US" sz="1400" dirty="0" smtClean="0">
+                <a:rPr lang="en-US" sz="1400" dirty="0">
                   <a:solidFill>
                     <a:schemeClr val="tx1"/>
                   </a:solidFill>
                 </a:rPr>
-                <a:t> </a:t>
+                <a:t> Auth + Issuer URL</a:t>
               </a:r>
-              <a:r>
-                <a:rPr lang="en-US" sz="1400" dirty="0" err="1" smtClean="0">
-                  <a:solidFill>
-                    <a:schemeClr val="tx1"/>
-                  </a:solidFill>
-                </a:rPr>
-                <a:t>Auth</a:t>
-              </a:r>
-              <a:r>
-                <a:rPr lang="en-US" sz="1400" dirty="0" smtClean="0">
-                  <a:solidFill>
-                    <a:schemeClr val="tx1"/>
-                  </a:solidFill>
-                </a:rPr>
-                <a:t> + Issuer URL</a:t>
-              </a:r>
-              <a:endParaRPr lang="en-US" sz="1400" dirty="0">
-                <a:solidFill>
-                  <a:schemeClr val="tx1"/>
-                </a:solidFill>
-              </a:endParaRPr>
             </a:p>
           </p:txBody>
         </p:sp>
@@ -12052,18 +11914,13 @@
             <a:p>
               <a:pPr algn="ctr"/>
               <a:r>
-                <a:rPr lang="en-US" dirty="0" smtClean="0">
+                <a:rPr lang="en-US" dirty="0">
                   <a:solidFill>
                     <a:schemeClr val="tx1"/>
                   </a:solidFill>
                 </a:rPr>
                 <a:t>POOF!</a:t>
               </a:r>
-              <a:endParaRPr lang="en-US" dirty="0">
-                <a:solidFill>
-                  <a:schemeClr val="tx1"/>
-                </a:solidFill>
-              </a:endParaRPr>
             </a:p>
           </p:txBody>
         </p:sp>
@@ -12216,18 +12073,13 @@
             <a:p>
               <a:pPr algn="ctr"/>
               <a:r>
-                <a:rPr lang="en-US" dirty="0" smtClean="0">
+                <a:rPr lang="en-US" dirty="0">
                   <a:solidFill>
                     <a:schemeClr val="tx1"/>
                   </a:solidFill>
                 </a:rPr>
                 <a:t>POOF!</a:t>
               </a:r>
-              <a:endParaRPr lang="en-US" dirty="0">
-                <a:solidFill>
-                  <a:schemeClr val="tx1"/>
-                </a:solidFill>
-              </a:endParaRPr>
             </a:p>
           </p:txBody>
         </p:sp>
@@ -12328,29 +12180,25 @@
           <a:p>
             <a:pPr algn="ctr"/>
             <a:r>
-              <a:rPr lang="en-US" sz="1200" dirty="0" smtClean="0">
+              <a:rPr lang="en-US" sz="1200" dirty="0">
                 <a:latin typeface="Arial" panose="020B0604020202020204" pitchFamily="34" charset="0"/>
                 <a:cs typeface="Arial" panose="020B0604020202020204" pitchFamily="34" charset="0"/>
               </a:rPr>
               <a:t>Recent</a:t>
             </a:r>
             <a:br>
-              <a:rPr lang="en-US" sz="1200" dirty="0" smtClean="0">
+              <a:rPr lang="en-US" sz="1200" dirty="0">
                 <a:latin typeface="Arial" panose="020B0604020202020204" pitchFamily="34" charset="0"/>
                 <a:cs typeface="Arial" panose="020B0604020202020204" pitchFamily="34" charset="0"/>
               </a:rPr>
             </a:br>
             <a:r>
-              <a:rPr lang="en-US" sz="1200" dirty="0" smtClean="0">
+              <a:rPr lang="en-US" sz="1200" dirty="0">
                 <a:latin typeface="Arial" panose="020B0604020202020204" pitchFamily="34" charset="0"/>
                 <a:cs typeface="Arial" panose="020B0604020202020204" pitchFamily="34" charset="0"/>
               </a:rPr>
               <a:t>Addition</a:t>
             </a:r>
-            <a:endParaRPr lang="en-US" sz="1200" dirty="0">
-              <a:latin typeface="Arial" panose="020B0604020202020204" pitchFamily="34" charset="0"/>
-              <a:cs typeface="Arial" panose="020B0604020202020204" pitchFamily="34" charset="0"/>
-            </a:endParaRPr>
           </a:p>
         </p:txBody>
       </p:sp>
